--- a/trunk/PFC/Presentacion/PresentacionPFC.pptx
+++ b/trunk/PFC/Presentacion/PresentacionPFC.pptx
@@ -5,10 +5,10 @@
     <p:sldMasterId id="2147483648" r:id="rId1"/>
   </p:sldMasterIdLst>
   <p:notesMasterIdLst>
-    <p:notesMasterId r:id="rId22"/>
+    <p:notesMasterId r:id="rId26"/>
   </p:notesMasterIdLst>
   <p:handoutMasterIdLst>
-    <p:handoutMasterId r:id="rId23"/>
+    <p:handoutMasterId r:id="rId27"/>
   </p:handoutMasterIdLst>
   <p:sldIdLst>
     <p:sldId id="256" r:id="rId2"/>
@@ -29,8 +29,12 @@
     <p:sldId id="274" r:id="rId17"/>
     <p:sldId id="277" r:id="rId18"/>
     <p:sldId id="264" r:id="rId19"/>
-    <p:sldId id="265" r:id="rId20"/>
-    <p:sldId id="266" r:id="rId21"/>
+    <p:sldId id="278" r:id="rId20"/>
+    <p:sldId id="279" r:id="rId21"/>
+    <p:sldId id="280" r:id="rId22"/>
+    <p:sldId id="281" r:id="rId23"/>
+    <p:sldId id="265" r:id="rId24"/>
+    <p:sldId id="266" r:id="rId25"/>
   </p:sldIdLst>
   <p:sldSz cx="9144000" cy="6858000" type="screen4x3"/>
   <p:notesSz cx="6858000" cy="9144000"/>
@@ -4496,7 +4500,7 @@
           <a:p>
             <a:fld id="{A7382525-206E-4849-9684-E653C6B07FA9}" type="datetimeFigureOut">
               <a:rPr lang="es-ES" smtClean="0"/>
-              <a:t>23/01/2012</a:t>
+              <a:t>24/01/2012</a:t>
             </a:fld>
             <a:endParaRPr lang="es-ES"/>
           </a:p>
@@ -4661,7 +4665,7 @@
           <a:p>
             <a:fld id="{209A11F6-7D56-4094-AE81-8F6265B54381}" type="datetimeFigureOut">
               <a:rPr lang="es-ES" smtClean="0"/>
-              <a:t>23/01/2012</a:t>
+              <a:t>24/01/2012</a:t>
             </a:fld>
             <a:endParaRPr lang="es-ES"/>
           </a:p>
@@ -5062,42 +5066,13 @@
               <a:buChar char="-"/>
             </a:pPr>
             <a:r>
+              <a:rPr lang="es-ES" dirty="0" smtClean="0"/>
+              <a:t>Como se ha comentado en el apartado anterior, el objetivo del</a:t>
+            </a:r>
+            <a:r>
               <a:rPr lang="es-ES" baseline="0" dirty="0" smtClean="0"/>
-              <a:t>En esta sección mostraremos una pincelada sobre los fundamentos teóricos en los que se basa el PFC y que han sido comentados brevemente en la introducción del tema, a la hora de proponer el sistema a desarrollar.</a:t>
-            </a:r>
-          </a:p>
-          <a:p>
-            <a:pPr marL="285750" indent="-285750">
-              <a:buFontTx/>
-              <a:buChar char="-"/>
-            </a:pPr>
-            <a:endParaRPr lang="es-ES" baseline="0" dirty="0" smtClean="0"/>
-          </a:p>
-          <a:p>
-            <a:pPr marL="285750" indent="-285750">
-              <a:buFontTx/>
-              <a:buChar char="-"/>
-            </a:pPr>
-            <a:r>
-              <a:rPr lang="es-ES" baseline="0" dirty="0" smtClean="0"/>
-              <a:t>El primero de estos fundamentos teóricos es el DGS, que ya ha sido abordado en la introducción, realizando su definición y mostrando sus principales ventajas y desafíos, que han sido la motivación para realizar este PFC. </a:t>
-            </a:r>
-          </a:p>
-          <a:p>
-            <a:pPr marL="285750" indent="-285750">
-              <a:buFontTx/>
-              <a:buChar char="-"/>
-            </a:pPr>
-            <a:r>
-              <a:rPr lang="es-ES" baseline="0" dirty="0" smtClean="0"/>
-              <a:t>Por tanto, en los siguientes puntos se revisará el estado del arte de disciplinas que han intervenido en la realización del proyecto.</a:t>
-            </a:r>
-          </a:p>
-          <a:p>
-            <a:pPr marL="285750" indent="-285750">
-              <a:buFontTx/>
-              <a:buChar char="-"/>
-            </a:pPr>
+              <a:t> PFC es desarrollar una herramienta para mitigar los desafíos encontrados en DGS, facilitando la gestión de conocimiento y decisiones. Concretamente, el objetivo principal consiste en …</a:t>
+            </a:r>
             <a:endParaRPr lang="es-ES" dirty="0"/>
           </a:p>
         </p:txBody>
@@ -5119,7 +5094,7 @@
           <a:p>
             <a:fld id="{6E665CBF-38AC-4922-92E9-BC7AD6EBE033}" type="slidenum">
               <a:rPr lang="es-ES" smtClean="0"/>
-              <a:t>12</a:t>
+              <a:t>10</a:t>
             </a:fld>
             <a:endParaRPr lang="es-ES"/>
           </a:p>
@@ -5128,7 +5103,7 @@
     </p:spTree>
     <p:extLst>
       <p:ext uri="{BB962C8B-B14F-4D97-AF65-F5344CB8AC3E}">
-        <p14:creationId xmlns:p14="http://schemas.microsoft.com/office/powerpoint/2010/main" val="1876301660"/>
+        <p14:creationId xmlns:p14="http://schemas.microsoft.com/office/powerpoint/2010/main" val="1369053244"/>
       </p:ext>
     </p:extLst>
   </p:cSld>
@@ -5188,35 +5163,68 @@
             </a:pPr>
             <a:r>
               <a:rPr lang="es-ES" dirty="0" smtClean="0"/>
-              <a:t>¿Qué</a:t>
+              <a:t>En esta tabla se muestra</a:t>
             </a:r>
             <a:r>
               <a:rPr lang="es-ES" baseline="0" dirty="0" smtClean="0"/>
-              <a:t> es </a:t>
-            </a:r>
-            <a:r>
-              <a:rPr lang="es-ES" baseline="0" dirty="0" err="1" smtClean="0"/>
-              <a:t>Rationale</a:t>
-            </a:r>
+              <a:t>n los objetivos asociados al objetivo principal, cuya consecución tendrá como consecuencia la consecución del objetivo principal.</a:t>
+            </a:r>
+          </a:p>
+          <a:p>
+            <a:pPr marL="285750" indent="-285750">
+              <a:buFontTx/>
+              <a:buChar char="-"/>
+            </a:pPr>
             <a:r>
               <a:rPr lang="es-ES" baseline="0" dirty="0" smtClean="0"/>
-              <a:t>, o </a:t>
-            </a:r>
-            <a:r>
-              <a:rPr lang="es-ES" baseline="0" dirty="0" err="1" smtClean="0"/>
-              <a:t>Design</a:t>
-            </a:r>
+              <a:t>Se muestra el identificador del objetivo, una pequeña descripción de dicho objetivo y el desafío del DGS que se pretende mitigar o resolver.</a:t>
+            </a:r>
+          </a:p>
+          <a:p>
+            <a:pPr marL="285750" indent="-285750">
+              <a:buFontTx/>
+              <a:buChar char="-"/>
+            </a:pPr>
+            <a:endParaRPr lang="es-ES" baseline="0" dirty="0" smtClean="0"/>
+          </a:p>
+          <a:p>
+            <a:pPr marL="285750" indent="-285750">
+              <a:buFontTx/>
+              <a:buChar char="-"/>
+            </a:pPr>
             <a:r>
               <a:rPr lang="es-ES" baseline="0" dirty="0" smtClean="0"/>
-              <a:t> </a:t>
-            </a:r>
-            <a:r>
-              <a:rPr lang="es-ES" baseline="0" dirty="0" err="1" smtClean="0"/>
-              <a:t>Rationale</a:t>
-            </a:r>
+              <a:t>O2: Al favorecer la gestión de decisiones, se facilita la comunicación porque se evitan malentendidos socio-culturales, al seguir un mismo formato</a:t>
+            </a:r>
+          </a:p>
+          <a:p>
+            <a:pPr marL="285750" indent="-285750">
+              <a:buFontTx/>
+              <a:buChar char="-"/>
+            </a:pPr>
             <a:r>
               <a:rPr lang="es-ES" baseline="0" dirty="0" smtClean="0"/>
-              <a:t>?</a:t>
+              <a:t>O4: Sistema de notificaciones y refrescar cambios en tiempo real</a:t>
+            </a:r>
+          </a:p>
+          <a:p>
+            <a:pPr marL="285750" indent="-285750">
+              <a:buFontTx/>
+              <a:buChar char="-"/>
+            </a:pPr>
+            <a:r>
+              <a:rPr lang="es-ES" baseline="0" dirty="0" smtClean="0"/>
+              <a:t>O6: Se facilita creando una estructura y formato común para crear/modificar datos de proyectos</a:t>
+            </a:r>
+          </a:p>
+          <a:p>
+            <a:pPr marL="285750" indent="-285750">
+              <a:buFontTx/>
+              <a:buChar char="-"/>
+            </a:pPr>
+            <a:r>
+              <a:rPr lang="es-ES" baseline="0" dirty="0" smtClean="0"/>
+              <a:t>O7: Aspectos de control como informes, estadísticas, etc.</a:t>
             </a:r>
             <a:endParaRPr lang="es-ES" dirty="0"/>
           </a:p>
@@ -5239,7 +5247,7 @@
           <a:p>
             <a:fld id="{6E665CBF-38AC-4922-92E9-BC7AD6EBE033}" type="slidenum">
               <a:rPr lang="es-ES" smtClean="0"/>
-              <a:t>13</a:t>
+              <a:t>11</a:t>
             </a:fld>
             <a:endParaRPr lang="es-ES"/>
           </a:p>
@@ -5307,37 +5315,42 @@
               <a:buChar char="-"/>
             </a:pPr>
             <a:r>
-              <a:rPr lang="es-ES" dirty="0" smtClean="0"/>
-              <a:t>¿Qué</a:t>
-            </a:r>
-            <a:r>
               <a:rPr lang="es-ES" baseline="0" dirty="0" smtClean="0"/>
-              <a:t> es </a:t>
-            </a:r>
-            <a:r>
-              <a:rPr lang="es-ES" baseline="0" dirty="0" err="1" smtClean="0"/>
-              <a:t>Rationale</a:t>
-            </a:r>
+              <a:t>En esta sección mostraremos una pincelada sobre los fundamentos teóricos en los que se basa el PFC y que han sido comentados brevemente en la introducción del tema, a la hora de proponer el sistema a desarrollar.</a:t>
+            </a:r>
+          </a:p>
+          <a:p>
+            <a:pPr marL="285750" indent="-285750">
+              <a:buFontTx/>
+              <a:buChar char="-"/>
+            </a:pPr>
+            <a:endParaRPr lang="es-ES" baseline="0" dirty="0" smtClean="0"/>
+          </a:p>
+          <a:p>
+            <a:pPr marL="285750" indent="-285750">
+              <a:buFontTx/>
+              <a:buChar char="-"/>
+            </a:pPr>
             <a:r>
               <a:rPr lang="es-ES" baseline="0" dirty="0" smtClean="0"/>
-              <a:t>, o </a:t>
-            </a:r>
-            <a:r>
-              <a:rPr lang="es-ES" baseline="0" dirty="0" err="1" smtClean="0"/>
-              <a:t>Design</a:t>
-            </a:r>
+              <a:t>El primero de estos fundamentos teóricos es el DGS, que ya ha sido abordado en la introducción, realizando su definición y mostrando sus principales ventajas y desafíos, que han sido la motivación para realizar este PFC. </a:t>
+            </a:r>
+          </a:p>
+          <a:p>
+            <a:pPr marL="285750" indent="-285750">
+              <a:buFontTx/>
+              <a:buChar char="-"/>
+            </a:pPr>
             <a:r>
               <a:rPr lang="es-ES" baseline="0" dirty="0" smtClean="0"/>
-              <a:t> </a:t>
-            </a:r>
-            <a:r>
-              <a:rPr lang="es-ES" baseline="0" dirty="0" err="1" smtClean="0"/>
-              <a:t>Rationale</a:t>
-            </a:r>
-            <a:r>
-              <a:rPr lang="es-ES" baseline="0" dirty="0" smtClean="0"/>
-              <a:t>?</a:t>
-            </a:r>
+              <a:t>Por tanto, en los siguientes puntos se revisará el estado del arte de disciplinas que han intervenido en la realización del proyecto.</a:t>
+            </a:r>
+          </a:p>
+          <a:p>
+            <a:pPr marL="285750" indent="-285750">
+              <a:buFontTx/>
+              <a:buChar char="-"/>
+            </a:pPr>
             <a:endParaRPr lang="es-ES" dirty="0"/>
           </a:p>
         </p:txBody>
@@ -5359,7 +5372,7 @@
           <a:p>
             <a:fld id="{6E665CBF-38AC-4922-92E9-BC7AD6EBE033}" type="slidenum">
               <a:rPr lang="es-ES" smtClean="0"/>
-              <a:t>14</a:t>
+              <a:t>12</a:t>
             </a:fld>
             <a:endParaRPr lang="es-ES"/>
           </a:p>
@@ -5368,7 +5381,7 @@
     </p:spTree>
     <p:extLst>
       <p:ext uri="{BB962C8B-B14F-4D97-AF65-F5344CB8AC3E}">
-        <p14:creationId xmlns:p14="http://schemas.microsoft.com/office/powerpoint/2010/main" val="1369053244"/>
+        <p14:creationId xmlns:p14="http://schemas.microsoft.com/office/powerpoint/2010/main" val="1876301660"/>
       </p:ext>
     </p:extLst>
   </p:cSld>
@@ -5479,7 +5492,7 @@
           <a:p>
             <a:fld id="{6E665CBF-38AC-4922-92E9-BC7AD6EBE033}" type="slidenum">
               <a:rPr lang="es-ES" smtClean="0"/>
-              <a:t>15</a:t>
+              <a:t>13</a:t>
             </a:fld>
             <a:endParaRPr lang="es-ES"/>
           </a:p>
@@ -5542,19 +5555,165 @@
           <a:bodyPr/>
           <a:lstStyle/>
           <a:p>
+            <a:pPr marL="285750" marR="0" indent="-285750" algn="l" defTabSz="1072866" rtl="0" eaLnBrk="1" fontAlgn="auto" latinLnBrk="0" hangingPunct="1">
+              <a:lnSpc>
+                <a:spcPct val="100000"/>
+              </a:lnSpc>
+              <a:spcBef>
+                <a:spcPts val="0"/>
+              </a:spcBef>
+              <a:spcAft>
+                <a:spcPts val="0"/>
+              </a:spcAft>
+              <a:buClrTx/>
+              <a:buSzTx/>
+              <a:buFontTx/>
+              <a:buChar char="-"/>
+              <a:tabLst/>
+              <a:defRPr/>
+            </a:pPr>
+            <a:r>
+              <a:rPr lang="es-ES" dirty="0" smtClean="0"/>
+              <a:t>Atendiendo</a:t>
+            </a:r>
+            <a:r>
+              <a:rPr lang="es-ES" baseline="0" dirty="0" smtClean="0"/>
+              <a:t> a la definición anterior, </a:t>
+            </a:r>
+            <a:r>
+              <a:rPr lang="es-ES" baseline="0" dirty="0" err="1" smtClean="0"/>
+              <a:t>Rationale</a:t>
+            </a:r>
+            <a:r>
+              <a:rPr lang="es-ES" baseline="0" dirty="0" smtClean="0"/>
+              <a:t> se centra en </a:t>
+            </a:r>
+            <a:r>
+              <a:rPr lang="es-ES" sz="1400" dirty="0" smtClean="0">
+                <a:solidFill>
+                  <a:schemeClr val="tx2">
+                    <a:lumMod val="75000"/>
+                  </a:schemeClr>
+                </a:solidFill>
+              </a:rPr>
+              <a:t>capturar decisiones tomadas en proyectos software, junto a sus argumentos, además</a:t>
+            </a:r>
+            <a:r>
+              <a:rPr lang="es-ES" sz="1400" baseline="0" dirty="0" smtClean="0">
+                <a:solidFill>
+                  <a:schemeClr val="tx2">
+                    <a:lumMod val="75000"/>
+                  </a:schemeClr>
+                </a:solidFill>
+              </a:rPr>
+              <a:t> de una valuación de dichas decisiones (si son aceptadas, </a:t>
+            </a:r>
+            <a:r>
+              <a:rPr lang="es-ES" sz="1400" u="none" baseline="0" dirty="0" smtClean="0">
+                <a:solidFill>
+                  <a:schemeClr val="tx2">
+                    <a:lumMod val="75000"/>
+                  </a:schemeClr>
+                </a:solidFill>
+              </a:rPr>
+              <a:t>válidas</a:t>
+            </a:r>
+            <a:r>
+              <a:rPr lang="es-ES" sz="1400" baseline="0" dirty="0" smtClean="0">
+                <a:solidFill>
+                  <a:schemeClr val="tx2">
+                    <a:lumMod val="75000"/>
+                  </a:schemeClr>
+                </a:solidFill>
+              </a:rPr>
+              <a:t>, rechazadas, </a:t>
+            </a:r>
+            <a:r>
+              <a:rPr lang="es-ES" sz="1400" baseline="0" dirty="0" err="1" smtClean="0">
+                <a:solidFill>
+                  <a:schemeClr val="tx2">
+                    <a:lumMod val="75000"/>
+                  </a:schemeClr>
+                </a:solidFill>
+              </a:rPr>
+              <a:t>etc</a:t>
+            </a:r>
+            <a:r>
+              <a:rPr lang="es-ES" sz="1400" baseline="0" dirty="0" smtClean="0">
+                <a:solidFill>
+                  <a:schemeClr val="tx2">
+                    <a:lumMod val="75000"/>
+                  </a:schemeClr>
+                </a:solidFill>
+              </a:rPr>
+              <a:t>).</a:t>
+            </a:r>
+            <a:endParaRPr lang="es-ES" baseline="0" dirty="0" smtClean="0"/>
+          </a:p>
+          <a:p>
             <a:pPr marL="285750" indent="-285750">
               <a:buFontTx/>
               <a:buChar char="-"/>
             </a:pPr>
-            <a:r>
-              <a:rPr lang="es-ES" dirty="0" smtClean="0"/>
-              <a:t>Como se ha comentado en el apartado anterior, el objetivo del</a:t>
-            </a:r>
+            <a:endParaRPr lang="es-ES" baseline="0" dirty="0" smtClean="0"/>
+          </a:p>
+          <a:p>
+            <a:pPr marL="285750" indent="-285750">
+              <a:buFontTx/>
+              <a:buChar char="-"/>
+            </a:pPr>
             <a:r>
               <a:rPr lang="es-ES" baseline="0" dirty="0" smtClean="0"/>
-              <a:t> PFC es desarrollar una herramienta para mitigar los desafíos encontrados en DGS, facilitando la gestión de conocimiento y decisiones. Concretamente, el objetivo principal consiste en …</a:t>
-            </a:r>
-            <a:endParaRPr lang="es-ES" dirty="0"/>
+              <a:t>Para ello, existen diferentes métodos que pueden emplearse para la captura de las decisiones:</a:t>
+            </a:r>
+          </a:p>
+          <a:p>
+            <a:pPr marL="822183" lvl="1" indent="-285750">
+              <a:buFont typeface="Arial" charset="0"/>
+              <a:buChar char="•"/>
+            </a:pPr>
+            <a:r>
+              <a:rPr lang="es-ES" baseline="0" dirty="0" smtClean="0"/>
+              <a:t>Record and Play: las decisiones se van capturando a </a:t>
+            </a:r>
+            <a:r>
+              <a:rPr lang="es-ES" baseline="0" dirty="0" err="1" smtClean="0"/>
+              <a:t>traves</a:t>
+            </a:r>
+            <a:r>
+              <a:rPr lang="es-ES" baseline="0" dirty="0" smtClean="0"/>
+              <a:t> de video-conferencias, chats, emails, </a:t>
+            </a:r>
+            <a:r>
+              <a:rPr lang="es-ES" baseline="0" dirty="0" err="1" smtClean="0"/>
+              <a:t>etc</a:t>
+            </a:r>
+            <a:endParaRPr lang="es-ES" baseline="0" dirty="0" smtClean="0"/>
+          </a:p>
+          <a:p>
+            <a:pPr marL="822183" lvl="1" indent="-285750">
+              <a:buFont typeface="Arial" charset="0"/>
+              <a:buChar char="•"/>
+            </a:pPr>
+            <a:r>
+              <a:rPr lang="es-ES" b="1" baseline="0" dirty="0" smtClean="0"/>
+              <a:t>Aprendiz: </a:t>
+            </a:r>
+            <a:r>
+              <a:rPr lang="es-ES" b="0" baseline="0" dirty="0" smtClean="0"/>
+              <a:t>se van realizando preguntas que pueden coincidir o no con la vista del diseñador. Una variación de ésta es la utilizada en el PFC</a:t>
+            </a:r>
+          </a:p>
+          <a:p>
+            <a:pPr marL="822183" lvl="1" indent="-285750">
+              <a:buFont typeface="Arial" charset="0"/>
+              <a:buChar char="•"/>
+            </a:pPr>
+            <a:r>
+              <a:rPr lang="es-ES" b="0" baseline="0" dirty="0" smtClean="0"/>
+              <a:t>Historiador: una persona o máquina observa todas las acciones que realizan los ingenieros/diseñadores y después describe dichas acciones realizadas</a:t>
+            </a:r>
+            <a:endParaRPr lang="es-ES" b="1" baseline="0" dirty="0" smtClean="0"/>
           </a:p>
         </p:txBody>
       </p:sp>
@@ -5575,7 +5734,7 @@
           <a:p>
             <a:fld id="{6E665CBF-38AC-4922-92E9-BC7AD6EBE033}" type="slidenum">
               <a:rPr lang="es-ES" smtClean="0"/>
-              <a:t>16</a:t>
+              <a:t>14</a:t>
             </a:fld>
             <a:endParaRPr lang="es-ES"/>
           </a:p>
@@ -5644,11 +5803,11 @@
             </a:pPr>
             <a:r>
               <a:rPr lang="es-ES" dirty="0" smtClean="0"/>
-              <a:t>¿Qué</a:t>
+              <a:t>Una</a:t>
             </a:r>
             <a:r>
               <a:rPr lang="es-ES" baseline="0" dirty="0" smtClean="0"/>
-              <a:t> es </a:t>
+              <a:t> vez capturadas las decisiones tomadas en un proyecto software, </a:t>
             </a:r>
             <a:r>
               <a:rPr lang="es-ES" baseline="0" dirty="0" err="1" smtClean="0"/>
@@ -5656,24 +5815,57 @@
             </a:r>
             <a:r>
               <a:rPr lang="es-ES" baseline="0" dirty="0" smtClean="0"/>
-              <a:t>, o </a:t>
+              <a:t> también provee mecanismos para su representación. Dichos mecanismos son:</a:t>
+            </a:r>
+          </a:p>
+          <a:p>
+            <a:pPr marL="822183" lvl="1" indent="-285750">
+              <a:buFont typeface="Arial" charset="0"/>
+              <a:buChar char="•"/>
+            </a:pPr>
+            <a:endParaRPr lang="es-ES" baseline="0" dirty="0" smtClean="0"/>
+          </a:p>
+          <a:p>
+            <a:pPr marL="822183" lvl="1" indent="-285750">
+              <a:buFont typeface="Arial" charset="0"/>
+              <a:buChar char="•"/>
+            </a:pPr>
+            <a:r>
+              <a:rPr lang="es-ES" baseline="0" dirty="0" smtClean="0"/>
+              <a:t>Causal </a:t>
             </a:r>
             <a:r>
               <a:rPr lang="es-ES" baseline="0" dirty="0" err="1" smtClean="0"/>
-              <a:t>Design</a:t>
+              <a:t>Graph</a:t>
             </a:r>
             <a:r>
               <a:rPr lang="es-ES" baseline="0" dirty="0" smtClean="0"/>
-              <a:t> </a:t>
-            </a:r>
-            <a:r>
-              <a:rPr lang="es-ES" baseline="0" dirty="0" err="1" smtClean="0"/>
-              <a:t>Rationale</a:t>
+              <a:t>, o grafo causal, es un grafo donde cada nodo representa una decisión y los arcos representan restricciones entre ellas, por ejemplo, que una depende de otra.</a:t>
+            </a:r>
+          </a:p>
+          <a:p>
+            <a:pPr marL="822183" lvl="1" indent="-285750">
+              <a:buFont typeface="Arial" charset="0"/>
+              <a:buChar char="•"/>
+            </a:pPr>
+            <a:r>
+              <a:rPr lang="es-ES" b="1" baseline="0" dirty="0" smtClean="0"/>
+              <a:t>Dialogue </a:t>
+            </a:r>
+            <a:r>
+              <a:rPr lang="es-ES" b="1" baseline="0" dirty="0" err="1" smtClean="0"/>
+              <a:t>Map</a:t>
             </a:r>
             <a:r>
               <a:rPr lang="es-ES" baseline="0" dirty="0" smtClean="0"/>
-              <a:t>?</a:t>
-            </a:r>
+              <a:t>, es un grafo donde los nodos representan decisiones, en forma de pregunta, idea o argumento, a favor o en contra. Esto se usa en los sistemas de información basados en preguntas y es el utilizado, de manera algo diferente, en el PFC.</a:t>
+            </a:r>
+          </a:p>
+          <a:p>
+            <a:pPr marL="822183" lvl="1" indent="-285750">
+              <a:buFont typeface="Arial" charset="0"/>
+              <a:buChar char="•"/>
+            </a:pPr>
             <a:endParaRPr lang="es-ES" dirty="0"/>
           </a:p>
         </p:txBody>
@@ -5695,7 +5887,567 @@
           <a:p>
             <a:fld id="{6E665CBF-38AC-4922-92E9-BC7AD6EBE033}" type="slidenum">
               <a:rPr lang="es-ES" smtClean="0"/>
+              <a:t>15</a:t>
+            </a:fld>
+            <a:endParaRPr lang="es-ES"/>
+          </a:p>
+        </p:txBody>
+      </p:sp>
+    </p:spTree>
+    <p:extLst>
+      <p:ext uri="{BB962C8B-B14F-4D97-AF65-F5344CB8AC3E}">
+        <p14:creationId xmlns:p14="http://schemas.microsoft.com/office/powerpoint/2010/main" val="1369053244"/>
+      </p:ext>
+    </p:extLst>
+  </p:cSld>
+  <p:clrMapOvr>
+    <a:masterClrMapping/>
+  </p:clrMapOvr>
+</p:notes>
+</file>
+
+<file path=ppt/notesSlides/notesSlide16.xml><?xml version="1.0" encoding="utf-8"?>
+<p:notes xmlns:a="http://schemas.openxmlformats.org/drawingml/2006/main" xmlns:r="http://schemas.openxmlformats.org/officeDocument/2006/relationships" xmlns:p="http://schemas.openxmlformats.org/presentationml/2006/main">
+  <p:cSld>
+    <p:spTree>
+      <p:nvGrpSpPr>
+        <p:cNvPr id="1" name=""/>
+        <p:cNvGrpSpPr/>
+        <p:nvPr/>
+      </p:nvGrpSpPr>
+      <p:grpSpPr>
+        <a:xfrm>
+          <a:off x="0" y="0"/>
+          <a:ext cx="0" cy="0"/>
+          <a:chOff x="0" y="0"/>
+          <a:chExt cx="0" cy="0"/>
+        </a:xfrm>
+      </p:grpSpPr>
+      <p:sp>
+        <p:nvSpPr>
+          <p:cNvPr id="2" name="1 Marcador de imagen de diapositiva"/>
+          <p:cNvSpPr>
+            <a:spLocks noGrp="1" noRot="1" noChangeAspect="1"/>
+          </p:cNvSpPr>
+          <p:nvPr>
+            <p:ph type="sldImg"/>
+          </p:nvPr>
+        </p:nvSpPr>
+        <p:spPr/>
+      </p:sp>
+      <p:sp>
+        <p:nvSpPr>
+          <p:cNvPr id="3" name="2 Marcador de notas"/>
+          <p:cNvSpPr>
+            <a:spLocks noGrp="1"/>
+          </p:cNvSpPr>
+          <p:nvPr>
+            <p:ph type="body" idx="1"/>
+          </p:nvPr>
+        </p:nvSpPr>
+        <p:spPr/>
+        <p:txBody>
+          <a:bodyPr/>
+          <a:lstStyle/>
+          <a:p>
+            <a:pPr marL="285750" indent="-285750">
+              <a:buFontTx/>
+              <a:buChar char="-"/>
+            </a:pPr>
+            <a:r>
+              <a:rPr lang="es-ES" dirty="0" smtClean="0"/>
+              <a:t>CBR son la siglas de Case-</a:t>
+            </a:r>
+            <a:r>
+              <a:rPr lang="es-ES" dirty="0" err="1" smtClean="0"/>
+              <a:t>Based</a:t>
+            </a:r>
+            <a:r>
+              <a:rPr lang="es-ES" baseline="0" dirty="0" smtClean="0"/>
+              <a:t> </a:t>
+            </a:r>
+            <a:r>
+              <a:rPr lang="es-ES" baseline="0" dirty="0" err="1" smtClean="0"/>
+              <a:t>Reasoning</a:t>
+            </a:r>
+            <a:r>
+              <a:rPr lang="es-ES" baseline="0" dirty="0" smtClean="0"/>
+              <a:t>, o Razonamiento basado en casos.</a:t>
+            </a:r>
+          </a:p>
+          <a:p>
+            <a:pPr marL="285750" indent="-285750">
+              <a:buFontTx/>
+              <a:buChar char="-"/>
+            </a:pPr>
+            <a:endParaRPr lang="es-ES" baseline="0" dirty="0" smtClean="0"/>
+          </a:p>
+          <a:p>
+            <a:pPr marL="285750" indent="-285750">
+              <a:buFontTx/>
+              <a:buChar char="-"/>
+            </a:pPr>
+            <a:r>
+              <a:rPr lang="es-ES" baseline="0" dirty="0" smtClean="0"/>
+              <a:t>¿Qué es CBR?</a:t>
+            </a:r>
+          </a:p>
+          <a:p>
+            <a:pPr marL="285750" indent="-285750">
+              <a:buFontTx/>
+              <a:buChar char="-"/>
+            </a:pPr>
+            <a:endParaRPr lang="es-ES" baseline="0" dirty="0" smtClean="0"/>
+          </a:p>
+          <a:p>
+            <a:pPr marL="285750" indent="-285750">
+              <a:buFontTx/>
+              <a:buChar char="-"/>
+            </a:pPr>
+            <a:r>
+              <a:rPr lang="es-ES" baseline="0" dirty="0" smtClean="0"/>
+              <a:t>Por tanto, se trata de una técnica de IA que permite encontrar soluciones a problemas basándose en soluciones previas de problemas semejantes.</a:t>
+            </a:r>
+            <a:endParaRPr lang="es-ES" dirty="0"/>
+          </a:p>
+        </p:txBody>
+      </p:sp>
+      <p:sp>
+        <p:nvSpPr>
+          <p:cNvPr id="4" name="3 Marcador de número de diapositiva"/>
+          <p:cNvSpPr>
+            <a:spLocks noGrp="1"/>
+          </p:cNvSpPr>
+          <p:nvPr>
+            <p:ph type="sldNum" sz="quarter" idx="10"/>
+          </p:nvPr>
+        </p:nvSpPr>
+        <p:spPr/>
+        <p:txBody>
+          <a:bodyPr/>
+          <a:lstStyle/>
+          <a:p>
+            <a:fld id="{6E665CBF-38AC-4922-92E9-BC7AD6EBE033}" type="slidenum">
+              <a:rPr lang="es-ES" smtClean="0"/>
+              <a:t>16</a:t>
+            </a:fld>
+            <a:endParaRPr lang="es-ES"/>
+          </a:p>
+        </p:txBody>
+      </p:sp>
+    </p:spTree>
+    <p:extLst>
+      <p:ext uri="{BB962C8B-B14F-4D97-AF65-F5344CB8AC3E}">
+        <p14:creationId xmlns:p14="http://schemas.microsoft.com/office/powerpoint/2010/main" val="1369053244"/>
+      </p:ext>
+    </p:extLst>
+  </p:cSld>
+  <p:clrMapOvr>
+    <a:masterClrMapping/>
+  </p:clrMapOvr>
+</p:notes>
+</file>
+
+<file path=ppt/notesSlides/notesSlide17.xml><?xml version="1.0" encoding="utf-8"?>
+<p:notes xmlns:a="http://schemas.openxmlformats.org/drawingml/2006/main" xmlns:r="http://schemas.openxmlformats.org/officeDocument/2006/relationships" xmlns:p="http://schemas.openxmlformats.org/presentationml/2006/main">
+  <p:cSld>
+    <p:spTree>
+      <p:nvGrpSpPr>
+        <p:cNvPr id="1" name=""/>
+        <p:cNvGrpSpPr/>
+        <p:nvPr/>
+      </p:nvGrpSpPr>
+      <p:grpSpPr>
+        <a:xfrm>
+          <a:off x="0" y="0"/>
+          <a:ext cx="0" cy="0"/>
+          <a:chOff x="0" y="0"/>
+          <a:chExt cx="0" cy="0"/>
+        </a:xfrm>
+      </p:grpSpPr>
+      <p:sp>
+        <p:nvSpPr>
+          <p:cNvPr id="2" name="1 Marcador de imagen de diapositiva"/>
+          <p:cNvSpPr>
+            <a:spLocks noGrp="1" noRot="1" noChangeAspect="1"/>
+          </p:cNvSpPr>
+          <p:nvPr>
+            <p:ph type="sldImg"/>
+          </p:nvPr>
+        </p:nvSpPr>
+        <p:spPr/>
+      </p:sp>
+      <p:sp>
+        <p:nvSpPr>
+          <p:cNvPr id="3" name="2 Marcador de notas"/>
+          <p:cNvSpPr>
+            <a:spLocks noGrp="1"/>
+          </p:cNvSpPr>
+          <p:nvPr>
+            <p:ph type="body" idx="1"/>
+          </p:nvPr>
+        </p:nvSpPr>
+        <p:spPr/>
+        <p:txBody>
+          <a:bodyPr/>
+          <a:lstStyle/>
+          <a:p>
+            <a:pPr marL="285750" indent="-285750">
+              <a:buFontTx/>
+              <a:buChar char="-"/>
+            </a:pPr>
+            <a:r>
+              <a:rPr lang="es-ES" dirty="0" smtClean="0"/>
+              <a:t>El</a:t>
+            </a:r>
+            <a:r>
+              <a:rPr lang="es-ES" baseline="0" dirty="0" smtClean="0"/>
+              <a:t> CBR consta de cuatro etapas:</a:t>
+            </a:r>
+          </a:p>
+          <a:p>
+            <a:pPr marL="285750" indent="-285750">
+              <a:buFontTx/>
+              <a:buChar char="-"/>
+            </a:pPr>
+            <a:endParaRPr lang="es-ES" baseline="0" dirty="0" smtClean="0"/>
+          </a:p>
+          <a:p>
+            <a:pPr marL="822183" lvl="1" indent="-285750">
+              <a:buFont typeface="Arial" charset="0"/>
+              <a:buChar char="•"/>
+            </a:pPr>
+            <a:r>
+              <a:rPr lang="es-ES" baseline="0" dirty="0" smtClean="0"/>
+              <a:t>Recuperación de los casos semejantes, utilizando una </a:t>
+            </a:r>
+            <a:r>
+              <a:rPr lang="es-ES" b="1" baseline="0" dirty="0" smtClean="0"/>
+              <a:t>función de semejanza.</a:t>
+            </a:r>
+          </a:p>
+          <a:p>
+            <a:pPr marL="822183" lvl="1" indent="-285750">
+              <a:buFont typeface="Arial" charset="0"/>
+              <a:buChar char="•"/>
+            </a:pPr>
+            <a:r>
+              <a:rPr lang="es-ES" dirty="0" smtClean="0"/>
+              <a:t>Reutilización</a:t>
+            </a:r>
+            <a:r>
+              <a:rPr lang="es-ES" baseline="0" dirty="0" smtClean="0"/>
+              <a:t> y revisión de la solución encontrada, adaptándola al nuevo problema</a:t>
+            </a:r>
+          </a:p>
+          <a:p>
+            <a:pPr marL="822183" lvl="1" indent="-285750">
+              <a:buFont typeface="Arial" charset="0"/>
+              <a:buChar char="•"/>
+            </a:pPr>
+            <a:r>
+              <a:rPr lang="es-ES" baseline="0" dirty="0" smtClean="0"/>
+              <a:t>Almacenamiento de la solución encontrada adaptada, formando parte de la base de casos, para utilizar en futuros problemas.</a:t>
+            </a:r>
+          </a:p>
+          <a:p>
+            <a:pPr marL="822183" lvl="1" indent="-285750">
+              <a:buFont typeface="Arial" charset="0"/>
+              <a:buChar char="•"/>
+            </a:pPr>
+            <a:endParaRPr lang="es-ES" baseline="0" dirty="0" smtClean="0"/>
+          </a:p>
+          <a:p>
+            <a:pPr marL="285750" indent="-285750">
+              <a:buFontTx/>
+              <a:buChar char="-"/>
+            </a:pPr>
+            <a:r>
+              <a:rPr lang="es-ES" dirty="0" smtClean="0"/>
+              <a:t>Aparece un nuevo término que acabo de nombrar: </a:t>
+            </a:r>
+            <a:r>
+              <a:rPr lang="es-ES" b="1" dirty="0" smtClean="0"/>
+              <a:t>función de semejanza</a:t>
+            </a:r>
+            <a:r>
+              <a:rPr lang="es-ES" dirty="0" smtClean="0"/>
+              <a:t>. Es</a:t>
+            </a:r>
+            <a:r>
+              <a:rPr lang="es-ES" baseline="0" dirty="0" smtClean="0"/>
+              <a:t> la función que va a permitir comparar si dos casos son similares o no. Por ejemplo, se puede suponer que cada caso es representado por un conjunto de atributos, por lo que la comparación consistiría en comparar esos atributos, comprobando si son iguales, difieren mucho, </a:t>
+            </a:r>
+            <a:r>
+              <a:rPr lang="es-ES" baseline="0" dirty="0" err="1" smtClean="0"/>
+              <a:t>etc</a:t>
+            </a:r>
+            <a:r>
+              <a:rPr lang="es-ES" baseline="0" dirty="0" smtClean="0"/>
+              <a:t>, obteniendo al final un valor numérico que indicase la </a:t>
+            </a:r>
+            <a:r>
+              <a:rPr lang="es-ES" u="none" baseline="0" dirty="0" smtClean="0"/>
+              <a:t>semejanza</a:t>
+            </a:r>
+            <a:r>
+              <a:rPr lang="es-ES" baseline="0" dirty="0" smtClean="0"/>
+              <a:t>.</a:t>
+            </a:r>
+          </a:p>
+          <a:p>
+            <a:pPr marL="285750" indent="-285750">
+              <a:buFontTx/>
+              <a:buChar char="-"/>
+            </a:pPr>
+            <a:endParaRPr lang="es-ES" baseline="0" dirty="0" smtClean="0"/>
+          </a:p>
+          <a:p>
+            <a:pPr marL="285750" indent="-285750">
+              <a:buFontTx/>
+              <a:buChar char="-"/>
+            </a:pPr>
+            <a:r>
+              <a:rPr lang="es-ES" baseline="0" dirty="0" smtClean="0"/>
+              <a:t>Este concepto de función de semejanza será abordado más en profundidad en la sección de resultados, con un ejemplo práctico</a:t>
+            </a:r>
+          </a:p>
+        </p:txBody>
+      </p:sp>
+      <p:sp>
+        <p:nvSpPr>
+          <p:cNvPr id="4" name="3 Marcador de número de diapositiva"/>
+          <p:cNvSpPr>
+            <a:spLocks noGrp="1"/>
+          </p:cNvSpPr>
+          <p:nvPr>
+            <p:ph type="sldNum" sz="quarter" idx="10"/>
+          </p:nvPr>
+        </p:nvSpPr>
+        <p:spPr/>
+        <p:txBody>
+          <a:bodyPr/>
+          <a:lstStyle/>
+          <a:p>
+            <a:fld id="{6E665CBF-38AC-4922-92E9-BC7AD6EBE033}" type="slidenum">
+              <a:rPr lang="es-ES" smtClean="0"/>
               <a:t>17</a:t>
+            </a:fld>
+            <a:endParaRPr lang="es-ES"/>
+          </a:p>
+        </p:txBody>
+      </p:sp>
+    </p:spTree>
+    <p:extLst>
+      <p:ext uri="{BB962C8B-B14F-4D97-AF65-F5344CB8AC3E}">
+        <p14:creationId xmlns:p14="http://schemas.microsoft.com/office/powerpoint/2010/main" val="1369053244"/>
+      </p:ext>
+    </p:extLst>
+  </p:cSld>
+  <p:clrMapOvr>
+    <a:masterClrMapping/>
+  </p:clrMapOvr>
+</p:notes>
+</file>
+
+<file path=ppt/notesSlides/notesSlide18.xml><?xml version="1.0" encoding="utf-8"?>
+<p:notes xmlns:a="http://schemas.openxmlformats.org/drawingml/2006/main" xmlns:r="http://schemas.openxmlformats.org/officeDocument/2006/relationships" xmlns:p="http://schemas.openxmlformats.org/presentationml/2006/main">
+  <p:cSld>
+    <p:spTree>
+      <p:nvGrpSpPr>
+        <p:cNvPr id="1" name=""/>
+        <p:cNvGrpSpPr/>
+        <p:nvPr/>
+      </p:nvGrpSpPr>
+      <p:grpSpPr>
+        <a:xfrm>
+          <a:off x="0" y="0"/>
+          <a:ext cx="0" cy="0"/>
+          <a:chOff x="0" y="0"/>
+          <a:chExt cx="0" cy="0"/>
+        </a:xfrm>
+      </p:grpSpPr>
+      <p:sp>
+        <p:nvSpPr>
+          <p:cNvPr id="2" name="1 Marcador de imagen de diapositiva"/>
+          <p:cNvSpPr>
+            <a:spLocks noGrp="1" noRot="1" noChangeAspect="1"/>
+          </p:cNvSpPr>
+          <p:nvPr>
+            <p:ph type="sldImg"/>
+          </p:nvPr>
+        </p:nvSpPr>
+        <p:spPr/>
+      </p:sp>
+      <p:sp>
+        <p:nvSpPr>
+          <p:cNvPr id="3" name="2 Marcador de notas"/>
+          <p:cNvSpPr>
+            <a:spLocks noGrp="1"/>
+          </p:cNvSpPr>
+          <p:nvPr>
+            <p:ph type="body" idx="1"/>
+          </p:nvPr>
+        </p:nvSpPr>
+        <p:spPr/>
+        <p:txBody>
+          <a:bodyPr/>
+          <a:lstStyle/>
+          <a:p>
+            <a:pPr marL="285750" indent="-285750" fontAlgn="auto">
+              <a:spcBef>
+                <a:spcPts val="0"/>
+              </a:spcBef>
+              <a:spcAft>
+                <a:spcPts val="0"/>
+              </a:spcAft>
+              <a:buFontTx/>
+              <a:buChar char="-"/>
+              <a:defRPr/>
+            </a:pPr>
+            <a:r>
+              <a:rPr lang="es-ES" dirty="0" smtClean="0"/>
+              <a:t>En esta sección mostraremos brevemente el método de trabajo propuesto y llevado a cabo en el proyecto para la obtención de los objetivos planteados</a:t>
+            </a:r>
+            <a:r>
+              <a:rPr lang="es-ES" baseline="0" dirty="0" smtClean="0"/>
+              <a:t> así como también se listarán las tecnologías y herramientas utilizadas </a:t>
+            </a:r>
+            <a:r>
+              <a:rPr lang="es-ES" baseline="0" smtClean="0"/>
+              <a:t>para el </a:t>
+            </a:r>
+            <a:r>
+              <a:rPr lang="es-ES" baseline="0" dirty="0" smtClean="0"/>
+              <a:t>desarrollo del PFC</a:t>
+            </a:r>
+            <a:endParaRPr lang="es-ES" dirty="0" smtClean="0"/>
+          </a:p>
+          <a:p>
+            <a:pPr marL="0" indent="0" fontAlgn="auto">
+              <a:spcBef>
+                <a:spcPts val="0"/>
+              </a:spcBef>
+              <a:spcAft>
+                <a:spcPts val="0"/>
+              </a:spcAft>
+              <a:buFontTx/>
+              <a:buNone/>
+              <a:defRPr/>
+            </a:pPr>
+            <a:endParaRPr lang="es-ES" dirty="0" smtClean="0"/>
+          </a:p>
+          <a:p>
+            <a:endParaRPr lang="es-ES" dirty="0"/>
+          </a:p>
+        </p:txBody>
+      </p:sp>
+      <p:sp>
+        <p:nvSpPr>
+          <p:cNvPr id="4" name="3 Marcador de número de diapositiva"/>
+          <p:cNvSpPr>
+            <a:spLocks noGrp="1"/>
+          </p:cNvSpPr>
+          <p:nvPr>
+            <p:ph type="sldNum" sz="quarter" idx="10"/>
+          </p:nvPr>
+        </p:nvSpPr>
+        <p:spPr/>
+        <p:txBody>
+          <a:bodyPr/>
+          <a:lstStyle/>
+          <a:p>
+            <a:fld id="{6E665CBF-38AC-4922-92E9-BC7AD6EBE033}" type="slidenum">
+              <a:rPr lang="es-ES" smtClean="0"/>
+              <a:t>18</a:t>
+            </a:fld>
+            <a:endParaRPr lang="es-ES"/>
+          </a:p>
+        </p:txBody>
+      </p:sp>
+    </p:spTree>
+    <p:extLst>
+      <p:ext uri="{BB962C8B-B14F-4D97-AF65-F5344CB8AC3E}">
+        <p14:creationId xmlns:p14="http://schemas.microsoft.com/office/powerpoint/2010/main" val="3216193043"/>
+      </p:ext>
+    </p:extLst>
+  </p:cSld>
+  <p:clrMapOvr>
+    <a:masterClrMapping/>
+  </p:clrMapOvr>
+</p:notes>
+</file>
+
+<file path=ppt/notesSlides/notesSlide19.xml><?xml version="1.0" encoding="utf-8"?>
+<p:notes xmlns:a="http://schemas.openxmlformats.org/drawingml/2006/main" xmlns:r="http://schemas.openxmlformats.org/officeDocument/2006/relationships" xmlns:p="http://schemas.openxmlformats.org/presentationml/2006/main">
+  <p:cSld>
+    <p:spTree>
+      <p:nvGrpSpPr>
+        <p:cNvPr id="1" name=""/>
+        <p:cNvGrpSpPr/>
+        <p:nvPr/>
+      </p:nvGrpSpPr>
+      <p:grpSpPr>
+        <a:xfrm>
+          <a:off x="0" y="0"/>
+          <a:ext cx="0" cy="0"/>
+          <a:chOff x="0" y="0"/>
+          <a:chExt cx="0" cy="0"/>
+        </a:xfrm>
+      </p:grpSpPr>
+      <p:sp>
+        <p:nvSpPr>
+          <p:cNvPr id="2" name="1 Marcador de imagen de diapositiva"/>
+          <p:cNvSpPr>
+            <a:spLocks noGrp="1" noRot="1" noChangeAspect="1"/>
+          </p:cNvSpPr>
+          <p:nvPr>
+            <p:ph type="sldImg"/>
+          </p:nvPr>
+        </p:nvSpPr>
+        <p:spPr/>
+      </p:sp>
+      <p:sp>
+        <p:nvSpPr>
+          <p:cNvPr id="3" name="2 Marcador de notas"/>
+          <p:cNvSpPr>
+            <a:spLocks noGrp="1"/>
+          </p:cNvSpPr>
+          <p:nvPr>
+            <p:ph type="body" idx="1"/>
+          </p:nvPr>
+        </p:nvSpPr>
+        <p:spPr/>
+        <p:txBody>
+          <a:bodyPr/>
+          <a:lstStyle/>
+          <a:p>
+            <a:pPr marL="285750" indent="-285750">
+              <a:buFontTx/>
+              <a:buChar char="-"/>
+            </a:pPr>
+            <a:endParaRPr lang="es-ES" dirty="0"/>
+          </a:p>
+        </p:txBody>
+      </p:sp>
+      <p:sp>
+        <p:nvSpPr>
+          <p:cNvPr id="4" name="3 Marcador de número de diapositiva"/>
+          <p:cNvSpPr>
+            <a:spLocks noGrp="1"/>
+          </p:cNvSpPr>
+          <p:nvPr>
+            <p:ph type="sldNum" sz="quarter" idx="10"/>
+          </p:nvPr>
+        </p:nvSpPr>
+        <p:spPr/>
+        <p:txBody>
+          <a:bodyPr/>
+          <a:lstStyle/>
+          <a:p>
+            <a:fld id="{6E665CBF-38AC-4922-92E9-BC7AD6EBE033}" type="slidenum">
+              <a:rPr lang="es-ES" smtClean="0"/>
+              <a:t>19</a:t>
             </a:fld>
             <a:endParaRPr lang="es-ES"/>
           </a:p>
@@ -5758,6 +6510,100 @@
           <a:bodyPr/>
           <a:lstStyle/>
           <a:p>
+            <a:pPr marL="285750" indent="-285750">
+              <a:spcBef>
+                <a:spcPct val="0"/>
+              </a:spcBef>
+              <a:buFontTx/>
+              <a:buChar char="-"/>
+            </a:pPr>
+            <a:r>
+              <a:rPr lang="es-ES" dirty="0" smtClean="0"/>
+              <a:t>La división de contenidos planteada es la que se muestra en la transparencia.</a:t>
+            </a:r>
+          </a:p>
+          <a:p>
+            <a:pPr marL="0" indent="0">
+              <a:spcBef>
+                <a:spcPct val="0"/>
+              </a:spcBef>
+              <a:buFontTx/>
+              <a:buNone/>
+            </a:pPr>
+            <a:r>
+              <a:rPr lang="es-ES" dirty="0" smtClean="0"/>
+              <a:t>-</a:t>
+            </a:r>
+            <a:r>
+              <a:rPr lang="es-ES" baseline="0" dirty="0" smtClean="0"/>
+              <a:t>     </a:t>
+            </a:r>
+            <a:r>
+              <a:rPr lang="es-ES" dirty="0" smtClean="0"/>
+              <a:t>Primero se presenta una introducción, para,</a:t>
+            </a:r>
+            <a:r>
+              <a:rPr lang="es-ES" baseline="0" dirty="0" smtClean="0"/>
+              <a:t> después, </a:t>
+            </a:r>
+            <a:r>
+              <a:rPr lang="es-ES" dirty="0" smtClean="0"/>
+              <a:t>clarificar los objetivos del proyecto: ¿Qué queremos hacer?</a:t>
+            </a:r>
+          </a:p>
+          <a:p>
+            <a:pPr marL="285750" indent="-285750">
+              <a:spcBef>
+                <a:spcPct val="0"/>
+              </a:spcBef>
+              <a:buFontTx/>
+              <a:buChar char="-"/>
+            </a:pPr>
+            <a:r>
+              <a:rPr lang="es-ES" dirty="0" smtClean="0"/>
+              <a:t>A continuación se presenta brevemente el estado del arte que atañe al proyecto</a:t>
+            </a:r>
+          </a:p>
+          <a:p>
+            <a:pPr marL="285750" indent="-285750">
+              <a:spcBef>
+                <a:spcPct val="0"/>
+              </a:spcBef>
+              <a:buFontTx/>
+              <a:buChar char="-"/>
+            </a:pPr>
+            <a:r>
+              <a:rPr lang="es-ES" dirty="0" smtClean="0"/>
+              <a:t>Seguidamente se mostrará el método de trabajo planteado para la elaboración del proyecto</a:t>
+            </a:r>
+          </a:p>
+          <a:p>
+            <a:pPr marL="285750" indent="-285750">
+              <a:spcBef>
+                <a:spcPct val="0"/>
+              </a:spcBef>
+              <a:buFontTx/>
+              <a:buChar char="-"/>
+            </a:pPr>
+            <a:r>
+              <a:rPr lang="es-ES" dirty="0" smtClean="0"/>
+              <a:t>En el apartado cinco, el más extenso, se mostrarán los resultados del proyecto.</a:t>
+            </a:r>
+          </a:p>
+          <a:p>
+            <a:pPr marL="285750" indent="-285750">
+              <a:spcBef>
+                <a:spcPct val="0"/>
+              </a:spcBef>
+              <a:buFontTx/>
+              <a:buChar char="-"/>
+            </a:pPr>
+            <a:r>
+              <a:rPr lang="es-ES" dirty="0" smtClean="0"/>
+              <a:t>Por ultimo se presentan las conclusiones y propuestas futuras.</a:t>
+            </a:r>
+          </a:p>
+          <a:p>
             <a:endParaRPr lang="es-ES" dirty="0"/>
           </a:p>
         </p:txBody>
@@ -5789,6 +6635,270 @@
     <p:extLst>
       <p:ext uri="{BB962C8B-B14F-4D97-AF65-F5344CB8AC3E}">
         <p14:creationId xmlns:p14="http://schemas.microsoft.com/office/powerpoint/2010/main" val="3650675487"/>
+      </p:ext>
+    </p:extLst>
+  </p:cSld>
+  <p:clrMapOvr>
+    <a:masterClrMapping/>
+  </p:clrMapOvr>
+</p:notes>
+</file>
+
+<file path=ppt/notesSlides/notesSlide20.xml><?xml version="1.0" encoding="utf-8"?>
+<p:notes xmlns:a="http://schemas.openxmlformats.org/drawingml/2006/main" xmlns:r="http://schemas.openxmlformats.org/officeDocument/2006/relationships" xmlns:p="http://schemas.openxmlformats.org/presentationml/2006/main">
+  <p:cSld>
+    <p:spTree>
+      <p:nvGrpSpPr>
+        <p:cNvPr id="1" name=""/>
+        <p:cNvGrpSpPr/>
+        <p:nvPr/>
+      </p:nvGrpSpPr>
+      <p:grpSpPr>
+        <a:xfrm>
+          <a:off x="0" y="0"/>
+          <a:ext cx="0" cy="0"/>
+          <a:chOff x="0" y="0"/>
+          <a:chExt cx="0" cy="0"/>
+        </a:xfrm>
+      </p:grpSpPr>
+      <p:sp>
+        <p:nvSpPr>
+          <p:cNvPr id="2" name="1 Marcador de imagen de diapositiva"/>
+          <p:cNvSpPr>
+            <a:spLocks noGrp="1" noRot="1" noChangeAspect="1"/>
+          </p:cNvSpPr>
+          <p:nvPr>
+            <p:ph type="sldImg"/>
+          </p:nvPr>
+        </p:nvSpPr>
+        <p:spPr/>
+      </p:sp>
+      <p:sp>
+        <p:nvSpPr>
+          <p:cNvPr id="3" name="2 Marcador de notas"/>
+          <p:cNvSpPr>
+            <a:spLocks noGrp="1"/>
+          </p:cNvSpPr>
+          <p:nvPr>
+            <p:ph type="body" idx="1"/>
+          </p:nvPr>
+        </p:nvSpPr>
+        <p:spPr/>
+        <p:txBody>
+          <a:bodyPr/>
+          <a:lstStyle/>
+          <a:p>
+            <a:pPr marL="285750" indent="-285750">
+              <a:buFontTx/>
+              <a:buChar char="-"/>
+            </a:pPr>
+            <a:endParaRPr lang="es-ES" dirty="0"/>
+          </a:p>
+        </p:txBody>
+      </p:sp>
+      <p:sp>
+        <p:nvSpPr>
+          <p:cNvPr id="4" name="3 Marcador de número de diapositiva"/>
+          <p:cNvSpPr>
+            <a:spLocks noGrp="1"/>
+          </p:cNvSpPr>
+          <p:nvPr>
+            <p:ph type="sldNum" sz="quarter" idx="10"/>
+          </p:nvPr>
+        </p:nvSpPr>
+        <p:spPr/>
+        <p:txBody>
+          <a:bodyPr/>
+          <a:lstStyle/>
+          <a:p>
+            <a:fld id="{6E665CBF-38AC-4922-92E9-BC7AD6EBE033}" type="slidenum">
+              <a:rPr lang="es-ES" smtClean="0"/>
+              <a:t>20</a:t>
+            </a:fld>
+            <a:endParaRPr lang="es-ES"/>
+          </a:p>
+        </p:txBody>
+      </p:sp>
+    </p:spTree>
+    <p:extLst>
+      <p:ext uri="{BB962C8B-B14F-4D97-AF65-F5344CB8AC3E}">
+        <p14:creationId xmlns:p14="http://schemas.microsoft.com/office/powerpoint/2010/main" val="1369053244"/>
+      </p:ext>
+    </p:extLst>
+  </p:cSld>
+  <p:clrMapOvr>
+    <a:masterClrMapping/>
+  </p:clrMapOvr>
+</p:notes>
+</file>
+
+<file path=ppt/notesSlides/notesSlide21.xml><?xml version="1.0" encoding="utf-8"?>
+<p:notes xmlns:a="http://schemas.openxmlformats.org/drawingml/2006/main" xmlns:r="http://schemas.openxmlformats.org/officeDocument/2006/relationships" xmlns:p="http://schemas.openxmlformats.org/presentationml/2006/main">
+  <p:cSld>
+    <p:spTree>
+      <p:nvGrpSpPr>
+        <p:cNvPr id="1" name=""/>
+        <p:cNvGrpSpPr/>
+        <p:nvPr/>
+      </p:nvGrpSpPr>
+      <p:grpSpPr>
+        <a:xfrm>
+          <a:off x="0" y="0"/>
+          <a:ext cx="0" cy="0"/>
+          <a:chOff x="0" y="0"/>
+          <a:chExt cx="0" cy="0"/>
+        </a:xfrm>
+      </p:grpSpPr>
+      <p:sp>
+        <p:nvSpPr>
+          <p:cNvPr id="2" name="1 Marcador de imagen de diapositiva"/>
+          <p:cNvSpPr>
+            <a:spLocks noGrp="1" noRot="1" noChangeAspect="1"/>
+          </p:cNvSpPr>
+          <p:nvPr>
+            <p:ph type="sldImg"/>
+          </p:nvPr>
+        </p:nvSpPr>
+        <p:spPr/>
+      </p:sp>
+      <p:sp>
+        <p:nvSpPr>
+          <p:cNvPr id="3" name="2 Marcador de notas"/>
+          <p:cNvSpPr>
+            <a:spLocks noGrp="1"/>
+          </p:cNvSpPr>
+          <p:nvPr>
+            <p:ph type="body" idx="1"/>
+          </p:nvPr>
+        </p:nvSpPr>
+        <p:spPr/>
+        <p:txBody>
+          <a:bodyPr/>
+          <a:lstStyle/>
+          <a:p>
+            <a:pPr marL="285750" indent="-285750">
+              <a:buFontTx/>
+              <a:buChar char="-"/>
+            </a:pPr>
+            <a:endParaRPr lang="es-ES" dirty="0"/>
+          </a:p>
+        </p:txBody>
+      </p:sp>
+      <p:sp>
+        <p:nvSpPr>
+          <p:cNvPr id="4" name="3 Marcador de número de diapositiva"/>
+          <p:cNvSpPr>
+            <a:spLocks noGrp="1"/>
+          </p:cNvSpPr>
+          <p:nvPr>
+            <p:ph type="sldNum" sz="quarter" idx="10"/>
+          </p:nvPr>
+        </p:nvSpPr>
+        <p:spPr/>
+        <p:txBody>
+          <a:bodyPr/>
+          <a:lstStyle/>
+          <a:p>
+            <a:fld id="{6E665CBF-38AC-4922-92E9-BC7AD6EBE033}" type="slidenum">
+              <a:rPr lang="es-ES" smtClean="0"/>
+              <a:t>21</a:t>
+            </a:fld>
+            <a:endParaRPr lang="es-ES"/>
+          </a:p>
+        </p:txBody>
+      </p:sp>
+    </p:spTree>
+    <p:extLst>
+      <p:ext uri="{BB962C8B-B14F-4D97-AF65-F5344CB8AC3E}">
+        <p14:creationId xmlns:p14="http://schemas.microsoft.com/office/powerpoint/2010/main" val="1369053244"/>
+      </p:ext>
+    </p:extLst>
+  </p:cSld>
+  <p:clrMapOvr>
+    <a:masterClrMapping/>
+  </p:clrMapOvr>
+</p:notes>
+</file>
+
+<file path=ppt/notesSlides/notesSlide22.xml><?xml version="1.0" encoding="utf-8"?>
+<p:notes xmlns:a="http://schemas.openxmlformats.org/drawingml/2006/main" xmlns:r="http://schemas.openxmlformats.org/officeDocument/2006/relationships" xmlns:p="http://schemas.openxmlformats.org/presentationml/2006/main">
+  <p:cSld>
+    <p:spTree>
+      <p:nvGrpSpPr>
+        <p:cNvPr id="1" name=""/>
+        <p:cNvGrpSpPr/>
+        <p:nvPr/>
+      </p:nvGrpSpPr>
+      <p:grpSpPr>
+        <a:xfrm>
+          <a:off x="0" y="0"/>
+          <a:ext cx="0" cy="0"/>
+          <a:chOff x="0" y="0"/>
+          <a:chExt cx="0" cy="0"/>
+        </a:xfrm>
+      </p:grpSpPr>
+      <p:sp>
+        <p:nvSpPr>
+          <p:cNvPr id="2" name="1 Marcador de imagen de diapositiva"/>
+          <p:cNvSpPr>
+            <a:spLocks noGrp="1" noRot="1" noChangeAspect="1"/>
+          </p:cNvSpPr>
+          <p:nvPr>
+            <p:ph type="sldImg"/>
+          </p:nvPr>
+        </p:nvSpPr>
+        <p:spPr/>
+      </p:sp>
+      <p:sp>
+        <p:nvSpPr>
+          <p:cNvPr id="3" name="2 Marcador de notas"/>
+          <p:cNvSpPr>
+            <a:spLocks noGrp="1"/>
+          </p:cNvSpPr>
+          <p:nvPr>
+            <p:ph type="body" idx="1"/>
+          </p:nvPr>
+        </p:nvSpPr>
+        <p:spPr/>
+        <p:txBody>
+          <a:bodyPr/>
+          <a:lstStyle/>
+          <a:p>
+            <a:pPr marL="285750" indent="-285750">
+              <a:buFontTx/>
+              <a:buChar char="-"/>
+            </a:pPr>
+            <a:endParaRPr lang="es-ES" dirty="0"/>
+          </a:p>
+        </p:txBody>
+      </p:sp>
+      <p:sp>
+        <p:nvSpPr>
+          <p:cNvPr id="4" name="3 Marcador de número de diapositiva"/>
+          <p:cNvSpPr>
+            <a:spLocks noGrp="1"/>
+          </p:cNvSpPr>
+          <p:nvPr>
+            <p:ph type="sldNum" sz="quarter" idx="10"/>
+          </p:nvPr>
+        </p:nvSpPr>
+        <p:spPr/>
+        <p:txBody>
+          <a:bodyPr/>
+          <a:lstStyle/>
+          <a:p>
+            <a:fld id="{6E665CBF-38AC-4922-92E9-BC7AD6EBE033}" type="slidenum">
+              <a:rPr lang="es-ES" smtClean="0"/>
+              <a:t>22</a:t>
+            </a:fld>
+            <a:endParaRPr lang="es-ES"/>
+          </a:p>
+        </p:txBody>
+      </p:sp>
+    </p:spTree>
+    <p:extLst>
+      <p:ext uri="{BB962C8B-B14F-4D97-AF65-F5344CB8AC3E}">
+        <p14:creationId xmlns:p14="http://schemas.microsoft.com/office/powerpoint/2010/main" val="1369053244"/>
       </p:ext>
     </p:extLst>
   </p:cSld>
@@ -5848,105 +6958,19 @@
             </a:pPr>
             <a:r>
               <a:rPr lang="es-ES" dirty="0" smtClean="0"/>
-              <a:t>El modo de desarrollar software</a:t>
+              <a:t>Comenzamos con la introducción al tema que ha servido como motivación para el proyecto fin de carrera, y que propone una solución</a:t>
             </a:r>
             <a:r>
               <a:rPr lang="es-ES" baseline="0" dirty="0" smtClean="0"/>
-              <a:t> está evolucionando en los últimos años, tendiendo hacia un desarrollo distribuido del mismo.</a:t>
-            </a:r>
+              <a:t> para mitigar los problemas encontrados durante el estudio e investigación de este tema, que es la gestión de decisiones en proyectos en el Desarrollo Global de Software.</a:t>
+            </a:r>
+            <a:endParaRPr lang="es-ES" dirty="0" smtClean="0"/>
           </a:p>
           <a:p>
             <a:pPr marL="285750" indent="-285750">
               <a:buFontTx/>
               <a:buChar char="-"/>
             </a:pPr>
-            <a:r>
-              <a:rPr lang="es-ES" baseline="0" dirty="0" smtClean="0"/>
-              <a:t>Afecta en gran parte la globalización.</a:t>
-            </a:r>
-          </a:p>
-          <a:p>
-            <a:pPr marL="285750" indent="-285750">
-              <a:buFontTx/>
-              <a:buChar char="-"/>
-            </a:pPr>
-            <a:r>
-              <a:rPr lang="es-ES" baseline="0" dirty="0" smtClean="0"/>
-              <a:t>Evolución, buscando aumentar la competitividad y reducir costes:</a:t>
-            </a:r>
-          </a:p>
-          <a:p>
-            <a:pPr marL="0" indent="0">
-              <a:buFontTx/>
-              <a:buNone/>
-            </a:pPr>
-            <a:r>
-              <a:rPr lang="es-ES" baseline="0" dirty="0" smtClean="0"/>
-              <a:t>	* </a:t>
-            </a:r>
-            <a:r>
-              <a:rPr lang="es-ES" baseline="0" dirty="0" smtClean="0"/>
-              <a:t>Desarrollo localizado: mismo lugar. CDS en el mismo edificio</a:t>
-            </a:r>
-          </a:p>
-          <a:p>
-            <a:pPr marL="0" indent="0">
-              <a:buFontTx/>
-              <a:buNone/>
-            </a:pPr>
-            <a:r>
-              <a:rPr lang="es-ES" baseline="0" dirty="0" smtClean="0"/>
-              <a:t>	* </a:t>
-            </a:r>
-            <a:r>
-              <a:rPr lang="es-ES" baseline="0" dirty="0" smtClean="0"/>
-              <a:t>Desarrollo Distribuido: mismo país. CDS distribuidos en diferentes ciudades y provincias</a:t>
-            </a:r>
-          </a:p>
-          <a:p>
-            <a:pPr marL="0" indent="0">
-              <a:buFontTx/>
-              <a:buNone/>
-            </a:pPr>
-            <a:r>
-              <a:rPr lang="es-ES" baseline="0" dirty="0" smtClean="0"/>
-              <a:t>	* </a:t>
-            </a:r>
-            <a:r>
-              <a:rPr lang="es-ES" baseline="0" dirty="0" smtClean="0"/>
-              <a:t>DGS: diferentes países. </a:t>
-            </a:r>
-          </a:p>
-          <a:p>
-            <a:pPr marL="285750" indent="-285750">
-              <a:buFontTx/>
-              <a:buChar char="-"/>
-            </a:pPr>
-            <a:r>
-              <a:rPr lang="es-ES" dirty="0" smtClean="0"/>
-              <a:t>A la vez que aumenta la distancia y la</a:t>
-            </a:r>
-            <a:r>
-              <a:rPr lang="es-ES" baseline="0" dirty="0" smtClean="0"/>
-              <a:t> deslocalización, aumentan los problemas y desafíos, como se comentará posteriormente</a:t>
-            </a:r>
-          </a:p>
-          <a:p>
-            <a:pPr marL="285750" indent="-285750">
-              <a:buFontTx/>
-              <a:buChar char="-"/>
-            </a:pPr>
-            <a:endParaRPr lang="es-ES" baseline="0" dirty="0" smtClean="0"/>
-          </a:p>
-          <a:p>
-            <a:pPr marL="285750" indent="-285750">
-              <a:buFontTx/>
-              <a:buChar char="-"/>
-            </a:pPr>
-            <a:r>
-              <a:rPr lang="es-ES" baseline="0" dirty="0" smtClean="0"/>
-              <a:t>El PFC está enfocado en este último modo de desarrollar software: el DGS</a:t>
-            </a:r>
             <a:endParaRPr lang="es-ES" dirty="0"/>
           </a:p>
         </p:txBody>
@@ -5968,7 +6992,7 @@
           <a:p>
             <a:fld id="{6E665CBF-38AC-4922-92E9-BC7AD6EBE033}" type="slidenum">
               <a:rPr lang="es-ES" smtClean="0"/>
-              <a:t>4</a:t>
+              <a:t>3</a:t>
             </a:fld>
             <a:endParaRPr lang="es-ES"/>
           </a:p>
@@ -5977,7 +7001,7 @@
     </p:spTree>
     <p:extLst>
       <p:ext uri="{BB962C8B-B14F-4D97-AF65-F5344CB8AC3E}">
-        <p14:creationId xmlns:p14="http://schemas.microsoft.com/office/powerpoint/2010/main" val="1369053244"/>
+        <p14:creationId xmlns:p14="http://schemas.microsoft.com/office/powerpoint/2010/main" val="3772063403"/>
       </p:ext>
     </p:extLst>
   </p:cSld>
@@ -6037,7 +7061,35 @@
             </a:pPr>
             <a:r>
               <a:rPr lang="es-ES" dirty="0" smtClean="0"/>
-              <a:t>Universidad de Leiden, Holanda</a:t>
+              <a:t>Antes de introducirnos en el</a:t>
+            </a:r>
+            <a:r>
+              <a:rPr lang="es-ES" baseline="0" dirty="0" smtClean="0"/>
+              <a:t> </a:t>
+            </a:r>
+            <a:r>
+              <a:rPr lang="es-ES" dirty="0" smtClean="0"/>
+              <a:t>de desarrollo global de software,</a:t>
+            </a:r>
+            <a:r>
+              <a:rPr lang="es-ES" baseline="0" dirty="0" smtClean="0"/>
+              <a:t> cabe destacar como ha ido evolucionando e</a:t>
+            </a:r>
+            <a:r>
+              <a:rPr lang="es-ES" dirty="0" smtClean="0"/>
+              <a:t>l </a:t>
+            </a:r>
+            <a:r>
+              <a:rPr lang="es-ES" dirty="0" smtClean="0"/>
+              <a:t>modo de desarrollar software</a:t>
+            </a:r>
+            <a:r>
+              <a:rPr lang="es-ES" baseline="0" dirty="0" smtClean="0"/>
+              <a:t> </a:t>
+            </a:r>
+            <a:r>
+              <a:rPr lang="es-ES" baseline="0" dirty="0" smtClean="0"/>
+              <a:t>en los últimos años.</a:t>
             </a:r>
           </a:p>
           <a:p>
@@ -6045,7 +7097,7 @@
               <a:buFontTx/>
               <a:buChar char="-"/>
             </a:pPr>
-            <a:endParaRPr lang="es-ES" dirty="0" smtClean="0"/>
+            <a:endParaRPr lang="es-ES" baseline="0" dirty="0" smtClean="0"/>
           </a:p>
           <a:p>
             <a:pPr marL="285750" indent="-285750">
@@ -6053,29 +7105,119 @@
               <a:buChar char="-"/>
             </a:pPr>
             <a:r>
-              <a:rPr lang="es-ES" dirty="0" smtClean="0"/>
-              <a:t>Según esta definición, los CDS se encuentran distribuidos</a:t>
-            </a:r>
-            <a:r>
               <a:rPr lang="es-ES" baseline="0" dirty="0" smtClean="0"/>
-              <a:t> en países, se involucran diferentes compañías y </a:t>
-            </a:r>
-            <a:r>
-              <a:rPr lang="es-ES" baseline="0" dirty="0" err="1" smtClean="0"/>
-              <a:t>stakeholders</a:t>
-            </a:r>
-            <a:endParaRPr lang="es-ES" baseline="0" dirty="0" smtClean="0"/>
+              <a:t>Esta evolución es debida en gran </a:t>
+            </a:r>
+            <a:r>
+              <a:rPr lang="es-ES" baseline="0" dirty="0" smtClean="0"/>
+              <a:t>parte </a:t>
+            </a:r>
+            <a:r>
+              <a:rPr lang="es-ES" baseline="0" dirty="0" smtClean="0"/>
+              <a:t>a la globalización, donde se busca aumentar </a:t>
+            </a:r>
+            <a:r>
+              <a:rPr lang="es-ES" baseline="0" dirty="0" smtClean="0"/>
+              <a:t>la competitividad y reducir </a:t>
+            </a:r>
+            <a:r>
+              <a:rPr lang="es-ES" baseline="0" dirty="0" smtClean="0"/>
+              <a:t>costes.</a:t>
+            </a:r>
           </a:p>
           <a:p>
             <a:pPr marL="285750" indent="-285750">
               <a:buFontTx/>
               <a:buChar char="-"/>
             </a:pPr>
+            <a:endParaRPr lang="es-ES" baseline="0" dirty="0" smtClean="0"/>
+          </a:p>
+          <a:p>
+            <a:pPr marL="285750" indent="-285750">
+              <a:buFontTx/>
+              <a:buChar char="-"/>
+            </a:pPr>
             <a:r>
               <a:rPr lang="es-ES" baseline="0" dirty="0" smtClean="0"/>
-              <a:t>Debe existir una comunicación, un control y una coordinación </a:t>
-            </a:r>
-            <a:endParaRPr lang="es-ES" dirty="0"/>
+              <a:t>De este modo, en un primer momento, el software se realizaba de manera localizada, es decir, en un mismo </a:t>
+            </a:r>
+            <a:r>
+              <a:rPr lang="es-ES" baseline="0" dirty="0" smtClean="0"/>
+              <a:t>lugar. CDS en el mismo </a:t>
+            </a:r>
+            <a:r>
+              <a:rPr lang="es-ES" baseline="0" dirty="0" smtClean="0"/>
+              <a:t>edificio</a:t>
+            </a:r>
+          </a:p>
+          <a:p>
+            <a:pPr marL="285750" indent="-285750">
+              <a:buFontTx/>
+              <a:buChar char="-"/>
+            </a:pPr>
+            <a:r>
+              <a:rPr lang="es-ES" baseline="0" dirty="0" smtClean="0"/>
+              <a:t>Después, se pasa al Desarrollo </a:t>
+            </a:r>
+            <a:r>
+              <a:rPr lang="es-ES" baseline="0" dirty="0" smtClean="0"/>
+              <a:t>Distribuido: mismo país. CDS distribuidos en diferentes ciudades y </a:t>
+            </a:r>
+            <a:r>
+              <a:rPr lang="es-ES" baseline="0" dirty="0" smtClean="0"/>
+              <a:t>provincias</a:t>
+            </a:r>
+          </a:p>
+          <a:p>
+            <a:pPr marL="285750" indent="-285750">
+              <a:buFontTx/>
+              <a:buChar char="-"/>
+            </a:pPr>
+            <a:r>
+              <a:rPr lang="es-ES" baseline="0" dirty="0" smtClean="0"/>
+              <a:t>Y finalmente los CDS se acaban distribuyendo en diferentes países y continentes, dando lugar a lo que se conoce como </a:t>
+            </a:r>
+            <a:r>
+              <a:rPr lang="es-ES" b="1" baseline="0" dirty="0" smtClean="0"/>
+              <a:t>DGS.</a:t>
+            </a:r>
+          </a:p>
+          <a:p>
+            <a:pPr marL="285750" indent="-285750">
+              <a:buFontTx/>
+              <a:buChar char="-"/>
+            </a:pPr>
+            <a:endParaRPr lang="es-ES" b="1" baseline="0" dirty="0" smtClean="0"/>
+          </a:p>
+          <a:p>
+            <a:pPr marL="285750" indent="-285750">
+              <a:buFontTx/>
+              <a:buChar char="-"/>
+            </a:pPr>
+            <a:r>
+              <a:rPr lang="es-ES" dirty="0" smtClean="0"/>
+              <a:t>Sin embargo, a </a:t>
+            </a:r>
+            <a:r>
+              <a:rPr lang="es-ES" dirty="0" smtClean="0"/>
+              <a:t>la vez que aumenta la distancia y la</a:t>
+            </a:r>
+            <a:r>
+              <a:rPr lang="es-ES" baseline="0" dirty="0" smtClean="0"/>
+              <a:t> deslocalización, aumentan los problemas y desafíos, como </a:t>
+            </a:r>
+            <a:r>
+              <a:rPr lang="es-ES" u="none" baseline="0" dirty="0" smtClean="0"/>
+              <a:t>veremos posteriormente</a:t>
+            </a:r>
+            <a:endParaRPr lang="es-ES" u="none" baseline="0" dirty="0" smtClean="0"/>
+          </a:p>
+          <a:p>
+            <a:pPr marL="285750" indent="-285750">
+              <a:buFontTx/>
+              <a:buChar char="-"/>
+            </a:pPr>
+            <a:endParaRPr lang="es-ES" baseline="0" dirty="0" smtClean="0"/>
           </a:p>
         </p:txBody>
       </p:sp>
@@ -6096,7 +7238,7 @@
           <a:p>
             <a:fld id="{6E665CBF-38AC-4922-92E9-BC7AD6EBE033}" type="slidenum">
               <a:rPr lang="es-ES" smtClean="0"/>
-              <a:t>5</a:t>
+              <a:t>4</a:t>
             </a:fld>
             <a:endParaRPr lang="es-ES"/>
           </a:p>
@@ -6165,105 +7307,15 @@
             </a:pPr>
             <a:r>
               <a:rPr lang="es-ES" dirty="0" smtClean="0"/>
-              <a:t>Aumento de la competitividad:</a:t>
-            </a:r>
-          </a:p>
-          <a:p>
-            <a:pPr marL="536433" lvl="1" indent="0">
-              <a:buFontTx/>
-              <a:buNone/>
-            </a:pPr>
-            <a:r>
-              <a:rPr lang="es-ES" dirty="0" smtClean="0"/>
-              <a:t>Posibilidad</a:t>
-            </a:r>
-            <a:r>
-              <a:rPr lang="es-ES" baseline="0" dirty="0" smtClean="0"/>
-              <a:t> de encontrar mano de obra más cualificada en diferentes </a:t>
-            </a:r>
-            <a:r>
-              <a:rPr lang="es-ES" baseline="0" dirty="0" smtClean="0"/>
-              <a:t>países</a:t>
-            </a:r>
-            <a:endParaRPr lang="es-ES" baseline="0" dirty="0" smtClean="0"/>
-          </a:p>
-          <a:p>
-            <a:pPr marL="536433" lvl="1" indent="0">
-              <a:buFontTx/>
-              <a:buNone/>
-            </a:pPr>
-            <a:r>
-              <a:rPr lang="es-ES" baseline="0" dirty="0" smtClean="0"/>
-              <a:t>Alargar las jornadas laborales</a:t>
-            </a:r>
-          </a:p>
-          <a:p>
-            <a:pPr marL="536433" lvl="1" indent="0">
-              <a:buFontTx/>
-              <a:buNone/>
-            </a:pPr>
-            <a:r>
-              <a:rPr lang="es-ES" baseline="0" dirty="0" smtClean="0"/>
-              <a:t>Mejora de la presencia en el mercado </a:t>
-            </a:r>
-            <a:r>
-              <a:rPr lang="es-ES" baseline="0" dirty="0" smtClean="0"/>
-              <a:t>internacional</a:t>
-            </a:r>
-          </a:p>
-          <a:p>
-            <a:pPr marL="536433" lvl="1" indent="0">
-              <a:buFontTx/>
-              <a:buNone/>
-            </a:pPr>
-            <a:r>
-              <a:rPr lang="es-ES" baseline="0" dirty="0" err="1" smtClean="0"/>
-              <a:t>Offshoring</a:t>
-            </a:r>
-            <a:r>
-              <a:rPr lang="es-ES" baseline="0" dirty="0" smtClean="0"/>
-              <a:t> y filiales</a:t>
-            </a:r>
-            <a:endParaRPr lang="es-ES" baseline="0" dirty="0" smtClean="0"/>
+              <a:t>Universidad de Leiden, Holanda</a:t>
+            </a:r>
           </a:p>
           <a:p>
             <a:pPr marL="285750" indent="-285750">
               <a:buFontTx/>
               <a:buChar char="-"/>
             </a:pPr>
-            <a:r>
-              <a:rPr lang="es-ES" dirty="0" smtClean="0"/>
-              <a:t>Reducción</a:t>
-            </a:r>
-            <a:r>
-              <a:rPr lang="es-ES" baseline="0" dirty="0" smtClean="0"/>
-              <a:t> de costes</a:t>
-            </a:r>
-            <a:r>
-              <a:rPr lang="es-ES" dirty="0" smtClean="0"/>
-              <a:t>:</a:t>
-            </a:r>
-          </a:p>
-          <a:p>
-            <a:pPr marL="536433" lvl="1" indent="0">
-              <a:buFontTx/>
-              <a:buNone/>
-            </a:pPr>
-            <a:r>
-              <a:rPr lang="es-ES" dirty="0" smtClean="0"/>
-              <a:t>Mano de obras más barata</a:t>
-            </a:r>
-            <a:endParaRPr lang="es-ES" baseline="0" dirty="0" smtClean="0"/>
-          </a:p>
-          <a:p>
-            <a:pPr marL="536433" lvl="1" indent="0">
-              <a:buFontTx/>
-              <a:buNone/>
-            </a:pPr>
-            <a:r>
-              <a:rPr lang="es-ES" baseline="0" dirty="0" smtClean="0"/>
-              <a:t>Diferencias de salarios</a:t>
-            </a:r>
+            <a:endParaRPr lang="es-ES" dirty="0" smtClean="0"/>
           </a:p>
           <a:p>
             <a:pPr marL="285750" indent="-285750">
@@ -6272,25 +7324,15 @@
             </a:pPr>
             <a:r>
               <a:rPr lang="es-ES" dirty="0" smtClean="0"/>
-              <a:t>Proximidad al mercado</a:t>
-            </a:r>
-          </a:p>
-          <a:p>
-            <a:pPr marL="536433" lvl="1" indent="0">
-              <a:buFontTx/>
-              <a:buNone/>
-            </a:pPr>
-            <a:r>
-              <a:rPr lang="es-ES" dirty="0" smtClean="0"/>
-              <a:t>Se conoce el mercado local de cada </a:t>
-            </a:r>
-            <a:r>
-              <a:rPr lang="es-ES" dirty="0" smtClean="0"/>
-              <a:t>país, </a:t>
-            </a:r>
-            <a:r>
-              <a:rPr lang="es-ES" dirty="0" smtClean="0"/>
-              <a:t>por lo que se pueden conocer mejor las necesidades de cada cliente en los diferentes países</a:t>
+              <a:t>Según esta definición, los CDS se encuentran distribuidos</a:t>
+            </a:r>
+            <a:r>
+              <a:rPr lang="es-ES" baseline="0" dirty="0" smtClean="0"/>
+              <a:t> en países, se involucran diferentes compañías y </a:t>
+            </a:r>
+            <a:r>
+              <a:rPr lang="es-ES" baseline="0" dirty="0" err="1" smtClean="0"/>
+              <a:t>stakeholders</a:t>
             </a:r>
             <a:endParaRPr lang="es-ES" baseline="0" dirty="0" smtClean="0"/>
           </a:p>
@@ -6300,84 +7342,10 @@
               <a:buChar char="-"/>
             </a:pPr>
             <a:r>
-              <a:rPr lang="es-ES" dirty="0" smtClean="0"/>
-              <a:t>Time </a:t>
-            </a:r>
-            <a:r>
-              <a:rPr lang="es-ES" dirty="0" err="1" smtClean="0"/>
-              <a:t>to</a:t>
-            </a:r>
-            <a:r>
-              <a:rPr lang="es-ES" dirty="0" smtClean="0"/>
-              <a:t> </a:t>
-            </a:r>
-            <a:r>
-              <a:rPr lang="es-ES" dirty="0" err="1" smtClean="0"/>
-              <a:t>market</a:t>
-            </a:r>
-            <a:endParaRPr lang="es-ES" dirty="0" smtClean="0"/>
-          </a:p>
-          <a:p>
-            <a:pPr marL="536433" lvl="1" indent="0">
-              <a:buFontTx/>
-              <a:buNone/>
-            </a:pPr>
-            <a:r>
-              <a:rPr lang="es-ES" dirty="0" smtClean="0"/>
-              <a:t>Se reduce el lanzamiento al mercado</a:t>
-            </a:r>
-            <a:endParaRPr lang="es-ES" baseline="0" dirty="0" smtClean="0"/>
-          </a:p>
-          <a:p>
-            <a:pPr marL="536433" lvl="1" indent="0">
-              <a:buFontTx/>
-              <a:buNone/>
-            </a:pPr>
-            <a:r>
               <a:rPr lang="es-ES" baseline="0" dirty="0" smtClean="0"/>
-              <a:t>Modelo de desarrollo </a:t>
-            </a:r>
-            <a:r>
-              <a:rPr lang="es-ES" baseline="0" dirty="0" err="1" smtClean="0"/>
-              <a:t>follow</a:t>
-            </a:r>
-            <a:r>
-              <a:rPr lang="es-ES" baseline="0" dirty="0" smtClean="0"/>
-              <a:t> </a:t>
-            </a:r>
-            <a:r>
-              <a:rPr lang="es-ES" baseline="0" dirty="0" err="1" smtClean="0"/>
-              <a:t>the</a:t>
-            </a:r>
-            <a:r>
-              <a:rPr lang="es-ES" baseline="0" dirty="0" smtClean="0"/>
-              <a:t> </a:t>
-            </a:r>
-            <a:r>
-              <a:rPr lang="es-ES" baseline="0" dirty="0" err="1" smtClean="0"/>
-              <a:t>sun</a:t>
-            </a:r>
-            <a:r>
-              <a:rPr lang="es-ES" baseline="0" dirty="0" smtClean="0"/>
-              <a:t>, aprovechando diferencias horarias </a:t>
-            </a:r>
-          </a:p>
-          <a:p>
-            <a:pPr marL="536433" lvl="1" indent="0">
-              <a:buFontTx/>
-              <a:buNone/>
-            </a:pPr>
-            <a:r>
-              <a:rPr lang="es-ES" baseline="0" dirty="0" smtClean="0"/>
-              <a:t>Necesario control</a:t>
-            </a:r>
-          </a:p>
-          <a:p>
-            <a:pPr marL="536433" lvl="1" indent="0">
-              <a:buFontTx/>
-              <a:buNone/>
-            </a:pPr>
-            <a:endParaRPr lang="es-ES" baseline="0" dirty="0" smtClean="0"/>
+              <a:t>Debe existir una comunicación, un control y una coordinación </a:t>
+            </a:r>
+            <a:endParaRPr lang="es-ES" dirty="0"/>
           </a:p>
         </p:txBody>
       </p:sp>
@@ -6398,7 +7366,7 @@
           <a:p>
             <a:fld id="{6E665CBF-38AC-4922-92E9-BC7AD6EBE033}" type="slidenum">
               <a:rPr lang="es-ES" smtClean="0"/>
-              <a:t>6</a:t>
+              <a:t>5</a:t>
             </a:fld>
             <a:endParaRPr lang="es-ES"/>
           </a:p>
@@ -6466,157 +7434,194 @@
               <a:buChar char="-"/>
             </a:pPr>
             <a:r>
+              <a:rPr lang="es-ES" dirty="0" smtClean="0"/>
+              <a:t>Aumento de la competitividad:</a:t>
+            </a:r>
+          </a:p>
+          <a:p>
+            <a:pPr marL="536433" lvl="1" indent="0">
+              <a:buFontTx/>
+              <a:buNone/>
+            </a:pPr>
+            <a:r>
+              <a:rPr lang="es-ES" dirty="0" smtClean="0"/>
+              <a:t>Posibilidad</a:t>
+            </a:r>
+            <a:r>
               <a:rPr lang="es-ES" baseline="0" dirty="0" smtClean="0"/>
-              <a:t>Desafíos en las 3C: comunicación, control, coordinación.</a:t>
-            </a:r>
-          </a:p>
-          <a:p>
-            <a:pPr marL="822183" lvl="1" indent="-285750">
+              <a:t> de encontrar mano de obra más cualificada en diferentes países</a:t>
+            </a:r>
+          </a:p>
+          <a:p>
+            <a:pPr marL="536433" lvl="1" indent="0">
+              <a:buFontTx/>
+              <a:buNone/>
+            </a:pPr>
+            <a:r>
+              <a:rPr lang="es-ES" baseline="0" dirty="0" smtClean="0"/>
+              <a:t>Alargar las jornadas laborales</a:t>
+            </a:r>
+          </a:p>
+          <a:p>
+            <a:pPr marL="536433" lvl="1" indent="0">
+              <a:buFontTx/>
+              <a:buNone/>
+            </a:pPr>
+            <a:r>
+              <a:rPr lang="es-ES" baseline="0" dirty="0" smtClean="0"/>
+              <a:t>Mejora de la presencia en el mercado internacional</a:t>
+            </a:r>
+          </a:p>
+          <a:p>
+            <a:pPr marL="536433" lvl="1" indent="0">
+              <a:buFontTx/>
+              <a:buNone/>
+            </a:pPr>
+            <a:r>
+              <a:rPr lang="es-ES" baseline="0" dirty="0" err="1" smtClean="0"/>
+              <a:t>Offshoring</a:t>
+            </a:r>
+            <a:r>
+              <a:rPr lang="es-ES" baseline="0" dirty="0" smtClean="0"/>
+              <a:t> y filiales</a:t>
+            </a:r>
+          </a:p>
+          <a:p>
+            <a:pPr marL="285750" indent="-285750">
               <a:buFontTx/>
               <a:buChar char="-"/>
             </a:pPr>
             <a:r>
+              <a:rPr lang="es-ES" dirty="0" smtClean="0"/>
+              <a:t>Reducción</a:t>
+            </a:r>
+            <a:r>
               <a:rPr lang="es-ES" baseline="0" dirty="0" smtClean="0"/>
-              <a:t>Comunicación:</a:t>
-            </a:r>
-          </a:p>
-          <a:p>
-            <a:pPr marL="1072866" lvl="2" indent="0">
+              <a:t> de costes</a:t>
+            </a:r>
+            <a:r>
+              <a:rPr lang="es-ES" dirty="0" smtClean="0"/>
+              <a:t>:</a:t>
+            </a:r>
+          </a:p>
+          <a:p>
+            <a:pPr marL="536433" lvl="1" indent="0">
               <a:buFontTx/>
               <a:buNone/>
             </a:pPr>
             <a:r>
-              <a:rPr lang="es-ES" baseline="0" dirty="0" smtClean="0"/>
-              <a:t>Dependiente de la tecnología porque se imposibilita una comunicación </a:t>
-            </a:r>
-            <a:r>
-              <a:rPr lang="es-ES" baseline="0" dirty="0" err="1" smtClean="0"/>
-              <a:t>face-to-face</a:t>
-            </a:r>
-            <a:r>
-              <a:rPr lang="es-ES" baseline="0" dirty="0" smtClean="0"/>
-              <a:t>, elevando los tiempos de respuesta y dificultando la comunicación (comunicación no verbal)</a:t>
-            </a:r>
-          </a:p>
-          <a:p>
-            <a:pPr marL="1072866" lvl="2" indent="0">
+              <a:rPr lang="es-ES" dirty="0" smtClean="0"/>
+              <a:t>Mano de obras más barata</a:t>
+            </a:r>
+            <a:endParaRPr lang="es-ES" baseline="0" dirty="0" smtClean="0"/>
+          </a:p>
+          <a:p>
+            <a:pPr marL="536433" lvl="1" indent="0">
               <a:buFontTx/>
               <a:buNone/>
             </a:pPr>
             <a:r>
               <a:rPr lang="es-ES" baseline="0" dirty="0" smtClean="0"/>
-              <a:t>Comunicación asíncrona, por diferentes husos horarios, lo que hace más difícil coincidir en el mismo tiempo. Además, se provocan interrupciones por estos cambios horarios, aumentando malestar</a:t>
-            </a:r>
-          </a:p>
-          <a:p>
-            <a:pPr marL="1072866" lvl="2" indent="0">
+              <a:t>Diferencias de salarios</a:t>
+            </a:r>
+          </a:p>
+          <a:p>
+            <a:pPr marL="285750" indent="-285750">
+              <a:buFontTx/>
+              <a:buChar char="-"/>
+            </a:pPr>
+            <a:r>
+              <a:rPr lang="es-ES" dirty="0" smtClean="0"/>
+              <a:t>Proximidad al mercado</a:t>
+            </a:r>
+          </a:p>
+          <a:p>
+            <a:pPr marL="536433" lvl="1" indent="0">
               <a:buFontTx/>
               <a:buNone/>
             </a:pPr>
             <a:r>
-              <a:rPr lang="es-ES" baseline="0" dirty="0" smtClean="0"/>
-              <a:t>Ambigüedades, por diferencias idiomáticas o malentendidos culturales</a:t>
-            </a:r>
-          </a:p>
-          <a:p>
-            <a:pPr marL="822183" lvl="1" indent="-285750">
+              <a:rPr lang="es-ES" dirty="0" smtClean="0"/>
+              <a:t>Se conoce el mercado local de cada país, por lo que se pueden conocer mejor las necesidades de cada cliente en los diferentes países</a:t>
+            </a:r>
+            <a:endParaRPr lang="es-ES" baseline="0" dirty="0" smtClean="0"/>
+          </a:p>
+          <a:p>
+            <a:pPr marL="285750" indent="-285750">
               <a:buFontTx/>
               <a:buChar char="-"/>
             </a:pPr>
             <a:r>
-              <a:rPr lang="es-ES" baseline="0" dirty="0" smtClean="0"/>
-              <a:t>Coordinación:</a:t>
-            </a:r>
-          </a:p>
-          <a:p>
-            <a:pPr marL="1072866" lvl="2" indent="0">
+              <a:rPr lang="es-ES" dirty="0" smtClean="0"/>
+              <a:t>Time </a:t>
+            </a:r>
+            <a:r>
+              <a:rPr lang="es-ES" dirty="0" err="1" smtClean="0"/>
+              <a:t>to</a:t>
+            </a:r>
+            <a:r>
+              <a:rPr lang="es-ES" dirty="0" smtClean="0"/>
+              <a:t> </a:t>
+            </a:r>
+            <a:r>
+              <a:rPr lang="es-ES" dirty="0" err="1" smtClean="0"/>
+              <a:t>market</a:t>
+            </a:r>
+            <a:endParaRPr lang="es-ES" dirty="0" smtClean="0"/>
+          </a:p>
+          <a:p>
+            <a:pPr marL="536433" lvl="1" indent="0">
               <a:buFontTx/>
               <a:buNone/>
             </a:pPr>
             <a:r>
-              <a:rPr lang="es-ES" baseline="0" dirty="0" smtClean="0"/>
-              <a:t>Falta de conciencia de equipo, por que al estar distribuidos en diferentes países y lugares, no se adquiere conciencia de equipo que trabaja en un mismo objetivo</a:t>
-            </a:r>
-          </a:p>
-          <a:p>
-            <a:pPr marL="1072866" lvl="2" indent="0">
+              <a:rPr lang="es-ES" dirty="0" smtClean="0"/>
+              <a:t>Se reduce el lanzamiento al mercado</a:t>
+            </a:r>
+            <a:endParaRPr lang="es-ES" baseline="0" dirty="0" smtClean="0"/>
+          </a:p>
+          <a:p>
+            <a:pPr marL="536433" lvl="1" indent="0">
               <a:buFontTx/>
               <a:buNone/>
             </a:pPr>
             <a:r>
               <a:rPr lang="es-ES" baseline="0" dirty="0" smtClean="0"/>
-              <a:t>Comunicación asíncrona y modificar los calendarios laborales, para poder coincidir en un momento para coordinar tares o realizar </a:t>
+              <a:t>Modelo de desarrollo </a:t>
             </a:r>
             <a:r>
               <a:rPr lang="es-ES" baseline="0" dirty="0" err="1" smtClean="0"/>
-              <a:t>meetings</a:t>
-            </a:r>
-            <a:endParaRPr lang="es-ES" baseline="0" dirty="0" smtClean="0"/>
-          </a:p>
-          <a:p>
-            <a:pPr marL="1072866" lvl="2" indent="0">
+              <a:t>follow</a:t>
+            </a:r>
+            <a:r>
+              <a:rPr lang="es-ES" baseline="0" dirty="0" smtClean="0"/>
+              <a:t> </a:t>
+            </a:r>
+            <a:r>
+              <a:rPr lang="es-ES" baseline="0" dirty="0" err="1" smtClean="0"/>
+              <a:t>the</a:t>
+            </a:r>
+            <a:r>
+              <a:rPr lang="es-ES" baseline="0" dirty="0" smtClean="0"/>
+              <a:t> </a:t>
+            </a:r>
+            <a:r>
+              <a:rPr lang="es-ES" baseline="0" dirty="0" err="1" smtClean="0"/>
+              <a:t>sun</a:t>
+            </a:r>
+            <a:r>
+              <a:rPr lang="es-ES" baseline="0" dirty="0" smtClean="0"/>
+              <a:t>, aprovechando diferencias horarias </a:t>
+            </a:r>
+          </a:p>
+          <a:p>
+            <a:pPr marL="536433" lvl="1" indent="0">
               <a:buFontTx/>
               <a:buNone/>
             </a:pPr>
             <a:r>
               <a:rPr lang="es-ES" baseline="0" dirty="0" smtClean="0"/>
-              <a:t>Falta de confianza porque no se conoce personalmente a las otras personas, su cultura, su manera de ser, etc.</a:t>
-            </a:r>
-          </a:p>
-          <a:p>
-            <a:pPr marL="822183" lvl="1" indent="-285750">
-              <a:buFontTx/>
-              <a:buChar char="-"/>
-            </a:pPr>
-            <a:r>
-              <a:rPr lang="es-ES" baseline="0" dirty="0" smtClean="0"/>
-              <a:t>Control:</a:t>
-            </a:r>
-          </a:p>
-          <a:p>
-            <a:pPr marL="1072866" lvl="2" indent="0">
-              <a:buFontTx/>
-              <a:buNone/>
-            </a:pPr>
-            <a:r>
-              <a:rPr lang="es-ES" baseline="0" dirty="0" smtClean="0"/>
-              <a:t>Dificultad para la planificación de proyectos, seguimiento de procesos, calidad, </a:t>
-            </a:r>
-            <a:r>
-              <a:rPr lang="es-ES" baseline="0" dirty="0" err="1" smtClean="0"/>
-              <a:t>etc</a:t>
-            </a:r>
-            <a:r>
-              <a:rPr lang="es-ES" baseline="0" dirty="0" smtClean="0"/>
-              <a:t>, al estar distribuidos en diferentes países.</a:t>
-            </a:r>
-          </a:p>
-          <a:p>
-            <a:pPr marL="1072866" lvl="2" indent="0">
-              <a:buFontTx/>
-              <a:buNone/>
-            </a:pPr>
-            <a:r>
-              <a:rPr lang="es-ES" baseline="0" dirty="0" smtClean="0"/>
-              <a:t>Se dificulta el control y acceso de recursos remotos, como servicios web, bases de datos, </a:t>
-            </a:r>
-            <a:r>
-              <a:rPr lang="es-ES" baseline="0" dirty="0" err="1" smtClean="0"/>
-              <a:t>etc</a:t>
-            </a:r>
-            <a:r>
-              <a:rPr lang="es-ES" baseline="0" dirty="0" smtClean="0"/>
-              <a:t> (por no estar disponibles en el mismo momento)</a:t>
-            </a:r>
-          </a:p>
-          <a:p>
-            <a:pPr marL="1072866" lvl="2" indent="0">
-              <a:buFontTx/>
-              <a:buNone/>
-            </a:pPr>
-            <a:r>
-              <a:rPr lang="es-ES" baseline="0" dirty="0" smtClean="0"/>
-              <a:t>Relacionado con la distancia geográfica, cada país y equipo de desarrollo seguirá unos determinados procesos, normas de calidad ,etc.</a:t>
+              <a:t>Necesario control</a:t>
             </a:r>
           </a:p>
           <a:p>
@@ -6625,52 +7630,6 @@
               <a:buNone/>
             </a:pPr>
             <a:endParaRPr lang="es-ES" baseline="0" dirty="0" smtClean="0"/>
-          </a:p>
-          <a:p>
-            <a:pPr marL="285750" indent="-285750">
-              <a:buFontTx/>
-              <a:buChar char="-"/>
-            </a:pPr>
-            <a:endParaRPr lang="es-ES" baseline="0" dirty="0" smtClean="0"/>
-          </a:p>
-          <a:p>
-            <a:pPr marL="285750" indent="-285750">
-              <a:buFontTx/>
-              <a:buChar char="-"/>
-            </a:pPr>
-            <a:r>
-              <a:rPr lang="es-ES" baseline="0" dirty="0" smtClean="0"/>
-              <a:t>Desafíos </a:t>
-            </a:r>
-            <a:r>
-              <a:rPr lang="es-ES" baseline="0" dirty="0" smtClean="0"/>
-              <a:t>en GC:</a:t>
-            </a:r>
-          </a:p>
-          <a:p>
-            <a:pPr marL="536433" lvl="1" indent="0">
-              <a:buFontTx/>
-              <a:buNone/>
-            </a:pPr>
-            <a:r>
-              <a:rPr lang="es-ES" baseline="0" dirty="0" smtClean="0"/>
-              <a:t>Se dificulta la gestión de conocimiento, debido a que la información proviene de diversas fuentes, no se coordina bien la información y puede quedar diseminada. Gran parte de este conocimiento son las decisiones tomadas en las fases de desarrollo de un proyecto software, de vital importancia para un buen desarrollo, análisis, etc</a:t>
-            </a:r>
-            <a:r>
-              <a:rPr lang="es-ES" baseline="0" dirty="0" smtClean="0"/>
-              <a:t>.</a:t>
-            </a:r>
-          </a:p>
-          <a:p>
-            <a:pPr marL="536433" lvl="1" indent="0">
-              <a:buFontTx/>
-              <a:buNone/>
-            </a:pPr>
-            <a:r>
-              <a:rPr lang="es-ES" b="1" baseline="0" dirty="0" smtClean="0"/>
-              <a:t>Por tanto, se dificulta su creación, almacenamiento recuperación y reutilización.</a:t>
-            </a:r>
-            <a:endParaRPr lang="es-ES" b="1" baseline="0" dirty="0" smtClean="0"/>
           </a:p>
         </p:txBody>
       </p:sp>
@@ -6691,7 +7650,7 @@
           <a:p>
             <a:fld id="{6E665CBF-38AC-4922-92E9-BC7AD6EBE033}" type="slidenum">
               <a:rPr lang="es-ES" smtClean="0"/>
-              <a:t>7</a:t>
+              <a:t>6</a:t>
             </a:fld>
             <a:endParaRPr lang="es-ES"/>
           </a:p>
@@ -6760,8 +7719,164 @@
             </a:pPr>
             <a:r>
               <a:rPr lang="es-ES" baseline="0" dirty="0" smtClean="0"/>
-              <a:t>Debido a los desafíos comentados anteriormente, y con el fin de mitigar algunos de ellos, sobre todos aquellos relacionados con la comunicación, control y gestión del conocimiento en DGS, se propone: </a:t>
-            </a:r>
+              <a:t>Desafíos en las 3C: comunicación, control, coordinación.</a:t>
+            </a:r>
+          </a:p>
+          <a:p>
+            <a:pPr marL="822183" lvl="1" indent="-285750">
+              <a:buFontTx/>
+              <a:buChar char="-"/>
+            </a:pPr>
+            <a:r>
+              <a:rPr lang="es-ES" baseline="0" dirty="0" smtClean="0"/>
+              <a:t>Comunicación:</a:t>
+            </a:r>
+          </a:p>
+          <a:p>
+            <a:pPr marL="1072866" lvl="2" indent="0">
+              <a:buFontTx/>
+              <a:buNone/>
+            </a:pPr>
+            <a:r>
+              <a:rPr lang="es-ES" baseline="0" dirty="0" smtClean="0"/>
+              <a:t>Dependiente de la tecnología porque se imposibilita una comunicación </a:t>
+            </a:r>
+            <a:r>
+              <a:rPr lang="es-ES" baseline="0" dirty="0" err="1" smtClean="0"/>
+              <a:t>face-to-face</a:t>
+            </a:r>
+            <a:r>
+              <a:rPr lang="es-ES" baseline="0" dirty="0" smtClean="0"/>
+              <a:t>, elevando los tiempos de respuesta y dificultando la comunicación (comunicación no verbal)</a:t>
+            </a:r>
+          </a:p>
+          <a:p>
+            <a:pPr marL="1072866" lvl="2" indent="0">
+              <a:buFontTx/>
+              <a:buNone/>
+            </a:pPr>
+            <a:r>
+              <a:rPr lang="es-ES" baseline="0" dirty="0" smtClean="0"/>
+              <a:t>Comunicación asíncrona, por diferentes husos horarios, lo que hace más difícil coincidir en el mismo tiempo. Además, se provocan interrupciones por estos cambios horarios, aumentando malestar</a:t>
+            </a:r>
+          </a:p>
+          <a:p>
+            <a:pPr marL="1072866" lvl="2" indent="0">
+              <a:buFontTx/>
+              <a:buNone/>
+            </a:pPr>
+            <a:r>
+              <a:rPr lang="es-ES" baseline="0" dirty="0" smtClean="0"/>
+              <a:t>Ambigüedades, por diferencias idiomáticas o malentendidos culturales</a:t>
+            </a:r>
+          </a:p>
+          <a:p>
+            <a:pPr marL="822183" lvl="1" indent="-285750">
+              <a:buFontTx/>
+              <a:buChar char="-"/>
+            </a:pPr>
+            <a:r>
+              <a:rPr lang="es-ES" baseline="0" dirty="0" smtClean="0"/>
+              <a:t>Coordinación:</a:t>
+            </a:r>
+          </a:p>
+          <a:p>
+            <a:pPr marL="1072866" lvl="2" indent="0">
+              <a:buFontTx/>
+              <a:buNone/>
+            </a:pPr>
+            <a:r>
+              <a:rPr lang="es-ES" baseline="0" dirty="0" smtClean="0"/>
+              <a:t>Falta de conciencia de equipo, por que al estar distribuidos en diferentes países y lugares, no se adquiere conciencia de equipo que trabaja en un mismo objetivo</a:t>
+            </a:r>
+          </a:p>
+          <a:p>
+            <a:pPr marL="1072866" lvl="2" indent="0">
+              <a:buFontTx/>
+              <a:buNone/>
+            </a:pPr>
+            <a:r>
+              <a:rPr lang="es-ES" baseline="0" dirty="0" smtClean="0"/>
+              <a:t>Comunicación asíncrona y modificar los calendarios laborales, para poder coincidir en un momento para coordinar tares o realizar </a:t>
+            </a:r>
+            <a:r>
+              <a:rPr lang="es-ES" baseline="0" dirty="0" err="1" smtClean="0"/>
+              <a:t>meetings</a:t>
+            </a:r>
+            <a:endParaRPr lang="es-ES" baseline="0" dirty="0" smtClean="0"/>
+          </a:p>
+          <a:p>
+            <a:pPr marL="1072866" lvl="2" indent="0">
+              <a:buFontTx/>
+              <a:buNone/>
+            </a:pPr>
+            <a:r>
+              <a:rPr lang="es-ES" baseline="0" dirty="0" smtClean="0"/>
+              <a:t>Falta de confianza porque no se conoce personalmente a las otras personas, su cultura, su manera de ser, etc.</a:t>
+            </a:r>
+          </a:p>
+          <a:p>
+            <a:pPr marL="822183" lvl="1" indent="-285750">
+              <a:buFontTx/>
+              <a:buChar char="-"/>
+            </a:pPr>
+            <a:r>
+              <a:rPr lang="es-ES" baseline="0" dirty="0" smtClean="0"/>
+              <a:t>Control:</a:t>
+            </a:r>
+          </a:p>
+          <a:p>
+            <a:pPr marL="1072866" lvl="2" indent="0">
+              <a:buFontTx/>
+              <a:buNone/>
+            </a:pPr>
+            <a:r>
+              <a:rPr lang="es-ES" baseline="0" dirty="0" smtClean="0"/>
+              <a:t>Dificultad para la planificación de proyectos, seguimiento de procesos, calidad, </a:t>
+            </a:r>
+            <a:r>
+              <a:rPr lang="es-ES" baseline="0" dirty="0" err="1" smtClean="0"/>
+              <a:t>etc</a:t>
+            </a:r>
+            <a:r>
+              <a:rPr lang="es-ES" baseline="0" dirty="0" smtClean="0"/>
+              <a:t>, al estar distribuidos en diferentes países.</a:t>
+            </a:r>
+          </a:p>
+          <a:p>
+            <a:pPr marL="1072866" lvl="2" indent="0">
+              <a:buFontTx/>
+              <a:buNone/>
+            </a:pPr>
+            <a:r>
+              <a:rPr lang="es-ES" baseline="0" dirty="0" smtClean="0"/>
+              <a:t>Se dificulta el control y acceso de recursos remotos, como servicios web, bases de datos, </a:t>
+            </a:r>
+            <a:r>
+              <a:rPr lang="es-ES" baseline="0" dirty="0" err="1" smtClean="0"/>
+              <a:t>etc</a:t>
+            </a:r>
+            <a:r>
+              <a:rPr lang="es-ES" baseline="0" dirty="0" smtClean="0"/>
+              <a:t> (por no estar disponibles en el mismo momento)</a:t>
+            </a:r>
+          </a:p>
+          <a:p>
+            <a:pPr marL="1072866" lvl="2" indent="0">
+              <a:buFontTx/>
+              <a:buNone/>
+            </a:pPr>
+            <a:r>
+              <a:rPr lang="es-ES" baseline="0" dirty="0" smtClean="0"/>
+              <a:t>Relacionado con la distancia geográfica, cada país y equipo de desarrollo seguirá unos determinados procesos, normas de calidad ,etc.</a:t>
+            </a:r>
+          </a:p>
+          <a:p>
+            <a:pPr marL="536433" lvl="1" indent="0">
+              <a:buFontTx/>
+              <a:buNone/>
+            </a:pPr>
+            <a:endParaRPr lang="es-ES" baseline="0" dirty="0" smtClean="0"/>
           </a:p>
           <a:p>
             <a:pPr marL="285750" indent="-285750">
@@ -6777,25 +7892,28 @@
             </a:pPr>
             <a:r>
               <a:rPr lang="es-ES" baseline="0" dirty="0" smtClean="0"/>
-              <a:t>Se propone la herramienta </a:t>
-            </a:r>
+              <a:t>Desafíos en GC:</a:t>
+            </a:r>
+          </a:p>
+          <a:p>
+            <a:pPr marL="536433" lvl="1" indent="0">
+              <a:buFontTx/>
+              <a:buNone/>
+            </a:pPr>
+            <a:r>
+              <a:rPr lang="es-ES" baseline="0" dirty="0" smtClean="0"/>
+              <a:t>Se dificulta la gestión de conocimiento, debido a que la información proviene de diversas fuentes, no se coordina bien la información y puede quedar diseminada. Gran parte de este conocimiento son las decisiones tomadas en las fases de desarrollo de un proyecto software, de vital importancia para un buen desarrollo, análisis, etc.</a:t>
+            </a:r>
+          </a:p>
+          <a:p>
+            <a:pPr marL="536433" lvl="1" indent="0">
+              <a:buFontTx/>
+              <a:buNone/>
+            </a:pPr>
             <a:r>
               <a:rPr lang="es-ES" b="1" baseline="0" dirty="0" smtClean="0"/>
-              <a:t>DPMTool</a:t>
-            </a:r>
-            <a:r>
-              <a:rPr lang="es-ES" b="0" baseline="0" dirty="0" smtClean="0"/>
-              <a:t>, utilizando </a:t>
-            </a:r>
-            <a:r>
-              <a:rPr lang="es-ES" b="0" baseline="0" dirty="0" err="1" smtClean="0"/>
-              <a:t>Rationale</a:t>
-            </a:r>
-            <a:r>
-              <a:rPr lang="es-ES" b="0" baseline="0" dirty="0" smtClean="0"/>
-              <a:t> para la gestión de decisiones, y CBR para la reutilización de conocimiento. Estos conceptos se tratarán más en profundidad en el punto tercero, en el estado del arte.</a:t>
-            </a:r>
-            <a:endParaRPr lang="es-ES" baseline="0" dirty="0" smtClean="0"/>
+              <a:t>Por tanto, se dificulta su creación, almacenamiento recuperación y reutilización.</a:t>
+            </a:r>
           </a:p>
         </p:txBody>
       </p:sp>
@@ -6816,7 +7934,7 @@
           <a:p>
             <a:fld id="{6E665CBF-38AC-4922-92E9-BC7AD6EBE033}" type="slidenum">
               <a:rPr lang="es-ES" smtClean="0"/>
-              <a:t>8</a:t>
+              <a:t>7</a:t>
             </a:fld>
             <a:endParaRPr lang="es-ES"/>
           </a:p>
@@ -6884,14 +8002,48 @@
               <a:buChar char="-"/>
             </a:pPr>
             <a:r>
-              <a:rPr lang="es-ES" dirty="0" smtClean="0"/>
-              <a:t>Como se ha comentado en el apartado anterior, el objetivo del</a:t>
-            </a:r>
-            <a:r>
               <a:rPr lang="es-ES" baseline="0" dirty="0" smtClean="0"/>
-              <a:t> PFC es desarrollar una herramienta para mitigar los desafíos encontrados en DGS, facilitando la gestión de conocimiento y decisiones. Concretamente, el objetivo principal consiste en …</a:t>
-            </a:r>
-            <a:endParaRPr lang="es-ES" dirty="0"/>
+              <a:t>Debido a los desafíos comentados anteriormente, y con el fin de mitigar algunos de ellos, sobre todos aquellos relacionados con la comunicación, control y gestión del conocimiento en DGS, se propone: </a:t>
+            </a:r>
+            <a:r>
+              <a:rPr lang="es-ES" baseline="0" dirty="0" smtClean="0"/>
+              <a:t>…</a:t>
+            </a:r>
+            <a:endParaRPr lang="es-ES" baseline="0" dirty="0" smtClean="0"/>
+          </a:p>
+          <a:p>
+            <a:pPr marL="285750" indent="-285750">
+              <a:buFontTx/>
+              <a:buChar char="-"/>
+            </a:pPr>
+            <a:endParaRPr lang="es-ES" baseline="0" dirty="0" smtClean="0"/>
+          </a:p>
+          <a:p>
+            <a:pPr marL="285750" indent="-285750">
+              <a:buFontTx/>
+              <a:buChar char="-"/>
+            </a:pPr>
+            <a:r>
+              <a:rPr lang="es-ES" baseline="0" dirty="0" smtClean="0"/>
+              <a:t>Se propone la herramienta </a:t>
+            </a:r>
+            <a:r>
+              <a:rPr lang="es-ES" b="1" baseline="0" dirty="0" smtClean="0"/>
+              <a:t>DPMTool</a:t>
+            </a:r>
+            <a:r>
+              <a:rPr lang="es-ES" b="0" baseline="0" dirty="0" smtClean="0"/>
+              <a:t>, utilizando </a:t>
+            </a:r>
+            <a:r>
+              <a:rPr lang="es-ES" b="0" baseline="0" dirty="0" err="1" smtClean="0"/>
+              <a:t>Rationale</a:t>
+            </a:r>
+            <a:r>
+              <a:rPr lang="es-ES" b="0" baseline="0" dirty="0" smtClean="0"/>
+              <a:t> para la gestión de decisiones, y CBR para la reutilización de conocimiento. Estos conceptos se tratarán más en profundidad en el punto tercero, en el estado del arte.</a:t>
+            </a:r>
+            <a:endParaRPr lang="es-ES" baseline="0" dirty="0" smtClean="0"/>
           </a:p>
         </p:txBody>
       </p:sp>
@@ -6912,7 +8064,7 @@
           <a:p>
             <a:fld id="{6E665CBF-38AC-4922-92E9-BC7AD6EBE033}" type="slidenum">
               <a:rPr lang="es-ES" smtClean="0"/>
-              <a:t>10</a:t>
+              <a:t>8</a:t>
             </a:fld>
             <a:endParaRPr lang="es-ES"/>
           </a:p>
@@ -6981,69 +8133,27 @@
             </a:pPr>
             <a:r>
               <a:rPr lang="es-ES" dirty="0" smtClean="0"/>
-              <a:t>En esta tabla se muestra</a:t>
+              <a:t>Una vez que hemos descrito el DGS,</a:t>
             </a:r>
             <a:r>
               <a:rPr lang="es-ES" baseline="0" dirty="0" smtClean="0"/>
-              <a:t>n los objetivos asociados al objetivo principal, cuya consecución tendrá como consecuencia la consecución del objetivo principal.</a:t>
-            </a:r>
+              <a:t> junto a sus ventajas y desafíos, y se ha propuesto una solución para mitigar estos desafíos encontrados, en esta sección se detallan los objetivos que deben cumplirse con el desarrollo del sistema </a:t>
+            </a:r>
+            <a:r>
+              <a:rPr lang="es-ES" b="1" baseline="0" dirty="0" smtClean="0"/>
+              <a:t>DPMTool</a:t>
+            </a:r>
+            <a:r>
+              <a:rPr lang="es-ES" baseline="0" dirty="0" smtClean="0"/>
+              <a:t>.</a:t>
+            </a:r>
+            <a:endParaRPr lang="es-ES" dirty="0" smtClean="0"/>
           </a:p>
           <a:p>
             <a:pPr marL="285750" indent="-285750">
               <a:buFontTx/>
               <a:buChar char="-"/>
             </a:pPr>
-            <a:r>
-              <a:rPr lang="es-ES" baseline="0" dirty="0" smtClean="0"/>
-              <a:t>Se muestra el identificador del objetivo, una pequeña descripción de dicho objetivo y el desafío del DGS que se pretende mitigar o resolver.</a:t>
-            </a:r>
-          </a:p>
-          <a:p>
-            <a:pPr marL="285750" indent="-285750">
-              <a:buFontTx/>
-              <a:buChar char="-"/>
-            </a:pPr>
-            <a:endParaRPr lang="es-ES" baseline="0" dirty="0" smtClean="0"/>
-          </a:p>
-          <a:p>
-            <a:pPr marL="285750" indent="-285750">
-              <a:buFontTx/>
-              <a:buChar char="-"/>
-            </a:pPr>
-            <a:r>
-              <a:rPr lang="es-ES" baseline="0" dirty="0" smtClean="0"/>
-              <a:t>O2: Al favorecer la gestión de decisiones, se facilita la comunicación porque se evitan malentendidos socio-culturales, al seguir un mismo formato</a:t>
-            </a:r>
-          </a:p>
-          <a:p>
-            <a:pPr marL="285750" indent="-285750">
-              <a:buFontTx/>
-              <a:buChar char="-"/>
-            </a:pPr>
-            <a:r>
-              <a:rPr lang="es-ES" baseline="0" dirty="0" smtClean="0"/>
-              <a:t>O4: Sistema de notificaciones y refrescar cambios en tiempo real</a:t>
-            </a:r>
-          </a:p>
-          <a:p>
-            <a:pPr marL="285750" indent="-285750">
-              <a:buFontTx/>
-              <a:buChar char="-"/>
-            </a:pPr>
-            <a:r>
-              <a:rPr lang="es-ES" baseline="0" dirty="0" smtClean="0"/>
-              <a:t>O6: Se facilita creando una estructura y formato común para crear/modificar datos de proyectos</a:t>
-            </a:r>
-          </a:p>
-          <a:p>
-            <a:pPr marL="285750" indent="-285750">
-              <a:buFontTx/>
-              <a:buChar char="-"/>
-            </a:pPr>
-            <a:r>
-              <a:rPr lang="es-ES" baseline="0" dirty="0" smtClean="0"/>
-              <a:t>O7: Aspectos de control como informes, estadísticas, etc.</a:t>
-            </a:r>
             <a:endParaRPr lang="es-ES" dirty="0"/>
           </a:p>
         </p:txBody>
@@ -7065,7 +8175,7 @@
           <a:p>
             <a:fld id="{6E665CBF-38AC-4922-92E9-BC7AD6EBE033}" type="slidenum">
               <a:rPr lang="es-ES" smtClean="0"/>
-              <a:t>11</a:t>
+              <a:t>9</a:t>
             </a:fld>
             <a:endParaRPr lang="es-ES"/>
           </a:p>
@@ -7074,7 +8184,7 @@
     </p:spTree>
     <p:extLst>
       <p:ext uri="{BB962C8B-B14F-4D97-AF65-F5344CB8AC3E}">
-        <p14:creationId xmlns:p14="http://schemas.microsoft.com/office/powerpoint/2010/main" val="1369053244"/>
+        <p14:creationId xmlns:p14="http://schemas.microsoft.com/office/powerpoint/2010/main" val="1073350333"/>
       </p:ext>
     </p:extLst>
   </p:cSld>
@@ -7118,7 +8228,7 @@
           <a:p>
             <a:fld id="{99B9E228-B20A-4312-8548-EB0CBE3DC242}" type="datetime1">
               <a:rPr lang="es-ES" smtClean="0"/>
-              <a:t>23/01/2012</a:t>
+              <a:t>24/01/2012</a:t>
             </a:fld>
             <a:endParaRPr lang="es-ES"/>
           </a:p>
@@ -7371,7 +8481,7 @@
           <a:p>
             <a:fld id="{F0E420B3-0843-4086-9A79-C2D69C94EFEC}" type="datetime1">
               <a:rPr lang="es-ES" smtClean="0"/>
-              <a:t>23/01/2012</a:t>
+              <a:t>24/01/2012</a:t>
             </a:fld>
             <a:endParaRPr lang="es-ES"/>
           </a:p>
@@ -7558,7 +8668,7 @@
           <a:p>
             <a:fld id="{572708D8-894F-4A04-9778-A9AE9CE5F213}" type="datetime1">
               <a:rPr lang="es-ES" smtClean="0"/>
-              <a:t>23/01/2012</a:t>
+              <a:t>24/01/2012</a:t>
             </a:fld>
             <a:endParaRPr lang="es-ES"/>
           </a:p>
@@ -7670,7 +8780,7 @@
           <a:p>
             <a:fld id="{7CE11CBE-3B5A-4BAF-916B-EEC53E0ACD5B}" type="datetime1">
               <a:rPr lang="es-ES" smtClean="0"/>
-              <a:t>23/01/2012</a:t>
+              <a:t>24/01/2012</a:t>
             </a:fld>
             <a:endParaRPr lang="es-ES"/>
           </a:p>
@@ -8228,7 +9338,7 @@
           <a:p>
             <a:fld id="{A14774F8-E6B6-4BAD-B8E5-125D4A9AC347}" type="datetime1">
               <a:rPr lang="es-ES" smtClean="0"/>
-              <a:t>23/01/2012</a:t>
+              <a:t>24/01/2012</a:t>
             </a:fld>
             <a:endParaRPr lang="es-ES"/>
           </a:p>
@@ -8535,7 +9645,7 @@
           <a:p>
             <a:fld id="{611D5F68-91B5-40E5-A8E9-A11C172361F2}" type="datetime1">
               <a:rPr lang="es-ES" smtClean="0"/>
-              <a:t>23/01/2012</a:t>
+              <a:t>24/01/2012</a:t>
             </a:fld>
             <a:endParaRPr lang="es-ES"/>
           </a:p>
@@ -8860,7 +9970,7 @@
           <a:p>
             <a:fld id="{4F36A2B8-C8CE-4100-B587-0F9B11372395}" type="datetime1">
               <a:rPr lang="es-ES" smtClean="0"/>
-              <a:t>23/01/2012</a:t>
+              <a:t>24/01/2012</a:t>
             </a:fld>
             <a:endParaRPr lang="es-ES" dirty="0"/>
           </a:p>
@@ -9089,7 +10199,7 @@
           <a:p>
             <a:fld id="{4BE2E6EA-3464-4032-9797-50E08D76AC4F}" type="datetime1">
               <a:rPr lang="es-ES" smtClean="0"/>
-              <a:t>23/01/2012</a:t>
+              <a:t>24/01/2012</a:t>
             </a:fld>
             <a:endParaRPr lang="es-ES"/>
           </a:p>
@@ -9195,7 +10305,7 @@
           <a:p>
             <a:fld id="{DA840A6B-26FF-428C-A3CD-916F5B4C06CA}" type="datetime1">
               <a:rPr lang="es-ES" smtClean="0"/>
-              <a:t>23/01/2012</a:t>
+              <a:t>24/01/2012</a:t>
             </a:fld>
             <a:endParaRPr lang="es-ES"/>
           </a:p>
@@ -9693,7 +10803,7 @@
           <a:p>
             <a:fld id="{1F16DE4E-288B-4BCE-802B-87CBE39B22DE}" type="datetime1">
               <a:rPr lang="es-ES" smtClean="0"/>
-              <a:t>23/01/2012</a:t>
+              <a:t>24/01/2012</a:t>
             </a:fld>
             <a:endParaRPr lang="es-ES"/>
           </a:p>
@@ -9887,7 +10997,7 @@
           <a:p>
             <a:fld id="{6EB81146-898A-4CEC-B2C6-A72691065DB3}" type="datetime1">
               <a:rPr lang="es-ES" smtClean="0"/>
-              <a:t>23/01/2012</a:t>
+              <a:t>24/01/2012</a:t>
             </a:fld>
             <a:endParaRPr lang="es-ES"/>
           </a:p>
@@ -10892,7 +12002,7 @@
           <a:p>
             <a:fld id="{273BB294-DEFA-4617-B3B3-CF6ACB1E4094}" type="datetime1">
               <a:rPr lang="es-ES" smtClean="0"/>
-              <a:t>23/01/2012</a:t>
+              <a:t>24/01/2012</a:t>
             </a:fld>
             <a:endParaRPr lang="es-ES" dirty="0"/>
           </a:p>
@@ -11015,7 +12125,6 @@
               <a:rPr lang="es-ES" dirty="0"/>
               <a:t>Introducción</a:t>
             </a:r>
-            <a:endParaRPr lang="es-ES" dirty="0"/>
           </a:p>
         </p:txBody>
       </p:sp>
@@ -11805,7 +12914,7 @@
           <a:p>
             <a:fld id="{273BB294-DEFA-4617-B3B3-CF6ACB1E4094}" type="datetime1">
               <a:rPr lang="es-ES" smtClean="0"/>
-              <a:t>23/01/2012</a:t>
+              <a:t>24/01/2012</a:t>
             </a:fld>
             <a:endParaRPr lang="es-ES" dirty="0"/>
           </a:p>
@@ -11928,7 +13037,6 @@
               <a:rPr lang="es-ES" dirty="0"/>
               <a:t>Introducción</a:t>
             </a:r>
-            <a:endParaRPr lang="es-ES" dirty="0"/>
           </a:p>
         </p:txBody>
       </p:sp>
@@ -14617,7 +15725,7 @@
           <a:p>
             <a:fld id="{273BB294-DEFA-4617-B3B3-CF6ACB1E4094}" type="datetime1">
               <a:rPr lang="es-ES" smtClean="0"/>
-              <a:t>23/01/2012</a:t>
+              <a:t>24/01/2012</a:t>
             </a:fld>
             <a:endParaRPr lang="es-ES" dirty="0"/>
           </a:p>
@@ -14740,7 +15848,6 @@
               <a:rPr lang="es-ES" dirty="0"/>
               <a:t>Introducción</a:t>
             </a:r>
-            <a:endParaRPr lang="es-ES" dirty="0"/>
           </a:p>
         </p:txBody>
       </p:sp>
@@ -14950,11 +16057,6 @@
               </a:rPr>
               <a:t>Objetivos</a:t>
             </a:r>
-            <a:endParaRPr lang="es-ES" sz="1100" dirty="0" smtClean="0">
-              <a:solidFill>
-                <a:srgbClr val="274F5F"/>
-              </a:solidFill>
-            </a:endParaRPr>
           </a:p>
         </p:txBody>
       </p:sp>
@@ -15669,7 +16771,7 @@
           <a:p>
             <a:fld id="{273BB294-DEFA-4617-B3B3-CF6ACB1E4094}" type="datetime1">
               <a:rPr lang="es-ES" smtClean="0"/>
-              <a:t>23/01/2012</a:t>
+              <a:t>24/01/2012</a:t>
             </a:fld>
             <a:endParaRPr lang="es-ES" dirty="0"/>
           </a:p>
@@ -15792,7 +16894,6 @@
               <a:rPr lang="es-ES" dirty="0"/>
               <a:t>Introducción</a:t>
             </a:r>
-            <a:endParaRPr lang="es-ES" dirty="0"/>
           </a:p>
         </p:txBody>
       </p:sp>
@@ -16002,11 +17103,6 @@
               </a:rPr>
               <a:t>Objetivos</a:t>
             </a:r>
-            <a:endParaRPr lang="es-ES" sz="1100" dirty="0" smtClean="0">
-              <a:solidFill>
-                <a:srgbClr val="274F5F"/>
-              </a:solidFill>
-            </a:endParaRPr>
           </a:p>
         </p:txBody>
       </p:sp>
@@ -16710,7 +17806,7 @@
           <a:p>
             <a:fld id="{273BB294-DEFA-4617-B3B3-CF6ACB1E4094}" type="datetime1">
               <a:rPr lang="es-ES" smtClean="0"/>
-              <a:t>23/01/2012</a:t>
+              <a:t>24/01/2012</a:t>
             </a:fld>
             <a:endParaRPr lang="es-ES" dirty="0"/>
           </a:p>
@@ -16833,7 +17929,6 @@
               <a:rPr lang="es-ES" dirty="0"/>
               <a:t>Introducción</a:t>
             </a:r>
-            <a:endParaRPr lang="es-ES" dirty="0"/>
           </a:p>
         </p:txBody>
       </p:sp>
@@ -17043,11 +18138,6 @@
               </a:rPr>
               <a:t>Objetivos</a:t>
             </a:r>
-            <a:endParaRPr lang="es-ES" sz="1100" dirty="0" smtClean="0">
-              <a:solidFill>
-                <a:srgbClr val="274F5F"/>
-              </a:solidFill>
-            </a:endParaRPr>
           </a:p>
         </p:txBody>
       </p:sp>
@@ -17621,7 +18711,7 @@
           <a:p>
             <a:fld id="{273BB294-DEFA-4617-B3B3-CF6ACB1E4094}" type="datetime1">
               <a:rPr lang="es-ES" smtClean="0"/>
-              <a:t>23/01/2012</a:t>
+              <a:t>24/01/2012</a:t>
             </a:fld>
             <a:endParaRPr lang="es-ES" dirty="0"/>
           </a:p>
@@ -17744,7 +18834,6 @@
               <a:rPr lang="es-ES" dirty="0"/>
               <a:t>Introducción</a:t>
             </a:r>
-            <a:endParaRPr lang="es-ES" dirty="0"/>
           </a:p>
         </p:txBody>
       </p:sp>
@@ -17954,11 +19043,6 @@
               </a:rPr>
               <a:t>Objetivos</a:t>
             </a:r>
-            <a:endParaRPr lang="es-ES" sz="1100" dirty="0" smtClean="0">
-              <a:solidFill>
-                <a:srgbClr val="274F5F"/>
-              </a:solidFill>
-            </a:endParaRPr>
           </a:p>
         </p:txBody>
       </p:sp>
@@ -18633,7 +19717,7 @@
           <a:p>
             <a:fld id="{273BB294-DEFA-4617-B3B3-CF6ACB1E4094}" type="datetime1">
               <a:rPr lang="es-ES" smtClean="0"/>
-              <a:t>23/01/2012</a:t>
+              <a:t>24/01/2012</a:t>
             </a:fld>
             <a:endParaRPr lang="es-ES" dirty="0"/>
           </a:p>
@@ -18756,7 +19840,6 @@
               <a:rPr lang="es-ES" dirty="0"/>
               <a:t>Introducción</a:t>
             </a:r>
-            <a:endParaRPr lang="es-ES" dirty="0"/>
           </a:p>
         </p:txBody>
       </p:sp>
@@ -18966,11 +20049,6 @@
               </a:rPr>
               <a:t>Objetivos</a:t>
             </a:r>
-            <a:endParaRPr lang="es-ES" sz="1100" dirty="0" smtClean="0">
-              <a:solidFill>
-                <a:srgbClr val="274F5F"/>
-              </a:solidFill>
-            </a:endParaRPr>
           </a:p>
         </p:txBody>
       </p:sp>
@@ -19525,7 +20603,7 @@
           <p:nvPr/>
         </p:nvPicPr>
         <p:blipFill>
-          <a:blip r:embed="rId2" cstate="print">
+          <a:blip r:embed="rId3" cstate="print">
             <a:extLst>
               <a:ext uri="{28A0092B-C50C-407E-A947-70E740481C1C}">
                 <a14:useLocalDpi xmlns:a14="http://schemas.microsoft.com/office/drawing/2010/main" val="0"/>
@@ -19596,6 +20674,4694 @@
       </p:grpSpPr>
       <p:sp>
         <p:nvSpPr>
+          <p:cNvPr id="15" name="14 Redondear rectángulo de esquina sencilla"/>
+          <p:cNvSpPr/>
+          <p:nvPr/>
+        </p:nvSpPr>
+        <p:spPr>
+          <a:xfrm rot="16200000" flipH="1">
+            <a:off x="741498" y="5499664"/>
+            <a:ext cx="286723" cy="1296145"/>
+          </a:xfrm>
+          <a:prstGeom prst="round1Rect">
+            <a:avLst>
+              <a:gd name="adj" fmla="val 50000"/>
+            </a:avLst>
+          </a:prstGeom>
+          <a:solidFill>
+            <a:schemeClr val="bg1">
+              <a:alpha val="50000"/>
+            </a:schemeClr>
+          </a:solidFill>
+          <a:ln w="25400" cmpd="sng">
+            <a:solidFill>
+              <a:srgbClr val="274F5F"/>
+            </a:solidFill>
+          </a:ln>
+          <a:effectLst/>
+        </p:spPr>
+        <p:style>
+          <a:lnRef idx="2">
+            <a:schemeClr val="accent1"/>
+          </a:lnRef>
+          <a:fillRef idx="1">
+            <a:schemeClr val="lt1"/>
+          </a:fillRef>
+          <a:effectRef idx="0">
+            <a:schemeClr val="accent1"/>
+          </a:effectRef>
+          <a:fontRef idx="minor">
+            <a:schemeClr val="dk1"/>
+          </a:fontRef>
+        </p:style>
+        <p:txBody>
+          <a:bodyPr anchor="ctr"/>
+          <a:lstStyle/>
+          <a:p>
+            <a:pPr algn="ctr" fontAlgn="auto">
+              <a:spcBef>
+                <a:spcPts val="0"/>
+              </a:spcBef>
+              <a:spcAft>
+                <a:spcPts val="0"/>
+              </a:spcAft>
+              <a:defRPr/>
+            </a:pPr>
+            <a:endParaRPr lang="es-ES" dirty="0"/>
+          </a:p>
+        </p:txBody>
+      </p:sp>
+      <p:sp>
+        <p:nvSpPr>
+          <p:cNvPr id="2" name="1 Marcador de fecha"/>
+          <p:cNvSpPr>
+            <a:spLocks noGrp="1"/>
+          </p:cNvSpPr>
+          <p:nvPr>
+            <p:ph type="dt" sz="half" idx="10"/>
+          </p:nvPr>
+        </p:nvSpPr>
+        <p:spPr/>
+        <p:txBody>
+          <a:bodyPr/>
+          <a:lstStyle/>
+          <a:p>
+            <a:fld id="{273BB294-DEFA-4617-B3B3-CF6ACB1E4094}" type="datetime1">
+              <a:rPr lang="es-ES" smtClean="0"/>
+              <a:t>24/01/2012</a:t>
+            </a:fld>
+            <a:endParaRPr lang="es-ES" dirty="0"/>
+          </a:p>
+        </p:txBody>
+      </p:sp>
+      <p:sp>
+        <p:nvSpPr>
+          <p:cNvPr id="4" name="3 Marcador de número de diapositiva"/>
+          <p:cNvSpPr>
+            <a:spLocks noGrp="1"/>
+          </p:cNvSpPr>
+          <p:nvPr>
+            <p:ph type="sldNum" sz="quarter" idx="12"/>
+          </p:nvPr>
+        </p:nvSpPr>
+        <p:spPr/>
+        <p:txBody>
+          <a:bodyPr/>
+          <a:lstStyle/>
+          <a:p>
+            <a:fld id="{2E16987B-1223-45F3-900E-A014D2035EDD}" type="slidenum">
+              <a:rPr lang="es-ES" smtClean="0"/>
+              <a:t>19</a:t>
+            </a:fld>
+            <a:endParaRPr lang="es-ES"/>
+          </a:p>
+        </p:txBody>
+      </p:sp>
+      <p:sp>
+        <p:nvSpPr>
+          <p:cNvPr id="7" name="6 Redondear rectángulo de esquina sencilla"/>
+          <p:cNvSpPr/>
+          <p:nvPr/>
+        </p:nvSpPr>
+        <p:spPr>
+          <a:xfrm rot="16200000" flipH="1">
+            <a:off x="4653595" y="5496752"/>
+            <a:ext cx="286723" cy="1296145"/>
+          </a:xfrm>
+          <a:prstGeom prst="round1Rect">
+            <a:avLst>
+              <a:gd name="adj" fmla="val 50000"/>
+            </a:avLst>
+          </a:prstGeom>
+          <a:ln/>
+        </p:spPr>
+        <p:style>
+          <a:lnRef idx="1">
+            <a:schemeClr val="accent3"/>
+          </a:lnRef>
+          <a:fillRef idx="2">
+            <a:schemeClr val="accent3"/>
+          </a:fillRef>
+          <a:effectRef idx="1">
+            <a:schemeClr val="accent3"/>
+          </a:effectRef>
+          <a:fontRef idx="minor">
+            <a:schemeClr val="dk1"/>
+          </a:fontRef>
+        </p:style>
+        <p:txBody>
+          <a:bodyPr anchor="ctr"/>
+          <a:lstStyle/>
+          <a:p>
+            <a:pPr algn="ctr" fontAlgn="auto">
+              <a:spcBef>
+                <a:spcPts val="0"/>
+              </a:spcBef>
+              <a:spcAft>
+                <a:spcPts val="0"/>
+              </a:spcAft>
+              <a:defRPr/>
+            </a:pPr>
+            <a:endParaRPr lang="es-ES" dirty="0"/>
+          </a:p>
+        </p:txBody>
+      </p:sp>
+      <p:sp>
+        <p:nvSpPr>
+          <p:cNvPr id="6" name="5 CuadroTexto"/>
+          <p:cNvSpPr txBox="1"/>
+          <p:nvPr/>
+        </p:nvSpPr>
+        <p:spPr>
+          <a:xfrm>
+            <a:off x="348981" y="6013413"/>
+            <a:ext cx="1380629" cy="261610"/>
+          </a:xfrm>
+          <a:prstGeom prst="rect">
+            <a:avLst/>
+          </a:prstGeom>
+          <a:noFill/>
+          <a:effectLst>
+            <a:glow rad="101600">
+              <a:schemeClr val="accent5">
+                <a:satMod val="175000"/>
+                <a:alpha val="40000"/>
+              </a:schemeClr>
+            </a:glow>
+          </a:effectLst>
+        </p:spPr>
+        <p:txBody>
+          <a:bodyPr wrap="square" rtlCol="0">
+            <a:spAutoFit/>
+          </a:bodyPr>
+          <a:lstStyle>
+            <a:defPPr>
+              <a:defRPr lang="es-ES"/>
+            </a:defPPr>
+            <a:lvl1pPr>
+              <a:defRPr sz="1100">
+                <a:solidFill>
+                  <a:srgbClr val="274F5F"/>
+                </a:solidFill>
+              </a:defRPr>
+            </a:lvl1pPr>
+          </a:lstStyle>
+          <a:p>
+            <a:r>
+              <a:rPr lang="es-ES" dirty="0"/>
+              <a:t>Introducción</a:t>
+            </a:r>
+          </a:p>
+        </p:txBody>
+      </p:sp>
+      <p:sp>
+        <p:nvSpPr>
+          <p:cNvPr id="16" name="15 Redondear rectángulo de esquina sencilla"/>
+          <p:cNvSpPr/>
+          <p:nvPr/>
+        </p:nvSpPr>
+        <p:spPr>
+          <a:xfrm rot="16200000" flipH="1">
+            <a:off x="2046323" y="5500600"/>
+            <a:ext cx="286723" cy="1296145"/>
+          </a:xfrm>
+          <a:prstGeom prst="round1Rect">
+            <a:avLst>
+              <a:gd name="adj" fmla="val 50000"/>
+            </a:avLst>
+          </a:prstGeom>
+          <a:solidFill>
+            <a:schemeClr val="bg1">
+              <a:alpha val="50000"/>
+            </a:schemeClr>
+          </a:solidFill>
+          <a:ln w="25400" cmpd="sng">
+            <a:solidFill>
+              <a:srgbClr val="274F5F"/>
+            </a:solidFill>
+          </a:ln>
+          <a:effectLst/>
+        </p:spPr>
+        <p:style>
+          <a:lnRef idx="2">
+            <a:schemeClr val="accent1"/>
+          </a:lnRef>
+          <a:fillRef idx="1">
+            <a:schemeClr val="lt1"/>
+          </a:fillRef>
+          <a:effectRef idx="0">
+            <a:schemeClr val="accent1"/>
+          </a:effectRef>
+          <a:fontRef idx="minor">
+            <a:schemeClr val="dk1"/>
+          </a:fontRef>
+        </p:style>
+        <p:txBody>
+          <a:bodyPr anchor="ctr"/>
+          <a:lstStyle/>
+          <a:p>
+            <a:pPr algn="ctr" fontAlgn="auto">
+              <a:spcBef>
+                <a:spcPts val="0"/>
+              </a:spcBef>
+              <a:spcAft>
+                <a:spcPts val="0"/>
+              </a:spcAft>
+              <a:defRPr/>
+            </a:pPr>
+            <a:endParaRPr lang="es-ES" dirty="0"/>
+          </a:p>
+        </p:txBody>
+      </p:sp>
+      <p:sp>
+        <p:nvSpPr>
+          <p:cNvPr id="17" name="16 Redondear rectángulo de esquina sencilla"/>
+          <p:cNvSpPr/>
+          <p:nvPr/>
+        </p:nvSpPr>
+        <p:spPr>
+          <a:xfrm rot="16200000" flipH="1">
+            <a:off x="3342469" y="5501148"/>
+            <a:ext cx="286723" cy="1296145"/>
+          </a:xfrm>
+          <a:prstGeom prst="round1Rect">
+            <a:avLst>
+              <a:gd name="adj" fmla="val 50000"/>
+            </a:avLst>
+          </a:prstGeom>
+          <a:solidFill>
+            <a:schemeClr val="bg1">
+              <a:alpha val="50000"/>
+            </a:schemeClr>
+          </a:solidFill>
+          <a:ln w="25400" cmpd="sng">
+            <a:solidFill>
+              <a:srgbClr val="274F5F"/>
+            </a:solidFill>
+          </a:ln>
+          <a:effectLst/>
+        </p:spPr>
+        <p:style>
+          <a:lnRef idx="2">
+            <a:schemeClr val="accent1"/>
+          </a:lnRef>
+          <a:fillRef idx="1">
+            <a:schemeClr val="lt1"/>
+          </a:fillRef>
+          <a:effectRef idx="0">
+            <a:schemeClr val="accent1"/>
+          </a:effectRef>
+          <a:fontRef idx="minor">
+            <a:schemeClr val="dk1"/>
+          </a:fontRef>
+        </p:style>
+        <p:txBody>
+          <a:bodyPr anchor="ctr"/>
+          <a:lstStyle/>
+          <a:p>
+            <a:pPr algn="ctr" fontAlgn="auto">
+              <a:spcBef>
+                <a:spcPts val="0"/>
+              </a:spcBef>
+              <a:spcAft>
+                <a:spcPts val="0"/>
+              </a:spcAft>
+              <a:defRPr/>
+            </a:pPr>
+            <a:endParaRPr lang="es-ES" dirty="0"/>
+          </a:p>
+        </p:txBody>
+      </p:sp>
+      <p:sp>
+        <p:nvSpPr>
+          <p:cNvPr id="18" name="17 CuadroTexto"/>
+          <p:cNvSpPr txBox="1"/>
+          <p:nvPr/>
+        </p:nvSpPr>
+        <p:spPr>
+          <a:xfrm>
+            <a:off x="4102535" y="5981363"/>
+            <a:ext cx="1388842" cy="292388"/>
+          </a:xfrm>
+          <a:prstGeom prst="rect">
+            <a:avLst/>
+          </a:prstGeom>
+          <a:noFill/>
+          <a:effectLst>
+            <a:glow rad="101600">
+              <a:schemeClr val="accent5">
+                <a:satMod val="175000"/>
+                <a:alpha val="40000"/>
+              </a:schemeClr>
+            </a:glow>
+          </a:effectLst>
+        </p:spPr>
+        <p:txBody>
+          <a:bodyPr wrap="square" rtlCol="0">
+            <a:spAutoFit/>
+          </a:bodyPr>
+          <a:lstStyle/>
+          <a:p>
+            <a:r>
+              <a:rPr lang="es-ES" sz="1300" b="1" dirty="0" smtClean="0">
+                <a:solidFill>
+                  <a:schemeClr val="bg2">
+                    <a:lumMod val="25000"/>
+                  </a:schemeClr>
+                </a:solidFill>
+              </a:rPr>
+              <a:t>Método trabajo</a:t>
+            </a:r>
+            <a:endParaRPr lang="es-ES" sz="1300" b="1" dirty="0">
+              <a:solidFill>
+                <a:schemeClr val="bg2">
+                  <a:lumMod val="25000"/>
+                </a:schemeClr>
+              </a:solidFill>
+            </a:endParaRPr>
+          </a:p>
+        </p:txBody>
+      </p:sp>
+      <p:sp>
+        <p:nvSpPr>
+          <p:cNvPr id="20" name="19 CuadroTexto"/>
+          <p:cNvSpPr txBox="1"/>
+          <p:nvPr/>
+        </p:nvSpPr>
+        <p:spPr>
+          <a:xfrm>
+            <a:off x="1764312" y="6016401"/>
+            <a:ext cx="949272" cy="261610"/>
+          </a:xfrm>
+          <a:prstGeom prst="rect">
+            <a:avLst/>
+          </a:prstGeom>
+          <a:noFill/>
+          <a:effectLst>
+            <a:glow rad="101600">
+              <a:schemeClr val="accent5">
+                <a:satMod val="175000"/>
+                <a:alpha val="40000"/>
+              </a:schemeClr>
+            </a:glow>
+          </a:effectLst>
+        </p:spPr>
+        <p:txBody>
+          <a:bodyPr wrap="square" rtlCol="0">
+            <a:spAutoFit/>
+          </a:bodyPr>
+          <a:lstStyle/>
+          <a:p>
+            <a:r>
+              <a:rPr lang="es-ES" sz="1100" dirty="0" smtClean="0">
+                <a:solidFill>
+                  <a:srgbClr val="274F5F"/>
+                </a:solidFill>
+              </a:rPr>
+              <a:t>Objetivos</a:t>
+            </a:r>
+          </a:p>
+        </p:txBody>
+      </p:sp>
+      <p:sp>
+        <p:nvSpPr>
+          <p:cNvPr id="21" name="20 CuadroTexto"/>
+          <p:cNvSpPr txBox="1"/>
+          <p:nvPr/>
+        </p:nvSpPr>
+        <p:spPr>
+          <a:xfrm>
+            <a:off x="2915815" y="6040047"/>
+            <a:ext cx="1218087" cy="261610"/>
+          </a:xfrm>
+          <a:prstGeom prst="rect">
+            <a:avLst/>
+          </a:prstGeom>
+          <a:noFill/>
+          <a:effectLst>
+            <a:glow rad="101600">
+              <a:schemeClr val="accent5">
+                <a:satMod val="175000"/>
+                <a:alpha val="40000"/>
+              </a:schemeClr>
+            </a:glow>
+          </a:effectLst>
+        </p:spPr>
+        <p:txBody>
+          <a:bodyPr wrap="square" rtlCol="0">
+            <a:spAutoFit/>
+          </a:bodyPr>
+          <a:lstStyle/>
+          <a:p>
+            <a:r>
+              <a:rPr lang="es-ES" sz="1100" dirty="0" smtClean="0">
+                <a:solidFill>
+                  <a:srgbClr val="274F5F"/>
+                </a:solidFill>
+              </a:rPr>
+              <a:t>Estado Arte</a:t>
+            </a:r>
+          </a:p>
+        </p:txBody>
+      </p:sp>
+      <p:sp>
+        <p:nvSpPr>
+          <p:cNvPr id="22" name="21 Redondear rectángulo de esquina sencilla"/>
+          <p:cNvSpPr/>
+          <p:nvPr/>
+        </p:nvSpPr>
+        <p:spPr>
+          <a:xfrm rot="16200000" flipH="1">
+            <a:off x="5934758" y="5496146"/>
+            <a:ext cx="286723" cy="1296145"/>
+          </a:xfrm>
+          <a:prstGeom prst="round1Rect">
+            <a:avLst>
+              <a:gd name="adj" fmla="val 50000"/>
+            </a:avLst>
+          </a:prstGeom>
+          <a:solidFill>
+            <a:schemeClr val="bg1">
+              <a:alpha val="50000"/>
+            </a:schemeClr>
+          </a:solidFill>
+          <a:ln w="25400" cmpd="sng">
+            <a:solidFill>
+              <a:srgbClr val="274F5F"/>
+            </a:solidFill>
+          </a:ln>
+          <a:effectLst/>
+        </p:spPr>
+        <p:style>
+          <a:lnRef idx="2">
+            <a:schemeClr val="accent1"/>
+          </a:lnRef>
+          <a:fillRef idx="1">
+            <a:schemeClr val="lt1"/>
+          </a:fillRef>
+          <a:effectRef idx="0">
+            <a:schemeClr val="accent1"/>
+          </a:effectRef>
+          <a:fontRef idx="minor">
+            <a:schemeClr val="dk1"/>
+          </a:fontRef>
+        </p:style>
+        <p:txBody>
+          <a:bodyPr anchor="ctr"/>
+          <a:lstStyle/>
+          <a:p>
+            <a:pPr algn="ctr" fontAlgn="auto">
+              <a:spcBef>
+                <a:spcPts val="0"/>
+              </a:spcBef>
+              <a:spcAft>
+                <a:spcPts val="0"/>
+              </a:spcAft>
+              <a:defRPr/>
+            </a:pPr>
+            <a:endParaRPr lang="es-ES" dirty="0"/>
+          </a:p>
+        </p:txBody>
+      </p:sp>
+      <p:sp>
+        <p:nvSpPr>
+          <p:cNvPr id="23" name="22 CuadroTexto"/>
+          <p:cNvSpPr txBox="1"/>
+          <p:nvPr/>
+        </p:nvSpPr>
+        <p:spPr>
+          <a:xfrm>
+            <a:off x="5505851" y="6043554"/>
+            <a:ext cx="949272" cy="261610"/>
+          </a:xfrm>
+          <a:prstGeom prst="rect">
+            <a:avLst/>
+          </a:prstGeom>
+          <a:noFill/>
+          <a:effectLst>
+            <a:glow rad="101600">
+              <a:schemeClr val="accent5">
+                <a:satMod val="175000"/>
+                <a:alpha val="40000"/>
+              </a:schemeClr>
+            </a:glow>
+          </a:effectLst>
+        </p:spPr>
+        <p:txBody>
+          <a:bodyPr wrap="square" rtlCol="0">
+            <a:spAutoFit/>
+          </a:bodyPr>
+          <a:lstStyle/>
+          <a:p>
+            <a:r>
+              <a:rPr lang="es-ES" sz="1100" dirty="0" smtClean="0">
+                <a:solidFill>
+                  <a:srgbClr val="274F5F"/>
+                </a:solidFill>
+              </a:rPr>
+              <a:t>Resultados</a:t>
+            </a:r>
+          </a:p>
+        </p:txBody>
+      </p:sp>
+      <p:sp>
+        <p:nvSpPr>
+          <p:cNvPr id="24" name="23 Redondear rectángulo de esquina sencilla"/>
+          <p:cNvSpPr/>
+          <p:nvPr/>
+        </p:nvSpPr>
+        <p:spPr>
+          <a:xfrm rot="16200000" flipH="1">
+            <a:off x="7230903" y="5486577"/>
+            <a:ext cx="286723" cy="1296145"/>
+          </a:xfrm>
+          <a:prstGeom prst="round1Rect">
+            <a:avLst>
+              <a:gd name="adj" fmla="val 50000"/>
+            </a:avLst>
+          </a:prstGeom>
+          <a:solidFill>
+            <a:schemeClr val="bg1">
+              <a:alpha val="50000"/>
+            </a:schemeClr>
+          </a:solidFill>
+          <a:ln w="25400" cmpd="sng">
+            <a:solidFill>
+              <a:srgbClr val="274F5F"/>
+            </a:solidFill>
+          </a:ln>
+          <a:effectLst/>
+        </p:spPr>
+        <p:style>
+          <a:lnRef idx="2">
+            <a:schemeClr val="accent1"/>
+          </a:lnRef>
+          <a:fillRef idx="1">
+            <a:schemeClr val="lt1"/>
+          </a:fillRef>
+          <a:effectRef idx="0">
+            <a:schemeClr val="accent1"/>
+          </a:effectRef>
+          <a:fontRef idx="minor">
+            <a:schemeClr val="dk1"/>
+          </a:fontRef>
+        </p:style>
+        <p:txBody>
+          <a:bodyPr anchor="ctr"/>
+          <a:lstStyle/>
+          <a:p>
+            <a:pPr algn="ctr" fontAlgn="auto">
+              <a:spcBef>
+                <a:spcPts val="0"/>
+              </a:spcBef>
+              <a:spcAft>
+                <a:spcPts val="0"/>
+              </a:spcAft>
+              <a:defRPr/>
+            </a:pPr>
+            <a:endParaRPr lang="es-ES" dirty="0"/>
+          </a:p>
+        </p:txBody>
+      </p:sp>
+      <p:sp>
+        <p:nvSpPr>
+          <p:cNvPr id="25" name="24 CuadroTexto"/>
+          <p:cNvSpPr txBox="1"/>
+          <p:nvPr/>
+        </p:nvSpPr>
+        <p:spPr>
+          <a:xfrm>
+            <a:off x="6788501" y="6043852"/>
+            <a:ext cx="1149172" cy="261610"/>
+          </a:xfrm>
+          <a:prstGeom prst="rect">
+            <a:avLst/>
+          </a:prstGeom>
+          <a:noFill/>
+          <a:effectLst>
+            <a:glow rad="101600">
+              <a:schemeClr val="accent5">
+                <a:satMod val="175000"/>
+                <a:alpha val="40000"/>
+              </a:schemeClr>
+            </a:glow>
+          </a:effectLst>
+        </p:spPr>
+        <p:txBody>
+          <a:bodyPr wrap="square" rtlCol="0">
+            <a:spAutoFit/>
+          </a:bodyPr>
+          <a:lstStyle/>
+          <a:p>
+            <a:r>
+              <a:rPr lang="es-ES" sz="1100" dirty="0" smtClean="0">
+                <a:solidFill>
+                  <a:srgbClr val="274F5F"/>
+                </a:solidFill>
+              </a:rPr>
+              <a:t>Conclusiones</a:t>
+            </a:r>
+          </a:p>
+        </p:txBody>
+      </p:sp>
+      <p:sp>
+        <p:nvSpPr>
+          <p:cNvPr id="38" name="4 Título"/>
+          <p:cNvSpPr txBox="1">
+            <a:spLocks/>
+          </p:cNvSpPr>
+          <p:nvPr/>
+        </p:nvSpPr>
+        <p:spPr>
+          <a:xfrm>
+            <a:off x="1115616" y="188640"/>
+            <a:ext cx="7920880" cy="461765"/>
+          </a:xfrm>
+          <a:prstGeom prst="rect">
+            <a:avLst/>
+          </a:prstGeom>
+          <a:solidFill>
+            <a:schemeClr val="accent5">
+              <a:alpha val="0"/>
+            </a:schemeClr>
+          </a:solidFill>
+          <a:ln w="3175" cap="flat" cmpd="sng" algn="ctr">
+            <a:noFill/>
+            <a:prstDash val="solid"/>
+          </a:ln>
+          <a:effectLst/>
+        </p:spPr>
+        <p:txBody>
+          <a:bodyPr anchor="t">
+            <a:normAutofit fontScale="97500" lnSpcReduction="10000"/>
+          </a:bodyPr>
+          <a:lstStyle>
+            <a:lvl1pPr algn="r" defTabSz="1072866" rtl="0" eaLnBrk="1" latinLnBrk="0" hangingPunct="1">
+              <a:spcBef>
+                <a:spcPct val="0"/>
+              </a:spcBef>
+              <a:buNone/>
+              <a:defRPr sz="3600" b="1" kern="1200" cap="all" spc="300">
+                <a:ln>
+                  <a:solidFill>
+                    <a:schemeClr val="tx2"/>
+                  </a:solidFill>
+                </a:ln>
+                <a:solidFill>
+                  <a:srgbClr val="274F5F"/>
+                </a:solidFill>
+                <a:latin typeface="+mj-lt"/>
+                <a:ea typeface="+mj-ea"/>
+                <a:cs typeface="+mj-cs"/>
+              </a:defRPr>
+            </a:lvl1pPr>
+            <a:lvl2pPr>
+              <a:defRPr/>
+            </a:lvl2pPr>
+            <a:lvl3pPr>
+              <a:defRPr/>
+            </a:lvl3pPr>
+            <a:lvl4pPr>
+              <a:defRPr/>
+            </a:lvl4pPr>
+            <a:lvl5pPr>
+              <a:defRPr/>
+            </a:lvl5pPr>
+            <a:lvl6pPr>
+              <a:defRPr/>
+            </a:lvl6pPr>
+            <a:lvl7pPr>
+              <a:defRPr/>
+            </a:lvl7pPr>
+            <a:lvl8pPr>
+              <a:defRPr/>
+            </a:lvl8pPr>
+            <a:lvl9pPr>
+              <a:defRPr/>
+            </a:lvl9pPr>
+          </a:lstStyle>
+          <a:p>
+            <a:r>
+              <a:rPr lang="es-ES" sz="2700" dirty="0" smtClean="0"/>
+              <a:t>Método de trabajo</a:t>
+            </a:r>
+          </a:p>
+        </p:txBody>
+      </p:sp>
+      <p:sp>
+        <p:nvSpPr>
+          <p:cNvPr id="19" name="18 Llamada rectangular redondeada"/>
+          <p:cNvSpPr/>
+          <p:nvPr/>
+        </p:nvSpPr>
+        <p:spPr>
+          <a:xfrm>
+            <a:off x="629097" y="2365410"/>
+            <a:ext cx="7929619" cy="2071702"/>
+          </a:xfrm>
+          <a:prstGeom prst="wedgeRoundRectCallout">
+            <a:avLst>
+              <a:gd name="adj1" fmla="val 37294"/>
+              <a:gd name="adj2" fmla="val 76607"/>
+              <a:gd name="adj3" fmla="val 16667"/>
+            </a:avLst>
+          </a:prstGeom>
+          <a:solidFill>
+            <a:schemeClr val="bg1"/>
+          </a:solidFill>
+          <a:effectLst>
+            <a:innerShdw blurRad="63500" dist="50800" dir="2700000">
+              <a:prstClr val="black">
+                <a:alpha val="50000"/>
+              </a:prstClr>
+            </a:innerShdw>
+          </a:effectLst>
+        </p:spPr>
+        <p:style>
+          <a:lnRef idx="1">
+            <a:schemeClr val="dk1"/>
+          </a:lnRef>
+          <a:fillRef idx="2">
+            <a:schemeClr val="dk1"/>
+          </a:fillRef>
+          <a:effectRef idx="1">
+            <a:schemeClr val="dk1"/>
+          </a:effectRef>
+          <a:fontRef idx="minor">
+            <a:schemeClr val="dk1"/>
+          </a:fontRef>
+        </p:style>
+        <p:txBody>
+          <a:bodyPr anchor="ctr"/>
+          <a:lstStyle/>
+          <a:p>
+            <a:pPr algn="just" fontAlgn="auto">
+              <a:spcBef>
+                <a:spcPts val="0"/>
+              </a:spcBef>
+              <a:spcAft>
+                <a:spcPts val="0"/>
+              </a:spcAft>
+              <a:defRPr/>
+            </a:pPr>
+            <a:r>
+              <a:rPr lang="es-ES" sz="2400" dirty="0" smtClean="0">
+                <a:solidFill>
+                  <a:schemeClr val="tx2">
+                    <a:lumMod val="75000"/>
+                  </a:schemeClr>
+                </a:solidFill>
+              </a:rPr>
+              <a:t>“</a:t>
+            </a:r>
+            <a:r>
+              <a:rPr lang="es-ES" sz="2400" b="1" dirty="0" smtClean="0">
+                <a:solidFill>
+                  <a:schemeClr val="tx2">
+                    <a:lumMod val="75000"/>
+                  </a:schemeClr>
+                </a:solidFill>
+              </a:rPr>
+              <a:t>Marco genérico </a:t>
+            </a:r>
+            <a:r>
+              <a:rPr lang="es-ES" sz="2400" dirty="0" smtClean="0">
+                <a:solidFill>
+                  <a:schemeClr val="tx2">
+                    <a:lumMod val="75000"/>
+                  </a:schemeClr>
+                </a:solidFill>
+              </a:rPr>
+              <a:t>de trabajo que puede especializarse para una gran variedad de </a:t>
+            </a:r>
+            <a:r>
+              <a:rPr lang="es-ES" sz="2400" b="1" dirty="0" smtClean="0">
+                <a:solidFill>
+                  <a:schemeClr val="tx2">
+                    <a:lumMod val="75000"/>
+                  </a:schemeClr>
+                </a:solidFill>
+              </a:rPr>
+              <a:t>sistemas</a:t>
+            </a:r>
+            <a:r>
+              <a:rPr lang="es-ES" sz="2400" dirty="0" smtClean="0">
+                <a:solidFill>
+                  <a:schemeClr val="tx2">
+                    <a:lumMod val="75000"/>
+                  </a:schemeClr>
+                </a:solidFill>
+              </a:rPr>
+              <a:t> de software, para diferentes áreas de </a:t>
+            </a:r>
+            <a:r>
+              <a:rPr lang="es-ES" sz="2400" b="1" dirty="0" smtClean="0">
+                <a:solidFill>
+                  <a:schemeClr val="tx2">
+                    <a:lumMod val="75000"/>
+                  </a:schemeClr>
+                </a:solidFill>
+              </a:rPr>
+              <a:t>aplicación</a:t>
+            </a:r>
+            <a:r>
+              <a:rPr lang="es-ES" sz="2400" dirty="0" smtClean="0">
+                <a:solidFill>
+                  <a:schemeClr val="tx2">
+                    <a:lumMod val="75000"/>
+                  </a:schemeClr>
+                </a:solidFill>
+              </a:rPr>
+              <a:t>, diferentes tipos de </a:t>
+            </a:r>
+            <a:r>
+              <a:rPr lang="es-ES" sz="2400" b="1" dirty="0" smtClean="0">
+                <a:solidFill>
+                  <a:schemeClr val="tx2">
+                    <a:lumMod val="75000"/>
+                  </a:schemeClr>
+                </a:solidFill>
+              </a:rPr>
+              <a:t>organizaciones</a:t>
+            </a:r>
+            <a:r>
+              <a:rPr lang="es-ES" sz="2400" dirty="0" smtClean="0">
+                <a:solidFill>
+                  <a:schemeClr val="tx2">
+                    <a:lumMod val="75000"/>
+                  </a:schemeClr>
+                </a:solidFill>
+              </a:rPr>
+              <a:t> y diferentes tamaños de </a:t>
+            </a:r>
+            <a:r>
+              <a:rPr lang="es-ES" sz="2400" b="1" dirty="0" smtClean="0">
+                <a:solidFill>
+                  <a:schemeClr val="tx2">
+                    <a:lumMod val="75000"/>
+                  </a:schemeClr>
+                </a:solidFill>
+              </a:rPr>
+              <a:t>proyectos</a:t>
+            </a:r>
+            <a:r>
+              <a:rPr lang="es-ES" sz="2400" dirty="0" smtClean="0">
+                <a:solidFill>
+                  <a:schemeClr val="tx2">
+                    <a:lumMod val="75000"/>
+                  </a:schemeClr>
+                </a:solidFill>
+              </a:rPr>
+              <a:t>”</a:t>
+            </a:r>
+            <a:endParaRPr lang="es-ES" sz="2400" dirty="0">
+              <a:solidFill>
+                <a:schemeClr val="tx2">
+                  <a:lumMod val="75000"/>
+                </a:schemeClr>
+              </a:solidFill>
+            </a:endParaRPr>
+          </a:p>
+        </p:txBody>
+      </p:sp>
+      <p:sp>
+        <p:nvSpPr>
+          <p:cNvPr id="26" name="25 Rectángulo"/>
+          <p:cNvSpPr/>
+          <p:nvPr/>
+        </p:nvSpPr>
+        <p:spPr>
+          <a:xfrm>
+            <a:off x="6232996" y="5081686"/>
+            <a:ext cx="3722334" cy="369332"/>
+          </a:xfrm>
+          <a:prstGeom prst="rect">
+            <a:avLst/>
+          </a:prstGeom>
+        </p:spPr>
+        <p:txBody>
+          <a:bodyPr wrap="square">
+            <a:spAutoFit/>
+          </a:bodyPr>
+          <a:lstStyle/>
+          <a:p>
+            <a:pPr defTabSz="914400">
+              <a:spcBef>
+                <a:spcPts val="2000"/>
+              </a:spcBef>
+              <a:buClr>
+                <a:srgbClr val="274F5F"/>
+              </a:buClr>
+              <a:buSzPct val="90000"/>
+            </a:pPr>
+            <a:r>
+              <a:rPr lang="es-ES" sz="1800" b="1" dirty="0" smtClean="0">
+                <a:solidFill>
+                  <a:schemeClr val="tx2">
+                    <a:lumMod val="75000"/>
+                  </a:schemeClr>
+                </a:solidFill>
+              </a:rPr>
+              <a:t>[Jacobson et al, 2000]</a:t>
+            </a:r>
+            <a:endParaRPr lang="es-ES" sz="1800" b="1" dirty="0">
+              <a:solidFill>
+                <a:schemeClr val="tx2">
+                  <a:lumMod val="75000"/>
+                </a:schemeClr>
+              </a:solidFill>
+            </a:endParaRPr>
+          </a:p>
+        </p:txBody>
+      </p:sp>
+      <p:sp>
+        <p:nvSpPr>
+          <p:cNvPr id="27" name="26 Rectángulo"/>
+          <p:cNvSpPr/>
+          <p:nvPr/>
+        </p:nvSpPr>
+        <p:spPr>
+          <a:xfrm>
+            <a:off x="893363" y="1217067"/>
+            <a:ext cx="7200800" cy="461665"/>
+          </a:xfrm>
+          <a:prstGeom prst="rect">
+            <a:avLst/>
+          </a:prstGeom>
+        </p:spPr>
+        <p:txBody>
+          <a:bodyPr wrap="square">
+            <a:spAutoFit/>
+          </a:bodyPr>
+          <a:lstStyle/>
+          <a:p>
+            <a:pPr marL="457200" indent="-457200" algn="just" defTabSz="914400">
+              <a:spcBef>
+                <a:spcPts val="2000"/>
+              </a:spcBef>
+              <a:buClr>
+                <a:srgbClr val="274F5F"/>
+              </a:buClr>
+              <a:buSzPct val="90000"/>
+              <a:buFont typeface="Wingdings" pitchFamily="2" charset="2"/>
+              <a:buChar char="q"/>
+            </a:pPr>
+            <a:r>
+              <a:rPr lang="es-ES" sz="2400" dirty="0" smtClean="0">
+                <a:solidFill>
+                  <a:schemeClr val="tx2">
+                    <a:lumMod val="75000"/>
+                  </a:schemeClr>
+                </a:solidFill>
+              </a:rPr>
+              <a:t>Metodología de trabajo: </a:t>
+            </a:r>
+            <a:r>
+              <a:rPr lang="es-ES" sz="2400" b="1" dirty="0" smtClean="0">
+                <a:solidFill>
+                  <a:schemeClr val="tx2">
+                    <a:lumMod val="75000"/>
+                  </a:schemeClr>
+                </a:solidFill>
+              </a:rPr>
+              <a:t>PUD</a:t>
+            </a:r>
+            <a:endParaRPr lang="es-ES" sz="2400" dirty="0" smtClean="0">
+              <a:solidFill>
+                <a:schemeClr val="tx2">
+                  <a:lumMod val="75000"/>
+                </a:schemeClr>
+              </a:solidFill>
+            </a:endParaRPr>
+          </a:p>
+        </p:txBody>
+      </p:sp>
+    </p:spTree>
+    <p:extLst>
+      <p:ext uri="{BB962C8B-B14F-4D97-AF65-F5344CB8AC3E}">
+        <p14:creationId xmlns:p14="http://schemas.microsoft.com/office/powerpoint/2010/main" val="3575270035"/>
+      </p:ext>
+    </p:extLst>
+  </p:cSld>
+  <p:clrMapOvr>
+    <a:masterClrMapping/>
+  </p:clrMapOvr>
+  <p:timing>
+    <p:tnLst>
+      <p:par>
+        <p:cTn id="1" dur="indefinite" restart="never" nodeType="tmRoot"/>
+      </p:par>
+    </p:tnLst>
+  </p:timing>
+</p:sld>
+</file>
+
+<file path=ppt/slides/slide2.xml><?xml version="1.0" encoding="utf-8"?>
+<p:sld xmlns:a="http://schemas.openxmlformats.org/drawingml/2006/main" xmlns:r="http://schemas.openxmlformats.org/officeDocument/2006/relationships" xmlns:p="http://schemas.openxmlformats.org/presentationml/2006/main">
+  <p:cSld>
+    <p:spTree>
+      <p:nvGrpSpPr>
+        <p:cNvPr id="1" name=""/>
+        <p:cNvGrpSpPr/>
+        <p:nvPr/>
+      </p:nvGrpSpPr>
+      <p:grpSpPr>
+        <a:xfrm>
+          <a:off x="0" y="0"/>
+          <a:ext cx="0" cy="0"/>
+          <a:chOff x="0" y="0"/>
+          <a:chExt cx="0" cy="0"/>
+        </a:xfrm>
+      </p:grpSpPr>
+      <p:sp>
+        <p:nvSpPr>
+          <p:cNvPr id="2" name="1 Título"/>
+          <p:cNvSpPr>
+            <a:spLocks noGrp="1"/>
+          </p:cNvSpPr>
+          <p:nvPr>
+            <p:ph type="title"/>
+          </p:nvPr>
+        </p:nvSpPr>
+        <p:spPr>
+          <a:prstGeom prst="rect">
+            <a:avLst/>
+          </a:prstGeom>
+        </p:spPr>
+        <p:txBody>
+          <a:bodyPr>
+            <a:normAutofit fontScale="90000"/>
+          </a:bodyPr>
+          <a:lstStyle/>
+          <a:p>
+            <a:r>
+              <a:rPr lang="es-ES" dirty="0" smtClean="0"/>
+              <a:t>TABLA DE CONTENIDO</a:t>
+            </a:r>
+            <a:endParaRPr lang="es-ES" dirty="0"/>
+          </a:p>
+        </p:txBody>
+      </p:sp>
+      <p:sp>
+        <p:nvSpPr>
+          <p:cNvPr id="3" name="2 Marcador de fecha"/>
+          <p:cNvSpPr>
+            <a:spLocks noGrp="1"/>
+          </p:cNvSpPr>
+          <p:nvPr>
+            <p:ph type="dt" sz="half" idx="10"/>
+          </p:nvPr>
+        </p:nvSpPr>
+        <p:spPr>
+          <a:xfrm>
+            <a:off x="457200" y="6356352"/>
+            <a:ext cx="2133600" cy="365125"/>
+          </a:xfrm>
+        </p:spPr>
+        <p:txBody>
+          <a:bodyPr/>
+          <a:lstStyle/>
+          <a:p>
+            <a:fld id="{01AF5EEA-DD12-40AE-8F67-5219965C361E}" type="datetime1">
+              <a:rPr lang="es-ES" smtClean="0"/>
+              <a:t>24/01/2012</a:t>
+            </a:fld>
+            <a:endParaRPr lang="es-ES"/>
+          </a:p>
+        </p:txBody>
+      </p:sp>
+      <p:sp>
+        <p:nvSpPr>
+          <p:cNvPr id="5" name="4 Marcador de número de diapositiva"/>
+          <p:cNvSpPr>
+            <a:spLocks noGrp="1"/>
+          </p:cNvSpPr>
+          <p:nvPr>
+            <p:ph type="sldNum" sz="quarter" idx="12"/>
+          </p:nvPr>
+        </p:nvSpPr>
+        <p:spPr>
+          <a:xfrm>
+            <a:off x="6553200" y="6356352"/>
+            <a:ext cx="2133600" cy="365125"/>
+          </a:xfrm>
+        </p:spPr>
+        <p:txBody>
+          <a:bodyPr/>
+          <a:lstStyle/>
+          <a:p>
+            <a:fld id="{2E16987B-1223-45F3-900E-A014D2035EDD}" type="slidenum">
+              <a:rPr lang="es-ES" smtClean="0"/>
+              <a:t>2</a:t>
+            </a:fld>
+            <a:endParaRPr lang="es-ES"/>
+          </a:p>
+        </p:txBody>
+      </p:sp>
+      <p:sp>
+        <p:nvSpPr>
+          <p:cNvPr id="6" name="5 Rectángulo"/>
+          <p:cNvSpPr/>
+          <p:nvPr/>
+        </p:nvSpPr>
+        <p:spPr>
+          <a:xfrm>
+            <a:off x="1259632" y="1619447"/>
+            <a:ext cx="7200800" cy="3590727"/>
+          </a:xfrm>
+          <a:prstGeom prst="rect">
+            <a:avLst/>
+          </a:prstGeom>
+        </p:spPr>
+        <p:txBody>
+          <a:bodyPr wrap="square">
+            <a:spAutoFit/>
+          </a:bodyPr>
+          <a:lstStyle/>
+          <a:p>
+            <a:pPr marL="457200" indent="-457200" defTabSz="914400">
+              <a:spcBef>
+                <a:spcPts val="2000"/>
+              </a:spcBef>
+              <a:buClr>
+                <a:srgbClr val="274F5F"/>
+              </a:buClr>
+              <a:buSzPct val="90000"/>
+              <a:buFont typeface="+mj-lt"/>
+              <a:buAutoNum type="arabicPeriod"/>
+            </a:pPr>
+            <a:r>
+              <a:rPr lang="es-ES" sz="2400" dirty="0">
+                <a:solidFill>
+                  <a:schemeClr val="tx2">
+                    <a:lumMod val="75000"/>
+                  </a:schemeClr>
+                </a:solidFill>
+              </a:rPr>
+              <a:t>Introducción</a:t>
+            </a:r>
+          </a:p>
+          <a:p>
+            <a:pPr marL="457200" indent="-457200" defTabSz="914400">
+              <a:spcBef>
+                <a:spcPts val="2000"/>
+              </a:spcBef>
+              <a:buClr>
+                <a:srgbClr val="274F5F"/>
+              </a:buClr>
+              <a:buSzPct val="90000"/>
+              <a:buFont typeface="+mj-lt"/>
+              <a:buAutoNum type="arabicPeriod"/>
+            </a:pPr>
+            <a:r>
+              <a:rPr lang="es-ES" sz="2400" dirty="0">
+                <a:solidFill>
+                  <a:schemeClr val="tx2">
+                    <a:lumMod val="75000"/>
+                  </a:schemeClr>
+                </a:solidFill>
+              </a:rPr>
+              <a:t>Objetivos</a:t>
+            </a:r>
+          </a:p>
+          <a:p>
+            <a:pPr marL="457200" indent="-457200" defTabSz="914400">
+              <a:spcBef>
+                <a:spcPts val="2000"/>
+              </a:spcBef>
+              <a:buClr>
+                <a:srgbClr val="274F5F"/>
+              </a:buClr>
+              <a:buSzPct val="90000"/>
+              <a:buFont typeface="+mj-lt"/>
+              <a:buAutoNum type="arabicPeriod"/>
+            </a:pPr>
+            <a:r>
+              <a:rPr lang="es-ES" sz="2400" dirty="0">
+                <a:solidFill>
+                  <a:schemeClr val="tx2">
+                    <a:lumMod val="75000"/>
+                  </a:schemeClr>
+                </a:solidFill>
+              </a:rPr>
+              <a:t>Antecedentes, estado del arte</a:t>
+            </a:r>
+          </a:p>
+          <a:p>
+            <a:pPr marL="457200" indent="-457200" defTabSz="914400">
+              <a:spcBef>
+                <a:spcPts val="2000"/>
+              </a:spcBef>
+              <a:buClr>
+                <a:srgbClr val="274F5F"/>
+              </a:buClr>
+              <a:buSzPct val="90000"/>
+              <a:buFont typeface="+mj-lt"/>
+              <a:buAutoNum type="arabicPeriod"/>
+            </a:pPr>
+            <a:r>
+              <a:rPr lang="es-ES" sz="2400" dirty="0">
+                <a:solidFill>
+                  <a:schemeClr val="tx2">
+                    <a:lumMod val="75000"/>
+                  </a:schemeClr>
+                </a:solidFill>
+              </a:rPr>
+              <a:t>Método y fases de trabajo</a:t>
+            </a:r>
+          </a:p>
+          <a:p>
+            <a:pPr marL="457200" indent="-457200" defTabSz="914400">
+              <a:spcBef>
+                <a:spcPts val="2000"/>
+              </a:spcBef>
+              <a:buClr>
+                <a:srgbClr val="274F5F"/>
+              </a:buClr>
+              <a:buSzPct val="90000"/>
+              <a:buFont typeface="+mj-lt"/>
+              <a:buAutoNum type="arabicPeriod"/>
+            </a:pPr>
+            <a:r>
+              <a:rPr lang="es-ES" sz="2400" dirty="0">
+                <a:solidFill>
+                  <a:schemeClr val="tx2">
+                    <a:lumMod val="75000"/>
+                  </a:schemeClr>
+                </a:solidFill>
+              </a:rPr>
+              <a:t>Resultado</a:t>
+            </a:r>
+          </a:p>
+          <a:p>
+            <a:pPr marL="457200" indent="-457200" defTabSz="914400">
+              <a:spcBef>
+                <a:spcPts val="2000"/>
+              </a:spcBef>
+              <a:buClr>
+                <a:srgbClr val="274F5F"/>
+              </a:buClr>
+              <a:buSzPct val="90000"/>
+              <a:buFont typeface="+mj-lt"/>
+              <a:buAutoNum type="arabicPeriod"/>
+            </a:pPr>
+            <a:r>
+              <a:rPr lang="es-ES" sz="2400" dirty="0">
+                <a:solidFill>
+                  <a:schemeClr val="tx2">
+                    <a:lumMod val="75000"/>
+                  </a:schemeClr>
+                </a:solidFill>
+              </a:rPr>
+              <a:t>Conclusiones y trabajo futuro</a:t>
+            </a:r>
+          </a:p>
+        </p:txBody>
+      </p:sp>
+    </p:spTree>
+    <p:extLst>
+      <p:ext uri="{BB962C8B-B14F-4D97-AF65-F5344CB8AC3E}">
+        <p14:creationId xmlns:p14="http://schemas.microsoft.com/office/powerpoint/2010/main" val="1775060515"/>
+      </p:ext>
+    </p:extLst>
+  </p:cSld>
+  <p:clrMapOvr>
+    <a:masterClrMapping/>
+  </p:clrMapOvr>
+  <p:timing>
+    <p:tnLst>
+      <p:par>
+        <p:cTn id="1" dur="indefinite" restart="never" nodeType="tmRoot"/>
+      </p:par>
+    </p:tnLst>
+  </p:timing>
+</p:sld>
+</file>
+
+<file path=ppt/slides/slide20.xml><?xml version="1.0" encoding="utf-8"?>
+<p:sld xmlns:a="http://schemas.openxmlformats.org/drawingml/2006/main" xmlns:r="http://schemas.openxmlformats.org/officeDocument/2006/relationships" xmlns:p="http://schemas.openxmlformats.org/presentationml/2006/main">
+  <p:cSld>
+    <p:spTree>
+      <p:nvGrpSpPr>
+        <p:cNvPr id="1" name=""/>
+        <p:cNvGrpSpPr/>
+        <p:nvPr/>
+      </p:nvGrpSpPr>
+      <p:grpSpPr>
+        <a:xfrm>
+          <a:off x="0" y="0"/>
+          <a:ext cx="0" cy="0"/>
+          <a:chOff x="0" y="0"/>
+          <a:chExt cx="0" cy="0"/>
+        </a:xfrm>
+      </p:grpSpPr>
+      <p:sp>
+        <p:nvSpPr>
+          <p:cNvPr id="15" name="14 Redondear rectángulo de esquina sencilla"/>
+          <p:cNvSpPr/>
+          <p:nvPr/>
+        </p:nvSpPr>
+        <p:spPr>
+          <a:xfrm rot="16200000" flipH="1">
+            <a:off x="741498" y="5499664"/>
+            <a:ext cx="286723" cy="1296145"/>
+          </a:xfrm>
+          <a:prstGeom prst="round1Rect">
+            <a:avLst>
+              <a:gd name="adj" fmla="val 50000"/>
+            </a:avLst>
+          </a:prstGeom>
+          <a:solidFill>
+            <a:schemeClr val="bg1">
+              <a:alpha val="50000"/>
+            </a:schemeClr>
+          </a:solidFill>
+          <a:ln w="25400" cmpd="sng">
+            <a:solidFill>
+              <a:srgbClr val="274F5F"/>
+            </a:solidFill>
+          </a:ln>
+          <a:effectLst/>
+        </p:spPr>
+        <p:style>
+          <a:lnRef idx="2">
+            <a:schemeClr val="accent1"/>
+          </a:lnRef>
+          <a:fillRef idx="1">
+            <a:schemeClr val="lt1"/>
+          </a:fillRef>
+          <a:effectRef idx="0">
+            <a:schemeClr val="accent1"/>
+          </a:effectRef>
+          <a:fontRef idx="minor">
+            <a:schemeClr val="dk1"/>
+          </a:fontRef>
+        </p:style>
+        <p:txBody>
+          <a:bodyPr anchor="ctr"/>
+          <a:lstStyle/>
+          <a:p>
+            <a:pPr algn="ctr" fontAlgn="auto">
+              <a:spcBef>
+                <a:spcPts val="0"/>
+              </a:spcBef>
+              <a:spcAft>
+                <a:spcPts val="0"/>
+              </a:spcAft>
+              <a:defRPr/>
+            </a:pPr>
+            <a:endParaRPr lang="es-ES" dirty="0"/>
+          </a:p>
+        </p:txBody>
+      </p:sp>
+      <p:sp>
+        <p:nvSpPr>
+          <p:cNvPr id="2" name="1 Marcador de fecha"/>
+          <p:cNvSpPr>
+            <a:spLocks noGrp="1"/>
+          </p:cNvSpPr>
+          <p:nvPr>
+            <p:ph type="dt" sz="half" idx="10"/>
+          </p:nvPr>
+        </p:nvSpPr>
+        <p:spPr/>
+        <p:txBody>
+          <a:bodyPr/>
+          <a:lstStyle/>
+          <a:p>
+            <a:fld id="{273BB294-DEFA-4617-B3B3-CF6ACB1E4094}" type="datetime1">
+              <a:rPr lang="es-ES" smtClean="0"/>
+              <a:t>24/01/2012</a:t>
+            </a:fld>
+            <a:endParaRPr lang="es-ES" dirty="0"/>
+          </a:p>
+        </p:txBody>
+      </p:sp>
+      <p:sp>
+        <p:nvSpPr>
+          <p:cNvPr id="4" name="3 Marcador de número de diapositiva"/>
+          <p:cNvSpPr>
+            <a:spLocks noGrp="1"/>
+          </p:cNvSpPr>
+          <p:nvPr>
+            <p:ph type="sldNum" sz="quarter" idx="12"/>
+          </p:nvPr>
+        </p:nvSpPr>
+        <p:spPr/>
+        <p:txBody>
+          <a:bodyPr/>
+          <a:lstStyle/>
+          <a:p>
+            <a:fld id="{2E16987B-1223-45F3-900E-A014D2035EDD}" type="slidenum">
+              <a:rPr lang="es-ES" smtClean="0"/>
+              <a:t>20</a:t>
+            </a:fld>
+            <a:endParaRPr lang="es-ES"/>
+          </a:p>
+        </p:txBody>
+      </p:sp>
+      <p:sp>
+        <p:nvSpPr>
+          <p:cNvPr id="7" name="6 Redondear rectángulo de esquina sencilla"/>
+          <p:cNvSpPr/>
+          <p:nvPr/>
+        </p:nvSpPr>
+        <p:spPr>
+          <a:xfrm rot="16200000" flipH="1">
+            <a:off x="4653595" y="5496752"/>
+            <a:ext cx="286723" cy="1296145"/>
+          </a:xfrm>
+          <a:prstGeom prst="round1Rect">
+            <a:avLst>
+              <a:gd name="adj" fmla="val 50000"/>
+            </a:avLst>
+          </a:prstGeom>
+          <a:ln/>
+        </p:spPr>
+        <p:style>
+          <a:lnRef idx="1">
+            <a:schemeClr val="accent3"/>
+          </a:lnRef>
+          <a:fillRef idx="2">
+            <a:schemeClr val="accent3"/>
+          </a:fillRef>
+          <a:effectRef idx="1">
+            <a:schemeClr val="accent3"/>
+          </a:effectRef>
+          <a:fontRef idx="minor">
+            <a:schemeClr val="dk1"/>
+          </a:fontRef>
+        </p:style>
+        <p:txBody>
+          <a:bodyPr anchor="ctr"/>
+          <a:lstStyle/>
+          <a:p>
+            <a:pPr algn="ctr" fontAlgn="auto">
+              <a:spcBef>
+                <a:spcPts val="0"/>
+              </a:spcBef>
+              <a:spcAft>
+                <a:spcPts val="0"/>
+              </a:spcAft>
+              <a:defRPr/>
+            </a:pPr>
+            <a:endParaRPr lang="es-ES" dirty="0"/>
+          </a:p>
+        </p:txBody>
+      </p:sp>
+      <p:sp>
+        <p:nvSpPr>
+          <p:cNvPr id="6" name="5 CuadroTexto"/>
+          <p:cNvSpPr txBox="1"/>
+          <p:nvPr/>
+        </p:nvSpPr>
+        <p:spPr>
+          <a:xfrm>
+            <a:off x="348981" y="6013413"/>
+            <a:ext cx="1380629" cy="261610"/>
+          </a:xfrm>
+          <a:prstGeom prst="rect">
+            <a:avLst/>
+          </a:prstGeom>
+          <a:noFill/>
+          <a:effectLst>
+            <a:glow rad="101600">
+              <a:schemeClr val="accent5">
+                <a:satMod val="175000"/>
+                <a:alpha val="40000"/>
+              </a:schemeClr>
+            </a:glow>
+          </a:effectLst>
+        </p:spPr>
+        <p:txBody>
+          <a:bodyPr wrap="square" rtlCol="0">
+            <a:spAutoFit/>
+          </a:bodyPr>
+          <a:lstStyle>
+            <a:defPPr>
+              <a:defRPr lang="es-ES"/>
+            </a:defPPr>
+            <a:lvl1pPr>
+              <a:defRPr sz="1100">
+                <a:solidFill>
+                  <a:srgbClr val="274F5F"/>
+                </a:solidFill>
+              </a:defRPr>
+            </a:lvl1pPr>
+          </a:lstStyle>
+          <a:p>
+            <a:r>
+              <a:rPr lang="es-ES" dirty="0"/>
+              <a:t>Introducción</a:t>
+            </a:r>
+          </a:p>
+        </p:txBody>
+      </p:sp>
+      <p:sp>
+        <p:nvSpPr>
+          <p:cNvPr id="16" name="15 Redondear rectángulo de esquina sencilla"/>
+          <p:cNvSpPr/>
+          <p:nvPr/>
+        </p:nvSpPr>
+        <p:spPr>
+          <a:xfrm rot="16200000" flipH="1">
+            <a:off x="2046323" y="5500600"/>
+            <a:ext cx="286723" cy="1296145"/>
+          </a:xfrm>
+          <a:prstGeom prst="round1Rect">
+            <a:avLst>
+              <a:gd name="adj" fmla="val 50000"/>
+            </a:avLst>
+          </a:prstGeom>
+          <a:solidFill>
+            <a:schemeClr val="bg1">
+              <a:alpha val="50000"/>
+            </a:schemeClr>
+          </a:solidFill>
+          <a:ln w="25400" cmpd="sng">
+            <a:solidFill>
+              <a:srgbClr val="274F5F"/>
+            </a:solidFill>
+          </a:ln>
+          <a:effectLst/>
+        </p:spPr>
+        <p:style>
+          <a:lnRef idx="2">
+            <a:schemeClr val="accent1"/>
+          </a:lnRef>
+          <a:fillRef idx="1">
+            <a:schemeClr val="lt1"/>
+          </a:fillRef>
+          <a:effectRef idx="0">
+            <a:schemeClr val="accent1"/>
+          </a:effectRef>
+          <a:fontRef idx="minor">
+            <a:schemeClr val="dk1"/>
+          </a:fontRef>
+        </p:style>
+        <p:txBody>
+          <a:bodyPr anchor="ctr"/>
+          <a:lstStyle/>
+          <a:p>
+            <a:pPr algn="ctr" fontAlgn="auto">
+              <a:spcBef>
+                <a:spcPts val="0"/>
+              </a:spcBef>
+              <a:spcAft>
+                <a:spcPts val="0"/>
+              </a:spcAft>
+              <a:defRPr/>
+            </a:pPr>
+            <a:endParaRPr lang="es-ES" dirty="0"/>
+          </a:p>
+        </p:txBody>
+      </p:sp>
+      <p:sp>
+        <p:nvSpPr>
+          <p:cNvPr id="17" name="16 Redondear rectángulo de esquina sencilla"/>
+          <p:cNvSpPr/>
+          <p:nvPr/>
+        </p:nvSpPr>
+        <p:spPr>
+          <a:xfrm rot="16200000" flipH="1">
+            <a:off x="3342469" y="5501148"/>
+            <a:ext cx="286723" cy="1296145"/>
+          </a:xfrm>
+          <a:prstGeom prst="round1Rect">
+            <a:avLst>
+              <a:gd name="adj" fmla="val 50000"/>
+            </a:avLst>
+          </a:prstGeom>
+          <a:solidFill>
+            <a:schemeClr val="bg1">
+              <a:alpha val="50000"/>
+            </a:schemeClr>
+          </a:solidFill>
+          <a:ln w="25400" cmpd="sng">
+            <a:solidFill>
+              <a:srgbClr val="274F5F"/>
+            </a:solidFill>
+          </a:ln>
+          <a:effectLst/>
+        </p:spPr>
+        <p:style>
+          <a:lnRef idx="2">
+            <a:schemeClr val="accent1"/>
+          </a:lnRef>
+          <a:fillRef idx="1">
+            <a:schemeClr val="lt1"/>
+          </a:fillRef>
+          <a:effectRef idx="0">
+            <a:schemeClr val="accent1"/>
+          </a:effectRef>
+          <a:fontRef idx="minor">
+            <a:schemeClr val="dk1"/>
+          </a:fontRef>
+        </p:style>
+        <p:txBody>
+          <a:bodyPr anchor="ctr"/>
+          <a:lstStyle/>
+          <a:p>
+            <a:pPr algn="ctr" fontAlgn="auto">
+              <a:spcBef>
+                <a:spcPts val="0"/>
+              </a:spcBef>
+              <a:spcAft>
+                <a:spcPts val="0"/>
+              </a:spcAft>
+              <a:defRPr/>
+            </a:pPr>
+            <a:endParaRPr lang="es-ES" dirty="0"/>
+          </a:p>
+        </p:txBody>
+      </p:sp>
+      <p:sp>
+        <p:nvSpPr>
+          <p:cNvPr id="18" name="17 CuadroTexto"/>
+          <p:cNvSpPr txBox="1"/>
+          <p:nvPr/>
+        </p:nvSpPr>
+        <p:spPr>
+          <a:xfrm>
+            <a:off x="4102535" y="5981363"/>
+            <a:ext cx="1388842" cy="292388"/>
+          </a:xfrm>
+          <a:prstGeom prst="rect">
+            <a:avLst/>
+          </a:prstGeom>
+          <a:noFill/>
+          <a:effectLst>
+            <a:glow rad="101600">
+              <a:schemeClr val="accent5">
+                <a:satMod val="175000"/>
+                <a:alpha val="40000"/>
+              </a:schemeClr>
+            </a:glow>
+          </a:effectLst>
+        </p:spPr>
+        <p:txBody>
+          <a:bodyPr wrap="square" rtlCol="0">
+            <a:spAutoFit/>
+          </a:bodyPr>
+          <a:lstStyle/>
+          <a:p>
+            <a:r>
+              <a:rPr lang="es-ES" sz="1300" b="1" dirty="0" smtClean="0">
+                <a:solidFill>
+                  <a:schemeClr val="bg2">
+                    <a:lumMod val="25000"/>
+                  </a:schemeClr>
+                </a:solidFill>
+              </a:rPr>
+              <a:t>Método trabajo</a:t>
+            </a:r>
+            <a:endParaRPr lang="es-ES" sz="1300" b="1" dirty="0">
+              <a:solidFill>
+                <a:schemeClr val="bg2">
+                  <a:lumMod val="25000"/>
+                </a:schemeClr>
+              </a:solidFill>
+            </a:endParaRPr>
+          </a:p>
+        </p:txBody>
+      </p:sp>
+      <p:sp>
+        <p:nvSpPr>
+          <p:cNvPr id="20" name="19 CuadroTexto"/>
+          <p:cNvSpPr txBox="1"/>
+          <p:nvPr/>
+        </p:nvSpPr>
+        <p:spPr>
+          <a:xfrm>
+            <a:off x="1764312" y="6016401"/>
+            <a:ext cx="949272" cy="261610"/>
+          </a:xfrm>
+          <a:prstGeom prst="rect">
+            <a:avLst/>
+          </a:prstGeom>
+          <a:noFill/>
+          <a:effectLst>
+            <a:glow rad="101600">
+              <a:schemeClr val="accent5">
+                <a:satMod val="175000"/>
+                <a:alpha val="40000"/>
+              </a:schemeClr>
+            </a:glow>
+          </a:effectLst>
+        </p:spPr>
+        <p:txBody>
+          <a:bodyPr wrap="square" rtlCol="0">
+            <a:spAutoFit/>
+          </a:bodyPr>
+          <a:lstStyle/>
+          <a:p>
+            <a:r>
+              <a:rPr lang="es-ES" sz="1100" dirty="0" smtClean="0">
+                <a:solidFill>
+                  <a:srgbClr val="274F5F"/>
+                </a:solidFill>
+              </a:rPr>
+              <a:t>Objetivos</a:t>
+            </a:r>
+          </a:p>
+        </p:txBody>
+      </p:sp>
+      <p:sp>
+        <p:nvSpPr>
+          <p:cNvPr id="21" name="20 CuadroTexto"/>
+          <p:cNvSpPr txBox="1"/>
+          <p:nvPr/>
+        </p:nvSpPr>
+        <p:spPr>
+          <a:xfrm>
+            <a:off x="2915815" y="6040047"/>
+            <a:ext cx="1218087" cy="261610"/>
+          </a:xfrm>
+          <a:prstGeom prst="rect">
+            <a:avLst/>
+          </a:prstGeom>
+          <a:noFill/>
+          <a:effectLst>
+            <a:glow rad="101600">
+              <a:schemeClr val="accent5">
+                <a:satMod val="175000"/>
+                <a:alpha val="40000"/>
+              </a:schemeClr>
+            </a:glow>
+          </a:effectLst>
+        </p:spPr>
+        <p:txBody>
+          <a:bodyPr wrap="square" rtlCol="0">
+            <a:spAutoFit/>
+          </a:bodyPr>
+          <a:lstStyle/>
+          <a:p>
+            <a:r>
+              <a:rPr lang="es-ES" sz="1100" dirty="0" smtClean="0">
+                <a:solidFill>
+                  <a:srgbClr val="274F5F"/>
+                </a:solidFill>
+              </a:rPr>
+              <a:t>Estado Arte</a:t>
+            </a:r>
+          </a:p>
+        </p:txBody>
+      </p:sp>
+      <p:sp>
+        <p:nvSpPr>
+          <p:cNvPr id="22" name="21 Redondear rectángulo de esquina sencilla"/>
+          <p:cNvSpPr/>
+          <p:nvPr/>
+        </p:nvSpPr>
+        <p:spPr>
+          <a:xfrm rot="16200000" flipH="1">
+            <a:off x="5934758" y="5496146"/>
+            <a:ext cx="286723" cy="1296145"/>
+          </a:xfrm>
+          <a:prstGeom prst="round1Rect">
+            <a:avLst>
+              <a:gd name="adj" fmla="val 50000"/>
+            </a:avLst>
+          </a:prstGeom>
+          <a:solidFill>
+            <a:schemeClr val="bg1">
+              <a:alpha val="50000"/>
+            </a:schemeClr>
+          </a:solidFill>
+          <a:ln w="25400" cmpd="sng">
+            <a:solidFill>
+              <a:srgbClr val="274F5F"/>
+            </a:solidFill>
+          </a:ln>
+          <a:effectLst/>
+        </p:spPr>
+        <p:style>
+          <a:lnRef idx="2">
+            <a:schemeClr val="accent1"/>
+          </a:lnRef>
+          <a:fillRef idx="1">
+            <a:schemeClr val="lt1"/>
+          </a:fillRef>
+          <a:effectRef idx="0">
+            <a:schemeClr val="accent1"/>
+          </a:effectRef>
+          <a:fontRef idx="minor">
+            <a:schemeClr val="dk1"/>
+          </a:fontRef>
+        </p:style>
+        <p:txBody>
+          <a:bodyPr anchor="ctr"/>
+          <a:lstStyle/>
+          <a:p>
+            <a:pPr algn="ctr" fontAlgn="auto">
+              <a:spcBef>
+                <a:spcPts val="0"/>
+              </a:spcBef>
+              <a:spcAft>
+                <a:spcPts val="0"/>
+              </a:spcAft>
+              <a:defRPr/>
+            </a:pPr>
+            <a:endParaRPr lang="es-ES" dirty="0"/>
+          </a:p>
+        </p:txBody>
+      </p:sp>
+      <p:sp>
+        <p:nvSpPr>
+          <p:cNvPr id="23" name="22 CuadroTexto"/>
+          <p:cNvSpPr txBox="1"/>
+          <p:nvPr/>
+        </p:nvSpPr>
+        <p:spPr>
+          <a:xfrm>
+            <a:off x="5505851" y="6043554"/>
+            <a:ext cx="949272" cy="261610"/>
+          </a:xfrm>
+          <a:prstGeom prst="rect">
+            <a:avLst/>
+          </a:prstGeom>
+          <a:noFill/>
+          <a:effectLst>
+            <a:glow rad="101600">
+              <a:schemeClr val="accent5">
+                <a:satMod val="175000"/>
+                <a:alpha val="40000"/>
+              </a:schemeClr>
+            </a:glow>
+          </a:effectLst>
+        </p:spPr>
+        <p:txBody>
+          <a:bodyPr wrap="square" rtlCol="0">
+            <a:spAutoFit/>
+          </a:bodyPr>
+          <a:lstStyle/>
+          <a:p>
+            <a:r>
+              <a:rPr lang="es-ES" sz="1100" dirty="0" smtClean="0">
+                <a:solidFill>
+                  <a:srgbClr val="274F5F"/>
+                </a:solidFill>
+              </a:rPr>
+              <a:t>Resultados</a:t>
+            </a:r>
+          </a:p>
+        </p:txBody>
+      </p:sp>
+      <p:sp>
+        <p:nvSpPr>
+          <p:cNvPr id="24" name="23 Redondear rectángulo de esquina sencilla"/>
+          <p:cNvSpPr/>
+          <p:nvPr/>
+        </p:nvSpPr>
+        <p:spPr>
+          <a:xfrm rot="16200000" flipH="1">
+            <a:off x="7230903" y="5486577"/>
+            <a:ext cx="286723" cy="1296145"/>
+          </a:xfrm>
+          <a:prstGeom prst="round1Rect">
+            <a:avLst>
+              <a:gd name="adj" fmla="val 50000"/>
+            </a:avLst>
+          </a:prstGeom>
+          <a:solidFill>
+            <a:schemeClr val="bg1">
+              <a:alpha val="50000"/>
+            </a:schemeClr>
+          </a:solidFill>
+          <a:ln w="25400" cmpd="sng">
+            <a:solidFill>
+              <a:srgbClr val="274F5F"/>
+            </a:solidFill>
+          </a:ln>
+          <a:effectLst/>
+        </p:spPr>
+        <p:style>
+          <a:lnRef idx="2">
+            <a:schemeClr val="accent1"/>
+          </a:lnRef>
+          <a:fillRef idx="1">
+            <a:schemeClr val="lt1"/>
+          </a:fillRef>
+          <a:effectRef idx="0">
+            <a:schemeClr val="accent1"/>
+          </a:effectRef>
+          <a:fontRef idx="minor">
+            <a:schemeClr val="dk1"/>
+          </a:fontRef>
+        </p:style>
+        <p:txBody>
+          <a:bodyPr anchor="ctr"/>
+          <a:lstStyle/>
+          <a:p>
+            <a:pPr algn="ctr" fontAlgn="auto">
+              <a:spcBef>
+                <a:spcPts val="0"/>
+              </a:spcBef>
+              <a:spcAft>
+                <a:spcPts val="0"/>
+              </a:spcAft>
+              <a:defRPr/>
+            </a:pPr>
+            <a:endParaRPr lang="es-ES" dirty="0"/>
+          </a:p>
+        </p:txBody>
+      </p:sp>
+      <p:sp>
+        <p:nvSpPr>
+          <p:cNvPr id="25" name="24 CuadroTexto"/>
+          <p:cNvSpPr txBox="1"/>
+          <p:nvPr/>
+        </p:nvSpPr>
+        <p:spPr>
+          <a:xfrm>
+            <a:off x="6788501" y="6043852"/>
+            <a:ext cx="1149172" cy="261610"/>
+          </a:xfrm>
+          <a:prstGeom prst="rect">
+            <a:avLst/>
+          </a:prstGeom>
+          <a:noFill/>
+          <a:effectLst>
+            <a:glow rad="101600">
+              <a:schemeClr val="accent5">
+                <a:satMod val="175000"/>
+                <a:alpha val="40000"/>
+              </a:schemeClr>
+            </a:glow>
+          </a:effectLst>
+        </p:spPr>
+        <p:txBody>
+          <a:bodyPr wrap="square" rtlCol="0">
+            <a:spAutoFit/>
+          </a:bodyPr>
+          <a:lstStyle/>
+          <a:p>
+            <a:r>
+              <a:rPr lang="es-ES" sz="1100" dirty="0" smtClean="0">
+                <a:solidFill>
+                  <a:srgbClr val="274F5F"/>
+                </a:solidFill>
+              </a:rPr>
+              <a:t>Conclusiones</a:t>
+            </a:r>
+          </a:p>
+        </p:txBody>
+      </p:sp>
+      <p:sp>
+        <p:nvSpPr>
+          <p:cNvPr id="27" name="26 Rectángulo"/>
+          <p:cNvSpPr/>
+          <p:nvPr/>
+        </p:nvSpPr>
+        <p:spPr>
+          <a:xfrm>
+            <a:off x="1039295" y="1988840"/>
+            <a:ext cx="7200800" cy="2339102"/>
+          </a:xfrm>
+          <a:prstGeom prst="rect">
+            <a:avLst/>
+          </a:prstGeom>
+        </p:spPr>
+        <p:txBody>
+          <a:bodyPr wrap="square">
+            <a:spAutoFit/>
+          </a:bodyPr>
+          <a:lstStyle/>
+          <a:p>
+            <a:pPr marL="457200" indent="-457200" algn="just" defTabSz="914400">
+              <a:spcBef>
+                <a:spcPts val="2000"/>
+              </a:spcBef>
+              <a:buClr>
+                <a:srgbClr val="274F5F"/>
+              </a:buClr>
+              <a:buSzPct val="90000"/>
+              <a:buFont typeface="Wingdings" pitchFamily="2" charset="2"/>
+              <a:buChar char="q"/>
+            </a:pPr>
+            <a:r>
+              <a:rPr lang="es-ES" sz="2400" dirty="0" smtClean="0">
+                <a:solidFill>
+                  <a:schemeClr val="tx2">
+                    <a:lumMod val="75000"/>
+                  </a:schemeClr>
+                </a:solidFill>
+              </a:rPr>
+              <a:t>Características:</a:t>
+            </a:r>
+          </a:p>
+          <a:p>
+            <a:pPr marL="1071563" lvl="1" indent="-457200" algn="just" defTabSz="914400">
+              <a:spcBef>
+                <a:spcPts val="2000"/>
+              </a:spcBef>
+              <a:buClr>
+                <a:srgbClr val="274F5F"/>
+              </a:buClr>
+              <a:buSzPct val="90000"/>
+              <a:buFont typeface="Arial" pitchFamily="34" charset="0"/>
+              <a:buChar char="•"/>
+            </a:pPr>
+            <a:r>
+              <a:rPr lang="es-ES" sz="2400" dirty="0" smtClean="0">
+                <a:solidFill>
+                  <a:schemeClr val="tx2">
+                    <a:lumMod val="75000"/>
+                  </a:schemeClr>
+                </a:solidFill>
+              </a:rPr>
+              <a:t>Dirigido por casos de uso</a:t>
+            </a:r>
+          </a:p>
+          <a:p>
+            <a:pPr marL="1071563" lvl="1" indent="-457200" algn="just" defTabSz="914400">
+              <a:spcBef>
+                <a:spcPts val="2000"/>
+              </a:spcBef>
+              <a:buClr>
+                <a:srgbClr val="274F5F"/>
+              </a:buClr>
+              <a:buSzPct val="90000"/>
+              <a:buFont typeface="Arial" pitchFamily="34" charset="0"/>
+              <a:buChar char="•"/>
+            </a:pPr>
+            <a:r>
+              <a:rPr lang="es-ES" sz="2400" dirty="0" smtClean="0">
+                <a:solidFill>
+                  <a:schemeClr val="tx2">
+                    <a:lumMod val="75000"/>
+                  </a:schemeClr>
+                </a:solidFill>
+              </a:rPr>
+              <a:t>Centrado en la arquitectura</a:t>
+            </a:r>
+          </a:p>
+          <a:p>
+            <a:pPr marL="1071563" lvl="1" indent="-457200" algn="just" defTabSz="914400">
+              <a:spcBef>
+                <a:spcPts val="2000"/>
+              </a:spcBef>
+              <a:buClr>
+                <a:srgbClr val="274F5F"/>
+              </a:buClr>
+              <a:buSzPct val="90000"/>
+              <a:buFont typeface="Arial" pitchFamily="34" charset="0"/>
+              <a:buChar char="•"/>
+            </a:pPr>
+            <a:r>
+              <a:rPr lang="es-ES" sz="2400" dirty="0" smtClean="0">
+                <a:solidFill>
+                  <a:schemeClr val="tx2">
+                    <a:lumMod val="75000"/>
+                  </a:schemeClr>
+                </a:solidFill>
+              </a:rPr>
+              <a:t>Iterativo e incremental</a:t>
+            </a:r>
+          </a:p>
+        </p:txBody>
+      </p:sp>
+      <p:sp>
+        <p:nvSpPr>
+          <p:cNvPr id="28" name="4 Título"/>
+          <p:cNvSpPr txBox="1">
+            <a:spLocks/>
+          </p:cNvSpPr>
+          <p:nvPr/>
+        </p:nvSpPr>
+        <p:spPr>
+          <a:xfrm>
+            <a:off x="1115616" y="0"/>
+            <a:ext cx="7920880" cy="650405"/>
+          </a:xfrm>
+          <a:prstGeom prst="rect">
+            <a:avLst/>
+          </a:prstGeom>
+          <a:solidFill>
+            <a:schemeClr val="accent5">
+              <a:alpha val="0"/>
+            </a:schemeClr>
+          </a:solidFill>
+          <a:ln w="3175" cap="flat" cmpd="sng" algn="ctr">
+            <a:noFill/>
+            <a:prstDash val="solid"/>
+          </a:ln>
+          <a:effectLst/>
+        </p:spPr>
+        <p:txBody>
+          <a:bodyPr anchor="t">
+            <a:normAutofit fontScale="90000" lnSpcReduction="10000"/>
+          </a:bodyPr>
+          <a:lstStyle>
+            <a:lvl1pPr algn="r" defTabSz="1072866" rtl="0" eaLnBrk="1" latinLnBrk="0" hangingPunct="1">
+              <a:spcBef>
+                <a:spcPct val="0"/>
+              </a:spcBef>
+              <a:buNone/>
+              <a:defRPr sz="3600" b="1" kern="1200" cap="all" spc="300">
+                <a:ln>
+                  <a:solidFill>
+                    <a:schemeClr val="tx2"/>
+                  </a:solidFill>
+                </a:ln>
+                <a:solidFill>
+                  <a:srgbClr val="274F5F"/>
+                </a:solidFill>
+                <a:latin typeface="+mj-lt"/>
+                <a:ea typeface="+mj-ea"/>
+                <a:cs typeface="+mj-cs"/>
+              </a:defRPr>
+            </a:lvl1pPr>
+            <a:lvl2pPr>
+              <a:defRPr/>
+            </a:lvl2pPr>
+            <a:lvl3pPr>
+              <a:defRPr/>
+            </a:lvl3pPr>
+            <a:lvl4pPr>
+              <a:defRPr/>
+            </a:lvl4pPr>
+            <a:lvl5pPr>
+              <a:defRPr/>
+            </a:lvl5pPr>
+            <a:lvl6pPr>
+              <a:defRPr/>
+            </a:lvl6pPr>
+            <a:lvl7pPr>
+              <a:defRPr/>
+            </a:lvl7pPr>
+            <a:lvl8pPr>
+              <a:defRPr/>
+            </a:lvl8pPr>
+            <a:lvl9pPr>
+              <a:defRPr/>
+            </a:lvl9pPr>
+          </a:lstStyle>
+          <a:p>
+            <a:r>
+              <a:rPr lang="es-ES" sz="2700" dirty="0" smtClean="0"/>
+              <a:t>Método de trabajo</a:t>
+            </a:r>
+          </a:p>
+          <a:p>
+            <a:r>
+              <a:rPr lang="es-ES" sz="1800" b="0" dirty="0" smtClean="0"/>
+              <a:t>PUD</a:t>
+            </a:r>
+            <a:endParaRPr lang="es-ES" sz="1800" b="0" dirty="0"/>
+          </a:p>
+        </p:txBody>
+      </p:sp>
+    </p:spTree>
+    <p:extLst>
+      <p:ext uri="{BB962C8B-B14F-4D97-AF65-F5344CB8AC3E}">
+        <p14:creationId xmlns:p14="http://schemas.microsoft.com/office/powerpoint/2010/main" val="1783294556"/>
+      </p:ext>
+    </p:extLst>
+  </p:cSld>
+  <p:clrMapOvr>
+    <a:masterClrMapping/>
+  </p:clrMapOvr>
+  <p:timing>
+    <p:tnLst>
+      <p:par>
+        <p:cTn id="1" dur="indefinite" restart="never" nodeType="tmRoot"/>
+      </p:par>
+    </p:tnLst>
+  </p:timing>
+</p:sld>
+</file>
+
+<file path=ppt/slides/slide21.xml><?xml version="1.0" encoding="utf-8"?>
+<p:sld xmlns:a="http://schemas.openxmlformats.org/drawingml/2006/main" xmlns:r="http://schemas.openxmlformats.org/officeDocument/2006/relationships" xmlns:p="http://schemas.openxmlformats.org/presentationml/2006/main">
+  <p:cSld>
+    <p:spTree>
+      <p:nvGrpSpPr>
+        <p:cNvPr id="1" name=""/>
+        <p:cNvGrpSpPr/>
+        <p:nvPr/>
+      </p:nvGrpSpPr>
+      <p:grpSpPr>
+        <a:xfrm>
+          <a:off x="0" y="0"/>
+          <a:ext cx="0" cy="0"/>
+          <a:chOff x="0" y="0"/>
+          <a:chExt cx="0" cy="0"/>
+        </a:xfrm>
+      </p:grpSpPr>
+      <p:sp>
+        <p:nvSpPr>
+          <p:cNvPr id="15" name="14 Redondear rectángulo de esquina sencilla"/>
+          <p:cNvSpPr/>
+          <p:nvPr/>
+        </p:nvSpPr>
+        <p:spPr>
+          <a:xfrm rot="16200000" flipH="1">
+            <a:off x="741498" y="5499664"/>
+            <a:ext cx="286723" cy="1296145"/>
+          </a:xfrm>
+          <a:prstGeom prst="round1Rect">
+            <a:avLst>
+              <a:gd name="adj" fmla="val 50000"/>
+            </a:avLst>
+          </a:prstGeom>
+          <a:solidFill>
+            <a:schemeClr val="bg1">
+              <a:alpha val="50000"/>
+            </a:schemeClr>
+          </a:solidFill>
+          <a:ln w="25400" cmpd="sng">
+            <a:solidFill>
+              <a:srgbClr val="274F5F"/>
+            </a:solidFill>
+          </a:ln>
+          <a:effectLst/>
+        </p:spPr>
+        <p:style>
+          <a:lnRef idx="2">
+            <a:schemeClr val="accent1"/>
+          </a:lnRef>
+          <a:fillRef idx="1">
+            <a:schemeClr val="lt1"/>
+          </a:fillRef>
+          <a:effectRef idx="0">
+            <a:schemeClr val="accent1"/>
+          </a:effectRef>
+          <a:fontRef idx="minor">
+            <a:schemeClr val="dk1"/>
+          </a:fontRef>
+        </p:style>
+        <p:txBody>
+          <a:bodyPr anchor="ctr"/>
+          <a:lstStyle/>
+          <a:p>
+            <a:pPr algn="ctr" fontAlgn="auto">
+              <a:spcBef>
+                <a:spcPts val="0"/>
+              </a:spcBef>
+              <a:spcAft>
+                <a:spcPts val="0"/>
+              </a:spcAft>
+              <a:defRPr/>
+            </a:pPr>
+            <a:endParaRPr lang="es-ES" dirty="0"/>
+          </a:p>
+        </p:txBody>
+      </p:sp>
+      <p:sp>
+        <p:nvSpPr>
+          <p:cNvPr id="2" name="1 Marcador de fecha"/>
+          <p:cNvSpPr>
+            <a:spLocks noGrp="1"/>
+          </p:cNvSpPr>
+          <p:nvPr>
+            <p:ph type="dt" sz="half" idx="10"/>
+          </p:nvPr>
+        </p:nvSpPr>
+        <p:spPr/>
+        <p:txBody>
+          <a:bodyPr/>
+          <a:lstStyle/>
+          <a:p>
+            <a:fld id="{273BB294-DEFA-4617-B3B3-CF6ACB1E4094}" type="datetime1">
+              <a:rPr lang="es-ES" smtClean="0"/>
+              <a:t>24/01/2012</a:t>
+            </a:fld>
+            <a:endParaRPr lang="es-ES" dirty="0"/>
+          </a:p>
+        </p:txBody>
+      </p:sp>
+      <p:sp>
+        <p:nvSpPr>
+          <p:cNvPr id="4" name="3 Marcador de número de diapositiva"/>
+          <p:cNvSpPr>
+            <a:spLocks noGrp="1"/>
+          </p:cNvSpPr>
+          <p:nvPr>
+            <p:ph type="sldNum" sz="quarter" idx="12"/>
+          </p:nvPr>
+        </p:nvSpPr>
+        <p:spPr/>
+        <p:txBody>
+          <a:bodyPr/>
+          <a:lstStyle/>
+          <a:p>
+            <a:fld id="{2E16987B-1223-45F3-900E-A014D2035EDD}" type="slidenum">
+              <a:rPr lang="es-ES" smtClean="0"/>
+              <a:t>21</a:t>
+            </a:fld>
+            <a:endParaRPr lang="es-ES"/>
+          </a:p>
+        </p:txBody>
+      </p:sp>
+      <p:sp>
+        <p:nvSpPr>
+          <p:cNvPr id="7" name="6 Redondear rectángulo de esquina sencilla"/>
+          <p:cNvSpPr/>
+          <p:nvPr/>
+        </p:nvSpPr>
+        <p:spPr>
+          <a:xfrm rot="16200000" flipH="1">
+            <a:off x="4653595" y="5496752"/>
+            <a:ext cx="286723" cy="1296145"/>
+          </a:xfrm>
+          <a:prstGeom prst="round1Rect">
+            <a:avLst>
+              <a:gd name="adj" fmla="val 50000"/>
+            </a:avLst>
+          </a:prstGeom>
+          <a:ln/>
+        </p:spPr>
+        <p:style>
+          <a:lnRef idx="1">
+            <a:schemeClr val="accent3"/>
+          </a:lnRef>
+          <a:fillRef idx="2">
+            <a:schemeClr val="accent3"/>
+          </a:fillRef>
+          <a:effectRef idx="1">
+            <a:schemeClr val="accent3"/>
+          </a:effectRef>
+          <a:fontRef idx="minor">
+            <a:schemeClr val="dk1"/>
+          </a:fontRef>
+        </p:style>
+        <p:txBody>
+          <a:bodyPr anchor="ctr"/>
+          <a:lstStyle/>
+          <a:p>
+            <a:pPr algn="ctr" fontAlgn="auto">
+              <a:spcBef>
+                <a:spcPts val="0"/>
+              </a:spcBef>
+              <a:spcAft>
+                <a:spcPts val="0"/>
+              </a:spcAft>
+              <a:defRPr/>
+            </a:pPr>
+            <a:endParaRPr lang="es-ES" dirty="0"/>
+          </a:p>
+        </p:txBody>
+      </p:sp>
+      <p:sp>
+        <p:nvSpPr>
+          <p:cNvPr id="6" name="5 CuadroTexto"/>
+          <p:cNvSpPr txBox="1"/>
+          <p:nvPr/>
+        </p:nvSpPr>
+        <p:spPr>
+          <a:xfrm>
+            <a:off x="348981" y="6013413"/>
+            <a:ext cx="1380629" cy="261610"/>
+          </a:xfrm>
+          <a:prstGeom prst="rect">
+            <a:avLst/>
+          </a:prstGeom>
+          <a:noFill/>
+          <a:effectLst>
+            <a:glow rad="101600">
+              <a:schemeClr val="accent5">
+                <a:satMod val="175000"/>
+                <a:alpha val="40000"/>
+              </a:schemeClr>
+            </a:glow>
+          </a:effectLst>
+        </p:spPr>
+        <p:txBody>
+          <a:bodyPr wrap="square" rtlCol="0">
+            <a:spAutoFit/>
+          </a:bodyPr>
+          <a:lstStyle>
+            <a:defPPr>
+              <a:defRPr lang="es-ES"/>
+            </a:defPPr>
+            <a:lvl1pPr>
+              <a:defRPr sz="1100">
+                <a:solidFill>
+                  <a:srgbClr val="274F5F"/>
+                </a:solidFill>
+              </a:defRPr>
+            </a:lvl1pPr>
+          </a:lstStyle>
+          <a:p>
+            <a:r>
+              <a:rPr lang="es-ES" dirty="0"/>
+              <a:t>Introducción</a:t>
+            </a:r>
+          </a:p>
+        </p:txBody>
+      </p:sp>
+      <p:sp>
+        <p:nvSpPr>
+          <p:cNvPr id="16" name="15 Redondear rectángulo de esquina sencilla"/>
+          <p:cNvSpPr/>
+          <p:nvPr/>
+        </p:nvSpPr>
+        <p:spPr>
+          <a:xfrm rot="16200000" flipH="1">
+            <a:off x="2046323" y="5500600"/>
+            <a:ext cx="286723" cy="1296145"/>
+          </a:xfrm>
+          <a:prstGeom prst="round1Rect">
+            <a:avLst>
+              <a:gd name="adj" fmla="val 50000"/>
+            </a:avLst>
+          </a:prstGeom>
+          <a:solidFill>
+            <a:schemeClr val="bg1">
+              <a:alpha val="50000"/>
+            </a:schemeClr>
+          </a:solidFill>
+          <a:ln w="25400" cmpd="sng">
+            <a:solidFill>
+              <a:srgbClr val="274F5F"/>
+            </a:solidFill>
+          </a:ln>
+          <a:effectLst/>
+        </p:spPr>
+        <p:style>
+          <a:lnRef idx="2">
+            <a:schemeClr val="accent1"/>
+          </a:lnRef>
+          <a:fillRef idx="1">
+            <a:schemeClr val="lt1"/>
+          </a:fillRef>
+          <a:effectRef idx="0">
+            <a:schemeClr val="accent1"/>
+          </a:effectRef>
+          <a:fontRef idx="minor">
+            <a:schemeClr val="dk1"/>
+          </a:fontRef>
+        </p:style>
+        <p:txBody>
+          <a:bodyPr anchor="ctr"/>
+          <a:lstStyle/>
+          <a:p>
+            <a:pPr algn="ctr" fontAlgn="auto">
+              <a:spcBef>
+                <a:spcPts val="0"/>
+              </a:spcBef>
+              <a:spcAft>
+                <a:spcPts val="0"/>
+              </a:spcAft>
+              <a:defRPr/>
+            </a:pPr>
+            <a:endParaRPr lang="es-ES" dirty="0"/>
+          </a:p>
+        </p:txBody>
+      </p:sp>
+      <p:sp>
+        <p:nvSpPr>
+          <p:cNvPr id="17" name="16 Redondear rectángulo de esquina sencilla"/>
+          <p:cNvSpPr/>
+          <p:nvPr/>
+        </p:nvSpPr>
+        <p:spPr>
+          <a:xfrm rot="16200000" flipH="1">
+            <a:off x="3342469" y="5501148"/>
+            <a:ext cx="286723" cy="1296145"/>
+          </a:xfrm>
+          <a:prstGeom prst="round1Rect">
+            <a:avLst>
+              <a:gd name="adj" fmla="val 50000"/>
+            </a:avLst>
+          </a:prstGeom>
+          <a:solidFill>
+            <a:schemeClr val="bg1">
+              <a:alpha val="50000"/>
+            </a:schemeClr>
+          </a:solidFill>
+          <a:ln w="25400" cmpd="sng">
+            <a:solidFill>
+              <a:srgbClr val="274F5F"/>
+            </a:solidFill>
+          </a:ln>
+          <a:effectLst/>
+        </p:spPr>
+        <p:style>
+          <a:lnRef idx="2">
+            <a:schemeClr val="accent1"/>
+          </a:lnRef>
+          <a:fillRef idx="1">
+            <a:schemeClr val="lt1"/>
+          </a:fillRef>
+          <a:effectRef idx="0">
+            <a:schemeClr val="accent1"/>
+          </a:effectRef>
+          <a:fontRef idx="minor">
+            <a:schemeClr val="dk1"/>
+          </a:fontRef>
+        </p:style>
+        <p:txBody>
+          <a:bodyPr anchor="ctr"/>
+          <a:lstStyle/>
+          <a:p>
+            <a:pPr algn="ctr" fontAlgn="auto">
+              <a:spcBef>
+                <a:spcPts val="0"/>
+              </a:spcBef>
+              <a:spcAft>
+                <a:spcPts val="0"/>
+              </a:spcAft>
+              <a:defRPr/>
+            </a:pPr>
+            <a:endParaRPr lang="es-ES" dirty="0"/>
+          </a:p>
+        </p:txBody>
+      </p:sp>
+      <p:sp>
+        <p:nvSpPr>
+          <p:cNvPr id="18" name="17 CuadroTexto"/>
+          <p:cNvSpPr txBox="1"/>
+          <p:nvPr/>
+        </p:nvSpPr>
+        <p:spPr>
+          <a:xfrm>
+            <a:off x="4102535" y="5981363"/>
+            <a:ext cx="1388842" cy="292388"/>
+          </a:xfrm>
+          <a:prstGeom prst="rect">
+            <a:avLst/>
+          </a:prstGeom>
+          <a:noFill/>
+          <a:effectLst>
+            <a:glow rad="101600">
+              <a:schemeClr val="accent5">
+                <a:satMod val="175000"/>
+                <a:alpha val="40000"/>
+              </a:schemeClr>
+            </a:glow>
+          </a:effectLst>
+        </p:spPr>
+        <p:txBody>
+          <a:bodyPr wrap="square" rtlCol="0">
+            <a:spAutoFit/>
+          </a:bodyPr>
+          <a:lstStyle/>
+          <a:p>
+            <a:r>
+              <a:rPr lang="es-ES" sz="1300" b="1" dirty="0" smtClean="0">
+                <a:solidFill>
+                  <a:schemeClr val="bg2">
+                    <a:lumMod val="25000"/>
+                  </a:schemeClr>
+                </a:solidFill>
+              </a:rPr>
+              <a:t>Método trabajo</a:t>
+            </a:r>
+            <a:endParaRPr lang="es-ES" sz="1300" b="1" dirty="0">
+              <a:solidFill>
+                <a:schemeClr val="bg2">
+                  <a:lumMod val="25000"/>
+                </a:schemeClr>
+              </a:solidFill>
+            </a:endParaRPr>
+          </a:p>
+        </p:txBody>
+      </p:sp>
+      <p:sp>
+        <p:nvSpPr>
+          <p:cNvPr id="20" name="19 CuadroTexto"/>
+          <p:cNvSpPr txBox="1"/>
+          <p:nvPr/>
+        </p:nvSpPr>
+        <p:spPr>
+          <a:xfrm>
+            <a:off x="1764312" y="6016401"/>
+            <a:ext cx="949272" cy="261610"/>
+          </a:xfrm>
+          <a:prstGeom prst="rect">
+            <a:avLst/>
+          </a:prstGeom>
+          <a:noFill/>
+          <a:effectLst>
+            <a:glow rad="101600">
+              <a:schemeClr val="accent5">
+                <a:satMod val="175000"/>
+                <a:alpha val="40000"/>
+              </a:schemeClr>
+            </a:glow>
+          </a:effectLst>
+        </p:spPr>
+        <p:txBody>
+          <a:bodyPr wrap="square" rtlCol="0">
+            <a:spAutoFit/>
+          </a:bodyPr>
+          <a:lstStyle/>
+          <a:p>
+            <a:r>
+              <a:rPr lang="es-ES" sz="1100" dirty="0" smtClean="0">
+                <a:solidFill>
+                  <a:srgbClr val="274F5F"/>
+                </a:solidFill>
+              </a:rPr>
+              <a:t>Objetivos</a:t>
+            </a:r>
+          </a:p>
+        </p:txBody>
+      </p:sp>
+      <p:sp>
+        <p:nvSpPr>
+          <p:cNvPr id="21" name="20 CuadroTexto"/>
+          <p:cNvSpPr txBox="1"/>
+          <p:nvPr/>
+        </p:nvSpPr>
+        <p:spPr>
+          <a:xfrm>
+            <a:off x="2915815" y="6040047"/>
+            <a:ext cx="1218087" cy="261610"/>
+          </a:xfrm>
+          <a:prstGeom prst="rect">
+            <a:avLst/>
+          </a:prstGeom>
+          <a:noFill/>
+          <a:effectLst>
+            <a:glow rad="101600">
+              <a:schemeClr val="accent5">
+                <a:satMod val="175000"/>
+                <a:alpha val="40000"/>
+              </a:schemeClr>
+            </a:glow>
+          </a:effectLst>
+        </p:spPr>
+        <p:txBody>
+          <a:bodyPr wrap="square" rtlCol="0">
+            <a:spAutoFit/>
+          </a:bodyPr>
+          <a:lstStyle/>
+          <a:p>
+            <a:r>
+              <a:rPr lang="es-ES" sz="1100" dirty="0" smtClean="0">
+                <a:solidFill>
+                  <a:srgbClr val="274F5F"/>
+                </a:solidFill>
+              </a:rPr>
+              <a:t>Estado Arte</a:t>
+            </a:r>
+          </a:p>
+        </p:txBody>
+      </p:sp>
+      <p:sp>
+        <p:nvSpPr>
+          <p:cNvPr id="22" name="21 Redondear rectángulo de esquina sencilla"/>
+          <p:cNvSpPr/>
+          <p:nvPr/>
+        </p:nvSpPr>
+        <p:spPr>
+          <a:xfrm rot="16200000" flipH="1">
+            <a:off x="5934758" y="5496146"/>
+            <a:ext cx="286723" cy="1296145"/>
+          </a:xfrm>
+          <a:prstGeom prst="round1Rect">
+            <a:avLst>
+              <a:gd name="adj" fmla="val 50000"/>
+            </a:avLst>
+          </a:prstGeom>
+          <a:solidFill>
+            <a:schemeClr val="bg1">
+              <a:alpha val="50000"/>
+            </a:schemeClr>
+          </a:solidFill>
+          <a:ln w="25400" cmpd="sng">
+            <a:solidFill>
+              <a:srgbClr val="274F5F"/>
+            </a:solidFill>
+          </a:ln>
+          <a:effectLst/>
+        </p:spPr>
+        <p:style>
+          <a:lnRef idx="2">
+            <a:schemeClr val="accent1"/>
+          </a:lnRef>
+          <a:fillRef idx="1">
+            <a:schemeClr val="lt1"/>
+          </a:fillRef>
+          <a:effectRef idx="0">
+            <a:schemeClr val="accent1"/>
+          </a:effectRef>
+          <a:fontRef idx="minor">
+            <a:schemeClr val="dk1"/>
+          </a:fontRef>
+        </p:style>
+        <p:txBody>
+          <a:bodyPr anchor="ctr"/>
+          <a:lstStyle/>
+          <a:p>
+            <a:pPr algn="ctr" fontAlgn="auto">
+              <a:spcBef>
+                <a:spcPts val="0"/>
+              </a:spcBef>
+              <a:spcAft>
+                <a:spcPts val="0"/>
+              </a:spcAft>
+              <a:defRPr/>
+            </a:pPr>
+            <a:endParaRPr lang="es-ES" dirty="0"/>
+          </a:p>
+        </p:txBody>
+      </p:sp>
+      <p:sp>
+        <p:nvSpPr>
+          <p:cNvPr id="23" name="22 CuadroTexto"/>
+          <p:cNvSpPr txBox="1"/>
+          <p:nvPr/>
+        </p:nvSpPr>
+        <p:spPr>
+          <a:xfrm>
+            <a:off x="5505851" y="6043554"/>
+            <a:ext cx="949272" cy="261610"/>
+          </a:xfrm>
+          <a:prstGeom prst="rect">
+            <a:avLst/>
+          </a:prstGeom>
+          <a:noFill/>
+          <a:effectLst>
+            <a:glow rad="101600">
+              <a:schemeClr val="accent5">
+                <a:satMod val="175000"/>
+                <a:alpha val="40000"/>
+              </a:schemeClr>
+            </a:glow>
+          </a:effectLst>
+        </p:spPr>
+        <p:txBody>
+          <a:bodyPr wrap="square" rtlCol="0">
+            <a:spAutoFit/>
+          </a:bodyPr>
+          <a:lstStyle/>
+          <a:p>
+            <a:r>
+              <a:rPr lang="es-ES" sz="1100" dirty="0" smtClean="0">
+                <a:solidFill>
+                  <a:srgbClr val="274F5F"/>
+                </a:solidFill>
+              </a:rPr>
+              <a:t>Resultados</a:t>
+            </a:r>
+          </a:p>
+        </p:txBody>
+      </p:sp>
+      <p:sp>
+        <p:nvSpPr>
+          <p:cNvPr id="24" name="23 Redondear rectángulo de esquina sencilla"/>
+          <p:cNvSpPr/>
+          <p:nvPr/>
+        </p:nvSpPr>
+        <p:spPr>
+          <a:xfrm rot="16200000" flipH="1">
+            <a:off x="7230903" y="5486577"/>
+            <a:ext cx="286723" cy="1296145"/>
+          </a:xfrm>
+          <a:prstGeom prst="round1Rect">
+            <a:avLst>
+              <a:gd name="adj" fmla="val 50000"/>
+            </a:avLst>
+          </a:prstGeom>
+          <a:solidFill>
+            <a:schemeClr val="bg1">
+              <a:alpha val="50000"/>
+            </a:schemeClr>
+          </a:solidFill>
+          <a:ln w="25400" cmpd="sng">
+            <a:solidFill>
+              <a:srgbClr val="274F5F"/>
+            </a:solidFill>
+          </a:ln>
+          <a:effectLst/>
+        </p:spPr>
+        <p:style>
+          <a:lnRef idx="2">
+            <a:schemeClr val="accent1"/>
+          </a:lnRef>
+          <a:fillRef idx="1">
+            <a:schemeClr val="lt1"/>
+          </a:fillRef>
+          <a:effectRef idx="0">
+            <a:schemeClr val="accent1"/>
+          </a:effectRef>
+          <a:fontRef idx="minor">
+            <a:schemeClr val="dk1"/>
+          </a:fontRef>
+        </p:style>
+        <p:txBody>
+          <a:bodyPr anchor="ctr"/>
+          <a:lstStyle/>
+          <a:p>
+            <a:pPr algn="ctr" fontAlgn="auto">
+              <a:spcBef>
+                <a:spcPts val="0"/>
+              </a:spcBef>
+              <a:spcAft>
+                <a:spcPts val="0"/>
+              </a:spcAft>
+              <a:defRPr/>
+            </a:pPr>
+            <a:endParaRPr lang="es-ES" dirty="0"/>
+          </a:p>
+        </p:txBody>
+      </p:sp>
+      <p:sp>
+        <p:nvSpPr>
+          <p:cNvPr id="25" name="24 CuadroTexto"/>
+          <p:cNvSpPr txBox="1"/>
+          <p:nvPr/>
+        </p:nvSpPr>
+        <p:spPr>
+          <a:xfrm>
+            <a:off x="6788501" y="6043852"/>
+            <a:ext cx="1149172" cy="261610"/>
+          </a:xfrm>
+          <a:prstGeom prst="rect">
+            <a:avLst/>
+          </a:prstGeom>
+          <a:noFill/>
+          <a:effectLst>
+            <a:glow rad="101600">
+              <a:schemeClr val="accent5">
+                <a:satMod val="175000"/>
+                <a:alpha val="40000"/>
+              </a:schemeClr>
+            </a:glow>
+          </a:effectLst>
+        </p:spPr>
+        <p:txBody>
+          <a:bodyPr wrap="square" rtlCol="0">
+            <a:spAutoFit/>
+          </a:bodyPr>
+          <a:lstStyle/>
+          <a:p>
+            <a:r>
+              <a:rPr lang="es-ES" sz="1100" dirty="0" smtClean="0">
+                <a:solidFill>
+                  <a:srgbClr val="274F5F"/>
+                </a:solidFill>
+              </a:rPr>
+              <a:t>Conclusiones</a:t>
+            </a:r>
+          </a:p>
+        </p:txBody>
+      </p:sp>
+      <p:sp>
+        <p:nvSpPr>
+          <p:cNvPr id="28" name="4 Título"/>
+          <p:cNvSpPr txBox="1">
+            <a:spLocks/>
+          </p:cNvSpPr>
+          <p:nvPr/>
+        </p:nvSpPr>
+        <p:spPr>
+          <a:xfrm>
+            <a:off x="1115616" y="0"/>
+            <a:ext cx="7920880" cy="650405"/>
+          </a:xfrm>
+          <a:prstGeom prst="rect">
+            <a:avLst/>
+          </a:prstGeom>
+          <a:solidFill>
+            <a:schemeClr val="accent5">
+              <a:alpha val="0"/>
+            </a:schemeClr>
+          </a:solidFill>
+          <a:ln w="3175" cap="flat" cmpd="sng" algn="ctr">
+            <a:noFill/>
+            <a:prstDash val="solid"/>
+          </a:ln>
+          <a:effectLst/>
+        </p:spPr>
+        <p:txBody>
+          <a:bodyPr anchor="t">
+            <a:normAutofit fontScale="90000" lnSpcReduction="10000"/>
+          </a:bodyPr>
+          <a:lstStyle>
+            <a:lvl1pPr algn="r" defTabSz="1072866" rtl="0" eaLnBrk="1" latinLnBrk="0" hangingPunct="1">
+              <a:spcBef>
+                <a:spcPct val="0"/>
+              </a:spcBef>
+              <a:buNone/>
+              <a:defRPr sz="3600" b="1" kern="1200" cap="all" spc="300">
+                <a:ln>
+                  <a:solidFill>
+                    <a:schemeClr val="tx2"/>
+                  </a:solidFill>
+                </a:ln>
+                <a:solidFill>
+                  <a:srgbClr val="274F5F"/>
+                </a:solidFill>
+                <a:latin typeface="+mj-lt"/>
+                <a:ea typeface="+mj-ea"/>
+                <a:cs typeface="+mj-cs"/>
+              </a:defRPr>
+            </a:lvl1pPr>
+            <a:lvl2pPr>
+              <a:defRPr/>
+            </a:lvl2pPr>
+            <a:lvl3pPr>
+              <a:defRPr/>
+            </a:lvl3pPr>
+            <a:lvl4pPr>
+              <a:defRPr/>
+            </a:lvl4pPr>
+            <a:lvl5pPr>
+              <a:defRPr/>
+            </a:lvl5pPr>
+            <a:lvl6pPr>
+              <a:defRPr/>
+            </a:lvl6pPr>
+            <a:lvl7pPr>
+              <a:defRPr/>
+            </a:lvl7pPr>
+            <a:lvl8pPr>
+              <a:defRPr/>
+            </a:lvl8pPr>
+            <a:lvl9pPr>
+              <a:defRPr/>
+            </a:lvl9pPr>
+          </a:lstStyle>
+          <a:p>
+            <a:r>
+              <a:rPr lang="es-ES" sz="2700" dirty="0" smtClean="0"/>
+              <a:t>Método de trabajo</a:t>
+            </a:r>
+          </a:p>
+          <a:p>
+            <a:r>
+              <a:rPr lang="es-ES" sz="1800" b="0" dirty="0" smtClean="0"/>
+              <a:t>PUD</a:t>
+            </a:r>
+            <a:endParaRPr lang="es-ES" sz="1800" b="0" dirty="0"/>
+          </a:p>
+        </p:txBody>
+      </p:sp>
+      <p:pic>
+        <p:nvPicPr>
+          <p:cNvPr id="1026" name="Picture 2"/>
+          <p:cNvPicPr>
+            <a:picLocks noChangeAspect="1" noChangeArrowheads="1"/>
+          </p:cNvPicPr>
+          <p:nvPr/>
+        </p:nvPicPr>
+        <p:blipFill>
+          <a:blip r:embed="rId3">
+            <a:extLst>
+              <a:ext uri="{28A0092B-C50C-407E-A947-70E740481C1C}">
+                <a14:useLocalDpi xmlns:a14="http://schemas.microsoft.com/office/drawing/2010/main" val="0"/>
+              </a:ext>
+            </a:extLst>
+          </a:blip>
+          <a:srcRect/>
+          <a:stretch>
+            <a:fillRect/>
+          </a:stretch>
+        </p:blipFill>
+        <p:spPr bwMode="auto">
+          <a:xfrm>
+            <a:off x="593810" y="1484784"/>
+            <a:ext cx="6194691" cy="3865487"/>
+          </a:xfrm>
+          <a:prstGeom prst="rect">
+            <a:avLst/>
+          </a:prstGeom>
+          <a:noFill/>
+          <a:ln>
+            <a:noFill/>
+          </a:ln>
+          <a:effectLst/>
+          <a:extLst>
+            <a:ext uri="{909E8E84-426E-40DD-AFC4-6F175D3DCCD1}">
+              <a14:hiddenFill xmlns:a14="http://schemas.microsoft.com/office/drawing/2010/main">
+                <a:solidFill>
+                  <a:schemeClr val="accent1"/>
+                </a:solidFill>
+              </a14:hiddenFill>
+            </a:ext>
+            <a:ext uri="{91240B29-F687-4F45-9708-019B960494DF}">
+              <a14:hiddenLine xmlns:a14="http://schemas.microsoft.com/office/drawing/2010/main" w="9525">
+                <a:solidFill>
+                  <a:schemeClr val="tx1"/>
+                </a:solidFill>
+                <a:miter lim="800000"/>
+                <a:headEnd/>
+                <a:tailEnd/>
+              </a14:hiddenLine>
+            </a:ext>
+            <a:ext uri="{AF507438-7753-43E0-B8FC-AC1667EBCBE1}">
+              <a14:hiddenEffects xmlns:a14="http://schemas.microsoft.com/office/drawing/2010/main">
+                <a:effectLst>
+                  <a:outerShdw dist="35921" dir="2700000" algn="ctr" rotWithShape="0">
+                    <a:schemeClr val="bg2"/>
+                  </a:outerShdw>
+                </a:effectLst>
+              </a14:hiddenEffects>
+            </a:ext>
+          </a:extLst>
+        </p:spPr>
+      </p:pic>
+    </p:spTree>
+    <p:extLst>
+      <p:ext uri="{BB962C8B-B14F-4D97-AF65-F5344CB8AC3E}">
+        <p14:creationId xmlns:p14="http://schemas.microsoft.com/office/powerpoint/2010/main" val="2486667304"/>
+      </p:ext>
+    </p:extLst>
+  </p:cSld>
+  <p:clrMapOvr>
+    <a:masterClrMapping/>
+  </p:clrMapOvr>
+  <p:timing>
+    <p:tnLst>
+      <p:par>
+        <p:cTn id="1" dur="indefinite" restart="never" nodeType="tmRoot"/>
+      </p:par>
+    </p:tnLst>
+  </p:timing>
+</p:sld>
+</file>
+
+<file path=ppt/slides/slide22.xml><?xml version="1.0" encoding="utf-8"?>
+<p:sld xmlns:a="http://schemas.openxmlformats.org/drawingml/2006/main" xmlns:r="http://schemas.openxmlformats.org/officeDocument/2006/relationships" xmlns:p="http://schemas.openxmlformats.org/presentationml/2006/main">
+  <p:cSld>
+    <p:spTree>
+      <p:nvGrpSpPr>
+        <p:cNvPr id="1" name=""/>
+        <p:cNvGrpSpPr/>
+        <p:nvPr/>
+      </p:nvGrpSpPr>
+      <p:grpSpPr>
+        <a:xfrm>
+          <a:off x="0" y="0"/>
+          <a:ext cx="0" cy="0"/>
+          <a:chOff x="0" y="0"/>
+          <a:chExt cx="0" cy="0"/>
+        </a:xfrm>
+      </p:grpSpPr>
+      <p:pic>
+        <p:nvPicPr>
+          <p:cNvPr id="14" name="13 Imagen"/>
+          <p:cNvPicPr>
+            <a:picLocks noChangeAspect="1"/>
+          </p:cNvPicPr>
+          <p:nvPr/>
+        </p:nvPicPr>
+        <p:blipFill>
+          <a:blip r:embed="rId3">
+            <a:extLst>
+              <a:ext uri="{28A0092B-C50C-407E-A947-70E740481C1C}">
+                <a14:useLocalDpi xmlns:a14="http://schemas.microsoft.com/office/drawing/2010/main" val="0"/>
+              </a:ext>
+            </a:extLst>
+          </a:blip>
+          <a:stretch>
+            <a:fillRect/>
+          </a:stretch>
+        </p:blipFill>
+        <p:spPr>
+          <a:xfrm>
+            <a:off x="6077363" y="3645024"/>
+            <a:ext cx="2249238" cy="2127328"/>
+          </a:xfrm>
+          <a:prstGeom prst="rect">
+            <a:avLst/>
+          </a:prstGeom>
+        </p:spPr>
+      </p:pic>
+      <p:sp>
+        <p:nvSpPr>
+          <p:cNvPr id="15" name="14 Redondear rectángulo de esquina sencilla"/>
+          <p:cNvSpPr/>
+          <p:nvPr/>
+        </p:nvSpPr>
+        <p:spPr>
+          <a:xfrm rot="16200000" flipH="1">
+            <a:off x="741498" y="5499664"/>
+            <a:ext cx="286723" cy="1296145"/>
+          </a:xfrm>
+          <a:prstGeom prst="round1Rect">
+            <a:avLst>
+              <a:gd name="adj" fmla="val 50000"/>
+            </a:avLst>
+          </a:prstGeom>
+          <a:solidFill>
+            <a:schemeClr val="bg1">
+              <a:alpha val="50000"/>
+            </a:schemeClr>
+          </a:solidFill>
+          <a:ln w="25400" cmpd="sng">
+            <a:solidFill>
+              <a:srgbClr val="274F5F"/>
+            </a:solidFill>
+          </a:ln>
+          <a:effectLst/>
+        </p:spPr>
+        <p:style>
+          <a:lnRef idx="2">
+            <a:schemeClr val="accent1"/>
+          </a:lnRef>
+          <a:fillRef idx="1">
+            <a:schemeClr val="lt1"/>
+          </a:fillRef>
+          <a:effectRef idx="0">
+            <a:schemeClr val="accent1"/>
+          </a:effectRef>
+          <a:fontRef idx="minor">
+            <a:schemeClr val="dk1"/>
+          </a:fontRef>
+        </p:style>
+        <p:txBody>
+          <a:bodyPr anchor="ctr"/>
+          <a:lstStyle/>
+          <a:p>
+            <a:pPr algn="ctr" fontAlgn="auto">
+              <a:spcBef>
+                <a:spcPts val="0"/>
+              </a:spcBef>
+              <a:spcAft>
+                <a:spcPts val="0"/>
+              </a:spcAft>
+              <a:defRPr/>
+            </a:pPr>
+            <a:endParaRPr lang="es-ES" dirty="0"/>
+          </a:p>
+        </p:txBody>
+      </p:sp>
+      <p:sp>
+        <p:nvSpPr>
+          <p:cNvPr id="2" name="1 Marcador de fecha"/>
+          <p:cNvSpPr>
+            <a:spLocks noGrp="1"/>
+          </p:cNvSpPr>
+          <p:nvPr>
+            <p:ph type="dt" sz="half" idx="10"/>
+          </p:nvPr>
+        </p:nvSpPr>
+        <p:spPr/>
+        <p:txBody>
+          <a:bodyPr/>
+          <a:lstStyle/>
+          <a:p>
+            <a:fld id="{273BB294-DEFA-4617-B3B3-CF6ACB1E4094}" type="datetime1">
+              <a:rPr lang="es-ES" smtClean="0"/>
+              <a:t>24/01/2012</a:t>
+            </a:fld>
+            <a:endParaRPr lang="es-ES" dirty="0"/>
+          </a:p>
+        </p:txBody>
+      </p:sp>
+      <p:sp>
+        <p:nvSpPr>
+          <p:cNvPr id="4" name="3 Marcador de número de diapositiva"/>
+          <p:cNvSpPr>
+            <a:spLocks noGrp="1"/>
+          </p:cNvSpPr>
+          <p:nvPr>
+            <p:ph type="sldNum" sz="quarter" idx="12"/>
+          </p:nvPr>
+        </p:nvSpPr>
+        <p:spPr/>
+        <p:txBody>
+          <a:bodyPr/>
+          <a:lstStyle/>
+          <a:p>
+            <a:fld id="{2E16987B-1223-45F3-900E-A014D2035EDD}" type="slidenum">
+              <a:rPr lang="es-ES" smtClean="0"/>
+              <a:t>22</a:t>
+            </a:fld>
+            <a:endParaRPr lang="es-ES"/>
+          </a:p>
+        </p:txBody>
+      </p:sp>
+      <p:sp>
+        <p:nvSpPr>
+          <p:cNvPr id="7" name="6 Redondear rectángulo de esquina sencilla"/>
+          <p:cNvSpPr/>
+          <p:nvPr/>
+        </p:nvSpPr>
+        <p:spPr>
+          <a:xfrm rot="16200000" flipH="1">
+            <a:off x="4653595" y="5496752"/>
+            <a:ext cx="286723" cy="1296145"/>
+          </a:xfrm>
+          <a:prstGeom prst="round1Rect">
+            <a:avLst>
+              <a:gd name="adj" fmla="val 50000"/>
+            </a:avLst>
+          </a:prstGeom>
+          <a:ln/>
+        </p:spPr>
+        <p:style>
+          <a:lnRef idx="1">
+            <a:schemeClr val="accent3"/>
+          </a:lnRef>
+          <a:fillRef idx="2">
+            <a:schemeClr val="accent3"/>
+          </a:fillRef>
+          <a:effectRef idx="1">
+            <a:schemeClr val="accent3"/>
+          </a:effectRef>
+          <a:fontRef idx="minor">
+            <a:schemeClr val="dk1"/>
+          </a:fontRef>
+        </p:style>
+        <p:txBody>
+          <a:bodyPr anchor="ctr"/>
+          <a:lstStyle/>
+          <a:p>
+            <a:pPr algn="ctr" fontAlgn="auto">
+              <a:spcBef>
+                <a:spcPts val="0"/>
+              </a:spcBef>
+              <a:spcAft>
+                <a:spcPts val="0"/>
+              </a:spcAft>
+              <a:defRPr/>
+            </a:pPr>
+            <a:endParaRPr lang="es-ES" dirty="0"/>
+          </a:p>
+        </p:txBody>
+      </p:sp>
+      <p:sp>
+        <p:nvSpPr>
+          <p:cNvPr id="6" name="5 CuadroTexto"/>
+          <p:cNvSpPr txBox="1"/>
+          <p:nvPr/>
+        </p:nvSpPr>
+        <p:spPr>
+          <a:xfrm>
+            <a:off x="348981" y="6013413"/>
+            <a:ext cx="1380629" cy="261610"/>
+          </a:xfrm>
+          <a:prstGeom prst="rect">
+            <a:avLst/>
+          </a:prstGeom>
+          <a:noFill/>
+          <a:effectLst>
+            <a:glow rad="101600">
+              <a:schemeClr val="accent5">
+                <a:satMod val="175000"/>
+                <a:alpha val="40000"/>
+              </a:schemeClr>
+            </a:glow>
+          </a:effectLst>
+        </p:spPr>
+        <p:txBody>
+          <a:bodyPr wrap="square" rtlCol="0">
+            <a:spAutoFit/>
+          </a:bodyPr>
+          <a:lstStyle>
+            <a:defPPr>
+              <a:defRPr lang="es-ES"/>
+            </a:defPPr>
+            <a:lvl1pPr>
+              <a:defRPr sz="1100">
+                <a:solidFill>
+                  <a:srgbClr val="274F5F"/>
+                </a:solidFill>
+              </a:defRPr>
+            </a:lvl1pPr>
+          </a:lstStyle>
+          <a:p>
+            <a:r>
+              <a:rPr lang="es-ES" dirty="0"/>
+              <a:t>Introducción</a:t>
+            </a:r>
+          </a:p>
+        </p:txBody>
+      </p:sp>
+      <p:sp>
+        <p:nvSpPr>
+          <p:cNvPr id="16" name="15 Redondear rectángulo de esquina sencilla"/>
+          <p:cNvSpPr/>
+          <p:nvPr/>
+        </p:nvSpPr>
+        <p:spPr>
+          <a:xfrm rot="16200000" flipH="1">
+            <a:off x="2046323" y="5500600"/>
+            <a:ext cx="286723" cy="1296145"/>
+          </a:xfrm>
+          <a:prstGeom prst="round1Rect">
+            <a:avLst>
+              <a:gd name="adj" fmla="val 50000"/>
+            </a:avLst>
+          </a:prstGeom>
+          <a:solidFill>
+            <a:schemeClr val="bg1">
+              <a:alpha val="50000"/>
+            </a:schemeClr>
+          </a:solidFill>
+          <a:ln w="25400" cmpd="sng">
+            <a:solidFill>
+              <a:srgbClr val="274F5F"/>
+            </a:solidFill>
+          </a:ln>
+          <a:effectLst/>
+        </p:spPr>
+        <p:style>
+          <a:lnRef idx="2">
+            <a:schemeClr val="accent1"/>
+          </a:lnRef>
+          <a:fillRef idx="1">
+            <a:schemeClr val="lt1"/>
+          </a:fillRef>
+          <a:effectRef idx="0">
+            <a:schemeClr val="accent1"/>
+          </a:effectRef>
+          <a:fontRef idx="minor">
+            <a:schemeClr val="dk1"/>
+          </a:fontRef>
+        </p:style>
+        <p:txBody>
+          <a:bodyPr anchor="ctr"/>
+          <a:lstStyle/>
+          <a:p>
+            <a:pPr algn="ctr" fontAlgn="auto">
+              <a:spcBef>
+                <a:spcPts val="0"/>
+              </a:spcBef>
+              <a:spcAft>
+                <a:spcPts val="0"/>
+              </a:spcAft>
+              <a:defRPr/>
+            </a:pPr>
+            <a:endParaRPr lang="es-ES" dirty="0"/>
+          </a:p>
+        </p:txBody>
+      </p:sp>
+      <p:sp>
+        <p:nvSpPr>
+          <p:cNvPr id="17" name="16 Redondear rectángulo de esquina sencilla"/>
+          <p:cNvSpPr/>
+          <p:nvPr/>
+        </p:nvSpPr>
+        <p:spPr>
+          <a:xfrm rot="16200000" flipH="1">
+            <a:off x="3342469" y="5501148"/>
+            <a:ext cx="286723" cy="1296145"/>
+          </a:xfrm>
+          <a:prstGeom prst="round1Rect">
+            <a:avLst>
+              <a:gd name="adj" fmla="val 50000"/>
+            </a:avLst>
+          </a:prstGeom>
+          <a:solidFill>
+            <a:schemeClr val="bg1">
+              <a:alpha val="50000"/>
+            </a:schemeClr>
+          </a:solidFill>
+          <a:ln w="25400" cmpd="sng">
+            <a:solidFill>
+              <a:srgbClr val="274F5F"/>
+            </a:solidFill>
+          </a:ln>
+          <a:effectLst/>
+        </p:spPr>
+        <p:style>
+          <a:lnRef idx="2">
+            <a:schemeClr val="accent1"/>
+          </a:lnRef>
+          <a:fillRef idx="1">
+            <a:schemeClr val="lt1"/>
+          </a:fillRef>
+          <a:effectRef idx="0">
+            <a:schemeClr val="accent1"/>
+          </a:effectRef>
+          <a:fontRef idx="minor">
+            <a:schemeClr val="dk1"/>
+          </a:fontRef>
+        </p:style>
+        <p:txBody>
+          <a:bodyPr anchor="ctr"/>
+          <a:lstStyle/>
+          <a:p>
+            <a:pPr algn="ctr" fontAlgn="auto">
+              <a:spcBef>
+                <a:spcPts val="0"/>
+              </a:spcBef>
+              <a:spcAft>
+                <a:spcPts val="0"/>
+              </a:spcAft>
+              <a:defRPr/>
+            </a:pPr>
+            <a:endParaRPr lang="es-ES" dirty="0"/>
+          </a:p>
+        </p:txBody>
+      </p:sp>
+      <p:sp>
+        <p:nvSpPr>
+          <p:cNvPr id="18" name="17 CuadroTexto"/>
+          <p:cNvSpPr txBox="1"/>
+          <p:nvPr/>
+        </p:nvSpPr>
+        <p:spPr>
+          <a:xfrm>
+            <a:off x="4102535" y="5981363"/>
+            <a:ext cx="1388842" cy="292388"/>
+          </a:xfrm>
+          <a:prstGeom prst="rect">
+            <a:avLst/>
+          </a:prstGeom>
+          <a:noFill/>
+          <a:effectLst>
+            <a:glow rad="101600">
+              <a:schemeClr val="accent5">
+                <a:satMod val="175000"/>
+                <a:alpha val="40000"/>
+              </a:schemeClr>
+            </a:glow>
+          </a:effectLst>
+        </p:spPr>
+        <p:txBody>
+          <a:bodyPr wrap="square" rtlCol="0">
+            <a:spAutoFit/>
+          </a:bodyPr>
+          <a:lstStyle/>
+          <a:p>
+            <a:r>
+              <a:rPr lang="es-ES" sz="1300" b="1" dirty="0" smtClean="0">
+                <a:solidFill>
+                  <a:schemeClr val="bg2">
+                    <a:lumMod val="25000"/>
+                  </a:schemeClr>
+                </a:solidFill>
+              </a:rPr>
+              <a:t>Método trabajo</a:t>
+            </a:r>
+            <a:endParaRPr lang="es-ES" sz="1300" b="1" dirty="0">
+              <a:solidFill>
+                <a:schemeClr val="bg2">
+                  <a:lumMod val="25000"/>
+                </a:schemeClr>
+              </a:solidFill>
+            </a:endParaRPr>
+          </a:p>
+        </p:txBody>
+      </p:sp>
+      <p:sp>
+        <p:nvSpPr>
+          <p:cNvPr id="20" name="19 CuadroTexto"/>
+          <p:cNvSpPr txBox="1"/>
+          <p:nvPr/>
+        </p:nvSpPr>
+        <p:spPr>
+          <a:xfrm>
+            <a:off x="1764312" y="6016401"/>
+            <a:ext cx="949272" cy="261610"/>
+          </a:xfrm>
+          <a:prstGeom prst="rect">
+            <a:avLst/>
+          </a:prstGeom>
+          <a:noFill/>
+          <a:effectLst>
+            <a:glow rad="101600">
+              <a:schemeClr val="accent5">
+                <a:satMod val="175000"/>
+                <a:alpha val="40000"/>
+              </a:schemeClr>
+            </a:glow>
+          </a:effectLst>
+        </p:spPr>
+        <p:txBody>
+          <a:bodyPr wrap="square" rtlCol="0">
+            <a:spAutoFit/>
+          </a:bodyPr>
+          <a:lstStyle/>
+          <a:p>
+            <a:r>
+              <a:rPr lang="es-ES" sz="1100" dirty="0" smtClean="0">
+                <a:solidFill>
+                  <a:srgbClr val="274F5F"/>
+                </a:solidFill>
+              </a:rPr>
+              <a:t>Objetivos</a:t>
+            </a:r>
+          </a:p>
+        </p:txBody>
+      </p:sp>
+      <p:sp>
+        <p:nvSpPr>
+          <p:cNvPr id="21" name="20 CuadroTexto"/>
+          <p:cNvSpPr txBox="1"/>
+          <p:nvPr/>
+        </p:nvSpPr>
+        <p:spPr>
+          <a:xfrm>
+            <a:off x="2915815" y="6040047"/>
+            <a:ext cx="1218087" cy="261610"/>
+          </a:xfrm>
+          <a:prstGeom prst="rect">
+            <a:avLst/>
+          </a:prstGeom>
+          <a:noFill/>
+          <a:effectLst>
+            <a:glow rad="101600">
+              <a:schemeClr val="accent5">
+                <a:satMod val="175000"/>
+                <a:alpha val="40000"/>
+              </a:schemeClr>
+            </a:glow>
+          </a:effectLst>
+        </p:spPr>
+        <p:txBody>
+          <a:bodyPr wrap="square" rtlCol="0">
+            <a:spAutoFit/>
+          </a:bodyPr>
+          <a:lstStyle/>
+          <a:p>
+            <a:r>
+              <a:rPr lang="es-ES" sz="1100" dirty="0" smtClean="0">
+                <a:solidFill>
+                  <a:srgbClr val="274F5F"/>
+                </a:solidFill>
+              </a:rPr>
+              <a:t>Estado Arte</a:t>
+            </a:r>
+          </a:p>
+        </p:txBody>
+      </p:sp>
+      <p:sp>
+        <p:nvSpPr>
+          <p:cNvPr id="22" name="21 Redondear rectángulo de esquina sencilla"/>
+          <p:cNvSpPr/>
+          <p:nvPr/>
+        </p:nvSpPr>
+        <p:spPr>
+          <a:xfrm rot="16200000" flipH="1">
+            <a:off x="5934758" y="5496146"/>
+            <a:ext cx="286723" cy="1296145"/>
+          </a:xfrm>
+          <a:prstGeom prst="round1Rect">
+            <a:avLst>
+              <a:gd name="adj" fmla="val 50000"/>
+            </a:avLst>
+          </a:prstGeom>
+          <a:solidFill>
+            <a:schemeClr val="bg1">
+              <a:alpha val="50000"/>
+            </a:schemeClr>
+          </a:solidFill>
+          <a:ln w="25400" cmpd="sng">
+            <a:solidFill>
+              <a:srgbClr val="274F5F"/>
+            </a:solidFill>
+          </a:ln>
+          <a:effectLst/>
+        </p:spPr>
+        <p:style>
+          <a:lnRef idx="2">
+            <a:schemeClr val="accent1"/>
+          </a:lnRef>
+          <a:fillRef idx="1">
+            <a:schemeClr val="lt1"/>
+          </a:fillRef>
+          <a:effectRef idx="0">
+            <a:schemeClr val="accent1"/>
+          </a:effectRef>
+          <a:fontRef idx="minor">
+            <a:schemeClr val="dk1"/>
+          </a:fontRef>
+        </p:style>
+        <p:txBody>
+          <a:bodyPr anchor="ctr"/>
+          <a:lstStyle/>
+          <a:p>
+            <a:pPr algn="ctr" fontAlgn="auto">
+              <a:spcBef>
+                <a:spcPts val="0"/>
+              </a:spcBef>
+              <a:spcAft>
+                <a:spcPts val="0"/>
+              </a:spcAft>
+              <a:defRPr/>
+            </a:pPr>
+            <a:endParaRPr lang="es-ES" dirty="0"/>
+          </a:p>
+        </p:txBody>
+      </p:sp>
+      <p:sp>
+        <p:nvSpPr>
+          <p:cNvPr id="23" name="22 CuadroTexto"/>
+          <p:cNvSpPr txBox="1"/>
+          <p:nvPr/>
+        </p:nvSpPr>
+        <p:spPr>
+          <a:xfrm>
+            <a:off x="5505851" y="6043554"/>
+            <a:ext cx="949272" cy="261610"/>
+          </a:xfrm>
+          <a:prstGeom prst="rect">
+            <a:avLst/>
+          </a:prstGeom>
+          <a:noFill/>
+          <a:effectLst>
+            <a:glow rad="101600">
+              <a:schemeClr val="accent5">
+                <a:satMod val="175000"/>
+                <a:alpha val="40000"/>
+              </a:schemeClr>
+            </a:glow>
+          </a:effectLst>
+        </p:spPr>
+        <p:txBody>
+          <a:bodyPr wrap="square" rtlCol="0">
+            <a:spAutoFit/>
+          </a:bodyPr>
+          <a:lstStyle/>
+          <a:p>
+            <a:r>
+              <a:rPr lang="es-ES" sz="1100" dirty="0" smtClean="0">
+                <a:solidFill>
+                  <a:srgbClr val="274F5F"/>
+                </a:solidFill>
+              </a:rPr>
+              <a:t>Resultados</a:t>
+            </a:r>
+          </a:p>
+        </p:txBody>
+      </p:sp>
+      <p:sp>
+        <p:nvSpPr>
+          <p:cNvPr id="24" name="23 Redondear rectángulo de esquina sencilla"/>
+          <p:cNvSpPr/>
+          <p:nvPr/>
+        </p:nvSpPr>
+        <p:spPr>
+          <a:xfrm rot="16200000" flipH="1">
+            <a:off x="7230903" y="5486577"/>
+            <a:ext cx="286723" cy="1296145"/>
+          </a:xfrm>
+          <a:prstGeom prst="round1Rect">
+            <a:avLst>
+              <a:gd name="adj" fmla="val 50000"/>
+            </a:avLst>
+          </a:prstGeom>
+          <a:solidFill>
+            <a:schemeClr val="bg1">
+              <a:alpha val="50000"/>
+            </a:schemeClr>
+          </a:solidFill>
+          <a:ln w="25400" cmpd="sng">
+            <a:solidFill>
+              <a:srgbClr val="274F5F"/>
+            </a:solidFill>
+          </a:ln>
+          <a:effectLst/>
+        </p:spPr>
+        <p:style>
+          <a:lnRef idx="2">
+            <a:schemeClr val="accent1"/>
+          </a:lnRef>
+          <a:fillRef idx="1">
+            <a:schemeClr val="lt1"/>
+          </a:fillRef>
+          <a:effectRef idx="0">
+            <a:schemeClr val="accent1"/>
+          </a:effectRef>
+          <a:fontRef idx="minor">
+            <a:schemeClr val="dk1"/>
+          </a:fontRef>
+        </p:style>
+        <p:txBody>
+          <a:bodyPr anchor="ctr"/>
+          <a:lstStyle/>
+          <a:p>
+            <a:pPr algn="ctr" fontAlgn="auto">
+              <a:spcBef>
+                <a:spcPts val="0"/>
+              </a:spcBef>
+              <a:spcAft>
+                <a:spcPts val="0"/>
+              </a:spcAft>
+              <a:defRPr/>
+            </a:pPr>
+            <a:endParaRPr lang="es-ES" dirty="0"/>
+          </a:p>
+        </p:txBody>
+      </p:sp>
+      <p:sp>
+        <p:nvSpPr>
+          <p:cNvPr id="25" name="24 CuadroTexto"/>
+          <p:cNvSpPr txBox="1"/>
+          <p:nvPr/>
+        </p:nvSpPr>
+        <p:spPr>
+          <a:xfrm>
+            <a:off x="6788501" y="6043852"/>
+            <a:ext cx="1149172" cy="261610"/>
+          </a:xfrm>
+          <a:prstGeom prst="rect">
+            <a:avLst/>
+          </a:prstGeom>
+          <a:noFill/>
+          <a:effectLst>
+            <a:glow rad="101600">
+              <a:schemeClr val="accent5">
+                <a:satMod val="175000"/>
+                <a:alpha val="40000"/>
+              </a:schemeClr>
+            </a:glow>
+          </a:effectLst>
+        </p:spPr>
+        <p:txBody>
+          <a:bodyPr wrap="square" rtlCol="0">
+            <a:spAutoFit/>
+          </a:bodyPr>
+          <a:lstStyle/>
+          <a:p>
+            <a:r>
+              <a:rPr lang="es-ES" sz="1100" dirty="0" smtClean="0">
+                <a:solidFill>
+                  <a:srgbClr val="274F5F"/>
+                </a:solidFill>
+              </a:rPr>
+              <a:t>Conclusiones</a:t>
+            </a:r>
+          </a:p>
+        </p:txBody>
+      </p:sp>
+      <p:sp>
+        <p:nvSpPr>
+          <p:cNvPr id="28" name="4 Título"/>
+          <p:cNvSpPr txBox="1">
+            <a:spLocks/>
+          </p:cNvSpPr>
+          <p:nvPr/>
+        </p:nvSpPr>
+        <p:spPr>
+          <a:xfrm>
+            <a:off x="1115616" y="0"/>
+            <a:ext cx="7920880" cy="650405"/>
+          </a:xfrm>
+          <a:prstGeom prst="rect">
+            <a:avLst/>
+          </a:prstGeom>
+          <a:solidFill>
+            <a:schemeClr val="accent5">
+              <a:alpha val="0"/>
+            </a:schemeClr>
+          </a:solidFill>
+          <a:ln w="3175" cap="flat" cmpd="sng" algn="ctr">
+            <a:noFill/>
+            <a:prstDash val="solid"/>
+          </a:ln>
+          <a:effectLst/>
+        </p:spPr>
+        <p:txBody>
+          <a:bodyPr anchor="t">
+            <a:normAutofit fontScale="90000" lnSpcReduction="10000"/>
+          </a:bodyPr>
+          <a:lstStyle>
+            <a:lvl1pPr algn="r" defTabSz="1072866" rtl="0" eaLnBrk="1" latinLnBrk="0" hangingPunct="1">
+              <a:spcBef>
+                <a:spcPct val="0"/>
+              </a:spcBef>
+              <a:buNone/>
+              <a:defRPr sz="3600" b="1" kern="1200" cap="all" spc="300">
+                <a:ln>
+                  <a:solidFill>
+                    <a:schemeClr val="tx2"/>
+                  </a:solidFill>
+                </a:ln>
+                <a:solidFill>
+                  <a:srgbClr val="274F5F"/>
+                </a:solidFill>
+                <a:latin typeface="+mj-lt"/>
+                <a:ea typeface="+mj-ea"/>
+                <a:cs typeface="+mj-cs"/>
+              </a:defRPr>
+            </a:lvl1pPr>
+            <a:lvl2pPr>
+              <a:defRPr/>
+            </a:lvl2pPr>
+            <a:lvl3pPr>
+              <a:defRPr/>
+            </a:lvl3pPr>
+            <a:lvl4pPr>
+              <a:defRPr/>
+            </a:lvl4pPr>
+            <a:lvl5pPr>
+              <a:defRPr/>
+            </a:lvl5pPr>
+            <a:lvl6pPr>
+              <a:defRPr/>
+            </a:lvl6pPr>
+            <a:lvl7pPr>
+              <a:defRPr/>
+            </a:lvl7pPr>
+            <a:lvl8pPr>
+              <a:defRPr/>
+            </a:lvl8pPr>
+            <a:lvl9pPr>
+              <a:defRPr/>
+            </a:lvl9pPr>
+          </a:lstStyle>
+          <a:p>
+            <a:r>
+              <a:rPr lang="es-ES" sz="2700" dirty="0" smtClean="0"/>
+              <a:t>Método de trabajo</a:t>
+            </a:r>
+          </a:p>
+          <a:p>
+            <a:r>
+              <a:rPr lang="es-ES" sz="1800" b="0" dirty="0" smtClean="0"/>
+              <a:t>Marco tecnológico</a:t>
+            </a:r>
+            <a:endParaRPr lang="es-ES" sz="1800" b="0" dirty="0"/>
+          </a:p>
+        </p:txBody>
+      </p:sp>
+      <p:sp>
+        <p:nvSpPr>
+          <p:cNvPr id="33" name="32 Rectángulo"/>
+          <p:cNvSpPr/>
+          <p:nvPr/>
+        </p:nvSpPr>
+        <p:spPr>
+          <a:xfrm>
+            <a:off x="909515" y="874996"/>
+            <a:ext cx="3600400" cy="5155257"/>
+          </a:xfrm>
+          <a:prstGeom prst="rect">
+            <a:avLst/>
+          </a:prstGeom>
+        </p:spPr>
+        <p:txBody>
+          <a:bodyPr wrap="square">
+            <a:spAutoFit/>
+          </a:bodyPr>
+          <a:lstStyle/>
+          <a:p>
+            <a:pPr marL="457200" indent="-457200" algn="just" defTabSz="914400">
+              <a:spcBef>
+                <a:spcPts val="2000"/>
+              </a:spcBef>
+              <a:buClr>
+                <a:srgbClr val="274F5F"/>
+              </a:buClr>
+              <a:buSzPct val="90000"/>
+              <a:buFont typeface="Wingdings" pitchFamily="2" charset="2"/>
+              <a:buChar char="q"/>
+            </a:pPr>
+            <a:r>
+              <a:rPr lang="es-ES" sz="2300" dirty="0" smtClean="0">
+                <a:solidFill>
+                  <a:schemeClr val="tx2">
+                    <a:lumMod val="75000"/>
+                  </a:schemeClr>
+                </a:solidFill>
+              </a:rPr>
+              <a:t>Gestión</a:t>
+            </a:r>
+            <a:r>
+              <a:rPr lang="es-ES" sz="2400" dirty="0" smtClean="0">
+                <a:solidFill>
+                  <a:schemeClr val="tx2">
+                    <a:lumMod val="75000"/>
+                  </a:schemeClr>
+                </a:solidFill>
+              </a:rPr>
+              <a:t> </a:t>
+            </a:r>
+            <a:r>
+              <a:rPr lang="es-ES" sz="2300" dirty="0" smtClean="0">
+                <a:solidFill>
+                  <a:schemeClr val="tx2">
+                    <a:lumMod val="75000"/>
+                  </a:schemeClr>
+                </a:solidFill>
+              </a:rPr>
+              <a:t>proyectos</a:t>
+            </a:r>
+            <a:r>
+              <a:rPr lang="es-ES" sz="2400" dirty="0" smtClean="0">
+                <a:solidFill>
+                  <a:schemeClr val="tx2">
+                    <a:lumMod val="75000"/>
+                  </a:schemeClr>
+                </a:solidFill>
+              </a:rPr>
+              <a:t>:</a:t>
+            </a:r>
+          </a:p>
+          <a:p>
+            <a:pPr marL="1071563" lvl="1" indent="-457200" algn="just" defTabSz="914400">
+              <a:spcBef>
+                <a:spcPts val="600"/>
+              </a:spcBef>
+              <a:buClr>
+                <a:srgbClr val="274F5F"/>
+              </a:buClr>
+              <a:buSzPct val="90000"/>
+              <a:buFont typeface="Arial" pitchFamily="34" charset="0"/>
+              <a:buChar char="•"/>
+            </a:pPr>
+            <a:r>
+              <a:rPr lang="es-ES" sz="2000" dirty="0" err="1" smtClean="0">
+                <a:solidFill>
+                  <a:schemeClr val="tx2">
+                    <a:lumMod val="75000"/>
+                  </a:schemeClr>
+                </a:solidFill>
+              </a:rPr>
+              <a:t>Subversion</a:t>
+            </a:r>
+            <a:endParaRPr lang="es-ES" sz="2000" dirty="0" smtClean="0">
+              <a:solidFill>
+                <a:schemeClr val="tx2">
+                  <a:lumMod val="75000"/>
+                </a:schemeClr>
+              </a:solidFill>
+            </a:endParaRPr>
+          </a:p>
+          <a:p>
+            <a:pPr marL="1071563" lvl="1" indent="-457200" algn="just" defTabSz="914400">
+              <a:spcBef>
+                <a:spcPts val="600"/>
+              </a:spcBef>
+              <a:buClr>
+                <a:srgbClr val="274F5F"/>
+              </a:buClr>
+              <a:buSzPct val="90000"/>
+              <a:buFont typeface="Arial" pitchFamily="34" charset="0"/>
+              <a:buChar char="•"/>
+            </a:pPr>
+            <a:r>
+              <a:rPr lang="es-ES" sz="2000" dirty="0" err="1" smtClean="0">
+                <a:solidFill>
+                  <a:schemeClr val="tx2">
+                    <a:lumMod val="75000"/>
+                  </a:schemeClr>
+                </a:solidFill>
+              </a:rPr>
+              <a:t>Maven</a:t>
+            </a:r>
+            <a:endParaRPr lang="es-ES" sz="2000" dirty="0" smtClean="0">
+              <a:solidFill>
+                <a:schemeClr val="tx2">
+                  <a:lumMod val="75000"/>
+                </a:schemeClr>
+              </a:solidFill>
+            </a:endParaRPr>
+          </a:p>
+          <a:p>
+            <a:pPr marL="457200" lvl="1" indent="-457200" algn="just" defTabSz="914400">
+              <a:spcBef>
+                <a:spcPts val="2000"/>
+              </a:spcBef>
+              <a:buClr>
+                <a:srgbClr val="274F5F"/>
+              </a:buClr>
+              <a:buSzPct val="90000"/>
+              <a:buFont typeface="Wingdings" pitchFamily="2" charset="2"/>
+              <a:buChar char="q"/>
+            </a:pPr>
+            <a:r>
+              <a:rPr lang="es-ES" sz="2300" dirty="0" smtClean="0">
+                <a:solidFill>
+                  <a:schemeClr val="tx2">
+                    <a:lumMod val="75000"/>
+                  </a:schemeClr>
+                </a:solidFill>
+              </a:rPr>
+              <a:t>Modelado</a:t>
+            </a:r>
+            <a:r>
+              <a:rPr lang="es-ES" sz="2400" dirty="0" smtClean="0">
+                <a:solidFill>
+                  <a:schemeClr val="tx2">
+                    <a:lumMod val="75000"/>
+                  </a:schemeClr>
+                </a:solidFill>
+              </a:rPr>
+              <a:t>:</a:t>
+            </a:r>
+          </a:p>
+          <a:p>
+            <a:pPr marL="1071563" lvl="1" indent="-457200" algn="just" defTabSz="914400">
+              <a:spcBef>
+                <a:spcPts val="600"/>
+              </a:spcBef>
+              <a:buClr>
+                <a:srgbClr val="274F5F"/>
+              </a:buClr>
+              <a:buSzPct val="90000"/>
+              <a:buFont typeface="Arial" pitchFamily="34" charset="0"/>
+              <a:buChar char="•"/>
+            </a:pPr>
+            <a:r>
+              <a:rPr lang="es-ES" sz="2000" dirty="0" smtClean="0">
+                <a:solidFill>
+                  <a:schemeClr val="tx2">
+                    <a:lumMod val="75000"/>
+                  </a:schemeClr>
+                </a:solidFill>
+              </a:rPr>
+              <a:t>Visual </a:t>
+            </a:r>
+            <a:r>
+              <a:rPr lang="es-ES" sz="2000" dirty="0" err="1" smtClean="0">
+                <a:solidFill>
+                  <a:schemeClr val="tx2">
+                    <a:lumMod val="75000"/>
+                  </a:schemeClr>
+                </a:solidFill>
+              </a:rPr>
+              <a:t>Paradigm</a:t>
+            </a:r>
+            <a:endParaRPr lang="es-ES" sz="2000" dirty="0" smtClean="0">
+              <a:solidFill>
+                <a:schemeClr val="tx2">
+                  <a:lumMod val="75000"/>
+                </a:schemeClr>
+              </a:solidFill>
+            </a:endParaRPr>
+          </a:p>
+          <a:p>
+            <a:pPr marL="457200" lvl="1" indent="-457200" algn="just" defTabSz="914400">
+              <a:spcBef>
+                <a:spcPts val="2000"/>
+              </a:spcBef>
+              <a:buClr>
+                <a:srgbClr val="274F5F"/>
+              </a:buClr>
+              <a:buSzPct val="90000"/>
+              <a:buFont typeface="Wingdings" pitchFamily="2" charset="2"/>
+              <a:buChar char="q"/>
+            </a:pPr>
+            <a:r>
+              <a:rPr lang="es-ES" sz="2300" dirty="0" smtClean="0">
+                <a:solidFill>
+                  <a:schemeClr val="tx2">
+                    <a:lumMod val="75000"/>
+                  </a:schemeClr>
+                </a:solidFill>
+              </a:rPr>
+              <a:t>Bases</a:t>
+            </a:r>
+            <a:r>
+              <a:rPr lang="es-ES" sz="2400" dirty="0" smtClean="0">
+                <a:solidFill>
+                  <a:schemeClr val="tx2">
+                    <a:lumMod val="75000"/>
+                  </a:schemeClr>
+                </a:solidFill>
+              </a:rPr>
+              <a:t> de datos:</a:t>
+            </a:r>
+          </a:p>
+          <a:p>
+            <a:pPr marL="1073150" lvl="1" indent="-441325" algn="just" defTabSz="914400">
+              <a:spcBef>
+                <a:spcPts val="600"/>
+              </a:spcBef>
+              <a:buClr>
+                <a:srgbClr val="274F5F"/>
+              </a:buClr>
+              <a:buSzPct val="90000"/>
+              <a:buFont typeface="Arial" pitchFamily="34" charset="0"/>
+              <a:buChar char="•"/>
+            </a:pPr>
+            <a:r>
+              <a:rPr lang="es-ES" sz="2000" dirty="0" err="1" smtClean="0">
+                <a:solidFill>
+                  <a:schemeClr val="tx2">
+                    <a:lumMod val="75000"/>
+                  </a:schemeClr>
+                </a:solidFill>
+              </a:rPr>
+              <a:t>MySQL</a:t>
+            </a:r>
+            <a:endParaRPr lang="es-ES" sz="2000" dirty="0" smtClean="0">
+              <a:solidFill>
+                <a:schemeClr val="tx2">
+                  <a:lumMod val="75000"/>
+                </a:schemeClr>
+              </a:solidFill>
+            </a:endParaRPr>
+          </a:p>
+          <a:p>
+            <a:pPr marL="1073150" lvl="1" indent="-441325" algn="just" defTabSz="914400">
+              <a:spcBef>
+                <a:spcPts val="600"/>
+              </a:spcBef>
+              <a:buClr>
+                <a:srgbClr val="274F5F"/>
+              </a:buClr>
+              <a:buSzPct val="90000"/>
+              <a:buFont typeface="Arial" pitchFamily="34" charset="0"/>
+              <a:buChar char="•"/>
+            </a:pPr>
+            <a:r>
+              <a:rPr lang="es-ES" sz="2000" dirty="0" err="1" smtClean="0">
+                <a:solidFill>
+                  <a:schemeClr val="tx2">
+                    <a:lumMod val="75000"/>
+                  </a:schemeClr>
+                </a:solidFill>
+              </a:rPr>
+              <a:t>MySQL</a:t>
+            </a:r>
+            <a:r>
+              <a:rPr lang="es-ES" sz="2000" dirty="0" smtClean="0">
+                <a:solidFill>
+                  <a:schemeClr val="tx2">
+                    <a:lumMod val="75000"/>
+                  </a:schemeClr>
+                </a:solidFill>
+              </a:rPr>
+              <a:t> </a:t>
+            </a:r>
+            <a:r>
+              <a:rPr lang="es-ES" sz="2000" dirty="0" err="1" smtClean="0">
+                <a:solidFill>
+                  <a:schemeClr val="tx2">
+                    <a:lumMod val="75000"/>
+                  </a:schemeClr>
+                </a:solidFill>
+              </a:rPr>
+              <a:t>WrokBench</a:t>
+            </a:r>
+            <a:endParaRPr lang="es-ES" sz="2000" dirty="0" smtClean="0">
+              <a:solidFill>
+                <a:schemeClr val="tx2">
+                  <a:lumMod val="75000"/>
+                </a:schemeClr>
+              </a:solidFill>
+            </a:endParaRPr>
+          </a:p>
+          <a:p>
+            <a:pPr marL="457200" lvl="1" indent="-457200" algn="just" defTabSz="914400">
+              <a:spcBef>
+                <a:spcPts val="2000"/>
+              </a:spcBef>
+              <a:buClr>
+                <a:srgbClr val="274F5F"/>
+              </a:buClr>
+              <a:buSzPct val="90000"/>
+              <a:buFont typeface="Wingdings" pitchFamily="2" charset="2"/>
+              <a:buChar char="q"/>
+            </a:pPr>
+            <a:r>
+              <a:rPr lang="es-ES" sz="2300" dirty="0" smtClean="0">
+                <a:solidFill>
+                  <a:schemeClr val="tx2">
+                    <a:lumMod val="75000"/>
+                  </a:schemeClr>
+                </a:solidFill>
+              </a:rPr>
+              <a:t>Pruebas</a:t>
+            </a:r>
+            <a:r>
+              <a:rPr lang="es-ES" sz="2400" dirty="0" smtClean="0">
+                <a:solidFill>
+                  <a:schemeClr val="tx2">
+                    <a:lumMod val="75000"/>
+                  </a:schemeClr>
+                </a:solidFill>
+              </a:rPr>
+              <a:t>:</a:t>
+            </a:r>
+          </a:p>
+          <a:p>
+            <a:pPr marL="1073150" lvl="1" indent="-441325" algn="just" defTabSz="914400">
+              <a:spcBef>
+                <a:spcPts val="600"/>
+              </a:spcBef>
+              <a:buClr>
+                <a:srgbClr val="274F5F"/>
+              </a:buClr>
+              <a:buSzPct val="90000"/>
+              <a:buFont typeface="Arial" pitchFamily="34" charset="0"/>
+              <a:buChar char="•"/>
+            </a:pPr>
+            <a:r>
+              <a:rPr lang="es-ES" sz="2000" dirty="0" err="1" smtClean="0">
+                <a:solidFill>
+                  <a:schemeClr val="tx2">
+                    <a:lumMod val="75000"/>
+                  </a:schemeClr>
+                </a:solidFill>
+              </a:rPr>
+              <a:t>Junit</a:t>
+            </a:r>
+            <a:endParaRPr lang="es-ES" sz="2000" dirty="0" smtClean="0">
+              <a:solidFill>
+                <a:schemeClr val="tx2">
+                  <a:lumMod val="75000"/>
+                </a:schemeClr>
+              </a:solidFill>
+            </a:endParaRPr>
+          </a:p>
+          <a:p>
+            <a:pPr marL="1073150" lvl="1" indent="-441325" algn="just" defTabSz="914400">
+              <a:spcBef>
+                <a:spcPts val="600"/>
+              </a:spcBef>
+              <a:buClr>
+                <a:srgbClr val="274F5F"/>
+              </a:buClr>
+              <a:buSzPct val="90000"/>
+              <a:buFont typeface="Arial" pitchFamily="34" charset="0"/>
+              <a:buChar char="•"/>
+            </a:pPr>
+            <a:r>
+              <a:rPr lang="es-ES" sz="2000" dirty="0" err="1" smtClean="0">
+                <a:solidFill>
+                  <a:schemeClr val="tx2">
+                    <a:lumMod val="75000"/>
+                  </a:schemeClr>
+                </a:solidFill>
+              </a:rPr>
+              <a:t>Eclemma</a:t>
+            </a:r>
+            <a:endParaRPr lang="es-ES" sz="2000" dirty="0" smtClean="0">
+              <a:solidFill>
+                <a:schemeClr val="tx2">
+                  <a:lumMod val="75000"/>
+                </a:schemeClr>
+              </a:solidFill>
+            </a:endParaRPr>
+          </a:p>
+        </p:txBody>
+      </p:sp>
+      <p:sp>
+        <p:nvSpPr>
+          <p:cNvPr id="35" name="34 Rectángulo"/>
+          <p:cNvSpPr/>
+          <p:nvPr/>
+        </p:nvSpPr>
+        <p:spPr>
+          <a:xfrm>
+            <a:off x="4748713" y="874996"/>
+            <a:ext cx="3600400" cy="5078313"/>
+          </a:xfrm>
+          <a:prstGeom prst="rect">
+            <a:avLst/>
+          </a:prstGeom>
+        </p:spPr>
+        <p:txBody>
+          <a:bodyPr wrap="square">
+            <a:spAutoFit/>
+          </a:bodyPr>
+          <a:lstStyle/>
+          <a:p>
+            <a:pPr marL="457200" indent="-457200" algn="just" defTabSz="914400">
+              <a:spcBef>
+                <a:spcPts val="2000"/>
+              </a:spcBef>
+              <a:buClr>
+                <a:srgbClr val="274F5F"/>
+              </a:buClr>
+              <a:buSzPct val="90000"/>
+              <a:buFont typeface="Wingdings" pitchFamily="2" charset="2"/>
+              <a:buChar char="q"/>
+            </a:pPr>
+            <a:r>
+              <a:rPr lang="es-ES" sz="2300" dirty="0" smtClean="0">
+                <a:solidFill>
+                  <a:schemeClr val="tx2">
+                    <a:lumMod val="75000"/>
+                  </a:schemeClr>
+                </a:solidFill>
+              </a:rPr>
+              <a:t>Desarrollo</a:t>
+            </a:r>
+            <a:r>
+              <a:rPr lang="es-ES" sz="2400" dirty="0" smtClean="0">
+                <a:solidFill>
+                  <a:schemeClr val="tx2">
+                    <a:lumMod val="75000"/>
+                  </a:schemeClr>
+                </a:solidFill>
+              </a:rPr>
+              <a:t>:</a:t>
+            </a:r>
+          </a:p>
+          <a:p>
+            <a:pPr marL="1071563" lvl="1" indent="-457200" algn="just" defTabSz="914400">
+              <a:spcBef>
+                <a:spcPts val="600"/>
+              </a:spcBef>
+              <a:buClr>
+                <a:srgbClr val="274F5F"/>
+              </a:buClr>
+              <a:buSzPct val="90000"/>
+              <a:buFont typeface="Arial" pitchFamily="34" charset="0"/>
+              <a:buChar char="•"/>
+            </a:pPr>
+            <a:r>
+              <a:rPr lang="es-ES" sz="2000" dirty="0" smtClean="0">
+                <a:solidFill>
+                  <a:schemeClr val="tx2">
+                    <a:lumMod val="75000"/>
+                  </a:schemeClr>
+                </a:solidFill>
+              </a:rPr>
+              <a:t>Eclipse</a:t>
+            </a:r>
+          </a:p>
+          <a:p>
+            <a:pPr marL="1071563" lvl="1" indent="-457200" algn="just" defTabSz="914400">
+              <a:spcBef>
+                <a:spcPts val="600"/>
+              </a:spcBef>
+              <a:buClr>
+                <a:srgbClr val="274F5F"/>
+              </a:buClr>
+              <a:buSzPct val="90000"/>
+              <a:buFont typeface="Arial" pitchFamily="34" charset="0"/>
+              <a:buChar char="•"/>
+            </a:pPr>
+            <a:r>
+              <a:rPr lang="es-ES" sz="2000" dirty="0" smtClean="0">
+                <a:solidFill>
+                  <a:schemeClr val="tx2">
+                    <a:lumMod val="75000"/>
+                  </a:schemeClr>
+                </a:solidFill>
+              </a:rPr>
+              <a:t>Yahoo! </a:t>
+            </a:r>
+            <a:r>
+              <a:rPr lang="es-ES" sz="2000" dirty="0" err="1" smtClean="0">
+                <a:solidFill>
+                  <a:schemeClr val="tx2">
+                    <a:lumMod val="75000"/>
+                  </a:schemeClr>
+                </a:solidFill>
+              </a:rPr>
+              <a:t>PlaceFinder</a:t>
+            </a:r>
+            <a:endParaRPr lang="es-ES" sz="2000" dirty="0" smtClean="0">
+              <a:solidFill>
+                <a:schemeClr val="tx2">
+                  <a:lumMod val="75000"/>
+                </a:schemeClr>
+              </a:solidFill>
+            </a:endParaRPr>
+          </a:p>
+          <a:p>
+            <a:pPr marL="1071563" lvl="1" indent="-457200" algn="just" defTabSz="914400">
+              <a:spcBef>
+                <a:spcPts val="600"/>
+              </a:spcBef>
+              <a:buClr>
+                <a:srgbClr val="274F5F"/>
+              </a:buClr>
+              <a:buSzPct val="90000"/>
+              <a:buFont typeface="Arial" pitchFamily="34" charset="0"/>
+              <a:buChar char="•"/>
+            </a:pPr>
+            <a:r>
+              <a:rPr lang="es-ES" sz="2000" dirty="0" err="1" smtClean="0">
+                <a:solidFill>
+                  <a:schemeClr val="tx2">
+                    <a:lumMod val="75000"/>
+                  </a:schemeClr>
+                </a:solidFill>
+              </a:rPr>
+              <a:t>OpenStreetMap</a:t>
+            </a:r>
+            <a:endParaRPr lang="es-ES" sz="2000" dirty="0" smtClean="0">
+              <a:solidFill>
+                <a:schemeClr val="tx2">
+                  <a:lumMod val="75000"/>
+                </a:schemeClr>
+              </a:solidFill>
+            </a:endParaRPr>
+          </a:p>
+          <a:p>
+            <a:pPr marL="1071563" lvl="1" indent="-457200" algn="just" defTabSz="914400">
+              <a:spcBef>
+                <a:spcPts val="600"/>
+              </a:spcBef>
+              <a:buClr>
+                <a:srgbClr val="274F5F"/>
+              </a:buClr>
+              <a:buSzPct val="90000"/>
+              <a:buFont typeface="Arial" pitchFamily="34" charset="0"/>
+              <a:buChar char="•"/>
+            </a:pPr>
+            <a:r>
+              <a:rPr lang="es-ES" sz="2000" dirty="0" smtClean="0">
+                <a:solidFill>
+                  <a:schemeClr val="tx2">
+                    <a:lumMod val="75000"/>
+                  </a:schemeClr>
+                </a:solidFill>
+              </a:rPr>
+              <a:t>JAXB</a:t>
+            </a:r>
+          </a:p>
+          <a:p>
+            <a:pPr marL="1071563" lvl="1" indent="-457200" algn="just" defTabSz="914400">
+              <a:spcBef>
+                <a:spcPts val="600"/>
+              </a:spcBef>
+              <a:buClr>
+                <a:srgbClr val="274F5F"/>
+              </a:buClr>
+              <a:buSzPct val="90000"/>
+              <a:buFont typeface="Arial" pitchFamily="34" charset="0"/>
+              <a:buChar char="•"/>
+            </a:pPr>
+            <a:r>
+              <a:rPr lang="es-ES" sz="2000" dirty="0" smtClean="0">
+                <a:solidFill>
+                  <a:schemeClr val="tx2">
+                    <a:lumMod val="75000"/>
+                  </a:schemeClr>
+                </a:solidFill>
+              </a:rPr>
+              <a:t>JDOM</a:t>
+            </a:r>
+          </a:p>
+          <a:p>
+            <a:pPr marL="1071563" lvl="1" indent="-457200" algn="just" defTabSz="914400">
+              <a:spcBef>
+                <a:spcPts val="600"/>
+              </a:spcBef>
+              <a:buClr>
+                <a:srgbClr val="274F5F"/>
+              </a:buClr>
+              <a:buSzPct val="90000"/>
+              <a:buFont typeface="Arial" pitchFamily="34" charset="0"/>
+              <a:buChar char="•"/>
+            </a:pPr>
+            <a:r>
+              <a:rPr lang="es-ES" sz="2000" dirty="0" err="1" smtClean="0">
+                <a:solidFill>
+                  <a:schemeClr val="tx2">
+                    <a:lumMod val="75000"/>
+                  </a:schemeClr>
+                </a:solidFill>
+              </a:rPr>
+              <a:t>Jaxen</a:t>
+            </a:r>
+            <a:endParaRPr lang="es-ES" sz="2000" dirty="0" smtClean="0">
+              <a:solidFill>
+                <a:schemeClr val="tx2">
+                  <a:lumMod val="75000"/>
+                </a:schemeClr>
+              </a:solidFill>
+            </a:endParaRPr>
+          </a:p>
+          <a:p>
+            <a:pPr marL="1071563" lvl="1" indent="-457200" algn="just" defTabSz="914400">
+              <a:spcBef>
+                <a:spcPts val="600"/>
+              </a:spcBef>
+              <a:buClr>
+                <a:srgbClr val="274F5F"/>
+              </a:buClr>
+              <a:buSzPct val="90000"/>
+              <a:buFont typeface="Arial" pitchFamily="34" charset="0"/>
+              <a:buChar char="•"/>
+            </a:pPr>
+            <a:r>
+              <a:rPr lang="es-ES" sz="2000" dirty="0" err="1" smtClean="0">
+                <a:solidFill>
+                  <a:schemeClr val="tx2">
+                    <a:lumMod val="75000"/>
+                  </a:schemeClr>
+                </a:solidFill>
+              </a:rPr>
+              <a:t>Hibernate</a:t>
+            </a:r>
+            <a:endParaRPr lang="es-ES" sz="2000" dirty="0" smtClean="0">
+              <a:solidFill>
+                <a:schemeClr val="tx2">
+                  <a:lumMod val="75000"/>
+                </a:schemeClr>
+              </a:solidFill>
+            </a:endParaRPr>
+          </a:p>
+          <a:p>
+            <a:pPr marL="1071563" lvl="1" indent="-457200" algn="just" defTabSz="914400">
+              <a:spcBef>
+                <a:spcPts val="600"/>
+              </a:spcBef>
+              <a:buClr>
+                <a:srgbClr val="274F5F"/>
+              </a:buClr>
+              <a:buSzPct val="90000"/>
+              <a:buFont typeface="Arial" pitchFamily="34" charset="0"/>
+              <a:buChar char="•"/>
+            </a:pPr>
+            <a:r>
+              <a:rPr lang="es-ES" sz="2000" dirty="0" smtClean="0">
+                <a:solidFill>
+                  <a:schemeClr val="tx2">
+                    <a:lumMod val="75000"/>
+                  </a:schemeClr>
+                </a:solidFill>
+              </a:rPr>
+              <a:t>Swing</a:t>
+            </a:r>
+          </a:p>
+          <a:p>
+            <a:pPr marL="1071563" lvl="1" indent="-457200" algn="just" defTabSz="914400">
+              <a:spcBef>
+                <a:spcPts val="600"/>
+              </a:spcBef>
+              <a:buClr>
+                <a:srgbClr val="274F5F"/>
+              </a:buClr>
+              <a:buSzPct val="90000"/>
+              <a:buFont typeface="Arial" pitchFamily="34" charset="0"/>
+              <a:buChar char="•"/>
+            </a:pPr>
+            <a:r>
+              <a:rPr lang="es-ES" sz="2000" dirty="0" smtClean="0">
+                <a:solidFill>
+                  <a:schemeClr val="tx2">
+                    <a:lumMod val="75000"/>
+                  </a:schemeClr>
+                </a:solidFill>
+              </a:rPr>
+              <a:t>JUNG</a:t>
+            </a:r>
+          </a:p>
+          <a:p>
+            <a:pPr marL="1071563" lvl="1" indent="-457200" algn="just" defTabSz="914400">
+              <a:spcBef>
+                <a:spcPts val="600"/>
+              </a:spcBef>
+              <a:buClr>
+                <a:srgbClr val="274F5F"/>
+              </a:buClr>
+              <a:buSzPct val="90000"/>
+              <a:buFont typeface="Arial" pitchFamily="34" charset="0"/>
+              <a:buChar char="•"/>
+            </a:pPr>
+            <a:r>
+              <a:rPr lang="es-ES" sz="2000" dirty="0" err="1" smtClean="0">
+                <a:solidFill>
+                  <a:schemeClr val="tx2">
+                    <a:lumMod val="75000"/>
+                  </a:schemeClr>
+                </a:solidFill>
+              </a:rPr>
+              <a:t>iText</a:t>
+            </a:r>
+            <a:endParaRPr lang="es-ES" sz="2000" dirty="0" smtClean="0">
+              <a:solidFill>
+                <a:schemeClr val="tx2">
+                  <a:lumMod val="75000"/>
+                </a:schemeClr>
+              </a:solidFill>
+            </a:endParaRPr>
+          </a:p>
+          <a:p>
+            <a:pPr marL="1071563" lvl="1" indent="-457200" algn="just" defTabSz="914400">
+              <a:spcBef>
+                <a:spcPts val="600"/>
+              </a:spcBef>
+              <a:buClr>
+                <a:srgbClr val="274F5F"/>
+              </a:buClr>
+              <a:buSzPct val="90000"/>
+              <a:buFont typeface="Arial" pitchFamily="34" charset="0"/>
+              <a:buChar char="•"/>
+            </a:pPr>
+            <a:r>
+              <a:rPr lang="es-ES" sz="2000" dirty="0" smtClean="0">
+                <a:solidFill>
+                  <a:schemeClr val="tx2">
+                    <a:lumMod val="75000"/>
+                  </a:schemeClr>
+                </a:solidFill>
+              </a:rPr>
+              <a:t>RMI</a:t>
+            </a:r>
+          </a:p>
+          <a:p>
+            <a:pPr marL="1071563" lvl="1" indent="-457200" algn="just" defTabSz="914400">
+              <a:spcBef>
+                <a:spcPts val="600"/>
+              </a:spcBef>
+              <a:buClr>
+                <a:srgbClr val="274F5F"/>
+              </a:buClr>
+              <a:buSzPct val="90000"/>
+              <a:buFont typeface="Arial" pitchFamily="34" charset="0"/>
+              <a:buChar char="•"/>
+            </a:pPr>
+            <a:r>
+              <a:rPr lang="es-ES" sz="2000" dirty="0" err="1" smtClean="0">
+                <a:solidFill>
+                  <a:schemeClr val="tx2">
+                    <a:lumMod val="75000"/>
+                  </a:schemeClr>
+                </a:solidFill>
+              </a:rPr>
+              <a:t>JFreeChart</a:t>
+            </a:r>
+            <a:endParaRPr lang="es-ES" sz="2000" dirty="0" smtClean="0">
+              <a:solidFill>
+                <a:schemeClr val="tx2">
+                  <a:lumMod val="75000"/>
+                </a:schemeClr>
+              </a:solidFill>
+            </a:endParaRPr>
+          </a:p>
+        </p:txBody>
+      </p:sp>
+    </p:spTree>
+    <p:extLst>
+      <p:ext uri="{BB962C8B-B14F-4D97-AF65-F5344CB8AC3E}">
+        <p14:creationId xmlns:p14="http://schemas.microsoft.com/office/powerpoint/2010/main" val="3820200301"/>
+      </p:ext>
+    </p:extLst>
+  </p:cSld>
+  <p:clrMapOvr>
+    <a:masterClrMapping/>
+  </p:clrMapOvr>
+  <p:timing>
+    <p:tnLst>
+      <p:par>
+        <p:cTn id="1" dur="indefinite" restart="never" nodeType="tmRoot"/>
+      </p:par>
+    </p:tnLst>
+  </p:timing>
+</p:sld>
+</file>
+
+<file path=ppt/slides/slide23.xml><?xml version="1.0" encoding="utf-8"?>
+<p:sld xmlns:a="http://schemas.openxmlformats.org/drawingml/2006/main" xmlns:r="http://schemas.openxmlformats.org/officeDocument/2006/relationships" xmlns:p="http://schemas.openxmlformats.org/presentationml/2006/main">
+  <p:cSld>
+    <p:spTree>
+      <p:nvGrpSpPr>
+        <p:cNvPr id="1" name=""/>
+        <p:cNvGrpSpPr/>
+        <p:nvPr/>
+      </p:nvGrpSpPr>
+      <p:grpSpPr>
+        <a:xfrm>
+          <a:off x="0" y="0"/>
+          <a:ext cx="0" cy="0"/>
+          <a:chOff x="0" y="0"/>
+          <a:chExt cx="0" cy="0"/>
+        </a:xfrm>
+      </p:grpSpPr>
+      <p:sp>
+        <p:nvSpPr>
           <p:cNvPr id="2" name="1 Título"/>
           <p:cNvSpPr>
             <a:spLocks noGrp="1"/>
@@ -19673,299 +25439,7 @@
 </p:sld>
 </file>
 
-<file path=ppt/slides/slide2.xml><?xml version="1.0" encoding="utf-8"?>
-<p:sld xmlns:a="http://schemas.openxmlformats.org/drawingml/2006/main" xmlns:r="http://schemas.openxmlformats.org/officeDocument/2006/relationships" xmlns:p="http://schemas.openxmlformats.org/presentationml/2006/main">
-  <p:cSld>
-    <p:spTree>
-      <p:nvGrpSpPr>
-        <p:cNvPr id="1" name=""/>
-        <p:cNvGrpSpPr/>
-        <p:nvPr/>
-      </p:nvGrpSpPr>
-      <p:grpSpPr>
-        <a:xfrm>
-          <a:off x="0" y="0"/>
-          <a:ext cx="0" cy="0"/>
-          <a:chOff x="0" y="0"/>
-          <a:chExt cx="0" cy="0"/>
-        </a:xfrm>
-      </p:grpSpPr>
-      <p:sp>
-        <p:nvSpPr>
-          <p:cNvPr id="2" name="1 Título"/>
-          <p:cNvSpPr>
-            <a:spLocks noGrp="1"/>
-          </p:cNvSpPr>
-          <p:nvPr>
-            <p:ph type="title"/>
-          </p:nvPr>
-        </p:nvSpPr>
-        <p:spPr>
-          <a:prstGeom prst="rect">
-            <a:avLst/>
-          </a:prstGeom>
-        </p:spPr>
-        <p:txBody>
-          <a:bodyPr>
-            <a:normAutofit fontScale="90000"/>
-          </a:bodyPr>
-          <a:lstStyle/>
-          <a:p>
-            <a:r>
-              <a:rPr lang="es-ES" dirty="0" smtClean="0"/>
-              <a:t>TABLA DE CONTENIDO</a:t>
-            </a:r>
-            <a:endParaRPr lang="es-ES" dirty="0"/>
-          </a:p>
-        </p:txBody>
-      </p:sp>
-      <p:sp>
-        <p:nvSpPr>
-          <p:cNvPr id="3" name="2 Marcador de fecha"/>
-          <p:cNvSpPr>
-            <a:spLocks noGrp="1"/>
-          </p:cNvSpPr>
-          <p:nvPr>
-            <p:ph type="dt" sz="half" idx="10"/>
-          </p:nvPr>
-        </p:nvSpPr>
-        <p:spPr>
-          <a:xfrm>
-            <a:off x="457200" y="6356352"/>
-            <a:ext cx="2133600" cy="365125"/>
-          </a:xfrm>
-        </p:spPr>
-        <p:txBody>
-          <a:bodyPr/>
-          <a:lstStyle/>
-          <a:p>
-            <a:fld id="{01AF5EEA-DD12-40AE-8F67-5219965C361E}" type="datetime1">
-              <a:rPr lang="es-ES" smtClean="0"/>
-              <a:t>23/01/2012</a:t>
-            </a:fld>
-            <a:endParaRPr lang="es-ES"/>
-          </a:p>
-        </p:txBody>
-      </p:sp>
-      <p:sp>
-        <p:nvSpPr>
-          <p:cNvPr id="5" name="4 Marcador de número de diapositiva"/>
-          <p:cNvSpPr>
-            <a:spLocks noGrp="1"/>
-          </p:cNvSpPr>
-          <p:nvPr>
-            <p:ph type="sldNum" sz="quarter" idx="12"/>
-          </p:nvPr>
-        </p:nvSpPr>
-        <p:spPr>
-          <a:xfrm>
-            <a:off x="6553200" y="6356352"/>
-            <a:ext cx="2133600" cy="365125"/>
-          </a:xfrm>
-        </p:spPr>
-        <p:txBody>
-          <a:bodyPr/>
-          <a:lstStyle/>
-          <a:p>
-            <a:fld id="{2E16987B-1223-45F3-900E-A014D2035EDD}" type="slidenum">
-              <a:rPr lang="es-ES" smtClean="0"/>
-              <a:t>2</a:t>
-            </a:fld>
-            <a:endParaRPr lang="es-ES"/>
-          </a:p>
-        </p:txBody>
-      </p:sp>
-      <p:sp>
-        <p:nvSpPr>
-          <p:cNvPr id="6" name="5 Rectángulo"/>
-          <p:cNvSpPr/>
-          <p:nvPr/>
-        </p:nvSpPr>
-        <p:spPr>
-          <a:xfrm>
-            <a:off x="1259632" y="1619447"/>
-            <a:ext cx="7200800" cy="3590727"/>
-          </a:xfrm>
-          <a:prstGeom prst="rect">
-            <a:avLst/>
-          </a:prstGeom>
-        </p:spPr>
-        <p:txBody>
-          <a:bodyPr wrap="square">
-            <a:spAutoFit/>
-          </a:bodyPr>
-          <a:lstStyle/>
-          <a:p>
-            <a:pPr marL="457200" indent="-457200" defTabSz="914400">
-              <a:spcBef>
-                <a:spcPts val="2000"/>
-              </a:spcBef>
-              <a:buClr>
-                <a:srgbClr val="274F5F"/>
-              </a:buClr>
-              <a:buSzPct val="90000"/>
-              <a:buFont typeface="+mj-lt"/>
-              <a:buAutoNum type="arabicPeriod"/>
-            </a:pPr>
-            <a:r>
-              <a:rPr lang="es-ES" sz="2400" dirty="0">
-                <a:solidFill>
-                  <a:schemeClr val="tx2">
-                    <a:lumMod val="75000"/>
-                  </a:schemeClr>
-                </a:solidFill>
-              </a:rPr>
-              <a:t>Introducción</a:t>
-            </a:r>
-          </a:p>
-          <a:p>
-            <a:pPr marL="457200" indent="-457200" defTabSz="914400">
-              <a:spcBef>
-                <a:spcPts val="2000"/>
-              </a:spcBef>
-              <a:buClr>
-                <a:srgbClr val="274F5F"/>
-              </a:buClr>
-              <a:buSzPct val="90000"/>
-              <a:buFont typeface="+mj-lt"/>
-              <a:buAutoNum type="arabicPeriod"/>
-            </a:pPr>
-            <a:r>
-              <a:rPr lang="es-ES" sz="2400" dirty="0">
-                <a:solidFill>
-                  <a:schemeClr val="tx2">
-                    <a:lumMod val="75000"/>
-                  </a:schemeClr>
-                </a:solidFill>
-              </a:rPr>
-              <a:t>Objetivos</a:t>
-            </a:r>
-          </a:p>
-          <a:p>
-            <a:pPr marL="457200" indent="-457200" defTabSz="914400">
-              <a:spcBef>
-                <a:spcPts val="2000"/>
-              </a:spcBef>
-              <a:buClr>
-                <a:srgbClr val="274F5F"/>
-              </a:buClr>
-              <a:buSzPct val="90000"/>
-              <a:buFont typeface="+mj-lt"/>
-              <a:buAutoNum type="arabicPeriod"/>
-            </a:pPr>
-            <a:r>
-              <a:rPr lang="es-ES" sz="2400" dirty="0">
-                <a:solidFill>
-                  <a:schemeClr val="tx2">
-                    <a:lumMod val="75000"/>
-                  </a:schemeClr>
-                </a:solidFill>
-              </a:rPr>
-              <a:t>Antecedentes, estado del arte</a:t>
-            </a:r>
-          </a:p>
-          <a:p>
-            <a:pPr marL="457200" indent="-457200" defTabSz="914400">
-              <a:spcBef>
-                <a:spcPts val="2000"/>
-              </a:spcBef>
-              <a:buClr>
-                <a:srgbClr val="274F5F"/>
-              </a:buClr>
-              <a:buSzPct val="90000"/>
-              <a:buFont typeface="+mj-lt"/>
-              <a:buAutoNum type="arabicPeriod"/>
-            </a:pPr>
-            <a:r>
-              <a:rPr lang="es-ES" sz="2400" dirty="0">
-                <a:solidFill>
-                  <a:schemeClr val="tx2">
-                    <a:lumMod val="75000"/>
-                  </a:schemeClr>
-                </a:solidFill>
-              </a:rPr>
-              <a:t>Método y fases de trabajo</a:t>
-            </a:r>
-          </a:p>
-          <a:p>
-            <a:pPr marL="457200" indent="-457200" defTabSz="914400">
-              <a:spcBef>
-                <a:spcPts val="2000"/>
-              </a:spcBef>
-              <a:buClr>
-                <a:srgbClr val="274F5F"/>
-              </a:buClr>
-              <a:buSzPct val="90000"/>
-              <a:buFont typeface="+mj-lt"/>
-              <a:buAutoNum type="arabicPeriod"/>
-            </a:pPr>
-            <a:r>
-              <a:rPr lang="es-ES" sz="2400" dirty="0">
-                <a:solidFill>
-                  <a:schemeClr val="tx2">
-                    <a:lumMod val="75000"/>
-                  </a:schemeClr>
-                </a:solidFill>
-              </a:rPr>
-              <a:t>Resultado</a:t>
-            </a:r>
-          </a:p>
-          <a:p>
-            <a:pPr marL="457200" indent="-457200" defTabSz="914400">
-              <a:spcBef>
-                <a:spcPts val="2000"/>
-              </a:spcBef>
-              <a:buClr>
-                <a:srgbClr val="274F5F"/>
-              </a:buClr>
-              <a:buSzPct val="90000"/>
-              <a:buFont typeface="+mj-lt"/>
-              <a:buAutoNum type="arabicPeriod"/>
-            </a:pPr>
-            <a:r>
-              <a:rPr lang="es-ES" sz="2400" dirty="0">
-                <a:solidFill>
-                  <a:schemeClr val="tx2">
-                    <a:lumMod val="75000"/>
-                  </a:schemeClr>
-                </a:solidFill>
-              </a:rPr>
-              <a:t>Conclusiones y trabajo futur</a:t>
-            </a:r>
-            <a:r>
-              <a:rPr lang="es-ES" sz="2400" dirty="0">
-                <a:solidFill>
-                  <a:schemeClr val="tx2">
-                    <a:lumMod val="75000"/>
-                  </a:schemeClr>
-                </a:solidFill>
-              </a:rPr>
-              <a:t>o</a:t>
-            </a:r>
-          </a:p>
-        </p:txBody>
-      </p:sp>
-    </p:spTree>
-    <p:extLst>
-      <p:ext uri="{BB962C8B-B14F-4D97-AF65-F5344CB8AC3E}">
-        <p14:creationId xmlns:p14="http://schemas.microsoft.com/office/powerpoint/2010/main" val="1775060515"/>
-      </p:ext>
-    </p:extLst>
-  </p:cSld>
-  <p:clrMapOvr>
-    <a:masterClrMapping/>
-  </p:clrMapOvr>
-  <p:timing>
-    <p:tnLst>
-      <p:par>
-        <p:cTn id="1" dur="indefinite" restart="never" nodeType="tmRoot"/>
-      </p:par>
-    </p:tnLst>
-  </p:timing>
-</p:sld>
-</file>
-
-<file path=ppt/slides/slide20.xml><?xml version="1.0" encoding="utf-8"?>
+<file path=ppt/slides/slide24.xml><?xml version="1.0" encoding="utf-8"?>
 <p:sld xmlns:a="http://schemas.openxmlformats.org/drawingml/2006/main" xmlns:r="http://schemas.openxmlformats.org/officeDocument/2006/relationships" xmlns:p="http://schemas.openxmlformats.org/presentationml/2006/main">
   <p:cSld>
     <p:spTree>
@@ -20115,7 +25589,7 @@
           <p:nvPr/>
         </p:nvPicPr>
         <p:blipFill>
-          <a:blip r:embed="rId2" cstate="print">
+          <a:blip r:embed="rId3" cstate="print">
             <a:extLst>
               <a:ext uri="{28A0092B-C50C-407E-A947-70E740481C1C}">
                 <a14:useLocalDpi xmlns:a14="http://schemas.microsoft.com/office/drawing/2010/main" val="0"/>
@@ -20201,7 +25675,7 @@
           <a:p>
             <a:fld id="{273BB294-DEFA-4617-B3B3-CF6ACB1E4094}" type="datetime1">
               <a:rPr lang="es-ES" smtClean="0"/>
-              <a:t>23/01/2012</a:t>
+              <a:t>24/01/2012</a:t>
             </a:fld>
             <a:endParaRPr lang="es-ES" dirty="0"/>
           </a:p>
@@ -21984,7 +27458,7 @@
           <a:p>
             <a:fld id="{273BB294-DEFA-4617-B3B3-CF6ACB1E4094}" type="datetime1">
               <a:rPr lang="es-ES" smtClean="0"/>
-              <a:t>23/01/2012</a:t>
+              <a:t>24/01/2012</a:t>
             </a:fld>
             <a:endParaRPr lang="es-ES" dirty="0"/>
           </a:p>
@@ -23086,7 +28560,7 @@
           <a:p>
             <a:fld id="{273BB294-DEFA-4617-B3B3-CF6ACB1E4094}" type="datetime1">
               <a:rPr lang="es-ES" smtClean="0"/>
-              <a:t>23/01/2012</a:t>
+              <a:t>24/01/2012</a:t>
             </a:fld>
             <a:endParaRPr lang="es-ES" dirty="0"/>
           </a:p>
@@ -24121,7 +29595,7 @@
           <a:p>
             <a:fld id="{273BB294-DEFA-4617-B3B3-CF6ACB1E4094}" type="datetime1">
               <a:rPr lang="es-ES" smtClean="0"/>
-              <a:t>23/01/2012</a:t>
+              <a:t>24/01/2012</a:t>
             </a:fld>
             <a:endParaRPr lang="es-ES" dirty="0"/>
           </a:p>
@@ -24858,55 +30332,8 @@
                   </a:schemeClr>
                 </a:solidFill>
               </a:rPr>
-              <a:t>omunicación</a:t>
-            </a:r>
-            <a:r>
-              <a:rPr lang="es-ES" sz="2400" b="1" dirty="0" smtClean="0">
-                <a:solidFill>
-                  <a:schemeClr val="tx2">
-                    <a:lumMod val="75000"/>
-                  </a:schemeClr>
-                </a:solidFill>
-              </a:rPr>
-              <a:t>, </a:t>
-            </a:r>
-            <a:r>
-              <a:rPr lang="es-ES" sz="2400" b="1" dirty="0" smtClean="0">
-                <a:solidFill>
-                  <a:schemeClr val="tx2">
-                    <a:lumMod val="75000"/>
-                  </a:schemeClr>
-                </a:solidFill>
-              </a:rPr>
-              <a:t>Control </a:t>
-            </a:r>
-            <a:r>
-              <a:rPr lang="es-ES" sz="2400" b="1" dirty="0" smtClean="0">
-                <a:solidFill>
-                  <a:schemeClr val="tx2">
-                    <a:lumMod val="75000"/>
-                  </a:schemeClr>
-                </a:solidFill>
-              </a:rPr>
-              <a:t>y </a:t>
-            </a:r>
-            <a:r>
-              <a:rPr lang="es-ES" sz="2400" b="1" dirty="0" smtClean="0">
-                <a:solidFill>
-                  <a:schemeClr val="tx2">
-                    <a:lumMod val="75000"/>
-                  </a:schemeClr>
-                </a:solidFill>
-              </a:rPr>
-              <a:t>Coordinación</a:t>
-            </a:r>
-            <a:endParaRPr lang="es-ES" sz="2400" b="1" dirty="0" smtClean="0">
-              <a:solidFill>
-                <a:schemeClr val="tx2">
-                  <a:lumMod val="75000"/>
-                </a:schemeClr>
-              </a:solidFill>
-            </a:endParaRPr>
+              <a:t>omunicación, Control y Coordinación</a:t>
+            </a:r>
           </a:p>
         </p:txBody>
       </p:sp>
@@ -24960,25 +30387,8 @@
                   </a:schemeClr>
                 </a:solidFill>
               </a:rPr>
-              <a:t>Gestión de </a:t>
-            </a:r>
-            <a:r>
-              <a:rPr lang="es-ES" sz="2400" b="1" dirty="0" smtClean="0">
-                <a:solidFill>
-                  <a:schemeClr val="tx2">
-                    <a:lumMod val="75000"/>
-                  </a:schemeClr>
-                </a:solidFill>
-              </a:rPr>
-              <a:t>Conocimiento y Decisiones</a:t>
-            </a:r>
-            <a:endParaRPr lang="es-ES" sz="2400" b="1" dirty="0" smtClean="0">
-              <a:solidFill>
-                <a:schemeClr val="tx2">
-                  <a:lumMod val="75000"/>
-                </a:schemeClr>
-              </a:solidFill>
-            </a:endParaRPr>
+              <a:t>Gestión de Conocimiento y Decisiones</a:t>
+            </a:r>
           </a:p>
         </p:txBody>
       </p:sp>
@@ -26376,7 +31786,7 @@
           <a:p>
             <a:fld id="{273BB294-DEFA-4617-B3B3-CF6ACB1E4094}" type="datetime1">
               <a:rPr lang="es-ES" smtClean="0"/>
-              <a:t>23/01/2012</a:t>
+              <a:t>24/01/2012</a:t>
             </a:fld>
             <a:endParaRPr lang="es-ES" dirty="0"/>
           </a:p>
@@ -27161,13 +32571,6 @@
               </a:rPr>
               <a:t>DGS.</a:t>
             </a:r>
-            <a:endParaRPr lang="es-ES" sz="2400" b="1" dirty="0" smtClean="0">
-              <a:solidFill>
-                <a:schemeClr val="tx2">
-                  <a:lumMod val="75000"/>
-                </a:schemeClr>
-              </a:solidFill>
-            </a:endParaRPr>
           </a:p>
         </p:txBody>
       </p:sp>
@@ -27720,7 +33123,7 @@
           <p:nvPr/>
         </p:nvPicPr>
         <p:blipFill>
-          <a:blip r:embed="rId2" cstate="print">
+          <a:blip r:embed="rId3" cstate="print">
             <a:extLst>
               <a:ext uri="{28A0092B-C50C-407E-A947-70E740481C1C}">
                 <a14:useLocalDpi xmlns:a14="http://schemas.microsoft.com/office/drawing/2010/main" val="0"/>

--- a/trunk/PFC/Presentacion/PresentacionPFC.pptx
+++ b/trunk/PFC/Presentacion/PresentacionPFC.pptx
@@ -5,10 +5,10 @@
     <p:sldMasterId id="2147483648" r:id="rId1"/>
   </p:sldMasterIdLst>
   <p:notesMasterIdLst>
-    <p:notesMasterId r:id="rId26"/>
+    <p:notesMasterId r:id="rId30"/>
   </p:notesMasterIdLst>
   <p:handoutMasterIdLst>
-    <p:handoutMasterId r:id="rId27"/>
+    <p:handoutMasterId r:id="rId31"/>
   </p:handoutMasterIdLst>
   <p:sldIdLst>
     <p:sldId id="256" r:id="rId2"/>
@@ -34,7 +34,11 @@
     <p:sldId id="280" r:id="rId22"/>
     <p:sldId id="281" r:id="rId23"/>
     <p:sldId id="265" r:id="rId24"/>
-    <p:sldId id="266" r:id="rId25"/>
+    <p:sldId id="284" r:id="rId25"/>
+    <p:sldId id="266" r:id="rId26"/>
+    <p:sldId id="283" r:id="rId27"/>
+    <p:sldId id="285" r:id="rId28"/>
+    <p:sldId id="286" r:id="rId29"/>
   </p:sldIdLst>
   <p:sldSz cx="9144000" cy="6858000" type="screen4x3"/>
   <p:notesSz cx="6858000" cy="9144000"/>
@@ -6311,15 +6315,7 @@
             </a:r>
             <a:r>
               <a:rPr lang="es-ES" baseline="0" dirty="0" smtClean="0"/>
-              <a:t> así como también se listarán las tecnologías y herramientas utilizadas </a:t>
-            </a:r>
-            <a:r>
-              <a:rPr lang="es-ES" baseline="0" smtClean="0"/>
-              <a:t>para el </a:t>
-            </a:r>
-            <a:r>
-              <a:rPr lang="es-ES" baseline="0" dirty="0" smtClean="0"/>
-              <a:t>desarrollo del PFC</a:t>
+              <a:t> así como también se listarán las tecnologías y herramientas utilizadas para el desarrollo del PFC</a:t>
             </a:r>
             <a:endParaRPr lang="es-ES" dirty="0" smtClean="0"/>
           </a:p>
@@ -6423,6 +6419,81 @@
           <a:lstStyle/>
           <a:p>
             <a:pPr marL="285750" indent="-285750">
+              <a:spcBef>
+                <a:spcPct val="0"/>
+              </a:spcBef>
+              <a:buFontTx/>
+              <a:buChar char="-"/>
+            </a:pPr>
+            <a:r>
+              <a:rPr lang="es-ES" dirty="0" smtClean="0"/>
+              <a:t>La metodología de desarrollo que se ha seleccionado para desarrollar DPMTool</a:t>
+            </a:r>
+            <a:r>
+              <a:rPr lang="es-ES" baseline="0" dirty="0" smtClean="0"/>
+              <a:t> </a:t>
+            </a:r>
+            <a:r>
+              <a:rPr lang="es-ES" dirty="0" smtClean="0"/>
+              <a:t>ha sido el Proceso Unificado de Desarrollo, de ahora en adelante PUD.</a:t>
+            </a:r>
+          </a:p>
+          <a:p>
+            <a:pPr marL="285750" indent="-285750">
+              <a:spcBef>
+                <a:spcPct val="0"/>
+              </a:spcBef>
+              <a:buFontTx/>
+              <a:buChar char="-"/>
+            </a:pPr>
+            <a:r>
+              <a:rPr lang="es-ES" dirty="0" smtClean="0"/>
+              <a:t>La razón de seleccionar esta metodología frente a otras posibilidades reside en que es ampliamente utilizada en desarrollos, y por mi propia experiencia con dicha metodología. </a:t>
+            </a:r>
+          </a:p>
+          <a:p>
+            <a:pPr marL="285750" indent="-285750">
+              <a:spcBef>
+                <a:spcPct val="0"/>
+              </a:spcBef>
+              <a:buFontTx/>
+              <a:buChar char="-"/>
+            </a:pPr>
+            <a:r>
+              <a:rPr lang="es-ES" dirty="0" smtClean="0"/>
+              <a:t>Esta metodología es potente en tanto en cuanto permite hacer frente a todos los detalles del desarrollo pero sin ser excesivamente pesada como pueda ser la española METRICA V3. </a:t>
+            </a:r>
+          </a:p>
+          <a:p>
+            <a:pPr marL="285750" indent="-285750">
+              <a:spcBef>
+                <a:spcPct val="0"/>
+              </a:spcBef>
+              <a:buFontTx/>
+              <a:buChar char="-"/>
+            </a:pPr>
+            <a:endParaRPr lang="es-ES" dirty="0" smtClean="0"/>
+          </a:p>
+          <a:p>
+            <a:pPr marL="285750" indent="-285750">
+              <a:spcBef>
+                <a:spcPct val="0"/>
+              </a:spcBef>
+              <a:buFontTx/>
+              <a:buChar char="-"/>
+            </a:pPr>
+            <a:r>
+              <a:rPr lang="es-ES" dirty="0" smtClean="0"/>
+              <a:t>El</a:t>
+            </a:r>
+            <a:r>
+              <a:rPr lang="es-ES" baseline="0" dirty="0" smtClean="0"/>
+              <a:t> PUD puede definirse como un ...</a:t>
+            </a:r>
+            <a:endParaRPr lang="es-ES" dirty="0" smtClean="0"/>
+          </a:p>
+          <a:p>
+            <a:pPr marL="285750" indent="-285750">
               <a:buFontTx/>
               <a:buChar char="-"/>
             </a:pPr>
@@ -6689,9 +6760,59 @@
           <a:lstStyle/>
           <a:p>
             <a:pPr marL="285750" indent="-285750">
+              <a:spcBef>
+                <a:spcPct val="0"/>
+              </a:spcBef>
               <a:buFontTx/>
               <a:buChar char="-"/>
             </a:pPr>
+            <a:r>
+              <a:rPr lang="es-ES" dirty="0" smtClean="0"/>
+              <a:t>Las características del PUD es qu</a:t>
+            </a:r>
+            <a:r>
+              <a:rPr lang="es-ES" baseline="0" dirty="0" smtClean="0"/>
+              <a:t>e es:</a:t>
+            </a:r>
+          </a:p>
+          <a:p>
+            <a:pPr marL="822183" lvl="1" indent="-285750">
+              <a:spcBef>
+                <a:spcPct val="0"/>
+              </a:spcBef>
+              <a:buFont typeface="Arial" charset="0"/>
+              <a:buChar char="•"/>
+            </a:pPr>
+            <a:r>
+              <a:rPr lang="es-ES" baseline="0" dirty="0" smtClean="0"/>
+              <a:t>Dirigido por casos de uso, es decir, los casos de uso dirigen el desarrollo del sistema  </a:t>
+            </a:r>
+          </a:p>
+          <a:p>
+            <a:pPr marL="822183" lvl="1" indent="-285750">
+              <a:spcBef>
+                <a:spcPct val="0"/>
+              </a:spcBef>
+              <a:buFont typeface="Arial" charset="0"/>
+              <a:buChar char="•"/>
+            </a:pPr>
+            <a:r>
+              <a:rPr lang="es-ES" baseline="0" dirty="0" smtClean="0"/>
+              <a:t>Centrada en la arquitectura, para dar soporte a los casos de uso</a:t>
+            </a:r>
+          </a:p>
+          <a:p>
+            <a:pPr marL="822183" lvl="1" indent="-285750">
+              <a:spcBef>
+                <a:spcPct val="0"/>
+              </a:spcBef>
+              <a:buFont typeface="Arial" charset="0"/>
+              <a:buChar char="•"/>
+            </a:pPr>
+            <a:r>
+              <a:rPr lang="es-ES" baseline="0" dirty="0" smtClean="0"/>
+              <a:t>Iterativo e incremental: el desarrollo se divide en iteraciones, donde al desarrollar los casos de uso planificados para cada iteración, se van obteniendo incrementos en la funcionalidad del sistema.</a:t>
+            </a:r>
             <a:endParaRPr lang="es-ES" dirty="0"/>
           </a:p>
         </p:txBody>
@@ -6777,6 +6898,211 @@
           <a:lstStyle/>
           <a:p>
             <a:pPr marL="285750" indent="-285750">
+              <a:spcBef>
+                <a:spcPct val="0"/>
+              </a:spcBef>
+              <a:buFontTx/>
+              <a:buChar char="-"/>
+            </a:pPr>
+            <a:r>
+              <a:rPr lang="es-ES" dirty="0" smtClean="0"/>
+              <a:t>PUD divide el proceso de desarrollo en 4 fases: Inicio, Elaboración, Construcción y Transición; que a su vez se dividen en una conjunto de iteraciones. Además, cada una de estas iteraciones se divide en una serie de flujos de trabajo: requisitos,</a:t>
+            </a:r>
+            <a:r>
+              <a:rPr lang="es-ES" baseline="0" dirty="0" smtClean="0"/>
+              <a:t> </a:t>
+            </a:r>
+            <a:r>
+              <a:rPr lang="es-ES" dirty="0" smtClean="0"/>
+              <a:t>análisis, diseño, implementación y pruebas,</a:t>
+            </a:r>
+            <a:r>
+              <a:rPr lang="es-ES" baseline="0" dirty="0" smtClean="0"/>
+              <a:t> con mayor o menor influencia según la iteración.</a:t>
+            </a:r>
+            <a:endParaRPr lang="es-ES" dirty="0" smtClean="0"/>
+          </a:p>
+          <a:p>
+            <a:pPr marL="285750" indent="-285750">
+              <a:spcBef>
+                <a:spcPct val="0"/>
+              </a:spcBef>
+              <a:buFontTx/>
+              <a:buChar char="-"/>
+            </a:pPr>
+            <a:endParaRPr lang="es-ES" dirty="0" smtClean="0"/>
+          </a:p>
+          <a:p>
+            <a:pPr marL="285750" indent="-285750">
+              <a:spcBef>
+                <a:spcPct val="0"/>
+              </a:spcBef>
+              <a:buFontTx/>
+              <a:buChar char="-"/>
+            </a:pPr>
+            <a:r>
+              <a:rPr lang="es-ES" dirty="0" smtClean="0"/>
+              <a:t>Así,</a:t>
+            </a:r>
+            <a:r>
+              <a:rPr lang="es-ES" baseline="0" dirty="0" smtClean="0"/>
+              <a:t> en cada fase se realizan una serie de tareas, dependiendo de la iteración donde nos encontremos, obteniendo una serie de artefactos. </a:t>
+            </a:r>
+          </a:p>
+          <a:p>
+            <a:pPr marL="285750" indent="-285750">
+              <a:spcBef>
+                <a:spcPct val="0"/>
+              </a:spcBef>
+              <a:buFontTx/>
+              <a:buChar char="-"/>
+            </a:pPr>
+            <a:endParaRPr lang="es-ES" baseline="0" dirty="0" smtClean="0"/>
+          </a:p>
+          <a:p>
+            <a:pPr marL="822183" lvl="1" indent="-285750">
+              <a:spcBef>
+                <a:spcPct val="0"/>
+              </a:spcBef>
+              <a:buFont typeface="Arial" charset="0"/>
+              <a:buChar char="•"/>
+            </a:pPr>
+            <a:r>
+              <a:rPr lang="es-ES" baseline="0" dirty="0" smtClean="0"/>
+              <a:t>Inicio: </a:t>
+            </a:r>
+            <a:r>
+              <a:rPr lang="es-ES" sz="1400" b="0" i="0" u="none" strike="noStrike" kern="1200" baseline="0" dirty="0" smtClean="0">
+                <a:solidFill>
+                  <a:schemeClr val="tx1"/>
+                </a:solidFill>
+                <a:latin typeface="+mn-lt"/>
+                <a:ea typeface="+mn-ea"/>
+                <a:cs typeface="+mn-cs"/>
+              </a:rPr>
+              <a:t>se determina el alcance del proyecto, su viabilidad, riesgos potenciales y donde se realiza una planificación del proyecto. Normalmente, esta fase abarca una única Iteración. </a:t>
+            </a:r>
+          </a:p>
+          <a:p>
+            <a:pPr marL="822183" lvl="1" indent="-285750">
+              <a:spcBef>
+                <a:spcPct val="0"/>
+              </a:spcBef>
+              <a:buFont typeface="Arial" charset="0"/>
+              <a:buChar char="•"/>
+            </a:pPr>
+            <a:r>
+              <a:rPr lang="es-ES" sz="1400" b="0" i="0" u="none" strike="noStrike" kern="1200" baseline="0" dirty="0" smtClean="0">
+                <a:solidFill>
+                  <a:schemeClr val="tx1"/>
+                </a:solidFill>
+                <a:latin typeface="+mn-lt"/>
+                <a:ea typeface="+mn-ea"/>
+                <a:cs typeface="+mn-cs"/>
+              </a:rPr>
+              <a:t>Elaboración: se especifican en detalle la mayoría de los casos de uso identificados en la fase de inicio y se diseña la arquitectura del sistema, obteniendo la línea base de la arquitectura. </a:t>
+            </a:r>
+          </a:p>
+          <a:p>
+            <a:pPr marL="822183" lvl="1" indent="-285750">
+              <a:spcBef>
+                <a:spcPct val="0"/>
+              </a:spcBef>
+              <a:buFont typeface="Arial" charset="0"/>
+              <a:buChar char="•"/>
+            </a:pPr>
+            <a:r>
+              <a:rPr lang="es-ES" sz="1400" b="0" i="0" u="none" strike="noStrike" kern="1200" baseline="0" dirty="0" smtClean="0">
+                <a:solidFill>
+                  <a:schemeClr val="tx1"/>
+                </a:solidFill>
+                <a:latin typeface="+mn-lt"/>
+                <a:ea typeface="+mn-ea"/>
+                <a:cs typeface="+mn-cs"/>
+              </a:rPr>
+              <a:t>Construcción: En la fase de construcción es donde se lleva a cabo la implementación de cada una de las iteraciones en las que se ha dividido el desarrollo del producto software, a partir de los artefactos generados en la fase de elaboración. </a:t>
+            </a:r>
+          </a:p>
+          <a:p>
+            <a:pPr marL="822183" lvl="1" indent="-285750">
+              <a:spcBef>
+                <a:spcPct val="0"/>
+              </a:spcBef>
+              <a:buFont typeface="Arial" charset="0"/>
+              <a:buChar char="•"/>
+            </a:pPr>
+            <a:r>
+              <a:rPr lang="es-ES" sz="1400" b="0" i="0" u="none" strike="noStrike" kern="1200" baseline="0" dirty="0" smtClean="0">
+                <a:solidFill>
+                  <a:schemeClr val="tx1"/>
+                </a:solidFill>
+                <a:latin typeface="+mn-lt"/>
+                <a:ea typeface="+mn-ea"/>
+                <a:cs typeface="+mn-cs"/>
+              </a:rPr>
+              <a:t>Transición: el producto se convierte en una versión beta, es decir, se procede a su implantación pero se seguirá probando y, quizás, incrementando su funcionalidad</a:t>
+            </a:r>
+            <a:endParaRPr lang="es-ES" sz="1600" b="0" i="0" u="none" strike="noStrike" kern="1200" baseline="0" dirty="0" smtClean="0">
+              <a:solidFill>
+                <a:schemeClr val="tx1"/>
+              </a:solidFill>
+              <a:latin typeface="+mn-lt"/>
+              <a:ea typeface="+mn-ea"/>
+              <a:cs typeface="+mn-cs"/>
+            </a:endParaRPr>
+          </a:p>
+          <a:p>
+            <a:pPr marL="822183" lvl="1" indent="-285750">
+              <a:spcBef>
+                <a:spcPct val="0"/>
+              </a:spcBef>
+              <a:buFont typeface="Arial" charset="0"/>
+              <a:buChar char="•"/>
+            </a:pPr>
+            <a:endParaRPr lang="es-ES" sz="1400" b="0" i="0" u="none" strike="noStrike" kern="1200" baseline="0" dirty="0" smtClean="0">
+              <a:solidFill>
+                <a:schemeClr val="tx1"/>
+              </a:solidFill>
+              <a:latin typeface="+mn-lt"/>
+              <a:ea typeface="+mn-ea"/>
+              <a:cs typeface="+mn-cs"/>
+            </a:endParaRPr>
+          </a:p>
+          <a:p>
+            <a:endParaRPr lang="es-ES" sz="1400" b="0" i="0" u="none" strike="noStrike" kern="1200" baseline="0" dirty="0" smtClean="0">
+              <a:solidFill>
+                <a:schemeClr val="tx1"/>
+              </a:solidFill>
+              <a:latin typeface="+mn-lt"/>
+              <a:ea typeface="+mn-ea"/>
+              <a:cs typeface="+mn-cs"/>
+            </a:endParaRPr>
+          </a:p>
+          <a:p>
+            <a:endParaRPr lang="es-ES" sz="1400" b="0" i="0" u="none" strike="noStrike" kern="1200" baseline="0" dirty="0" smtClean="0">
+              <a:solidFill>
+                <a:schemeClr val="tx1"/>
+              </a:solidFill>
+              <a:latin typeface="+mn-lt"/>
+              <a:ea typeface="+mn-ea"/>
+              <a:cs typeface="+mn-cs"/>
+            </a:endParaRPr>
+          </a:p>
+          <a:p>
+            <a:endParaRPr lang="es-ES" dirty="0" smtClean="0"/>
+          </a:p>
+          <a:p>
+            <a:pPr marL="285750" indent="-285750">
+              <a:spcBef>
+                <a:spcPct val="0"/>
+              </a:spcBef>
+              <a:buFontTx/>
+              <a:buChar char="-"/>
+            </a:pPr>
+            <a:endParaRPr lang="es-ES" dirty="0" smtClean="0"/>
+          </a:p>
+          <a:p>
+            <a:pPr marL="285750" indent="-285750">
               <a:buFontTx/>
               <a:buChar char="-"/>
             </a:pPr>
@@ -6868,6 +7194,10 @@
               <a:buFontTx/>
               <a:buChar char="-"/>
             </a:pPr>
+            <a:r>
+              <a:rPr lang="es-ES" dirty="0" smtClean="0"/>
+              <a:t>Marco tecnológico utilizado</a:t>
+            </a:r>
             <a:endParaRPr lang="es-ES" dirty="0"/>
           </a:p>
         </p:txBody>
@@ -6890,6 +7220,653 @@
             <a:fld id="{6E665CBF-38AC-4922-92E9-BC7AD6EBE033}" type="slidenum">
               <a:rPr lang="es-ES" smtClean="0"/>
               <a:t>22</a:t>
+            </a:fld>
+            <a:endParaRPr lang="es-ES"/>
+          </a:p>
+        </p:txBody>
+      </p:sp>
+    </p:spTree>
+    <p:extLst>
+      <p:ext uri="{BB962C8B-B14F-4D97-AF65-F5344CB8AC3E}">
+        <p14:creationId xmlns:p14="http://schemas.microsoft.com/office/powerpoint/2010/main" val="1369053244"/>
+      </p:ext>
+    </p:extLst>
+  </p:cSld>
+  <p:clrMapOvr>
+    <a:masterClrMapping/>
+  </p:clrMapOvr>
+</p:notes>
+</file>
+
+<file path=ppt/notesSlides/notesSlide23.xml><?xml version="1.0" encoding="utf-8"?>
+<p:notes xmlns:a="http://schemas.openxmlformats.org/drawingml/2006/main" xmlns:r="http://schemas.openxmlformats.org/officeDocument/2006/relationships" xmlns:p="http://schemas.openxmlformats.org/presentationml/2006/main">
+  <p:cSld>
+    <p:spTree>
+      <p:nvGrpSpPr>
+        <p:cNvPr id="1" name=""/>
+        <p:cNvGrpSpPr/>
+        <p:nvPr/>
+      </p:nvGrpSpPr>
+      <p:grpSpPr>
+        <a:xfrm>
+          <a:off x="0" y="0"/>
+          <a:ext cx="0" cy="0"/>
+          <a:chOff x="0" y="0"/>
+          <a:chExt cx="0" cy="0"/>
+        </a:xfrm>
+      </p:grpSpPr>
+      <p:sp>
+        <p:nvSpPr>
+          <p:cNvPr id="2" name="1 Marcador de imagen de diapositiva"/>
+          <p:cNvSpPr>
+            <a:spLocks noGrp="1" noRot="1" noChangeAspect="1"/>
+          </p:cNvSpPr>
+          <p:nvPr>
+            <p:ph type="sldImg"/>
+          </p:nvPr>
+        </p:nvSpPr>
+        <p:spPr/>
+      </p:sp>
+      <p:sp>
+        <p:nvSpPr>
+          <p:cNvPr id="3" name="2 Marcador de notas"/>
+          <p:cNvSpPr>
+            <a:spLocks noGrp="1"/>
+          </p:cNvSpPr>
+          <p:nvPr>
+            <p:ph type="body" idx="1"/>
+          </p:nvPr>
+        </p:nvSpPr>
+        <p:spPr/>
+        <p:txBody>
+          <a:bodyPr/>
+          <a:lstStyle/>
+          <a:p>
+            <a:pPr marL="285750" indent="-285750">
+              <a:buFontTx/>
+              <a:buChar char="-"/>
+            </a:pPr>
+            <a:endParaRPr lang="es-ES" dirty="0"/>
+          </a:p>
+        </p:txBody>
+      </p:sp>
+      <p:sp>
+        <p:nvSpPr>
+          <p:cNvPr id="4" name="3 Marcador de número de diapositiva"/>
+          <p:cNvSpPr>
+            <a:spLocks noGrp="1"/>
+          </p:cNvSpPr>
+          <p:nvPr>
+            <p:ph type="sldNum" sz="quarter" idx="10"/>
+          </p:nvPr>
+        </p:nvSpPr>
+        <p:spPr/>
+        <p:txBody>
+          <a:bodyPr/>
+          <a:lstStyle/>
+          <a:p>
+            <a:fld id="{6E665CBF-38AC-4922-92E9-BC7AD6EBE033}" type="slidenum">
+              <a:rPr lang="es-ES" smtClean="0"/>
+              <a:t>24</a:t>
+            </a:fld>
+            <a:endParaRPr lang="es-ES"/>
+          </a:p>
+        </p:txBody>
+      </p:sp>
+    </p:spTree>
+    <p:extLst>
+      <p:ext uri="{BB962C8B-B14F-4D97-AF65-F5344CB8AC3E}">
+        <p14:creationId xmlns:p14="http://schemas.microsoft.com/office/powerpoint/2010/main" val="1369053244"/>
+      </p:ext>
+    </p:extLst>
+  </p:cSld>
+  <p:clrMapOvr>
+    <a:masterClrMapping/>
+  </p:clrMapOvr>
+</p:notes>
+</file>
+
+<file path=ppt/notesSlides/notesSlide24.xml><?xml version="1.0" encoding="utf-8"?>
+<p:notes xmlns:a="http://schemas.openxmlformats.org/drawingml/2006/main" xmlns:r="http://schemas.openxmlformats.org/officeDocument/2006/relationships" xmlns:p="http://schemas.openxmlformats.org/presentationml/2006/main">
+  <p:cSld>
+    <p:spTree>
+      <p:nvGrpSpPr>
+        <p:cNvPr id="1" name=""/>
+        <p:cNvGrpSpPr/>
+        <p:nvPr/>
+      </p:nvGrpSpPr>
+      <p:grpSpPr>
+        <a:xfrm>
+          <a:off x="0" y="0"/>
+          <a:ext cx="0" cy="0"/>
+          <a:chOff x="0" y="0"/>
+          <a:chExt cx="0" cy="0"/>
+        </a:xfrm>
+      </p:grpSpPr>
+      <p:sp>
+        <p:nvSpPr>
+          <p:cNvPr id="2" name="1 Marcador de imagen de diapositiva"/>
+          <p:cNvSpPr>
+            <a:spLocks noGrp="1" noRot="1" noChangeAspect="1"/>
+          </p:cNvSpPr>
+          <p:nvPr>
+            <p:ph type="sldImg"/>
+          </p:nvPr>
+        </p:nvSpPr>
+        <p:spPr/>
+      </p:sp>
+      <p:sp>
+        <p:nvSpPr>
+          <p:cNvPr id="3" name="2 Marcador de notas"/>
+          <p:cNvSpPr>
+            <a:spLocks noGrp="1"/>
+          </p:cNvSpPr>
+          <p:nvPr>
+            <p:ph type="body" idx="1"/>
+          </p:nvPr>
+        </p:nvSpPr>
+        <p:spPr/>
+        <p:txBody>
+          <a:bodyPr/>
+          <a:lstStyle/>
+          <a:p>
+            <a:pPr marL="285750" marR="0" indent="-285750" algn="l" defTabSz="1072866" rtl="0" eaLnBrk="1" fontAlgn="auto" latinLnBrk="0" hangingPunct="1">
+              <a:lnSpc>
+                <a:spcPct val="100000"/>
+              </a:lnSpc>
+              <a:spcBef>
+                <a:spcPts val="0"/>
+              </a:spcBef>
+              <a:spcAft>
+                <a:spcPts val="0"/>
+              </a:spcAft>
+              <a:buClrTx/>
+              <a:buSzTx/>
+              <a:buFontTx/>
+              <a:buChar char="-"/>
+              <a:tabLst/>
+              <a:defRPr/>
+            </a:pPr>
+            <a:r>
+              <a:rPr lang="es-ES" dirty="0" smtClean="0"/>
+              <a:t>Para finalizar la presentación,</a:t>
+            </a:r>
+            <a:r>
+              <a:rPr lang="es-ES" baseline="0" dirty="0" smtClean="0"/>
+              <a:t> se mostrará </a:t>
+            </a:r>
+            <a:r>
+              <a:rPr lang="es-ES" dirty="0" smtClean="0"/>
+              <a:t>en este último apartado una serie de conclusiones,</a:t>
+            </a:r>
+            <a:r>
+              <a:rPr lang="es-ES" baseline="0" dirty="0" smtClean="0"/>
+              <a:t> así como las líneas de trabajo futuro que pueden realizarse para continuar incrementando la funcionalidad de DPMTool</a:t>
+            </a:r>
+            <a:endParaRPr lang="es-ES" dirty="0" smtClean="0"/>
+          </a:p>
+          <a:p>
+            <a:pPr marL="285750" marR="0" indent="-285750" algn="l" defTabSz="1072866" rtl="0" eaLnBrk="1" fontAlgn="auto" latinLnBrk="0" hangingPunct="1">
+              <a:lnSpc>
+                <a:spcPct val="100000"/>
+              </a:lnSpc>
+              <a:spcBef>
+                <a:spcPts val="0"/>
+              </a:spcBef>
+              <a:spcAft>
+                <a:spcPts val="0"/>
+              </a:spcAft>
+              <a:buClrTx/>
+              <a:buSzTx/>
+              <a:buFontTx/>
+              <a:buChar char="-"/>
+              <a:tabLst/>
+              <a:defRPr/>
+            </a:pPr>
+            <a:endParaRPr lang="es-ES" dirty="0" smtClean="0"/>
+          </a:p>
+          <a:p>
+            <a:endParaRPr lang="es-ES" dirty="0"/>
+          </a:p>
+        </p:txBody>
+      </p:sp>
+      <p:sp>
+        <p:nvSpPr>
+          <p:cNvPr id="4" name="3 Marcador de número de diapositiva"/>
+          <p:cNvSpPr>
+            <a:spLocks noGrp="1"/>
+          </p:cNvSpPr>
+          <p:nvPr>
+            <p:ph type="sldNum" sz="quarter" idx="10"/>
+          </p:nvPr>
+        </p:nvSpPr>
+        <p:spPr/>
+        <p:txBody>
+          <a:bodyPr/>
+          <a:lstStyle/>
+          <a:p>
+            <a:fld id="{6E665CBF-38AC-4922-92E9-BC7AD6EBE033}" type="slidenum">
+              <a:rPr lang="es-ES" smtClean="0"/>
+              <a:t>25</a:t>
+            </a:fld>
+            <a:endParaRPr lang="es-ES"/>
+          </a:p>
+        </p:txBody>
+      </p:sp>
+    </p:spTree>
+    <p:extLst>
+      <p:ext uri="{BB962C8B-B14F-4D97-AF65-F5344CB8AC3E}">
+        <p14:creationId xmlns:p14="http://schemas.microsoft.com/office/powerpoint/2010/main" val="3638640648"/>
+      </p:ext>
+    </p:extLst>
+  </p:cSld>
+  <p:clrMapOvr>
+    <a:masterClrMapping/>
+  </p:clrMapOvr>
+</p:notes>
+</file>
+
+<file path=ppt/notesSlides/notesSlide25.xml><?xml version="1.0" encoding="utf-8"?>
+<p:notes xmlns:a="http://schemas.openxmlformats.org/drawingml/2006/main" xmlns:r="http://schemas.openxmlformats.org/officeDocument/2006/relationships" xmlns:p="http://schemas.openxmlformats.org/presentationml/2006/main">
+  <p:cSld>
+    <p:spTree>
+      <p:nvGrpSpPr>
+        <p:cNvPr id="1" name=""/>
+        <p:cNvGrpSpPr/>
+        <p:nvPr/>
+      </p:nvGrpSpPr>
+      <p:grpSpPr>
+        <a:xfrm>
+          <a:off x="0" y="0"/>
+          <a:ext cx="0" cy="0"/>
+          <a:chOff x="0" y="0"/>
+          <a:chExt cx="0" cy="0"/>
+        </a:xfrm>
+      </p:grpSpPr>
+      <p:sp>
+        <p:nvSpPr>
+          <p:cNvPr id="2" name="1 Marcador de imagen de diapositiva"/>
+          <p:cNvSpPr>
+            <a:spLocks noGrp="1" noRot="1" noChangeAspect="1"/>
+          </p:cNvSpPr>
+          <p:nvPr>
+            <p:ph type="sldImg"/>
+          </p:nvPr>
+        </p:nvSpPr>
+        <p:spPr/>
+      </p:sp>
+      <p:sp>
+        <p:nvSpPr>
+          <p:cNvPr id="3" name="2 Marcador de notas"/>
+          <p:cNvSpPr>
+            <a:spLocks noGrp="1"/>
+          </p:cNvSpPr>
+          <p:nvPr>
+            <p:ph type="body" idx="1"/>
+          </p:nvPr>
+        </p:nvSpPr>
+        <p:spPr/>
+        <p:txBody>
+          <a:bodyPr/>
+          <a:lstStyle/>
+          <a:p>
+            <a:pPr marL="285750" indent="-285750">
+              <a:buFontTx/>
+              <a:buChar char="-"/>
+            </a:pPr>
+            <a:r>
+              <a:rPr lang="es-ES" dirty="0" smtClean="0"/>
+              <a:t>En primer lugar</a:t>
+            </a:r>
+            <a:r>
+              <a:rPr lang="es-ES" baseline="0" dirty="0" smtClean="0"/>
+              <a:t>, vamos a comprobar si se han conseguido los objetivos que se propusieron al comienzo del desarrollo del PFC: </a:t>
+            </a:r>
+          </a:p>
+          <a:p>
+            <a:pPr marL="0" indent="0">
+              <a:buFontTx/>
+              <a:buNone/>
+            </a:pPr>
+            <a:endParaRPr lang="es-ES" baseline="0" dirty="0" smtClean="0"/>
+          </a:p>
+          <a:p>
+            <a:pPr marL="822183" lvl="1" indent="-285750">
+              <a:buFont typeface="Arial" charset="0"/>
+              <a:buChar char="•"/>
+            </a:pPr>
+            <a:r>
+              <a:rPr lang="es-ES" baseline="0" dirty="0" smtClean="0"/>
+              <a:t>O1: Se cumple, ya que la</a:t>
+            </a:r>
+            <a:r>
+              <a:rPr lang="es-ES" sz="1400" b="0" i="0" u="none" strike="noStrike" kern="1200" baseline="0" dirty="0" smtClean="0">
+                <a:solidFill>
+                  <a:schemeClr val="tx1"/>
+                </a:solidFill>
+                <a:latin typeface="+mn-lt"/>
+                <a:ea typeface="+mn-ea"/>
+                <a:cs typeface="+mn-cs"/>
+              </a:rPr>
+              <a:t> aplicación desarrollada ha sido diseñada siguiendo una arquitectura cliente-servidor, donde el servidor centraliza la lógica de dominio y control del sistema, y el cliente presenta la interfaz gráfica de  usuario, que realiza peticiones al servidor y muestra los resultados relevantes para el usuario del sistema.</a:t>
+            </a:r>
+          </a:p>
+          <a:p>
+            <a:pPr marL="822183" lvl="1" indent="-285750">
+              <a:buFont typeface="Arial" charset="0"/>
+              <a:buChar char="•"/>
+            </a:pPr>
+            <a:r>
+              <a:rPr lang="es-ES" sz="1400" b="0" i="0" u="none" strike="noStrike" kern="1200" baseline="0" dirty="0" smtClean="0">
+                <a:solidFill>
+                  <a:schemeClr val="tx1"/>
+                </a:solidFill>
+                <a:latin typeface="+mn-lt"/>
+                <a:ea typeface="+mn-ea"/>
+                <a:cs typeface="+mn-cs"/>
+              </a:rPr>
+              <a:t>O2: Se cumple, ya que se han diseñado e implementado funcionalidades para la creación de decisiones, para su modificación, eliminación, etc. Por tanto, el sistema provee un mecanismo que facilita y favorece dicha gestión,  además de la comunicación entre equipos de desarrollo, ya que al utilizar formularios y estructuras comunes a todos ellos, se minimizan los malentendidos y ambigüedades.</a:t>
+            </a:r>
+          </a:p>
+          <a:p>
+            <a:pPr marL="822183" lvl="1" indent="-285750">
+              <a:buFont typeface="Arial" charset="0"/>
+              <a:buChar char="•"/>
+            </a:pPr>
+            <a:r>
+              <a:rPr lang="es-ES" sz="1400" b="0" i="0" u="none" strike="noStrike" kern="1200" baseline="0" dirty="0" smtClean="0">
+                <a:solidFill>
+                  <a:schemeClr val="tx1"/>
+                </a:solidFill>
+                <a:latin typeface="+mn-lt"/>
+                <a:ea typeface="+mn-ea"/>
+                <a:cs typeface="+mn-cs"/>
+              </a:rPr>
+              <a:t>O3: Se cumple, porque se permite la representación de las decisiones tomadas en proyectos software, además de otra información asociada, de una manera gráfica, visual e intuitiva, lo que facilita también la comunicación, ya que dicha información puede ser entendida de una manera rápida, visual y sin ambigüedades.</a:t>
+            </a:r>
+          </a:p>
+          <a:p>
+            <a:pPr marL="822183" lvl="1" indent="-285750">
+              <a:buFont typeface="Arial" charset="0"/>
+              <a:buChar char="•"/>
+            </a:pPr>
+            <a:r>
+              <a:rPr lang="es-ES" sz="1400" b="0" i="0" u="none" strike="noStrike" kern="1200" baseline="0" dirty="0" smtClean="0">
+                <a:solidFill>
+                  <a:schemeClr val="tx1"/>
+                </a:solidFill>
+                <a:latin typeface="+mn-lt"/>
+                <a:ea typeface="+mn-ea"/>
+                <a:cs typeface="+mn-cs"/>
+              </a:rPr>
+              <a:t>O4: Para facilitar la comunicación entre los usuarios de los equipos de desarrollo distribuidos, el sistema implementa mecanismos de comunicación síncrona (refrescar vistas en tiempo real) y asíncrona (sistema de alertas).</a:t>
+            </a:r>
+          </a:p>
+          <a:p>
+            <a:pPr marL="822183" lvl="1" indent="-285750">
+              <a:buFont typeface="Arial" charset="0"/>
+              <a:buChar char="•"/>
+            </a:pPr>
+            <a:r>
+              <a:rPr lang="es-ES" sz="1400" b="0" i="0" u="none" strike="noStrike" kern="1200" baseline="0" dirty="0" smtClean="0">
+                <a:solidFill>
+                  <a:schemeClr val="tx1"/>
+                </a:solidFill>
+                <a:latin typeface="+mn-lt"/>
+                <a:ea typeface="+mn-ea"/>
+                <a:cs typeface="+mn-cs"/>
+              </a:rPr>
+              <a:t>O5: Internacionalización.</a:t>
+            </a:r>
+          </a:p>
+          <a:p>
+            <a:pPr marL="822183" lvl="1" indent="-285750">
+              <a:buFont typeface="Arial" charset="0"/>
+              <a:buChar char="•"/>
+            </a:pPr>
+            <a:r>
+              <a:rPr lang="es-ES" sz="1400" b="0" i="0" u="none" strike="noStrike" kern="1200" baseline="0" dirty="0" smtClean="0">
+                <a:solidFill>
+                  <a:schemeClr val="tx1"/>
+                </a:solidFill>
+                <a:latin typeface="+mn-lt"/>
+                <a:ea typeface="+mn-ea"/>
+                <a:cs typeface="+mn-cs"/>
+              </a:rPr>
+              <a:t>O6: Se cumple, ya que se han diseñado e implementado funcionalidades para la creación y modificación de dichos proyectos, proveyendo formularios para realizar estas tareas, de modo que se siga una estructura común y se eviten errores. </a:t>
+            </a:r>
+          </a:p>
+          <a:p>
+            <a:pPr marL="822183" lvl="1" indent="-285750">
+              <a:buFont typeface="Arial" charset="0"/>
+              <a:buChar char="•"/>
+            </a:pPr>
+            <a:r>
+              <a:rPr lang="es-ES" sz="1400" b="0" i="0" u="none" strike="noStrike" kern="1200" baseline="0" dirty="0" smtClean="0">
+                <a:solidFill>
+                  <a:schemeClr val="tx1"/>
+                </a:solidFill>
+                <a:latin typeface="+mn-lt"/>
+                <a:ea typeface="+mn-ea"/>
+                <a:cs typeface="+mn-cs"/>
+              </a:rPr>
+              <a:t>O7: En lo que respecta al control de proyectos, la aplicación desarrollada implementa funcionalidades que favorecen dicho control, como es la exportación a archivos XML de la información de los proyectos y sus decisiones; la generación de informes en formato PDF, y la generación de gráficos estadísticos.</a:t>
+            </a:r>
+          </a:p>
+          <a:p>
+            <a:pPr marL="822183" lvl="1" indent="-285750">
+              <a:buFont typeface="Arial" charset="0"/>
+              <a:buChar char="•"/>
+            </a:pPr>
+            <a:r>
+              <a:rPr lang="es-ES" sz="1400" b="0" i="0" u="none" strike="noStrike" kern="1200" baseline="0" dirty="0" smtClean="0">
+                <a:solidFill>
+                  <a:schemeClr val="tx1"/>
+                </a:solidFill>
+                <a:latin typeface="+mn-lt"/>
+                <a:ea typeface="+mn-ea"/>
+                <a:cs typeface="+mn-cs"/>
+              </a:rPr>
+              <a:t>O8: Para satisfacer este objetivo, propuesto por la necesidad de recuperar y reutilizar decisiones (y toda su información relacionada) de proyectos finalizados, en nuevos proyectos semejantes, se ha diseñado e implementado en la aplicación un mecanismo basado en técnicas de inteligencia artificial (CBR, en este caso) para poder comparar proyectos, recuperar y reutilizar decisiones de dichos proyectos similares.</a:t>
+            </a:r>
+            <a:endParaRPr lang="es-ES" baseline="0" dirty="0" smtClean="0"/>
+          </a:p>
+        </p:txBody>
+      </p:sp>
+      <p:sp>
+        <p:nvSpPr>
+          <p:cNvPr id="4" name="3 Marcador de número de diapositiva"/>
+          <p:cNvSpPr>
+            <a:spLocks noGrp="1"/>
+          </p:cNvSpPr>
+          <p:nvPr>
+            <p:ph type="sldNum" sz="quarter" idx="10"/>
+          </p:nvPr>
+        </p:nvSpPr>
+        <p:spPr/>
+        <p:txBody>
+          <a:bodyPr/>
+          <a:lstStyle/>
+          <a:p>
+            <a:fld id="{6E665CBF-38AC-4922-92E9-BC7AD6EBE033}" type="slidenum">
+              <a:rPr lang="es-ES" smtClean="0"/>
+              <a:t>26</a:t>
+            </a:fld>
+            <a:endParaRPr lang="es-ES"/>
+          </a:p>
+        </p:txBody>
+      </p:sp>
+    </p:spTree>
+    <p:extLst>
+      <p:ext uri="{BB962C8B-B14F-4D97-AF65-F5344CB8AC3E}">
+        <p14:creationId xmlns:p14="http://schemas.microsoft.com/office/powerpoint/2010/main" val="1369053244"/>
+      </p:ext>
+    </p:extLst>
+  </p:cSld>
+  <p:clrMapOvr>
+    <a:masterClrMapping/>
+  </p:clrMapOvr>
+</p:notes>
+</file>
+
+<file path=ppt/notesSlides/notesSlide26.xml><?xml version="1.0" encoding="utf-8"?>
+<p:notes xmlns:a="http://schemas.openxmlformats.org/drawingml/2006/main" xmlns:r="http://schemas.openxmlformats.org/officeDocument/2006/relationships" xmlns:p="http://schemas.openxmlformats.org/presentationml/2006/main">
+  <p:cSld>
+    <p:spTree>
+      <p:nvGrpSpPr>
+        <p:cNvPr id="1" name=""/>
+        <p:cNvGrpSpPr/>
+        <p:nvPr/>
+      </p:nvGrpSpPr>
+      <p:grpSpPr>
+        <a:xfrm>
+          <a:off x="0" y="0"/>
+          <a:ext cx="0" cy="0"/>
+          <a:chOff x="0" y="0"/>
+          <a:chExt cx="0" cy="0"/>
+        </a:xfrm>
+      </p:grpSpPr>
+      <p:sp>
+        <p:nvSpPr>
+          <p:cNvPr id="2" name="1 Marcador de imagen de diapositiva"/>
+          <p:cNvSpPr>
+            <a:spLocks noGrp="1" noRot="1" noChangeAspect="1"/>
+          </p:cNvSpPr>
+          <p:nvPr>
+            <p:ph type="sldImg"/>
+          </p:nvPr>
+        </p:nvSpPr>
+        <p:spPr/>
+      </p:sp>
+      <p:sp>
+        <p:nvSpPr>
+          <p:cNvPr id="3" name="2 Marcador de notas"/>
+          <p:cNvSpPr>
+            <a:spLocks noGrp="1"/>
+          </p:cNvSpPr>
+          <p:nvPr>
+            <p:ph type="body" idx="1"/>
+          </p:nvPr>
+        </p:nvSpPr>
+        <p:spPr/>
+        <p:txBody>
+          <a:bodyPr/>
+          <a:lstStyle/>
+          <a:p>
+            <a:pPr marL="0" indent="0">
+              <a:buFontTx/>
+              <a:buNone/>
+            </a:pPr>
+            <a:endParaRPr lang="es-ES" baseline="0" dirty="0" smtClean="0"/>
+          </a:p>
+        </p:txBody>
+      </p:sp>
+      <p:sp>
+        <p:nvSpPr>
+          <p:cNvPr id="4" name="3 Marcador de número de diapositiva"/>
+          <p:cNvSpPr>
+            <a:spLocks noGrp="1"/>
+          </p:cNvSpPr>
+          <p:nvPr>
+            <p:ph type="sldNum" sz="quarter" idx="10"/>
+          </p:nvPr>
+        </p:nvSpPr>
+        <p:spPr/>
+        <p:txBody>
+          <a:bodyPr/>
+          <a:lstStyle/>
+          <a:p>
+            <a:fld id="{6E665CBF-38AC-4922-92E9-BC7AD6EBE033}" type="slidenum">
+              <a:rPr lang="es-ES" smtClean="0"/>
+              <a:t>27</a:t>
+            </a:fld>
+            <a:endParaRPr lang="es-ES"/>
+          </a:p>
+        </p:txBody>
+      </p:sp>
+    </p:spTree>
+    <p:extLst>
+      <p:ext uri="{BB962C8B-B14F-4D97-AF65-F5344CB8AC3E}">
+        <p14:creationId xmlns:p14="http://schemas.microsoft.com/office/powerpoint/2010/main" val="1369053244"/>
+      </p:ext>
+    </p:extLst>
+  </p:cSld>
+  <p:clrMapOvr>
+    <a:masterClrMapping/>
+  </p:clrMapOvr>
+</p:notes>
+</file>
+
+<file path=ppt/notesSlides/notesSlide27.xml><?xml version="1.0" encoding="utf-8"?>
+<p:notes xmlns:a="http://schemas.openxmlformats.org/drawingml/2006/main" xmlns:r="http://schemas.openxmlformats.org/officeDocument/2006/relationships" xmlns:p="http://schemas.openxmlformats.org/presentationml/2006/main">
+  <p:cSld>
+    <p:spTree>
+      <p:nvGrpSpPr>
+        <p:cNvPr id="1" name=""/>
+        <p:cNvGrpSpPr/>
+        <p:nvPr/>
+      </p:nvGrpSpPr>
+      <p:grpSpPr>
+        <a:xfrm>
+          <a:off x="0" y="0"/>
+          <a:ext cx="0" cy="0"/>
+          <a:chOff x="0" y="0"/>
+          <a:chExt cx="0" cy="0"/>
+        </a:xfrm>
+      </p:grpSpPr>
+      <p:sp>
+        <p:nvSpPr>
+          <p:cNvPr id="2" name="1 Marcador de imagen de diapositiva"/>
+          <p:cNvSpPr>
+            <a:spLocks noGrp="1" noRot="1" noChangeAspect="1"/>
+          </p:cNvSpPr>
+          <p:nvPr>
+            <p:ph type="sldImg"/>
+          </p:nvPr>
+        </p:nvSpPr>
+        <p:spPr/>
+      </p:sp>
+      <p:sp>
+        <p:nvSpPr>
+          <p:cNvPr id="3" name="2 Marcador de notas"/>
+          <p:cNvSpPr>
+            <a:spLocks noGrp="1"/>
+          </p:cNvSpPr>
+          <p:nvPr>
+            <p:ph type="body" idx="1"/>
+          </p:nvPr>
+        </p:nvSpPr>
+        <p:spPr/>
+        <p:txBody>
+          <a:bodyPr/>
+          <a:lstStyle/>
+          <a:p>
+            <a:pPr marL="0" indent="0">
+              <a:buFontTx/>
+              <a:buNone/>
+            </a:pPr>
+            <a:endParaRPr lang="es-ES" baseline="0" dirty="0" smtClean="0"/>
+          </a:p>
+        </p:txBody>
+      </p:sp>
+      <p:sp>
+        <p:nvSpPr>
+          <p:cNvPr id="4" name="3 Marcador de número de diapositiva"/>
+          <p:cNvSpPr>
+            <a:spLocks noGrp="1"/>
+          </p:cNvSpPr>
+          <p:nvPr>
+            <p:ph type="sldNum" sz="quarter" idx="10"/>
+          </p:nvPr>
+        </p:nvSpPr>
+        <p:spPr/>
+        <p:txBody>
+          <a:bodyPr/>
+          <a:lstStyle/>
+          <a:p>
+            <a:fld id="{6E665CBF-38AC-4922-92E9-BC7AD6EBE033}" type="slidenum">
+              <a:rPr lang="es-ES" smtClean="0"/>
+              <a:t>28</a:t>
             </a:fld>
             <a:endParaRPr lang="es-ES"/>
           </a:p>
@@ -11926,6 +12903,36 @@
           <a:chExt cx="0" cy="0"/>
         </a:xfrm>
       </p:grpSpPr>
+      <p:pic>
+        <p:nvPicPr>
+          <p:cNvPr id="5" name="4 Imagen"/>
+          <p:cNvPicPr>
+            <a:picLocks noChangeAspect="1"/>
+          </p:cNvPicPr>
+          <p:nvPr/>
+        </p:nvPicPr>
+        <p:blipFill>
+          <a:blip r:embed="rId3">
+            <a:extLst>
+              <a:ext uri="{28A0092B-C50C-407E-A947-70E740481C1C}">
+                <a14:useLocalDpi xmlns:a14="http://schemas.microsoft.com/office/drawing/2010/main" val="0"/>
+              </a:ext>
+            </a:extLst>
+          </a:blip>
+          <a:stretch>
+            <a:fillRect/>
+          </a:stretch>
+        </p:blipFill>
+        <p:spPr>
+          <a:xfrm rot="497241">
+            <a:off x="4534726" y="1890865"/>
+            <a:ext cx="4986116" cy="4839824"/>
+          </a:xfrm>
+          <a:prstGeom prst="rect">
+            <a:avLst/>
+          </a:prstGeom>
+        </p:spPr>
+      </p:pic>
       <p:sp>
         <p:nvSpPr>
           <p:cNvPr id="15" name="14 Redondear rectángulo de esquina sencilla"/>
@@ -17629,6 +18636,36 @@
           </a:p>
         </p:txBody>
       </p:sp>
+      <p:pic>
+        <p:nvPicPr>
+          <p:cNvPr id="5" name="4 Imagen"/>
+          <p:cNvPicPr>
+            <a:picLocks noChangeAspect="1"/>
+          </p:cNvPicPr>
+          <p:nvPr/>
+        </p:nvPicPr>
+        <p:blipFill>
+          <a:blip r:embed="rId3">
+            <a:extLst>
+              <a:ext uri="{28A0092B-C50C-407E-A947-70E740481C1C}">
+                <a14:useLocalDpi xmlns:a14="http://schemas.microsoft.com/office/drawing/2010/main" val="0"/>
+              </a:ext>
+            </a:extLst>
+          </a:blip>
+          <a:stretch>
+            <a:fillRect/>
+          </a:stretch>
+        </p:blipFill>
+        <p:spPr>
+          <a:xfrm>
+            <a:off x="5645093" y="3212975"/>
+            <a:ext cx="2377244" cy="2237047"/>
+          </a:xfrm>
+          <a:prstGeom prst="rect">
+            <a:avLst/>
+          </a:prstGeom>
+        </p:spPr>
+      </p:pic>
     </p:spTree>
     <p:extLst>
       <p:ext uri="{BB962C8B-B14F-4D97-AF65-F5344CB8AC3E}">
@@ -19641,6 +20678,36 @@
           <a:chExt cx="0" cy="0"/>
         </a:xfrm>
       </p:grpSpPr>
+      <p:pic>
+        <p:nvPicPr>
+          <p:cNvPr id="8" name="7 Imagen"/>
+          <p:cNvPicPr>
+            <a:picLocks noChangeAspect="1"/>
+          </p:cNvPicPr>
+          <p:nvPr/>
+        </p:nvPicPr>
+        <p:blipFill>
+          <a:blip r:embed="rId3">
+            <a:extLst>
+              <a:ext uri="{28A0092B-C50C-407E-A947-70E740481C1C}">
+                <a14:useLocalDpi xmlns:a14="http://schemas.microsoft.com/office/drawing/2010/main" val="0"/>
+              </a:ext>
+            </a:extLst>
+          </a:blip>
+          <a:stretch>
+            <a:fillRect/>
+          </a:stretch>
+        </p:blipFill>
+        <p:spPr>
+          <a:xfrm>
+            <a:off x="4576021" y="2060848"/>
+            <a:ext cx="4114286" cy="3504762"/>
+          </a:xfrm>
+          <a:prstGeom prst="rect">
+            <a:avLst/>
+          </a:prstGeom>
+        </p:spPr>
+      </p:pic>
       <p:sp>
         <p:nvSpPr>
           <p:cNvPr id="15" name="14 Redondear rectángulo de esquina sencilla"/>
@@ -21000,7 +22067,7 @@
         </p:nvSpPr>
         <p:spPr>
           <a:xfrm>
-            <a:off x="4102535" y="5981363"/>
+            <a:off x="4102535" y="6011236"/>
             <a:ext cx="1388842" cy="292388"/>
           </a:xfrm>
           <a:prstGeom prst="rect">
@@ -21416,7 +22483,7 @@
         </p:nvSpPr>
         <p:spPr>
           <a:xfrm>
-            <a:off x="629097" y="2365410"/>
+            <a:off x="629097" y="2204864"/>
             <a:ext cx="7929619" cy="2071702"/>
           </a:xfrm>
           <a:prstGeom prst="wedgeRoundRectCallout">
@@ -21592,7 +22659,7 @@
         </p:nvSpPr>
         <p:spPr>
           <a:xfrm>
-            <a:off x="6232996" y="5081686"/>
+            <a:off x="6232996" y="4876128"/>
             <a:ext cx="3722334" cy="369332"/>
           </a:xfrm>
           <a:prstGeom prst="rect">
@@ -21674,7 +22741,17 @@
                   </a:schemeClr>
                 </a:solidFill>
               </a:rPr>
-              <a:t>Metodología de trabajo: </a:t>
+              <a:t>Metodología de </a:t>
+            </a:r>
+            <a:r>
+              <a:rPr lang="es-ES" sz="2400" dirty="0" smtClean="0">
+                <a:solidFill>
+                  <a:schemeClr val="tx2">
+                    <a:lumMod val="75000"/>
+                  </a:schemeClr>
+                </a:solidFill>
+              </a:rPr>
+              <a:t>desarrollo: </a:t>
             </a:r>
             <a:r>
               <a:rPr lang="es-ES" sz="2400" b="1" dirty="0" smtClean="0">
@@ -22343,7 +23420,7 @@
         </p:nvSpPr>
         <p:spPr>
           <a:xfrm>
-            <a:off x="4102535" y="5981363"/>
+            <a:off x="4102535" y="6011236"/>
             <a:ext cx="1388842" cy="292388"/>
           </a:xfrm>
           <a:prstGeom prst="rect">
@@ -23237,7 +24314,7 @@
         </p:nvSpPr>
         <p:spPr>
           <a:xfrm>
-            <a:off x="4102535" y="5981363"/>
+            <a:off x="4102535" y="6018321"/>
             <a:ext cx="1388842" cy="292388"/>
           </a:xfrm>
           <a:prstGeom prst="rect">
@@ -23675,7 +24752,7 @@
         </p:blipFill>
         <p:spPr bwMode="auto">
           <a:xfrm>
-            <a:off x="593810" y="1484784"/>
+            <a:off x="362439" y="1988839"/>
             <a:ext cx="6194691" cy="3865487"/>
           </a:xfrm>
           <a:prstGeom prst="rect">
@@ -23716,6 +24793,624 @@
           </a:extLst>
         </p:spPr>
       </p:pic>
+      <p:sp>
+        <p:nvSpPr>
+          <p:cNvPr id="5" name="4 Llamada con línea 3"/>
+          <p:cNvSpPr/>
+          <p:nvPr/>
+        </p:nvSpPr>
+        <p:spPr>
+          <a:xfrm>
+            <a:off x="6608680" y="1268760"/>
+            <a:ext cx="2139783" cy="1633827"/>
+          </a:xfrm>
+          <a:prstGeom prst="borderCallout3">
+            <a:avLst>
+              <a:gd name="adj1" fmla="val 18750"/>
+              <a:gd name="adj2" fmla="val -8333"/>
+              <a:gd name="adj3" fmla="val 18170"/>
+              <a:gd name="adj4" fmla="val -96727"/>
+              <a:gd name="adj5" fmla="val 18129"/>
+              <a:gd name="adj6" fmla="val -178439"/>
+              <a:gd name="adj7" fmla="val 62609"/>
+              <a:gd name="adj8" fmla="val -178695"/>
+            </a:avLst>
+          </a:prstGeom>
+          <a:solidFill>
+            <a:schemeClr val="accent5">
+              <a:alpha val="26000"/>
+            </a:schemeClr>
+          </a:solidFill>
+        </p:spPr>
+        <p:style>
+          <a:lnRef idx="2">
+            <a:schemeClr val="accent5"/>
+          </a:lnRef>
+          <a:fillRef idx="1">
+            <a:schemeClr val="lt1"/>
+          </a:fillRef>
+          <a:effectRef idx="0">
+            <a:schemeClr val="accent5"/>
+          </a:effectRef>
+          <a:fontRef idx="minor">
+            <a:schemeClr val="dk1"/>
+          </a:fontRef>
+        </p:style>
+        <p:txBody>
+          <a:bodyPr rtlCol="0" anchor="ctr"/>
+          <a:lstStyle/>
+          <a:p>
+            <a:pPr algn="ctr"/>
+            <a:endParaRPr lang="es-ES" dirty="0"/>
+          </a:p>
+        </p:txBody>
+      </p:sp>
+      <p:sp>
+        <p:nvSpPr>
+          <p:cNvPr id="8" name="7 CuadroTexto"/>
+          <p:cNvSpPr txBox="1"/>
+          <p:nvPr/>
+        </p:nvSpPr>
+        <p:spPr>
+          <a:xfrm>
+            <a:off x="6608681" y="1423953"/>
+            <a:ext cx="2088232" cy="1200329"/>
+          </a:xfrm>
+          <a:prstGeom prst="rect">
+            <a:avLst/>
+          </a:prstGeom>
+          <a:noFill/>
+        </p:spPr>
+        <p:txBody>
+          <a:bodyPr wrap="square" rtlCol="0">
+            <a:spAutoFit/>
+          </a:bodyPr>
+          <a:lstStyle/>
+          <a:p>
+            <a:pPr marL="342900" indent="-342900">
+              <a:buFont typeface="Arial" pitchFamily="34" charset="0"/>
+              <a:buChar char="•"/>
+            </a:pPr>
+            <a:r>
+              <a:rPr lang="es-ES" sz="1800" b="1" dirty="0" smtClean="0"/>
+              <a:t>Casos de uso</a:t>
+            </a:r>
+          </a:p>
+          <a:p>
+            <a:pPr marL="342900" indent="-342900">
+              <a:buFont typeface="Arial" pitchFamily="34" charset="0"/>
+              <a:buChar char="•"/>
+            </a:pPr>
+            <a:r>
+              <a:rPr lang="es-ES" sz="1800" b="1" dirty="0" smtClean="0"/>
+              <a:t>Riesgos</a:t>
+            </a:r>
+          </a:p>
+          <a:p>
+            <a:pPr marL="342900" indent="-342900">
+              <a:buFont typeface="Arial" pitchFamily="34" charset="0"/>
+              <a:buChar char="•"/>
+            </a:pPr>
+            <a:r>
+              <a:rPr lang="es-ES" sz="1800" b="1" dirty="0" smtClean="0"/>
+              <a:t>Glosario</a:t>
+            </a:r>
+          </a:p>
+          <a:p>
+            <a:pPr marL="342900" indent="-342900">
+              <a:buFont typeface="Arial" pitchFamily="34" charset="0"/>
+              <a:buChar char="•"/>
+            </a:pPr>
+            <a:r>
+              <a:rPr lang="es-ES" sz="1800" b="1" dirty="0" smtClean="0"/>
+              <a:t>Plan proyecto</a:t>
+            </a:r>
+            <a:endParaRPr lang="es-ES" sz="1800" b="1" dirty="0"/>
+          </a:p>
+        </p:txBody>
+      </p:sp>
+      <p:sp>
+        <p:nvSpPr>
+          <p:cNvPr id="9" name="8 Rectángulo"/>
+          <p:cNvSpPr/>
+          <p:nvPr/>
+        </p:nvSpPr>
+        <p:spPr>
+          <a:xfrm>
+            <a:off x="2411760" y="2276872"/>
+            <a:ext cx="648072" cy="432048"/>
+          </a:xfrm>
+          <a:prstGeom prst="rect">
+            <a:avLst/>
+          </a:prstGeom>
+          <a:solidFill>
+            <a:schemeClr val="lt1">
+              <a:alpha val="0"/>
+            </a:schemeClr>
+          </a:solidFill>
+          <a:ln w="38100"/>
+        </p:spPr>
+        <p:style>
+          <a:lnRef idx="2">
+            <a:schemeClr val="accent5"/>
+          </a:lnRef>
+          <a:fillRef idx="1">
+            <a:schemeClr val="lt1"/>
+          </a:fillRef>
+          <a:effectRef idx="0">
+            <a:schemeClr val="accent5"/>
+          </a:effectRef>
+          <a:fontRef idx="minor">
+            <a:schemeClr val="dk1"/>
+          </a:fontRef>
+        </p:style>
+        <p:txBody>
+          <a:bodyPr rtlCol="0" anchor="ctr"/>
+          <a:lstStyle/>
+          <a:p>
+            <a:pPr algn="ctr"/>
+            <a:endParaRPr lang="es-ES"/>
+          </a:p>
+        </p:txBody>
+      </p:sp>
+      <p:sp>
+        <p:nvSpPr>
+          <p:cNvPr id="26" name="25 Llamada con línea 3"/>
+          <p:cNvSpPr/>
+          <p:nvPr/>
+        </p:nvSpPr>
+        <p:spPr>
+          <a:xfrm>
+            <a:off x="6605017" y="1612358"/>
+            <a:ext cx="2139783" cy="1633827"/>
+          </a:xfrm>
+          <a:prstGeom prst="borderCallout3">
+            <a:avLst>
+              <a:gd name="adj1" fmla="val 18750"/>
+              <a:gd name="adj2" fmla="val -8333"/>
+              <a:gd name="adj3" fmla="val 18170"/>
+              <a:gd name="adj4" fmla="val -96727"/>
+              <a:gd name="adj5" fmla="val 18129"/>
+              <a:gd name="adj6" fmla="val -129902"/>
+              <a:gd name="adj7" fmla="val 39808"/>
+              <a:gd name="adj8" fmla="val -129631"/>
+            </a:avLst>
+          </a:prstGeom>
+          <a:solidFill>
+            <a:schemeClr val="accent5">
+              <a:alpha val="26000"/>
+            </a:schemeClr>
+          </a:solidFill>
+        </p:spPr>
+        <p:style>
+          <a:lnRef idx="2">
+            <a:schemeClr val="accent5"/>
+          </a:lnRef>
+          <a:fillRef idx="1">
+            <a:schemeClr val="lt1"/>
+          </a:fillRef>
+          <a:effectRef idx="0">
+            <a:schemeClr val="accent5"/>
+          </a:effectRef>
+          <a:fontRef idx="minor">
+            <a:schemeClr val="dk1"/>
+          </a:fontRef>
+        </p:style>
+        <p:txBody>
+          <a:bodyPr rtlCol="0" anchor="ctr"/>
+          <a:lstStyle/>
+          <a:p>
+            <a:pPr algn="ctr"/>
+            <a:endParaRPr lang="es-ES" dirty="0"/>
+          </a:p>
+        </p:txBody>
+      </p:sp>
+      <p:sp>
+        <p:nvSpPr>
+          <p:cNvPr id="27" name="26 Rectángulo"/>
+          <p:cNvSpPr/>
+          <p:nvPr/>
+        </p:nvSpPr>
+        <p:spPr>
+          <a:xfrm>
+            <a:off x="3275856" y="2270101"/>
+            <a:ext cx="1080120" cy="432048"/>
+          </a:xfrm>
+          <a:prstGeom prst="rect">
+            <a:avLst/>
+          </a:prstGeom>
+          <a:solidFill>
+            <a:schemeClr val="lt1">
+              <a:alpha val="0"/>
+            </a:schemeClr>
+          </a:solidFill>
+          <a:ln w="38100"/>
+        </p:spPr>
+        <p:style>
+          <a:lnRef idx="2">
+            <a:schemeClr val="accent5"/>
+          </a:lnRef>
+          <a:fillRef idx="1">
+            <a:schemeClr val="lt1"/>
+          </a:fillRef>
+          <a:effectRef idx="0">
+            <a:schemeClr val="accent5"/>
+          </a:effectRef>
+          <a:fontRef idx="minor">
+            <a:schemeClr val="dk1"/>
+          </a:fontRef>
+        </p:style>
+        <p:txBody>
+          <a:bodyPr rtlCol="0" anchor="ctr"/>
+          <a:lstStyle/>
+          <a:p>
+            <a:pPr algn="ctr"/>
+            <a:endParaRPr lang="es-ES"/>
+          </a:p>
+        </p:txBody>
+      </p:sp>
+      <p:sp>
+        <p:nvSpPr>
+          <p:cNvPr id="33" name="32 CuadroTexto"/>
+          <p:cNvSpPr txBox="1"/>
+          <p:nvPr/>
+        </p:nvSpPr>
+        <p:spPr>
+          <a:xfrm>
+            <a:off x="6649789" y="1935522"/>
+            <a:ext cx="2088232" cy="923330"/>
+          </a:xfrm>
+          <a:prstGeom prst="rect">
+            <a:avLst/>
+          </a:prstGeom>
+          <a:noFill/>
+        </p:spPr>
+        <p:txBody>
+          <a:bodyPr wrap="square" rtlCol="0">
+            <a:spAutoFit/>
+          </a:bodyPr>
+          <a:lstStyle/>
+          <a:p>
+            <a:pPr marL="342900" indent="-342900">
+              <a:buFont typeface="Arial" pitchFamily="34" charset="0"/>
+              <a:buChar char="•"/>
+            </a:pPr>
+            <a:r>
+              <a:rPr lang="es-ES" sz="1800" b="1" dirty="0" smtClean="0"/>
+              <a:t>Casos uso</a:t>
+            </a:r>
+          </a:p>
+          <a:p>
+            <a:pPr marL="342900" indent="-342900">
+              <a:buFont typeface="Arial" pitchFamily="34" charset="0"/>
+              <a:buChar char="•"/>
+            </a:pPr>
+            <a:r>
+              <a:rPr lang="es-ES" sz="1800" b="1" dirty="0" smtClean="0"/>
+              <a:t>Arquitectura</a:t>
+            </a:r>
+          </a:p>
+          <a:p>
+            <a:pPr marL="342900" indent="-342900">
+              <a:buFont typeface="Arial" pitchFamily="34" charset="0"/>
+              <a:buChar char="•"/>
+            </a:pPr>
+            <a:r>
+              <a:rPr lang="es-ES" sz="1800" b="1" dirty="0" smtClean="0"/>
+              <a:t>Análisis</a:t>
+            </a:r>
+          </a:p>
+        </p:txBody>
+      </p:sp>
+      <p:sp>
+        <p:nvSpPr>
+          <p:cNvPr id="34" name="33 Llamada con línea 3"/>
+          <p:cNvSpPr/>
+          <p:nvPr/>
+        </p:nvSpPr>
+        <p:spPr>
+          <a:xfrm>
+            <a:off x="6557296" y="3717032"/>
+            <a:ext cx="2273217" cy="1633827"/>
+          </a:xfrm>
+          <a:prstGeom prst="borderCallout3">
+            <a:avLst>
+              <a:gd name="adj1" fmla="val 18750"/>
+              <a:gd name="adj2" fmla="val -8333"/>
+              <a:gd name="adj3" fmla="val 18170"/>
+              <a:gd name="adj4" fmla="val -73386"/>
+              <a:gd name="adj5" fmla="val -21255"/>
+              <a:gd name="adj6" fmla="val -74282"/>
+              <a:gd name="adj7" fmla="val -61762"/>
+              <a:gd name="adj8" fmla="val -74012"/>
+            </a:avLst>
+          </a:prstGeom>
+          <a:solidFill>
+            <a:schemeClr val="accent5">
+              <a:alpha val="26000"/>
+            </a:schemeClr>
+          </a:solidFill>
+        </p:spPr>
+        <p:style>
+          <a:lnRef idx="2">
+            <a:schemeClr val="accent5"/>
+          </a:lnRef>
+          <a:fillRef idx="1">
+            <a:schemeClr val="lt1"/>
+          </a:fillRef>
+          <a:effectRef idx="0">
+            <a:schemeClr val="accent5"/>
+          </a:effectRef>
+          <a:fontRef idx="minor">
+            <a:schemeClr val="dk1"/>
+          </a:fontRef>
+        </p:style>
+        <p:txBody>
+          <a:bodyPr rtlCol="0" anchor="ctr"/>
+          <a:lstStyle/>
+          <a:p>
+            <a:pPr algn="ctr"/>
+            <a:endParaRPr lang="es-ES" dirty="0"/>
+          </a:p>
+        </p:txBody>
+      </p:sp>
+      <p:sp>
+        <p:nvSpPr>
+          <p:cNvPr id="35" name="34 Rectángulo"/>
+          <p:cNvSpPr/>
+          <p:nvPr/>
+        </p:nvSpPr>
+        <p:spPr>
+          <a:xfrm>
+            <a:off x="4370293" y="2270101"/>
+            <a:ext cx="1059754" cy="432048"/>
+          </a:xfrm>
+          <a:prstGeom prst="rect">
+            <a:avLst/>
+          </a:prstGeom>
+          <a:solidFill>
+            <a:schemeClr val="lt1">
+              <a:alpha val="0"/>
+            </a:schemeClr>
+          </a:solidFill>
+          <a:ln w="38100"/>
+        </p:spPr>
+        <p:style>
+          <a:lnRef idx="2">
+            <a:schemeClr val="accent5"/>
+          </a:lnRef>
+          <a:fillRef idx="1">
+            <a:schemeClr val="lt1"/>
+          </a:fillRef>
+          <a:effectRef idx="0">
+            <a:schemeClr val="accent5"/>
+          </a:effectRef>
+          <a:fontRef idx="minor">
+            <a:schemeClr val="dk1"/>
+          </a:fontRef>
+        </p:style>
+        <p:txBody>
+          <a:bodyPr rtlCol="0" anchor="ctr"/>
+          <a:lstStyle/>
+          <a:p>
+            <a:pPr algn="ctr"/>
+            <a:endParaRPr lang="es-ES"/>
+          </a:p>
+        </p:txBody>
+      </p:sp>
+      <p:sp>
+        <p:nvSpPr>
+          <p:cNvPr id="36" name="35 CuadroTexto"/>
+          <p:cNvSpPr txBox="1"/>
+          <p:nvPr/>
+        </p:nvSpPr>
+        <p:spPr>
+          <a:xfrm>
+            <a:off x="6571712" y="4200632"/>
+            <a:ext cx="2300454" cy="923330"/>
+          </a:xfrm>
+          <a:prstGeom prst="rect">
+            <a:avLst/>
+          </a:prstGeom>
+          <a:noFill/>
+        </p:spPr>
+        <p:txBody>
+          <a:bodyPr wrap="square" rtlCol="0">
+            <a:spAutoFit/>
+          </a:bodyPr>
+          <a:lstStyle/>
+          <a:p>
+            <a:pPr marL="342900" indent="-342900">
+              <a:buFont typeface="Arial" pitchFamily="34" charset="0"/>
+              <a:buChar char="•"/>
+            </a:pPr>
+            <a:r>
+              <a:rPr lang="es-ES" sz="1800" b="1" dirty="0" smtClean="0"/>
+              <a:t>Modelo diseño</a:t>
+            </a:r>
+          </a:p>
+          <a:p>
+            <a:pPr marL="342900" indent="-342900">
+              <a:buFont typeface="Arial" pitchFamily="34" charset="0"/>
+              <a:buChar char="•"/>
+            </a:pPr>
+            <a:r>
+              <a:rPr lang="es-ES" sz="1800" b="1" dirty="0" smtClean="0"/>
+              <a:t>Implementación</a:t>
+            </a:r>
+          </a:p>
+          <a:p>
+            <a:pPr marL="342900" indent="-342900">
+              <a:buFont typeface="Arial" pitchFamily="34" charset="0"/>
+              <a:buChar char="•"/>
+            </a:pPr>
+            <a:r>
+              <a:rPr lang="es-ES" sz="1800" b="1" dirty="0" smtClean="0"/>
+              <a:t>Pruebas</a:t>
+            </a:r>
+          </a:p>
+        </p:txBody>
+      </p:sp>
+      <p:sp>
+        <p:nvSpPr>
+          <p:cNvPr id="37" name="36 Llamada con línea 3"/>
+          <p:cNvSpPr/>
+          <p:nvPr/>
+        </p:nvSpPr>
+        <p:spPr>
+          <a:xfrm>
+            <a:off x="6550788" y="3998991"/>
+            <a:ext cx="2273217" cy="1633827"/>
+          </a:xfrm>
+          <a:prstGeom prst="borderCallout3">
+            <a:avLst>
+              <a:gd name="adj1" fmla="val 18750"/>
+              <a:gd name="adj2" fmla="val -8333"/>
+              <a:gd name="adj3" fmla="val 18170"/>
+              <a:gd name="adj4" fmla="val -26705"/>
+              <a:gd name="adj5" fmla="val -10200"/>
+              <a:gd name="adj6" fmla="val -25615"/>
+              <a:gd name="adj7" fmla="val -79035"/>
+              <a:gd name="adj8" fmla="val -26337"/>
+            </a:avLst>
+          </a:prstGeom>
+          <a:solidFill>
+            <a:schemeClr val="accent5">
+              <a:alpha val="26000"/>
+            </a:schemeClr>
+          </a:solidFill>
+        </p:spPr>
+        <p:style>
+          <a:lnRef idx="2">
+            <a:schemeClr val="accent5"/>
+          </a:lnRef>
+          <a:fillRef idx="1">
+            <a:schemeClr val="lt1"/>
+          </a:fillRef>
+          <a:effectRef idx="0">
+            <a:schemeClr val="accent5"/>
+          </a:effectRef>
+          <a:fontRef idx="minor">
+            <a:schemeClr val="dk1"/>
+          </a:fontRef>
+        </p:style>
+        <p:txBody>
+          <a:bodyPr rtlCol="0" anchor="ctr"/>
+          <a:lstStyle/>
+          <a:p>
+            <a:pPr algn="ctr"/>
+            <a:endParaRPr lang="es-ES" dirty="0"/>
+          </a:p>
+        </p:txBody>
+      </p:sp>
+      <p:sp>
+        <p:nvSpPr>
+          <p:cNvPr id="38" name="37 Rectángulo"/>
+          <p:cNvSpPr/>
+          <p:nvPr/>
+        </p:nvSpPr>
+        <p:spPr>
+          <a:xfrm>
+            <a:off x="5505851" y="2270101"/>
+            <a:ext cx="866349" cy="432048"/>
+          </a:xfrm>
+          <a:prstGeom prst="rect">
+            <a:avLst/>
+          </a:prstGeom>
+          <a:solidFill>
+            <a:schemeClr val="lt1">
+              <a:alpha val="0"/>
+            </a:schemeClr>
+          </a:solidFill>
+          <a:ln w="38100"/>
+        </p:spPr>
+        <p:style>
+          <a:lnRef idx="2">
+            <a:schemeClr val="accent5"/>
+          </a:lnRef>
+          <a:fillRef idx="1">
+            <a:schemeClr val="lt1"/>
+          </a:fillRef>
+          <a:effectRef idx="0">
+            <a:schemeClr val="accent5"/>
+          </a:effectRef>
+          <a:fontRef idx="minor">
+            <a:schemeClr val="dk1"/>
+          </a:fontRef>
+        </p:style>
+        <p:txBody>
+          <a:bodyPr rtlCol="0" anchor="ctr"/>
+          <a:lstStyle/>
+          <a:p>
+            <a:pPr algn="ctr"/>
+            <a:endParaRPr lang="es-ES"/>
+          </a:p>
+        </p:txBody>
+      </p:sp>
+      <p:sp>
+        <p:nvSpPr>
+          <p:cNvPr id="39" name="38 CuadroTexto"/>
+          <p:cNvSpPr txBox="1"/>
+          <p:nvPr/>
+        </p:nvSpPr>
+        <p:spPr>
+          <a:xfrm>
+            <a:off x="6631090" y="4374910"/>
+            <a:ext cx="2300454" cy="1200329"/>
+          </a:xfrm>
+          <a:prstGeom prst="rect">
+            <a:avLst/>
+          </a:prstGeom>
+          <a:noFill/>
+        </p:spPr>
+        <p:txBody>
+          <a:bodyPr wrap="square" rtlCol="0">
+            <a:spAutoFit/>
+          </a:bodyPr>
+          <a:lstStyle/>
+          <a:p>
+            <a:pPr marL="342900" indent="-342900">
+              <a:buFont typeface="Arial" pitchFamily="34" charset="0"/>
+              <a:buChar char="•"/>
+            </a:pPr>
+            <a:r>
+              <a:rPr lang="es-ES" sz="1800" b="1" dirty="0" smtClean="0"/>
+              <a:t>Despliegue</a:t>
+            </a:r>
+          </a:p>
+          <a:p>
+            <a:pPr marL="342900" indent="-342900">
+              <a:buFont typeface="Arial" pitchFamily="34" charset="0"/>
+              <a:buChar char="•"/>
+            </a:pPr>
+            <a:r>
+              <a:rPr lang="es-ES" sz="1800" b="1" dirty="0" smtClean="0"/>
+              <a:t>Distribución</a:t>
+            </a:r>
+          </a:p>
+          <a:p>
+            <a:pPr marL="342900" indent="-342900">
+              <a:buFont typeface="Arial" pitchFamily="34" charset="0"/>
+              <a:buChar char="•"/>
+            </a:pPr>
+            <a:r>
+              <a:rPr lang="es-ES" sz="1800" b="1" dirty="0" smtClean="0"/>
+              <a:t>Manuales</a:t>
+            </a:r>
+          </a:p>
+          <a:p>
+            <a:pPr marL="342900" indent="-342900">
+              <a:buFont typeface="Arial" pitchFamily="34" charset="0"/>
+              <a:buChar char="•"/>
+            </a:pPr>
+            <a:r>
+              <a:rPr lang="es-ES" sz="1800" b="1" dirty="0" smtClean="0"/>
+              <a:t>Documentación</a:t>
+            </a:r>
+            <a:endParaRPr lang="es-ES" sz="1800" b="1" dirty="0"/>
+          </a:p>
+        </p:txBody>
+      </p:sp>
     </p:spTree>
     <p:extLst>
       <p:ext uri="{BB962C8B-B14F-4D97-AF65-F5344CB8AC3E}">
@@ -23896,7 +25591,7 @@
         </p:nvSpPr>
         <p:spPr>
           <a:xfrm rot="16200000" flipH="1">
-            <a:off x="4653595" y="5496752"/>
+            <a:off x="4653595" y="5526584"/>
             <a:ext cx="286723" cy="1296145"/>
           </a:xfrm>
           <a:prstGeom prst="round1Rect">
@@ -24111,7 +25806,7 @@
         </p:nvSpPr>
         <p:spPr>
           <a:xfrm>
-            <a:off x="4102535" y="5981363"/>
+            <a:off x="4105323" y="6004375"/>
             <a:ext cx="1388842" cy="292388"/>
           </a:xfrm>
           <a:prstGeom prst="rect">
@@ -24835,7 +26530,7 @@
                   </a:schemeClr>
                 </a:solidFill>
               </a:rPr>
-              <a:t>WrokBench</a:t>
+              <a:t>WorkBench</a:t>
             </a:r>
             <a:endParaRPr lang="es-ES" sz="2000" dirty="0" smtClean="0">
               <a:solidFill>
@@ -25458,6 +27153,700 @@
       </p:grpSpPr>
       <p:sp>
         <p:nvSpPr>
+          <p:cNvPr id="15" name="14 Redondear rectángulo de esquina sencilla"/>
+          <p:cNvSpPr/>
+          <p:nvPr/>
+        </p:nvSpPr>
+        <p:spPr>
+          <a:xfrm rot="16200000" flipH="1">
+            <a:off x="741498" y="5499664"/>
+            <a:ext cx="286723" cy="1296145"/>
+          </a:xfrm>
+          <a:prstGeom prst="round1Rect">
+            <a:avLst>
+              <a:gd name="adj" fmla="val 50000"/>
+            </a:avLst>
+          </a:prstGeom>
+          <a:solidFill>
+            <a:schemeClr val="bg1">
+              <a:alpha val="50000"/>
+            </a:schemeClr>
+          </a:solidFill>
+          <a:ln w="25400" cmpd="sng">
+            <a:solidFill>
+              <a:srgbClr val="274F5F"/>
+            </a:solidFill>
+          </a:ln>
+          <a:effectLst/>
+        </p:spPr>
+        <p:style>
+          <a:lnRef idx="2">
+            <a:schemeClr val="accent1"/>
+          </a:lnRef>
+          <a:fillRef idx="1">
+            <a:schemeClr val="lt1"/>
+          </a:fillRef>
+          <a:effectRef idx="0">
+            <a:schemeClr val="accent1"/>
+          </a:effectRef>
+          <a:fontRef idx="minor">
+            <a:schemeClr val="dk1"/>
+          </a:fontRef>
+        </p:style>
+        <p:txBody>
+          <a:bodyPr anchor="ctr"/>
+          <a:lstStyle/>
+          <a:p>
+            <a:pPr algn="ctr" fontAlgn="auto">
+              <a:spcBef>
+                <a:spcPts val="0"/>
+              </a:spcBef>
+              <a:spcAft>
+                <a:spcPts val="0"/>
+              </a:spcAft>
+              <a:defRPr/>
+            </a:pPr>
+            <a:endParaRPr lang="es-ES" dirty="0"/>
+          </a:p>
+        </p:txBody>
+      </p:sp>
+      <p:sp>
+        <p:nvSpPr>
+          <p:cNvPr id="2" name="1 Marcador de fecha"/>
+          <p:cNvSpPr>
+            <a:spLocks noGrp="1"/>
+          </p:cNvSpPr>
+          <p:nvPr>
+            <p:ph type="dt" sz="half" idx="10"/>
+          </p:nvPr>
+        </p:nvSpPr>
+        <p:spPr/>
+        <p:txBody>
+          <a:bodyPr/>
+          <a:lstStyle/>
+          <a:p>
+            <a:fld id="{273BB294-DEFA-4617-B3B3-CF6ACB1E4094}" type="datetime1">
+              <a:rPr lang="es-ES" smtClean="0"/>
+              <a:t>24/01/2012</a:t>
+            </a:fld>
+            <a:endParaRPr lang="es-ES" dirty="0"/>
+          </a:p>
+        </p:txBody>
+      </p:sp>
+      <p:sp>
+        <p:nvSpPr>
+          <p:cNvPr id="4" name="3 Marcador de número de diapositiva"/>
+          <p:cNvSpPr>
+            <a:spLocks noGrp="1"/>
+          </p:cNvSpPr>
+          <p:nvPr>
+            <p:ph type="sldNum" sz="quarter" idx="12"/>
+          </p:nvPr>
+        </p:nvSpPr>
+        <p:spPr/>
+        <p:txBody>
+          <a:bodyPr/>
+          <a:lstStyle/>
+          <a:p>
+            <a:fld id="{2E16987B-1223-45F3-900E-A014D2035EDD}" type="slidenum">
+              <a:rPr lang="es-ES" smtClean="0"/>
+              <a:t>24</a:t>
+            </a:fld>
+            <a:endParaRPr lang="es-ES"/>
+          </a:p>
+        </p:txBody>
+      </p:sp>
+      <p:sp>
+        <p:nvSpPr>
+          <p:cNvPr id="7" name="6 Redondear rectángulo de esquina sencilla"/>
+          <p:cNvSpPr/>
+          <p:nvPr/>
+        </p:nvSpPr>
+        <p:spPr>
+          <a:xfrm rot="16200000" flipH="1">
+            <a:off x="5926448" y="5496145"/>
+            <a:ext cx="286723" cy="1296145"/>
+          </a:xfrm>
+          <a:prstGeom prst="round1Rect">
+            <a:avLst>
+              <a:gd name="adj" fmla="val 50000"/>
+            </a:avLst>
+          </a:prstGeom>
+          <a:ln/>
+        </p:spPr>
+        <p:style>
+          <a:lnRef idx="1">
+            <a:schemeClr val="accent3"/>
+          </a:lnRef>
+          <a:fillRef idx="2">
+            <a:schemeClr val="accent3"/>
+          </a:fillRef>
+          <a:effectRef idx="1">
+            <a:schemeClr val="accent3"/>
+          </a:effectRef>
+          <a:fontRef idx="minor">
+            <a:schemeClr val="dk1"/>
+          </a:fontRef>
+        </p:style>
+        <p:txBody>
+          <a:bodyPr anchor="ctr"/>
+          <a:lstStyle/>
+          <a:p>
+            <a:pPr algn="ctr" fontAlgn="auto">
+              <a:spcBef>
+                <a:spcPts val="0"/>
+              </a:spcBef>
+              <a:spcAft>
+                <a:spcPts val="0"/>
+              </a:spcAft>
+              <a:defRPr/>
+            </a:pPr>
+            <a:endParaRPr lang="es-ES" dirty="0"/>
+          </a:p>
+        </p:txBody>
+      </p:sp>
+      <p:sp>
+        <p:nvSpPr>
+          <p:cNvPr id="6" name="5 CuadroTexto"/>
+          <p:cNvSpPr txBox="1"/>
+          <p:nvPr/>
+        </p:nvSpPr>
+        <p:spPr>
+          <a:xfrm>
+            <a:off x="348981" y="6013413"/>
+            <a:ext cx="1380629" cy="261610"/>
+          </a:xfrm>
+          <a:prstGeom prst="rect">
+            <a:avLst/>
+          </a:prstGeom>
+          <a:noFill/>
+          <a:effectLst>
+            <a:glow rad="101600">
+              <a:schemeClr val="accent5">
+                <a:satMod val="175000"/>
+                <a:alpha val="40000"/>
+              </a:schemeClr>
+            </a:glow>
+          </a:effectLst>
+        </p:spPr>
+        <p:txBody>
+          <a:bodyPr wrap="square" rtlCol="0">
+            <a:spAutoFit/>
+          </a:bodyPr>
+          <a:lstStyle>
+            <a:defPPr>
+              <a:defRPr lang="es-ES"/>
+            </a:defPPr>
+            <a:lvl1pPr>
+              <a:defRPr sz="1100">
+                <a:solidFill>
+                  <a:srgbClr val="274F5F"/>
+                </a:solidFill>
+              </a:defRPr>
+            </a:lvl1pPr>
+          </a:lstStyle>
+          <a:p>
+            <a:r>
+              <a:rPr lang="es-ES" dirty="0"/>
+              <a:t>Introducción</a:t>
+            </a:r>
+          </a:p>
+        </p:txBody>
+      </p:sp>
+      <p:sp>
+        <p:nvSpPr>
+          <p:cNvPr id="16" name="15 Redondear rectángulo de esquina sencilla"/>
+          <p:cNvSpPr/>
+          <p:nvPr/>
+        </p:nvSpPr>
+        <p:spPr>
+          <a:xfrm rot="16200000" flipH="1">
+            <a:off x="2046323" y="5500600"/>
+            <a:ext cx="286723" cy="1296145"/>
+          </a:xfrm>
+          <a:prstGeom prst="round1Rect">
+            <a:avLst>
+              <a:gd name="adj" fmla="val 50000"/>
+            </a:avLst>
+          </a:prstGeom>
+          <a:solidFill>
+            <a:schemeClr val="bg1">
+              <a:alpha val="50000"/>
+            </a:schemeClr>
+          </a:solidFill>
+          <a:ln w="25400" cmpd="sng">
+            <a:solidFill>
+              <a:srgbClr val="274F5F"/>
+            </a:solidFill>
+          </a:ln>
+          <a:effectLst/>
+        </p:spPr>
+        <p:style>
+          <a:lnRef idx="2">
+            <a:schemeClr val="accent1"/>
+          </a:lnRef>
+          <a:fillRef idx="1">
+            <a:schemeClr val="lt1"/>
+          </a:fillRef>
+          <a:effectRef idx="0">
+            <a:schemeClr val="accent1"/>
+          </a:effectRef>
+          <a:fontRef idx="minor">
+            <a:schemeClr val="dk1"/>
+          </a:fontRef>
+        </p:style>
+        <p:txBody>
+          <a:bodyPr anchor="ctr"/>
+          <a:lstStyle/>
+          <a:p>
+            <a:pPr algn="ctr" fontAlgn="auto">
+              <a:spcBef>
+                <a:spcPts val="0"/>
+              </a:spcBef>
+              <a:spcAft>
+                <a:spcPts val="0"/>
+              </a:spcAft>
+              <a:defRPr/>
+            </a:pPr>
+            <a:endParaRPr lang="es-ES" dirty="0"/>
+          </a:p>
+        </p:txBody>
+      </p:sp>
+      <p:sp>
+        <p:nvSpPr>
+          <p:cNvPr id="17" name="16 Redondear rectángulo de esquina sencilla"/>
+          <p:cNvSpPr/>
+          <p:nvPr/>
+        </p:nvSpPr>
+        <p:spPr>
+          <a:xfrm rot="16200000" flipH="1">
+            <a:off x="3342469" y="5501148"/>
+            <a:ext cx="286723" cy="1296145"/>
+          </a:xfrm>
+          <a:prstGeom prst="round1Rect">
+            <a:avLst>
+              <a:gd name="adj" fmla="val 50000"/>
+            </a:avLst>
+          </a:prstGeom>
+          <a:solidFill>
+            <a:schemeClr val="bg1">
+              <a:alpha val="50000"/>
+            </a:schemeClr>
+          </a:solidFill>
+          <a:ln w="25400" cmpd="sng">
+            <a:solidFill>
+              <a:srgbClr val="274F5F"/>
+            </a:solidFill>
+          </a:ln>
+          <a:effectLst/>
+        </p:spPr>
+        <p:style>
+          <a:lnRef idx="2">
+            <a:schemeClr val="accent1"/>
+          </a:lnRef>
+          <a:fillRef idx="1">
+            <a:schemeClr val="lt1"/>
+          </a:fillRef>
+          <a:effectRef idx="0">
+            <a:schemeClr val="accent1"/>
+          </a:effectRef>
+          <a:fontRef idx="minor">
+            <a:schemeClr val="dk1"/>
+          </a:fontRef>
+        </p:style>
+        <p:txBody>
+          <a:bodyPr anchor="ctr"/>
+          <a:lstStyle/>
+          <a:p>
+            <a:pPr algn="ctr" fontAlgn="auto">
+              <a:spcBef>
+                <a:spcPts val="0"/>
+              </a:spcBef>
+              <a:spcAft>
+                <a:spcPts val="0"/>
+              </a:spcAft>
+              <a:defRPr/>
+            </a:pPr>
+            <a:endParaRPr lang="es-ES" dirty="0"/>
+          </a:p>
+        </p:txBody>
+      </p:sp>
+      <p:sp>
+        <p:nvSpPr>
+          <p:cNvPr id="18" name="17 CuadroTexto"/>
+          <p:cNvSpPr txBox="1"/>
+          <p:nvPr/>
+        </p:nvSpPr>
+        <p:spPr>
+          <a:xfrm>
+            <a:off x="5539928" y="5995191"/>
+            <a:ext cx="1388842" cy="292388"/>
+          </a:xfrm>
+          <a:prstGeom prst="rect">
+            <a:avLst/>
+          </a:prstGeom>
+          <a:noFill/>
+          <a:effectLst>
+            <a:glow rad="101600">
+              <a:schemeClr val="accent5">
+                <a:satMod val="175000"/>
+                <a:alpha val="40000"/>
+              </a:schemeClr>
+            </a:glow>
+          </a:effectLst>
+        </p:spPr>
+        <p:txBody>
+          <a:bodyPr wrap="square" rtlCol="0">
+            <a:spAutoFit/>
+          </a:bodyPr>
+          <a:lstStyle/>
+          <a:p>
+            <a:r>
+              <a:rPr lang="es-ES" sz="1300" b="1" dirty="0" smtClean="0">
+                <a:solidFill>
+                  <a:schemeClr val="bg2">
+                    <a:lumMod val="25000"/>
+                  </a:schemeClr>
+                </a:solidFill>
+              </a:rPr>
+              <a:t>Resultados</a:t>
+            </a:r>
+            <a:endParaRPr lang="es-ES" sz="1300" b="1" dirty="0">
+              <a:solidFill>
+                <a:schemeClr val="bg2">
+                  <a:lumMod val="25000"/>
+                </a:schemeClr>
+              </a:solidFill>
+            </a:endParaRPr>
+          </a:p>
+        </p:txBody>
+      </p:sp>
+      <p:sp>
+        <p:nvSpPr>
+          <p:cNvPr id="20" name="19 CuadroTexto"/>
+          <p:cNvSpPr txBox="1"/>
+          <p:nvPr/>
+        </p:nvSpPr>
+        <p:spPr>
+          <a:xfrm>
+            <a:off x="1764312" y="6016401"/>
+            <a:ext cx="949272" cy="261610"/>
+          </a:xfrm>
+          <a:prstGeom prst="rect">
+            <a:avLst/>
+          </a:prstGeom>
+          <a:noFill/>
+          <a:effectLst>
+            <a:glow rad="101600">
+              <a:schemeClr val="accent5">
+                <a:satMod val="175000"/>
+                <a:alpha val="40000"/>
+              </a:schemeClr>
+            </a:glow>
+          </a:effectLst>
+        </p:spPr>
+        <p:txBody>
+          <a:bodyPr wrap="square" rtlCol="0">
+            <a:spAutoFit/>
+          </a:bodyPr>
+          <a:lstStyle/>
+          <a:p>
+            <a:r>
+              <a:rPr lang="es-ES" sz="1100" dirty="0" smtClean="0">
+                <a:solidFill>
+                  <a:srgbClr val="274F5F"/>
+                </a:solidFill>
+              </a:rPr>
+              <a:t>Objetivos</a:t>
+            </a:r>
+          </a:p>
+        </p:txBody>
+      </p:sp>
+      <p:sp>
+        <p:nvSpPr>
+          <p:cNvPr id="21" name="20 CuadroTexto"/>
+          <p:cNvSpPr txBox="1"/>
+          <p:nvPr/>
+        </p:nvSpPr>
+        <p:spPr>
+          <a:xfrm>
+            <a:off x="2992015" y="6018415"/>
+            <a:ext cx="1218087" cy="261610"/>
+          </a:xfrm>
+          <a:prstGeom prst="rect">
+            <a:avLst/>
+          </a:prstGeom>
+          <a:noFill/>
+          <a:effectLst>
+            <a:glow rad="101600">
+              <a:schemeClr val="accent5">
+                <a:satMod val="175000"/>
+                <a:alpha val="40000"/>
+              </a:schemeClr>
+            </a:glow>
+          </a:effectLst>
+        </p:spPr>
+        <p:txBody>
+          <a:bodyPr wrap="square" rtlCol="0">
+            <a:spAutoFit/>
+          </a:bodyPr>
+          <a:lstStyle/>
+          <a:p>
+            <a:r>
+              <a:rPr lang="es-ES" sz="1100" dirty="0" smtClean="0">
+                <a:solidFill>
+                  <a:srgbClr val="274F5F"/>
+                </a:solidFill>
+              </a:rPr>
+              <a:t>Estado Arte</a:t>
+            </a:r>
+          </a:p>
+        </p:txBody>
+      </p:sp>
+      <p:sp>
+        <p:nvSpPr>
+          <p:cNvPr id="22" name="21 Redondear rectángulo de esquina sencilla"/>
+          <p:cNvSpPr/>
+          <p:nvPr/>
+        </p:nvSpPr>
+        <p:spPr>
+          <a:xfrm rot="16200000" flipH="1">
+            <a:off x="4636331" y="5501148"/>
+            <a:ext cx="286723" cy="1296145"/>
+          </a:xfrm>
+          <a:prstGeom prst="round1Rect">
+            <a:avLst>
+              <a:gd name="adj" fmla="val 50000"/>
+            </a:avLst>
+          </a:prstGeom>
+          <a:solidFill>
+            <a:schemeClr val="bg1">
+              <a:alpha val="50000"/>
+            </a:schemeClr>
+          </a:solidFill>
+          <a:ln w="25400" cmpd="sng">
+            <a:solidFill>
+              <a:srgbClr val="274F5F"/>
+            </a:solidFill>
+          </a:ln>
+          <a:effectLst/>
+        </p:spPr>
+        <p:style>
+          <a:lnRef idx="2">
+            <a:schemeClr val="accent1"/>
+          </a:lnRef>
+          <a:fillRef idx="1">
+            <a:schemeClr val="lt1"/>
+          </a:fillRef>
+          <a:effectRef idx="0">
+            <a:schemeClr val="accent1"/>
+          </a:effectRef>
+          <a:fontRef idx="minor">
+            <a:schemeClr val="dk1"/>
+          </a:fontRef>
+        </p:style>
+        <p:txBody>
+          <a:bodyPr anchor="ctr"/>
+          <a:lstStyle/>
+          <a:p>
+            <a:pPr algn="ctr" fontAlgn="auto">
+              <a:spcBef>
+                <a:spcPts val="0"/>
+              </a:spcBef>
+              <a:spcAft>
+                <a:spcPts val="0"/>
+              </a:spcAft>
+              <a:defRPr/>
+            </a:pPr>
+            <a:endParaRPr lang="es-ES" dirty="0"/>
+          </a:p>
+        </p:txBody>
+      </p:sp>
+      <p:sp>
+        <p:nvSpPr>
+          <p:cNvPr id="23" name="22 CuadroTexto"/>
+          <p:cNvSpPr txBox="1"/>
+          <p:nvPr/>
+        </p:nvSpPr>
+        <p:spPr>
+          <a:xfrm>
+            <a:off x="4207423" y="6020144"/>
+            <a:ext cx="1214313" cy="261610"/>
+          </a:xfrm>
+          <a:prstGeom prst="rect">
+            <a:avLst/>
+          </a:prstGeom>
+          <a:noFill/>
+          <a:effectLst>
+            <a:glow rad="101600">
+              <a:schemeClr val="accent5">
+                <a:satMod val="175000"/>
+                <a:alpha val="40000"/>
+              </a:schemeClr>
+            </a:glow>
+          </a:effectLst>
+        </p:spPr>
+        <p:txBody>
+          <a:bodyPr wrap="square" rtlCol="0">
+            <a:spAutoFit/>
+          </a:bodyPr>
+          <a:lstStyle/>
+          <a:p>
+            <a:r>
+              <a:rPr lang="es-ES" sz="1100" dirty="0" smtClean="0">
+                <a:solidFill>
+                  <a:srgbClr val="274F5F"/>
+                </a:solidFill>
+              </a:rPr>
+              <a:t>Método trabajo</a:t>
+            </a:r>
+            <a:endParaRPr lang="es-ES" sz="1100" dirty="0" smtClean="0">
+              <a:solidFill>
+                <a:srgbClr val="274F5F"/>
+              </a:solidFill>
+            </a:endParaRPr>
+          </a:p>
+        </p:txBody>
+      </p:sp>
+      <p:sp>
+        <p:nvSpPr>
+          <p:cNvPr id="24" name="23 Redondear rectángulo de esquina sencilla"/>
+          <p:cNvSpPr/>
+          <p:nvPr/>
+        </p:nvSpPr>
+        <p:spPr>
+          <a:xfrm rot="16200000" flipH="1">
+            <a:off x="7230903" y="5486577"/>
+            <a:ext cx="286723" cy="1296145"/>
+          </a:xfrm>
+          <a:prstGeom prst="round1Rect">
+            <a:avLst>
+              <a:gd name="adj" fmla="val 50000"/>
+            </a:avLst>
+          </a:prstGeom>
+          <a:solidFill>
+            <a:schemeClr val="bg1">
+              <a:alpha val="50000"/>
+            </a:schemeClr>
+          </a:solidFill>
+          <a:ln w="25400" cmpd="sng">
+            <a:solidFill>
+              <a:srgbClr val="274F5F"/>
+            </a:solidFill>
+          </a:ln>
+          <a:effectLst/>
+        </p:spPr>
+        <p:style>
+          <a:lnRef idx="2">
+            <a:schemeClr val="accent1"/>
+          </a:lnRef>
+          <a:fillRef idx="1">
+            <a:schemeClr val="lt1"/>
+          </a:fillRef>
+          <a:effectRef idx="0">
+            <a:schemeClr val="accent1"/>
+          </a:effectRef>
+          <a:fontRef idx="minor">
+            <a:schemeClr val="dk1"/>
+          </a:fontRef>
+        </p:style>
+        <p:txBody>
+          <a:bodyPr anchor="ctr"/>
+          <a:lstStyle/>
+          <a:p>
+            <a:pPr algn="ctr" fontAlgn="auto">
+              <a:spcBef>
+                <a:spcPts val="0"/>
+              </a:spcBef>
+              <a:spcAft>
+                <a:spcPts val="0"/>
+              </a:spcAft>
+              <a:defRPr/>
+            </a:pPr>
+            <a:endParaRPr lang="es-ES" dirty="0"/>
+          </a:p>
+        </p:txBody>
+      </p:sp>
+      <p:sp>
+        <p:nvSpPr>
+          <p:cNvPr id="25" name="24 CuadroTexto"/>
+          <p:cNvSpPr txBox="1"/>
+          <p:nvPr/>
+        </p:nvSpPr>
+        <p:spPr>
+          <a:xfrm>
+            <a:off x="6788501" y="6014365"/>
+            <a:ext cx="1149172" cy="261610"/>
+          </a:xfrm>
+          <a:prstGeom prst="rect">
+            <a:avLst/>
+          </a:prstGeom>
+          <a:noFill/>
+          <a:effectLst>
+            <a:glow rad="101600">
+              <a:schemeClr val="accent5">
+                <a:satMod val="175000"/>
+                <a:alpha val="40000"/>
+              </a:schemeClr>
+            </a:glow>
+          </a:effectLst>
+        </p:spPr>
+        <p:txBody>
+          <a:bodyPr wrap="square" rtlCol="0">
+            <a:spAutoFit/>
+          </a:bodyPr>
+          <a:lstStyle/>
+          <a:p>
+            <a:r>
+              <a:rPr lang="es-ES" sz="1100" dirty="0" smtClean="0">
+                <a:solidFill>
+                  <a:srgbClr val="274F5F"/>
+                </a:solidFill>
+              </a:rPr>
+              <a:t>Conclusiones</a:t>
+            </a:r>
+          </a:p>
+        </p:txBody>
+      </p:sp>
+    </p:spTree>
+    <p:extLst>
+      <p:ext uri="{BB962C8B-B14F-4D97-AF65-F5344CB8AC3E}">
+        <p14:creationId xmlns:p14="http://schemas.microsoft.com/office/powerpoint/2010/main" val="4205972094"/>
+      </p:ext>
+    </p:extLst>
+  </p:cSld>
+  <p:clrMapOvr>
+    <a:masterClrMapping/>
+  </p:clrMapOvr>
+  <p:timing>
+    <p:tnLst>
+      <p:par>
+        <p:cTn id="1" dur="indefinite" restart="never" nodeType="tmRoot"/>
+      </p:par>
+    </p:tnLst>
+  </p:timing>
+</p:sld>
+</file>
+
+<file path=ppt/slides/slide25.xml><?xml version="1.0" encoding="utf-8"?>
+<p:sld xmlns:a="http://schemas.openxmlformats.org/drawingml/2006/main" xmlns:r="http://schemas.openxmlformats.org/officeDocument/2006/relationships" xmlns:p="http://schemas.openxmlformats.org/presentationml/2006/main">
+  <p:cSld>
+    <p:spTree>
+      <p:nvGrpSpPr>
+        <p:cNvPr id="1" name=""/>
+        <p:cNvGrpSpPr/>
+        <p:nvPr/>
+      </p:nvGrpSpPr>
+      <p:grpSpPr>
+        <a:xfrm>
+          <a:off x="0" y="0"/>
+          <a:ext cx="0" cy="0"/>
+          <a:chOff x="0" y="0"/>
+          <a:chExt cx="0" cy="0"/>
+        </a:xfrm>
+      </p:grpSpPr>
+      <p:sp>
+        <p:nvSpPr>
           <p:cNvPr id="2" name="1 Título"/>
           <p:cNvSpPr>
             <a:spLocks noGrp="1"/>
@@ -25494,7 +27883,7 @@
           <p:nvPr/>
         </p:nvPicPr>
         <p:blipFill>
-          <a:blip r:embed="rId2">
+          <a:blip r:embed="rId3">
             <a:extLst>
               <a:ext uri="{28A0092B-C50C-407E-A947-70E740481C1C}">
                 <a14:useLocalDpi xmlns:a14="http://schemas.microsoft.com/office/drawing/2010/main" val="0"/>
@@ -25519,6 +27908,4902 @@
     <p:extLst>
       <p:ext uri="{BB962C8B-B14F-4D97-AF65-F5344CB8AC3E}">
         <p14:creationId xmlns:p14="http://schemas.microsoft.com/office/powerpoint/2010/main" val="2915453451"/>
+      </p:ext>
+    </p:extLst>
+  </p:cSld>
+  <p:clrMapOvr>
+    <a:masterClrMapping/>
+  </p:clrMapOvr>
+  <p:timing>
+    <p:tnLst>
+      <p:par>
+        <p:cTn id="1" dur="indefinite" restart="never" nodeType="tmRoot"/>
+      </p:par>
+    </p:tnLst>
+  </p:timing>
+</p:sld>
+</file>
+
+<file path=ppt/slides/slide26.xml><?xml version="1.0" encoding="utf-8"?>
+<p:sld xmlns:a="http://schemas.openxmlformats.org/drawingml/2006/main" xmlns:r="http://schemas.openxmlformats.org/officeDocument/2006/relationships" xmlns:p="http://schemas.openxmlformats.org/presentationml/2006/main">
+  <p:cSld>
+    <p:spTree>
+      <p:nvGrpSpPr>
+        <p:cNvPr id="1" name=""/>
+        <p:cNvGrpSpPr/>
+        <p:nvPr/>
+      </p:nvGrpSpPr>
+      <p:grpSpPr>
+        <a:xfrm>
+          <a:off x="0" y="0"/>
+          <a:ext cx="0" cy="0"/>
+          <a:chOff x="0" y="0"/>
+          <a:chExt cx="0" cy="0"/>
+        </a:xfrm>
+      </p:grpSpPr>
+      <p:sp>
+        <p:nvSpPr>
+          <p:cNvPr id="15" name="14 Redondear rectángulo de esquina sencilla"/>
+          <p:cNvSpPr/>
+          <p:nvPr/>
+        </p:nvSpPr>
+        <p:spPr>
+          <a:xfrm rot="16200000" flipH="1">
+            <a:off x="741498" y="5499664"/>
+            <a:ext cx="286723" cy="1296145"/>
+          </a:xfrm>
+          <a:prstGeom prst="round1Rect">
+            <a:avLst>
+              <a:gd name="adj" fmla="val 50000"/>
+            </a:avLst>
+          </a:prstGeom>
+          <a:solidFill>
+            <a:schemeClr val="bg1">
+              <a:alpha val="50000"/>
+            </a:schemeClr>
+          </a:solidFill>
+          <a:ln w="25400" cmpd="sng">
+            <a:solidFill>
+              <a:srgbClr val="274F5F"/>
+            </a:solidFill>
+          </a:ln>
+          <a:effectLst/>
+        </p:spPr>
+        <p:style>
+          <a:lnRef idx="2">
+            <a:schemeClr val="accent1"/>
+          </a:lnRef>
+          <a:fillRef idx="1">
+            <a:schemeClr val="lt1"/>
+          </a:fillRef>
+          <a:effectRef idx="0">
+            <a:schemeClr val="accent1"/>
+          </a:effectRef>
+          <a:fontRef idx="minor">
+            <a:schemeClr val="dk1"/>
+          </a:fontRef>
+        </p:style>
+        <p:txBody>
+          <a:bodyPr anchor="ctr"/>
+          <a:lstStyle/>
+          <a:p>
+            <a:pPr algn="ctr" fontAlgn="auto">
+              <a:spcBef>
+                <a:spcPts val="0"/>
+              </a:spcBef>
+              <a:spcAft>
+                <a:spcPts val="0"/>
+              </a:spcAft>
+              <a:defRPr/>
+            </a:pPr>
+            <a:endParaRPr lang="es-ES" dirty="0"/>
+          </a:p>
+        </p:txBody>
+      </p:sp>
+      <p:sp>
+        <p:nvSpPr>
+          <p:cNvPr id="2" name="1 Marcador de fecha"/>
+          <p:cNvSpPr>
+            <a:spLocks noGrp="1"/>
+          </p:cNvSpPr>
+          <p:nvPr>
+            <p:ph type="dt" sz="half" idx="10"/>
+          </p:nvPr>
+        </p:nvSpPr>
+        <p:spPr/>
+        <p:txBody>
+          <a:bodyPr/>
+          <a:lstStyle/>
+          <a:p>
+            <a:fld id="{273BB294-DEFA-4617-B3B3-CF6ACB1E4094}" type="datetime1">
+              <a:rPr lang="es-ES" smtClean="0"/>
+              <a:t>24/01/2012</a:t>
+            </a:fld>
+            <a:endParaRPr lang="es-ES" dirty="0"/>
+          </a:p>
+        </p:txBody>
+      </p:sp>
+      <p:sp>
+        <p:nvSpPr>
+          <p:cNvPr id="4" name="3 Marcador de número de diapositiva"/>
+          <p:cNvSpPr>
+            <a:spLocks noGrp="1"/>
+          </p:cNvSpPr>
+          <p:nvPr>
+            <p:ph type="sldNum" sz="quarter" idx="12"/>
+          </p:nvPr>
+        </p:nvSpPr>
+        <p:spPr/>
+        <p:txBody>
+          <a:bodyPr/>
+          <a:lstStyle/>
+          <a:p>
+            <a:fld id="{2E16987B-1223-45F3-900E-A014D2035EDD}" type="slidenum">
+              <a:rPr lang="es-ES" smtClean="0"/>
+              <a:t>26</a:t>
+            </a:fld>
+            <a:endParaRPr lang="es-ES"/>
+          </a:p>
+        </p:txBody>
+      </p:sp>
+      <p:sp>
+        <p:nvSpPr>
+          <p:cNvPr id="7" name="6 Redondear rectángulo de esquina sencilla"/>
+          <p:cNvSpPr/>
+          <p:nvPr/>
+        </p:nvSpPr>
+        <p:spPr>
+          <a:xfrm rot="16200000" flipH="1">
+            <a:off x="7228621" y="5502819"/>
+            <a:ext cx="286723" cy="1296145"/>
+          </a:xfrm>
+          <a:prstGeom prst="round1Rect">
+            <a:avLst>
+              <a:gd name="adj" fmla="val 50000"/>
+            </a:avLst>
+          </a:prstGeom>
+          <a:ln/>
+        </p:spPr>
+        <p:style>
+          <a:lnRef idx="1">
+            <a:schemeClr val="accent3"/>
+          </a:lnRef>
+          <a:fillRef idx="2">
+            <a:schemeClr val="accent3"/>
+          </a:fillRef>
+          <a:effectRef idx="1">
+            <a:schemeClr val="accent3"/>
+          </a:effectRef>
+          <a:fontRef idx="minor">
+            <a:schemeClr val="dk1"/>
+          </a:fontRef>
+        </p:style>
+        <p:txBody>
+          <a:bodyPr anchor="ctr"/>
+          <a:lstStyle/>
+          <a:p>
+            <a:pPr algn="ctr" fontAlgn="auto">
+              <a:spcBef>
+                <a:spcPts val="0"/>
+              </a:spcBef>
+              <a:spcAft>
+                <a:spcPts val="0"/>
+              </a:spcAft>
+              <a:defRPr/>
+            </a:pPr>
+            <a:endParaRPr lang="es-ES" dirty="0"/>
+          </a:p>
+        </p:txBody>
+      </p:sp>
+      <p:sp>
+        <p:nvSpPr>
+          <p:cNvPr id="6" name="5 CuadroTexto"/>
+          <p:cNvSpPr txBox="1"/>
+          <p:nvPr/>
+        </p:nvSpPr>
+        <p:spPr>
+          <a:xfrm>
+            <a:off x="348981" y="6013413"/>
+            <a:ext cx="1380629" cy="261610"/>
+          </a:xfrm>
+          <a:prstGeom prst="rect">
+            <a:avLst/>
+          </a:prstGeom>
+          <a:noFill/>
+          <a:effectLst>
+            <a:glow rad="101600">
+              <a:schemeClr val="accent5">
+                <a:satMod val="175000"/>
+                <a:alpha val="40000"/>
+              </a:schemeClr>
+            </a:glow>
+          </a:effectLst>
+        </p:spPr>
+        <p:txBody>
+          <a:bodyPr wrap="square" rtlCol="0">
+            <a:spAutoFit/>
+          </a:bodyPr>
+          <a:lstStyle>
+            <a:defPPr>
+              <a:defRPr lang="es-ES"/>
+            </a:defPPr>
+            <a:lvl1pPr>
+              <a:defRPr sz="1100">
+                <a:solidFill>
+                  <a:srgbClr val="274F5F"/>
+                </a:solidFill>
+              </a:defRPr>
+            </a:lvl1pPr>
+          </a:lstStyle>
+          <a:p>
+            <a:r>
+              <a:rPr lang="es-ES" dirty="0"/>
+              <a:t>Introducción</a:t>
+            </a:r>
+          </a:p>
+        </p:txBody>
+      </p:sp>
+      <p:sp>
+        <p:nvSpPr>
+          <p:cNvPr id="16" name="15 Redondear rectángulo de esquina sencilla"/>
+          <p:cNvSpPr/>
+          <p:nvPr/>
+        </p:nvSpPr>
+        <p:spPr>
+          <a:xfrm rot="16200000" flipH="1">
+            <a:off x="2046323" y="5500600"/>
+            <a:ext cx="286723" cy="1296145"/>
+          </a:xfrm>
+          <a:prstGeom prst="round1Rect">
+            <a:avLst>
+              <a:gd name="adj" fmla="val 50000"/>
+            </a:avLst>
+          </a:prstGeom>
+          <a:solidFill>
+            <a:schemeClr val="bg1">
+              <a:alpha val="50000"/>
+            </a:schemeClr>
+          </a:solidFill>
+          <a:ln w="25400" cmpd="sng">
+            <a:solidFill>
+              <a:srgbClr val="274F5F"/>
+            </a:solidFill>
+          </a:ln>
+          <a:effectLst/>
+        </p:spPr>
+        <p:style>
+          <a:lnRef idx="2">
+            <a:schemeClr val="accent1"/>
+          </a:lnRef>
+          <a:fillRef idx="1">
+            <a:schemeClr val="lt1"/>
+          </a:fillRef>
+          <a:effectRef idx="0">
+            <a:schemeClr val="accent1"/>
+          </a:effectRef>
+          <a:fontRef idx="minor">
+            <a:schemeClr val="dk1"/>
+          </a:fontRef>
+        </p:style>
+        <p:txBody>
+          <a:bodyPr anchor="ctr"/>
+          <a:lstStyle/>
+          <a:p>
+            <a:pPr algn="ctr" fontAlgn="auto">
+              <a:spcBef>
+                <a:spcPts val="0"/>
+              </a:spcBef>
+              <a:spcAft>
+                <a:spcPts val="0"/>
+              </a:spcAft>
+              <a:defRPr/>
+            </a:pPr>
+            <a:endParaRPr lang="es-ES" dirty="0"/>
+          </a:p>
+        </p:txBody>
+      </p:sp>
+      <p:sp>
+        <p:nvSpPr>
+          <p:cNvPr id="17" name="16 Redondear rectángulo de esquina sencilla"/>
+          <p:cNvSpPr/>
+          <p:nvPr/>
+        </p:nvSpPr>
+        <p:spPr>
+          <a:xfrm rot="16200000" flipH="1">
+            <a:off x="3342469" y="5501148"/>
+            <a:ext cx="286723" cy="1296145"/>
+          </a:xfrm>
+          <a:prstGeom prst="round1Rect">
+            <a:avLst>
+              <a:gd name="adj" fmla="val 50000"/>
+            </a:avLst>
+          </a:prstGeom>
+          <a:solidFill>
+            <a:schemeClr val="bg1">
+              <a:alpha val="50000"/>
+            </a:schemeClr>
+          </a:solidFill>
+          <a:ln w="25400" cmpd="sng">
+            <a:solidFill>
+              <a:srgbClr val="274F5F"/>
+            </a:solidFill>
+          </a:ln>
+          <a:effectLst/>
+        </p:spPr>
+        <p:style>
+          <a:lnRef idx="2">
+            <a:schemeClr val="accent1"/>
+          </a:lnRef>
+          <a:fillRef idx="1">
+            <a:schemeClr val="lt1"/>
+          </a:fillRef>
+          <a:effectRef idx="0">
+            <a:schemeClr val="accent1"/>
+          </a:effectRef>
+          <a:fontRef idx="minor">
+            <a:schemeClr val="dk1"/>
+          </a:fontRef>
+        </p:style>
+        <p:txBody>
+          <a:bodyPr anchor="ctr"/>
+          <a:lstStyle/>
+          <a:p>
+            <a:pPr algn="ctr" fontAlgn="auto">
+              <a:spcBef>
+                <a:spcPts val="0"/>
+              </a:spcBef>
+              <a:spcAft>
+                <a:spcPts val="0"/>
+              </a:spcAft>
+              <a:defRPr/>
+            </a:pPr>
+            <a:endParaRPr lang="es-ES" dirty="0"/>
+          </a:p>
+        </p:txBody>
+      </p:sp>
+      <p:sp>
+        <p:nvSpPr>
+          <p:cNvPr id="18" name="17 CuadroTexto"/>
+          <p:cNvSpPr txBox="1"/>
+          <p:nvPr/>
+        </p:nvSpPr>
+        <p:spPr>
+          <a:xfrm>
+            <a:off x="6758537" y="6011532"/>
+            <a:ext cx="1388842" cy="292388"/>
+          </a:xfrm>
+          <a:prstGeom prst="rect">
+            <a:avLst/>
+          </a:prstGeom>
+          <a:noFill/>
+          <a:effectLst>
+            <a:glow rad="101600">
+              <a:schemeClr val="accent5">
+                <a:satMod val="175000"/>
+                <a:alpha val="40000"/>
+              </a:schemeClr>
+            </a:glow>
+          </a:effectLst>
+        </p:spPr>
+        <p:txBody>
+          <a:bodyPr wrap="square" rtlCol="0">
+            <a:spAutoFit/>
+          </a:bodyPr>
+          <a:lstStyle/>
+          <a:p>
+            <a:r>
+              <a:rPr lang="es-ES" sz="1300" b="1" dirty="0" smtClean="0">
+                <a:solidFill>
+                  <a:schemeClr val="bg2">
+                    <a:lumMod val="25000"/>
+                  </a:schemeClr>
+                </a:solidFill>
+              </a:rPr>
+              <a:t>Conclusiones</a:t>
+            </a:r>
+            <a:endParaRPr lang="es-ES" sz="1300" b="1" dirty="0">
+              <a:solidFill>
+                <a:schemeClr val="bg2">
+                  <a:lumMod val="25000"/>
+                </a:schemeClr>
+              </a:solidFill>
+            </a:endParaRPr>
+          </a:p>
+        </p:txBody>
+      </p:sp>
+      <p:sp>
+        <p:nvSpPr>
+          <p:cNvPr id="20" name="19 CuadroTexto"/>
+          <p:cNvSpPr txBox="1"/>
+          <p:nvPr/>
+        </p:nvSpPr>
+        <p:spPr>
+          <a:xfrm>
+            <a:off x="1764312" y="6016401"/>
+            <a:ext cx="949272" cy="261610"/>
+          </a:xfrm>
+          <a:prstGeom prst="rect">
+            <a:avLst/>
+          </a:prstGeom>
+          <a:noFill/>
+          <a:effectLst>
+            <a:glow rad="101600">
+              <a:schemeClr val="accent5">
+                <a:satMod val="175000"/>
+                <a:alpha val="40000"/>
+              </a:schemeClr>
+            </a:glow>
+          </a:effectLst>
+        </p:spPr>
+        <p:txBody>
+          <a:bodyPr wrap="square" rtlCol="0">
+            <a:spAutoFit/>
+          </a:bodyPr>
+          <a:lstStyle/>
+          <a:p>
+            <a:r>
+              <a:rPr lang="es-ES" sz="1100" dirty="0" smtClean="0">
+                <a:solidFill>
+                  <a:srgbClr val="274F5F"/>
+                </a:solidFill>
+              </a:rPr>
+              <a:t>Objetivos</a:t>
+            </a:r>
+          </a:p>
+        </p:txBody>
+      </p:sp>
+      <p:sp>
+        <p:nvSpPr>
+          <p:cNvPr id="21" name="20 CuadroTexto"/>
+          <p:cNvSpPr txBox="1"/>
+          <p:nvPr/>
+        </p:nvSpPr>
+        <p:spPr>
+          <a:xfrm>
+            <a:off x="2992015" y="6018415"/>
+            <a:ext cx="1218087" cy="261610"/>
+          </a:xfrm>
+          <a:prstGeom prst="rect">
+            <a:avLst/>
+          </a:prstGeom>
+          <a:noFill/>
+          <a:effectLst>
+            <a:glow rad="101600">
+              <a:schemeClr val="accent5">
+                <a:satMod val="175000"/>
+                <a:alpha val="40000"/>
+              </a:schemeClr>
+            </a:glow>
+          </a:effectLst>
+        </p:spPr>
+        <p:txBody>
+          <a:bodyPr wrap="square" rtlCol="0">
+            <a:spAutoFit/>
+          </a:bodyPr>
+          <a:lstStyle/>
+          <a:p>
+            <a:r>
+              <a:rPr lang="es-ES" sz="1100" dirty="0" smtClean="0">
+                <a:solidFill>
+                  <a:srgbClr val="274F5F"/>
+                </a:solidFill>
+              </a:rPr>
+              <a:t>Estado Arte</a:t>
+            </a:r>
+          </a:p>
+        </p:txBody>
+      </p:sp>
+      <p:sp>
+        <p:nvSpPr>
+          <p:cNvPr id="22" name="21 Redondear rectángulo de esquina sencilla"/>
+          <p:cNvSpPr/>
+          <p:nvPr/>
+        </p:nvSpPr>
+        <p:spPr>
+          <a:xfrm rot="16200000" flipH="1">
+            <a:off x="4636331" y="5501148"/>
+            <a:ext cx="286723" cy="1296145"/>
+          </a:xfrm>
+          <a:prstGeom prst="round1Rect">
+            <a:avLst>
+              <a:gd name="adj" fmla="val 50000"/>
+            </a:avLst>
+          </a:prstGeom>
+          <a:solidFill>
+            <a:schemeClr val="bg1">
+              <a:alpha val="50000"/>
+            </a:schemeClr>
+          </a:solidFill>
+          <a:ln w="25400" cmpd="sng">
+            <a:solidFill>
+              <a:srgbClr val="274F5F"/>
+            </a:solidFill>
+          </a:ln>
+          <a:effectLst/>
+        </p:spPr>
+        <p:style>
+          <a:lnRef idx="2">
+            <a:schemeClr val="accent1"/>
+          </a:lnRef>
+          <a:fillRef idx="1">
+            <a:schemeClr val="lt1"/>
+          </a:fillRef>
+          <a:effectRef idx="0">
+            <a:schemeClr val="accent1"/>
+          </a:effectRef>
+          <a:fontRef idx="minor">
+            <a:schemeClr val="dk1"/>
+          </a:fontRef>
+        </p:style>
+        <p:txBody>
+          <a:bodyPr anchor="ctr"/>
+          <a:lstStyle/>
+          <a:p>
+            <a:pPr algn="ctr" fontAlgn="auto">
+              <a:spcBef>
+                <a:spcPts val="0"/>
+              </a:spcBef>
+              <a:spcAft>
+                <a:spcPts val="0"/>
+              </a:spcAft>
+              <a:defRPr/>
+            </a:pPr>
+            <a:endParaRPr lang="es-ES" dirty="0"/>
+          </a:p>
+        </p:txBody>
+      </p:sp>
+      <p:sp>
+        <p:nvSpPr>
+          <p:cNvPr id="23" name="22 CuadroTexto"/>
+          <p:cNvSpPr txBox="1"/>
+          <p:nvPr/>
+        </p:nvSpPr>
+        <p:spPr>
+          <a:xfrm>
+            <a:off x="4207423" y="6020144"/>
+            <a:ext cx="1214313" cy="261610"/>
+          </a:xfrm>
+          <a:prstGeom prst="rect">
+            <a:avLst/>
+          </a:prstGeom>
+          <a:noFill/>
+          <a:effectLst>
+            <a:glow rad="101600">
+              <a:schemeClr val="accent5">
+                <a:satMod val="175000"/>
+                <a:alpha val="40000"/>
+              </a:schemeClr>
+            </a:glow>
+          </a:effectLst>
+        </p:spPr>
+        <p:txBody>
+          <a:bodyPr wrap="square" rtlCol="0">
+            <a:spAutoFit/>
+          </a:bodyPr>
+          <a:lstStyle/>
+          <a:p>
+            <a:r>
+              <a:rPr lang="es-ES" sz="1100" dirty="0" smtClean="0">
+                <a:solidFill>
+                  <a:srgbClr val="274F5F"/>
+                </a:solidFill>
+              </a:rPr>
+              <a:t>Método trabajo</a:t>
+            </a:r>
+            <a:endParaRPr lang="es-ES" sz="1100" dirty="0" smtClean="0">
+              <a:solidFill>
+                <a:srgbClr val="274F5F"/>
+              </a:solidFill>
+            </a:endParaRPr>
+          </a:p>
+        </p:txBody>
+      </p:sp>
+      <p:sp>
+        <p:nvSpPr>
+          <p:cNvPr id="24" name="23 Redondear rectángulo de esquina sencilla"/>
+          <p:cNvSpPr/>
+          <p:nvPr/>
+        </p:nvSpPr>
+        <p:spPr>
+          <a:xfrm rot="16200000" flipH="1">
+            <a:off x="5932476" y="5511690"/>
+            <a:ext cx="286723" cy="1296145"/>
+          </a:xfrm>
+          <a:prstGeom prst="round1Rect">
+            <a:avLst>
+              <a:gd name="adj" fmla="val 50000"/>
+            </a:avLst>
+          </a:prstGeom>
+          <a:solidFill>
+            <a:schemeClr val="bg1">
+              <a:alpha val="50000"/>
+            </a:schemeClr>
+          </a:solidFill>
+          <a:ln w="25400" cmpd="sng">
+            <a:solidFill>
+              <a:srgbClr val="274F5F"/>
+            </a:solidFill>
+          </a:ln>
+          <a:effectLst/>
+        </p:spPr>
+        <p:style>
+          <a:lnRef idx="2">
+            <a:schemeClr val="accent1"/>
+          </a:lnRef>
+          <a:fillRef idx="1">
+            <a:schemeClr val="lt1"/>
+          </a:fillRef>
+          <a:effectRef idx="0">
+            <a:schemeClr val="accent1"/>
+          </a:effectRef>
+          <a:fontRef idx="minor">
+            <a:schemeClr val="dk1"/>
+          </a:fontRef>
+        </p:style>
+        <p:txBody>
+          <a:bodyPr anchor="ctr"/>
+          <a:lstStyle/>
+          <a:p>
+            <a:pPr algn="ctr" fontAlgn="auto">
+              <a:spcBef>
+                <a:spcPts val="0"/>
+              </a:spcBef>
+              <a:spcAft>
+                <a:spcPts val="0"/>
+              </a:spcAft>
+              <a:defRPr/>
+            </a:pPr>
+            <a:endParaRPr lang="es-ES" dirty="0"/>
+          </a:p>
+        </p:txBody>
+      </p:sp>
+      <p:sp>
+        <p:nvSpPr>
+          <p:cNvPr id="25" name="24 CuadroTexto"/>
+          <p:cNvSpPr txBox="1"/>
+          <p:nvPr/>
+        </p:nvSpPr>
+        <p:spPr>
+          <a:xfrm>
+            <a:off x="5609365" y="6026921"/>
+            <a:ext cx="1149172" cy="261610"/>
+          </a:xfrm>
+          <a:prstGeom prst="rect">
+            <a:avLst/>
+          </a:prstGeom>
+          <a:noFill/>
+          <a:effectLst>
+            <a:glow rad="101600">
+              <a:schemeClr val="accent5">
+                <a:satMod val="175000"/>
+                <a:alpha val="40000"/>
+              </a:schemeClr>
+            </a:glow>
+          </a:effectLst>
+        </p:spPr>
+        <p:txBody>
+          <a:bodyPr wrap="square" rtlCol="0">
+            <a:spAutoFit/>
+          </a:bodyPr>
+          <a:lstStyle/>
+          <a:p>
+            <a:r>
+              <a:rPr lang="es-ES" sz="1100" dirty="0" smtClean="0">
+                <a:solidFill>
+                  <a:srgbClr val="274F5F"/>
+                </a:solidFill>
+              </a:rPr>
+              <a:t>Resultados</a:t>
+            </a:r>
+            <a:endParaRPr lang="es-ES" sz="1100" dirty="0" smtClean="0">
+              <a:solidFill>
+                <a:srgbClr val="274F5F"/>
+              </a:solidFill>
+            </a:endParaRPr>
+          </a:p>
+        </p:txBody>
+      </p:sp>
+      <p:sp>
+        <p:nvSpPr>
+          <p:cNvPr id="28" name="4 Título"/>
+          <p:cNvSpPr txBox="1">
+            <a:spLocks/>
+          </p:cNvSpPr>
+          <p:nvPr/>
+        </p:nvSpPr>
+        <p:spPr>
+          <a:xfrm>
+            <a:off x="1115616" y="0"/>
+            <a:ext cx="7920880" cy="650405"/>
+          </a:xfrm>
+          <a:prstGeom prst="rect">
+            <a:avLst/>
+          </a:prstGeom>
+          <a:solidFill>
+            <a:schemeClr val="accent5">
+              <a:alpha val="0"/>
+            </a:schemeClr>
+          </a:solidFill>
+          <a:ln w="3175" cap="flat" cmpd="sng" algn="ctr">
+            <a:noFill/>
+            <a:prstDash val="solid"/>
+          </a:ln>
+          <a:effectLst/>
+        </p:spPr>
+        <p:txBody>
+          <a:bodyPr anchor="t">
+            <a:normAutofit fontScale="90000" lnSpcReduction="10000"/>
+          </a:bodyPr>
+          <a:lstStyle>
+            <a:lvl1pPr algn="r" defTabSz="1072866" rtl="0" eaLnBrk="1" latinLnBrk="0" hangingPunct="1">
+              <a:spcBef>
+                <a:spcPct val="0"/>
+              </a:spcBef>
+              <a:buNone/>
+              <a:defRPr sz="3600" b="1" kern="1200" cap="all" spc="300">
+                <a:ln>
+                  <a:solidFill>
+                    <a:schemeClr val="tx2"/>
+                  </a:solidFill>
+                </a:ln>
+                <a:solidFill>
+                  <a:srgbClr val="274F5F"/>
+                </a:solidFill>
+                <a:latin typeface="+mj-lt"/>
+                <a:ea typeface="+mj-ea"/>
+                <a:cs typeface="+mj-cs"/>
+              </a:defRPr>
+            </a:lvl1pPr>
+            <a:lvl2pPr>
+              <a:defRPr/>
+            </a:lvl2pPr>
+            <a:lvl3pPr>
+              <a:defRPr/>
+            </a:lvl3pPr>
+            <a:lvl4pPr>
+              <a:defRPr/>
+            </a:lvl4pPr>
+            <a:lvl5pPr>
+              <a:defRPr/>
+            </a:lvl5pPr>
+            <a:lvl6pPr>
+              <a:defRPr/>
+            </a:lvl6pPr>
+            <a:lvl7pPr>
+              <a:defRPr/>
+            </a:lvl7pPr>
+            <a:lvl8pPr>
+              <a:defRPr/>
+            </a:lvl8pPr>
+            <a:lvl9pPr>
+              <a:defRPr/>
+            </a:lvl9pPr>
+          </a:lstStyle>
+          <a:p>
+            <a:r>
+              <a:rPr lang="es-ES" sz="2700" dirty="0" smtClean="0"/>
+              <a:t>conclusiones</a:t>
+            </a:r>
+            <a:endParaRPr lang="es-ES" sz="2700" dirty="0" smtClean="0"/>
+          </a:p>
+          <a:p>
+            <a:r>
+              <a:rPr lang="es-ES" sz="1800" b="0" dirty="0" smtClean="0"/>
+              <a:t>Consecución objetivos</a:t>
+            </a:r>
+            <a:endParaRPr lang="es-ES" sz="1800" b="0" dirty="0"/>
+          </a:p>
+        </p:txBody>
+      </p:sp>
+      <p:graphicFrame>
+        <p:nvGraphicFramePr>
+          <p:cNvPr id="19" name="18 Tabla"/>
+          <p:cNvGraphicFramePr>
+            <a:graphicFrameLocks noGrp="1"/>
+          </p:cNvGraphicFramePr>
+          <p:nvPr>
+            <p:extLst>
+              <p:ext uri="{D42A27DB-BD31-4B8C-83A1-F6EECF244321}">
+                <p14:modId xmlns:p14="http://schemas.microsoft.com/office/powerpoint/2010/main" val="3696818314"/>
+              </p:ext>
+            </p:extLst>
+          </p:nvPr>
+        </p:nvGraphicFramePr>
+        <p:xfrm>
+          <a:off x="395536" y="1124744"/>
+          <a:ext cx="8289324" cy="4635232"/>
+        </p:xfrm>
+        <a:graphic>
+          <a:graphicData uri="http://schemas.openxmlformats.org/drawingml/2006/table">
+            <a:tbl>
+              <a:tblPr firstRow="1" bandRow="1">
+                <a:tableStyleId>{7DF18680-E054-41AD-8BC1-D1AEF772440D}</a:tableStyleId>
+              </a:tblPr>
+              <a:tblGrid>
+                <a:gridCol w="1016515"/>
+                <a:gridCol w="5616624"/>
+                <a:gridCol w="1656185"/>
+              </a:tblGrid>
+              <a:tr h="360040">
+                <a:tc>
+                  <a:txBody>
+                    <a:bodyPr/>
+                    <a:lstStyle/>
+                    <a:p>
+                      <a:pPr marL="0" marR="0" indent="0" algn="ctr" defTabSz="1072866" rtl="0" eaLnBrk="1" fontAlgn="auto" latinLnBrk="0" hangingPunct="1">
+                        <a:lnSpc>
+                          <a:spcPct val="100000"/>
+                        </a:lnSpc>
+                        <a:spcBef>
+                          <a:spcPts val="0"/>
+                        </a:spcBef>
+                        <a:spcAft>
+                          <a:spcPts val="0"/>
+                        </a:spcAft>
+                        <a:buClrTx/>
+                        <a:buSzTx/>
+                        <a:buFontTx/>
+                        <a:buNone/>
+                        <a:tabLst/>
+                        <a:defRPr/>
+                      </a:pPr>
+                      <a:r>
+                        <a:rPr lang="es-ES" sz="2000" b="1" dirty="0" smtClean="0"/>
+                        <a:t>ID.</a:t>
+                      </a:r>
+                    </a:p>
+                  </a:txBody>
+                  <a:tcPr>
+                    <a:lnL w="12700" cap="flat" cmpd="sng" algn="ctr">
+                      <a:solidFill>
+                        <a:schemeClr val="tx1"/>
+                      </a:solidFill>
+                      <a:prstDash val="solid"/>
+                      <a:round/>
+                      <a:headEnd type="none" w="med" len="med"/>
+                      <a:tailEnd type="none" w="med" len="med"/>
+                    </a:lnL>
+                    <a:lnR w="12700" cap="flat" cmpd="sng" algn="ctr">
+                      <a:solidFill>
+                        <a:schemeClr val="tx1"/>
+                      </a:solidFill>
+                      <a:prstDash val="solid"/>
+                      <a:round/>
+                      <a:headEnd type="none" w="med" len="med"/>
+                      <a:tailEnd type="none" w="med" len="med"/>
+                    </a:lnR>
+                    <a:lnT w="12700" cap="flat" cmpd="sng" algn="ctr">
+                      <a:solidFill>
+                        <a:schemeClr val="tx1"/>
+                      </a:solidFill>
+                      <a:prstDash val="solid"/>
+                      <a:round/>
+                      <a:headEnd type="none" w="med" len="med"/>
+                      <a:tailEnd type="none" w="med" len="med"/>
+                    </a:lnT>
+                    <a:lnB w="12700" cap="flat" cmpd="sng" algn="ctr">
+                      <a:solidFill>
+                        <a:schemeClr val="tx1"/>
+                      </a:solidFill>
+                      <a:prstDash val="solid"/>
+                      <a:round/>
+                      <a:headEnd type="none" w="med" len="med"/>
+                      <a:tailEnd type="none" w="med" len="med"/>
+                    </a:lnB>
+                  </a:tcPr>
+                </a:tc>
+                <a:tc>
+                  <a:txBody>
+                    <a:bodyPr/>
+                    <a:lstStyle/>
+                    <a:p>
+                      <a:pPr algn="ctr"/>
+                      <a:r>
+                        <a:rPr lang="es-ES" sz="2000" b="1" dirty="0" smtClean="0"/>
+                        <a:t>DESCRIPCIÓN</a:t>
+                      </a:r>
+                      <a:endParaRPr lang="es-ES" sz="2000" b="1" dirty="0"/>
+                    </a:p>
+                  </a:txBody>
+                  <a:tcPr>
+                    <a:lnL w="12700" cap="flat" cmpd="sng" algn="ctr">
+                      <a:solidFill>
+                        <a:schemeClr val="tx1"/>
+                      </a:solidFill>
+                      <a:prstDash val="solid"/>
+                      <a:round/>
+                      <a:headEnd type="none" w="med" len="med"/>
+                      <a:tailEnd type="none" w="med" len="med"/>
+                    </a:lnL>
+                    <a:lnR w="12700" cap="flat" cmpd="sng" algn="ctr">
+                      <a:solidFill>
+                        <a:schemeClr val="tx1"/>
+                      </a:solidFill>
+                      <a:prstDash val="solid"/>
+                      <a:round/>
+                      <a:headEnd type="none" w="med" len="med"/>
+                      <a:tailEnd type="none" w="med" len="med"/>
+                    </a:lnR>
+                    <a:lnT w="12700" cap="flat" cmpd="sng" algn="ctr">
+                      <a:solidFill>
+                        <a:schemeClr val="tx1"/>
+                      </a:solidFill>
+                      <a:prstDash val="solid"/>
+                      <a:round/>
+                      <a:headEnd type="none" w="med" len="med"/>
+                      <a:tailEnd type="none" w="med" len="med"/>
+                    </a:lnT>
+                    <a:lnB w="12700" cap="flat" cmpd="sng" algn="ctr">
+                      <a:solidFill>
+                        <a:schemeClr val="tx1"/>
+                      </a:solidFill>
+                      <a:prstDash val="solid"/>
+                      <a:round/>
+                      <a:headEnd type="none" w="med" len="med"/>
+                      <a:tailEnd type="none" w="med" len="med"/>
+                    </a:lnB>
+                  </a:tcPr>
+                </a:tc>
+                <a:tc>
+                  <a:txBody>
+                    <a:bodyPr/>
+                    <a:lstStyle/>
+                    <a:p>
+                      <a:pPr algn="ctr"/>
+                      <a:r>
+                        <a:rPr lang="es-ES" b="1" dirty="0" smtClean="0"/>
+                        <a:t>DESAFÍO</a:t>
+                      </a:r>
+                      <a:endParaRPr lang="es-ES" b="1" dirty="0"/>
+                    </a:p>
+                  </a:txBody>
+                  <a:tcPr>
+                    <a:lnL w="12700" cap="flat" cmpd="sng" algn="ctr">
+                      <a:solidFill>
+                        <a:schemeClr val="tx1"/>
+                      </a:solidFill>
+                      <a:prstDash val="solid"/>
+                      <a:round/>
+                      <a:headEnd type="none" w="med" len="med"/>
+                      <a:tailEnd type="none" w="med" len="med"/>
+                    </a:lnL>
+                    <a:lnR w="12700" cap="flat" cmpd="sng" algn="ctr">
+                      <a:solidFill>
+                        <a:schemeClr val="tx1"/>
+                      </a:solidFill>
+                      <a:prstDash val="solid"/>
+                      <a:round/>
+                      <a:headEnd type="none" w="med" len="med"/>
+                      <a:tailEnd type="none" w="med" len="med"/>
+                    </a:lnR>
+                    <a:lnT w="12700" cap="flat" cmpd="sng" algn="ctr">
+                      <a:solidFill>
+                        <a:schemeClr val="tx1"/>
+                      </a:solidFill>
+                      <a:prstDash val="solid"/>
+                      <a:round/>
+                      <a:headEnd type="none" w="med" len="med"/>
+                      <a:tailEnd type="none" w="med" len="med"/>
+                    </a:lnT>
+                    <a:lnB w="12700" cap="flat" cmpd="sng" algn="ctr">
+                      <a:solidFill>
+                        <a:schemeClr val="tx1"/>
+                      </a:solidFill>
+                      <a:prstDash val="solid"/>
+                      <a:round/>
+                      <a:headEnd type="none" w="med" len="med"/>
+                      <a:tailEnd type="none" w="med" len="med"/>
+                    </a:lnB>
+                  </a:tcPr>
+                </a:tc>
+              </a:tr>
+              <a:tr h="596632">
+                <a:tc>
+                  <a:txBody>
+                    <a:bodyPr/>
+                    <a:lstStyle/>
+                    <a:p>
+                      <a:pPr algn="ctr"/>
+                      <a:r>
+                        <a:rPr lang="es-ES" sz="1800" b="1" dirty="0" smtClean="0"/>
+                        <a:t>O1</a:t>
+                      </a:r>
+                      <a:endParaRPr lang="es-ES" sz="1800" b="1" dirty="0"/>
+                    </a:p>
+                  </a:txBody>
+                  <a:tcPr>
+                    <a:lnL w="12700" cap="flat" cmpd="sng" algn="ctr">
+                      <a:solidFill>
+                        <a:schemeClr val="tx1"/>
+                      </a:solidFill>
+                      <a:prstDash val="solid"/>
+                      <a:round/>
+                      <a:headEnd type="none" w="med" len="med"/>
+                      <a:tailEnd type="none" w="med" len="med"/>
+                    </a:lnL>
+                    <a:lnR w="12700" cap="flat" cmpd="sng" algn="ctr">
+                      <a:solidFill>
+                        <a:schemeClr val="tx1"/>
+                      </a:solidFill>
+                      <a:prstDash val="solid"/>
+                      <a:round/>
+                      <a:headEnd type="none" w="med" len="med"/>
+                      <a:tailEnd type="none" w="med" len="med"/>
+                    </a:lnR>
+                    <a:lnT w="12700" cap="flat" cmpd="sng" algn="ctr">
+                      <a:solidFill>
+                        <a:schemeClr val="tx1"/>
+                      </a:solidFill>
+                      <a:prstDash val="solid"/>
+                      <a:round/>
+                      <a:headEnd type="none" w="med" len="med"/>
+                      <a:tailEnd type="none" w="med" len="med"/>
+                    </a:lnT>
+                    <a:lnB w="12700" cap="flat" cmpd="sng" algn="ctr">
+                      <a:solidFill>
+                        <a:schemeClr val="tx1"/>
+                      </a:solidFill>
+                      <a:prstDash val="solid"/>
+                      <a:round/>
+                      <a:headEnd type="none" w="med" len="med"/>
+                      <a:tailEnd type="none" w="med" len="med"/>
+                    </a:lnB>
+                    <a:solidFill>
+                      <a:schemeClr val="accent5">
+                        <a:lumMod val="20000"/>
+                        <a:lumOff val="80000"/>
+                      </a:schemeClr>
+                    </a:solidFill>
+                  </a:tcPr>
+                </a:tc>
+                <a:tc>
+                  <a:txBody>
+                    <a:bodyPr/>
+                    <a:lstStyle/>
+                    <a:p>
+                      <a:pPr algn="just"/>
+                      <a:r>
+                        <a:rPr lang="es-ES" sz="1600" b="0" dirty="0" smtClean="0"/>
+                        <a:t>Acceso al sistema desde diferentes localizaciones</a:t>
+                      </a:r>
+                      <a:endParaRPr lang="es-ES" sz="1600" b="0" dirty="0"/>
+                    </a:p>
+                  </a:txBody>
+                  <a:tcPr>
+                    <a:lnL w="12700" cap="flat" cmpd="sng" algn="ctr">
+                      <a:solidFill>
+                        <a:schemeClr val="tx1"/>
+                      </a:solidFill>
+                      <a:prstDash val="solid"/>
+                      <a:round/>
+                      <a:headEnd type="none" w="med" len="med"/>
+                      <a:tailEnd type="none" w="med" len="med"/>
+                    </a:lnL>
+                    <a:lnR w="12700" cap="flat" cmpd="sng" algn="ctr">
+                      <a:solidFill>
+                        <a:schemeClr val="tx1"/>
+                      </a:solidFill>
+                      <a:prstDash val="solid"/>
+                      <a:round/>
+                      <a:headEnd type="none" w="med" len="med"/>
+                      <a:tailEnd type="none" w="med" len="med"/>
+                    </a:lnR>
+                    <a:lnT w="12700" cap="flat" cmpd="sng" algn="ctr">
+                      <a:solidFill>
+                        <a:schemeClr val="tx1"/>
+                      </a:solidFill>
+                      <a:prstDash val="solid"/>
+                      <a:round/>
+                      <a:headEnd type="none" w="med" len="med"/>
+                      <a:tailEnd type="none" w="med" len="med"/>
+                    </a:lnT>
+                    <a:lnB w="12700" cap="flat" cmpd="sng" algn="ctr">
+                      <a:solidFill>
+                        <a:schemeClr val="tx1"/>
+                      </a:solidFill>
+                      <a:prstDash val="solid"/>
+                      <a:round/>
+                      <a:headEnd type="none" w="med" len="med"/>
+                      <a:tailEnd type="none" w="med" len="med"/>
+                    </a:lnB>
+                    <a:solidFill>
+                      <a:schemeClr val="accent5">
+                        <a:lumMod val="20000"/>
+                        <a:lumOff val="80000"/>
+                      </a:schemeClr>
+                    </a:solidFill>
+                  </a:tcPr>
+                </a:tc>
+                <a:tc>
+                  <a:txBody>
+                    <a:bodyPr/>
+                    <a:lstStyle/>
+                    <a:p>
+                      <a:pPr algn="just"/>
+                      <a:r>
+                        <a:rPr lang="es-ES" sz="1600" b="0" dirty="0" smtClean="0"/>
+                        <a:t>Comunicación/Control</a:t>
+                      </a:r>
+                      <a:endParaRPr lang="es-ES" sz="1600" b="0" dirty="0"/>
+                    </a:p>
+                  </a:txBody>
+                  <a:tcPr>
+                    <a:lnL w="12700" cap="flat" cmpd="sng" algn="ctr">
+                      <a:solidFill>
+                        <a:schemeClr val="tx1"/>
+                      </a:solidFill>
+                      <a:prstDash val="solid"/>
+                      <a:round/>
+                      <a:headEnd type="none" w="med" len="med"/>
+                      <a:tailEnd type="none" w="med" len="med"/>
+                    </a:lnL>
+                    <a:lnR w="12700" cap="flat" cmpd="sng" algn="ctr">
+                      <a:solidFill>
+                        <a:schemeClr val="tx1"/>
+                      </a:solidFill>
+                      <a:prstDash val="solid"/>
+                      <a:round/>
+                      <a:headEnd type="none" w="med" len="med"/>
+                      <a:tailEnd type="none" w="med" len="med"/>
+                    </a:lnR>
+                    <a:lnT w="12700" cap="flat" cmpd="sng" algn="ctr">
+                      <a:solidFill>
+                        <a:schemeClr val="tx1"/>
+                      </a:solidFill>
+                      <a:prstDash val="solid"/>
+                      <a:round/>
+                      <a:headEnd type="none" w="med" len="med"/>
+                      <a:tailEnd type="none" w="med" len="med"/>
+                    </a:lnT>
+                    <a:lnB w="12700" cap="flat" cmpd="sng" algn="ctr">
+                      <a:solidFill>
+                        <a:schemeClr val="tx1"/>
+                      </a:solidFill>
+                      <a:prstDash val="solid"/>
+                      <a:round/>
+                      <a:headEnd type="none" w="med" len="med"/>
+                      <a:tailEnd type="none" w="med" len="med"/>
+                    </a:lnB>
+                    <a:solidFill>
+                      <a:schemeClr val="accent5">
+                        <a:lumMod val="20000"/>
+                        <a:lumOff val="80000"/>
+                      </a:schemeClr>
+                    </a:solidFill>
+                  </a:tcPr>
+                </a:tc>
+              </a:tr>
+              <a:tr h="504056">
+                <a:tc>
+                  <a:txBody>
+                    <a:bodyPr/>
+                    <a:lstStyle/>
+                    <a:p>
+                      <a:pPr marL="0" algn="ctr" defTabSz="1072866" rtl="0" eaLnBrk="1" latinLnBrk="0" hangingPunct="1"/>
+                      <a:r>
+                        <a:rPr lang="es-ES" sz="1800" b="1" kern="1200" dirty="0" smtClean="0">
+                          <a:solidFill>
+                            <a:schemeClr val="dk1"/>
+                          </a:solidFill>
+                          <a:latin typeface="+mn-lt"/>
+                          <a:ea typeface="+mn-ea"/>
+                          <a:cs typeface="+mn-cs"/>
+                        </a:rPr>
+                        <a:t>O2</a:t>
+                      </a:r>
+                      <a:endParaRPr lang="es-ES" sz="1800" b="1" kern="1200" dirty="0">
+                        <a:solidFill>
+                          <a:schemeClr val="dk1"/>
+                        </a:solidFill>
+                        <a:latin typeface="+mn-lt"/>
+                        <a:ea typeface="+mn-ea"/>
+                        <a:cs typeface="+mn-cs"/>
+                      </a:endParaRPr>
+                    </a:p>
+                  </a:txBody>
+                  <a:tcPr>
+                    <a:lnL w="12700" cap="flat" cmpd="sng" algn="ctr">
+                      <a:solidFill>
+                        <a:schemeClr val="tx1"/>
+                      </a:solidFill>
+                      <a:prstDash val="solid"/>
+                      <a:round/>
+                      <a:headEnd type="none" w="med" len="med"/>
+                      <a:tailEnd type="none" w="med" len="med"/>
+                    </a:lnL>
+                    <a:lnR w="12700" cap="flat" cmpd="sng" algn="ctr">
+                      <a:solidFill>
+                        <a:schemeClr val="tx1"/>
+                      </a:solidFill>
+                      <a:prstDash val="solid"/>
+                      <a:round/>
+                      <a:headEnd type="none" w="med" len="med"/>
+                      <a:tailEnd type="none" w="med" len="med"/>
+                    </a:lnR>
+                    <a:lnT w="12700" cap="flat" cmpd="sng" algn="ctr">
+                      <a:solidFill>
+                        <a:schemeClr val="tx1"/>
+                      </a:solidFill>
+                      <a:prstDash val="solid"/>
+                      <a:round/>
+                      <a:headEnd type="none" w="med" len="med"/>
+                      <a:tailEnd type="none" w="med" len="med"/>
+                    </a:lnT>
+                    <a:lnB w="12700" cap="flat" cmpd="sng" algn="ctr">
+                      <a:solidFill>
+                        <a:schemeClr val="tx1"/>
+                      </a:solidFill>
+                      <a:prstDash val="solid"/>
+                      <a:round/>
+                      <a:headEnd type="none" w="med" len="med"/>
+                      <a:tailEnd type="none" w="med" len="med"/>
+                    </a:lnB>
+                    <a:solidFill>
+                      <a:schemeClr val="accent5">
+                        <a:lumMod val="20000"/>
+                        <a:lumOff val="80000"/>
+                      </a:schemeClr>
+                    </a:solidFill>
+                  </a:tcPr>
+                </a:tc>
+                <a:tc>
+                  <a:txBody>
+                    <a:bodyPr/>
+                    <a:lstStyle/>
+                    <a:p>
+                      <a:pPr algn="just"/>
+                      <a:r>
+                        <a:rPr lang="es-ES" sz="1600" b="0" dirty="0" smtClean="0"/>
+                        <a:t>Facilitar y favorecer la gestión de decisiones en proyectos software</a:t>
+                      </a:r>
+                      <a:endParaRPr lang="es-ES" sz="1600" b="0" dirty="0"/>
+                    </a:p>
+                  </a:txBody>
+                  <a:tcPr>
+                    <a:lnL w="12700" cap="flat" cmpd="sng" algn="ctr">
+                      <a:solidFill>
+                        <a:schemeClr val="tx1"/>
+                      </a:solidFill>
+                      <a:prstDash val="solid"/>
+                      <a:round/>
+                      <a:headEnd type="none" w="med" len="med"/>
+                      <a:tailEnd type="none" w="med" len="med"/>
+                    </a:lnL>
+                    <a:lnR w="12700" cap="flat" cmpd="sng" algn="ctr">
+                      <a:solidFill>
+                        <a:schemeClr val="tx1"/>
+                      </a:solidFill>
+                      <a:prstDash val="solid"/>
+                      <a:round/>
+                      <a:headEnd type="none" w="med" len="med"/>
+                      <a:tailEnd type="none" w="med" len="med"/>
+                    </a:lnR>
+                    <a:lnT w="12700" cap="flat" cmpd="sng" algn="ctr">
+                      <a:solidFill>
+                        <a:schemeClr val="tx1"/>
+                      </a:solidFill>
+                      <a:prstDash val="solid"/>
+                      <a:round/>
+                      <a:headEnd type="none" w="med" len="med"/>
+                      <a:tailEnd type="none" w="med" len="med"/>
+                    </a:lnT>
+                    <a:lnB w="12700" cap="flat" cmpd="sng" algn="ctr">
+                      <a:solidFill>
+                        <a:schemeClr val="tx1"/>
+                      </a:solidFill>
+                      <a:prstDash val="solid"/>
+                      <a:round/>
+                      <a:headEnd type="none" w="med" len="med"/>
+                      <a:tailEnd type="none" w="med" len="med"/>
+                    </a:lnB>
+                    <a:solidFill>
+                      <a:schemeClr val="accent5">
+                        <a:lumMod val="20000"/>
+                        <a:lumOff val="80000"/>
+                      </a:schemeClr>
+                    </a:solidFill>
+                  </a:tcPr>
+                </a:tc>
+                <a:tc>
+                  <a:txBody>
+                    <a:bodyPr/>
+                    <a:lstStyle/>
+                    <a:p>
+                      <a:pPr algn="just"/>
+                      <a:r>
+                        <a:rPr lang="es-ES" sz="1600" b="0" dirty="0" smtClean="0"/>
+                        <a:t>Comunicación/G. conocimiento</a:t>
+                      </a:r>
+                      <a:endParaRPr lang="es-ES" sz="1600" b="0" dirty="0"/>
+                    </a:p>
+                  </a:txBody>
+                  <a:tcPr>
+                    <a:lnL w="12700" cap="flat" cmpd="sng" algn="ctr">
+                      <a:solidFill>
+                        <a:schemeClr val="tx1"/>
+                      </a:solidFill>
+                      <a:prstDash val="solid"/>
+                      <a:round/>
+                      <a:headEnd type="none" w="med" len="med"/>
+                      <a:tailEnd type="none" w="med" len="med"/>
+                    </a:lnL>
+                    <a:lnR w="12700" cap="flat" cmpd="sng" algn="ctr">
+                      <a:solidFill>
+                        <a:schemeClr val="tx1"/>
+                      </a:solidFill>
+                      <a:prstDash val="solid"/>
+                      <a:round/>
+                      <a:headEnd type="none" w="med" len="med"/>
+                      <a:tailEnd type="none" w="med" len="med"/>
+                    </a:lnR>
+                    <a:lnT w="12700" cap="flat" cmpd="sng" algn="ctr">
+                      <a:solidFill>
+                        <a:schemeClr val="tx1"/>
+                      </a:solidFill>
+                      <a:prstDash val="solid"/>
+                      <a:round/>
+                      <a:headEnd type="none" w="med" len="med"/>
+                      <a:tailEnd type="none" w="med" len="med"/>
+                    </a:lnT>
+                    <a:lnB w="12700" cap="flat" cmpd="sng" algn="ctr">
+                      <a:solidFill>
+                        <a:schemeClr val="tx1"/>
+                      </a:solidFill>
+                      <a:prstDash val="solid"/>
+                      <a:round/>
+                      <a:headEnd type="none" w="med" len="med"/>
+                      <a:tailEnd type="none" w="med" len="med"/>
+                    </a:lnB>
+                    <a:solidFill>
+                      <a:schemeClr val="accent5">
+                        <a:lumMod val="20000"/>
+                        <a:lumOff val="80000"/>
+                      </a:schemeClr>
+                    </a:solidFill>
+                  </a:tcPr>
+                </a:tc>
+              </a:tr>
+              <a:tr h="573008">
+                <a:tc>
+                  <a:txBody>
+                    <a:bodyPr/>
+                    <a:lstStyle/>
+                    <a:p>
+                      <a:pPr marL="0" algn="ctr" defTabSz="1072866" rtl="0" eaLnBrk="1" latinLnBrk="0" hangingPunct="1"/>
+                      <a:r>
+                        <a:rPr lang="es-ES" sz="1800" b="1" kern="1200" dirty="0" smtClean="0">
+                          <a:solidFill>
+                            <a:schemeClr val="dk1"/>
+                          </a:solidFill>
+                          <a:latin typeface="+mn-lt"/>
+                          <a:ea typeface="+mn-ea"/>
+                          <a:cs typeface="+mn-cs"/>
+                        </a:rPr>
+                        <a:t>O3</a:t>
+                      </a:r>
+                      <a:endParaRPr lang="es-ES" sz="1800" b="1" kern="1200" dirty="0">
+                        <a:solidFill>
+                          <a:schemeClr val="dk1"/>
+                        </a:solidFill>
+                        <a:latin typeface="+mn-lt"/>
+                        <a:ea typeface="+mn-ea"/>
+                        <a:cs typeface="+mn-cs"/>
+                      </a:endParaRPr>
+                    </a:p>
+                  </a:txBody>
+                  <a:tcPr>
+                    <a:lnL w="12700" cap="flat" cmpd="sng" algn="ctr">
+                      <a:solidFill>
+                        <a:schemeClr val="tx1"/>
+                      </a:solidFill>
+                      <a:prstDash val="solid"/>
+                      <a:round/>
+                      <a:headEnd type="none" w="med" len="med"/>
+                      <a:tailEnd type="none" w="med" len="med"/>
+                    </a:lnL>
+                    <a:lnR w="12700" cap="flat" cmpd="sng" algn="ctr">
+                      <a:solidFill>
+                        <a:schemeClr val="tx1"/>
+                      </a:solidFill>
+                      <a:prstDash val="solid"/>
+                      <a:round/>
+                      <a:headEnd type="none" w="med" len="med"/>
+                      <a:tailEnd type="none" w="med" len="med"/>
+                    </a:lnR>
+                    <a:lnT w="12700" cap="flat" cmpd="sng" algn="ctr">
+                      <a:solidFill>
+                        <a:schemeClr val="tx1"/>
+                      </a:solidFill>
+                      <a:prstDash val="solid"/>
+                      <a:round/>
+                      <a:headEnd type="none" w="med" len="med"/>
+                      <a:tailEnd type="none" w="med" len="med"/>
+                    </a:lnT>
+                    <a:lnB w="12700" cap="flat" cmpd="sng" algn="ctr">
+                      <a:solidFill>
+                        <a:schemeClr val="tx1"/>
+                      </a:solidFill>
+                      <a:prstDash val="solid"/>
+                      <a:round/>
+                      <a:headEnd type="none" w="med" len="med"/>
+                      <a:tailEnd type="none" w="med" len="med"/>
+                    </a:lnB>
+                    <a:solidFill>
+                      <a:schemeClr val="accent5">
+                        <a:lumMod val="20000"/>
+                        <a:lumOff val="80000"/>
+                      </a:schemeClr>
+                    </a:solidFill>
+                  </a:tcPr>
+                </a:tc>
+                <a:tc>
+                  <a:txBody>
+                    <a:bodyPr/>
+                    <a:lstStyle/>
+                    <a:p>
+                      <a:pPr algn="just"/>
+                      <a:r>
+                        <a:rPr lang="es-ES" sz="1600" b="0" dirty="0" smtClean="0"/>
+                        <a:t>Favorecer la representación</a:t>
+                      </a:r>
+                      <a:r>
+                        <a:rPr lang="es-ES" sz="1600" b="0" baseline="0" dirty="0" smtClean="0"/>
+                        <a:t> y visualización de la información almacenada</a:t>
+                      </a:r>
+                      <a:endParaRPr lang="es-ES" sz="1600" b="0" dirty="0"/>
+                    </a:p>
+                  </a:txBody>
+                  <a:tcPr>
+                    <a:lnL w="12700" cap="flat" cmpd="sng" algn="ctr">
+                      <a:solidFill>
+                        <a:schemeClr val="tx1"/>
+                      </a:solidFill>
+                      <a:prstDash val="solid"/>
+                      <a:round/>
+                      <a:headEnd type="none" w="med" len="med"/>
+                      <a:tailEnd type="none" w="med" len="med"/>
+                    </a:lnL>
+                    <a:lnR w="12700" cap="flat" cmpd="sng" algn="ctr">
+                      <a:solidFill>
+                        <a:schemeClr val="tx1"/>
+                      </a:solidFill>
+                      <a:prstDash val="solid"/>
+                      <a:round/>
+                      <a:headEnd type="none" w="med" len="med"/>
+                      <a:tailEnd type="none" w="med" len="med"/>
+                    </a:lnR>
+                    <a:lnT w="12700" cap="flat" cmpd="sng" algn="ctr">
+                      <a:solidFill>
+                        <a:schemeClr val="tx1"/>
+                      </a:solidFill>
+                      <a:prstDash val="solid"/>
+                      <a:round/>
+                      <a:headEnd type="none" w="med" len="med"/>
+                      <a:tailEnd type="none" w="med" len="med"/>
+                    </a:lnT>
+                    <a:lnB w="12700" cap="flat" cmpd="sng" algn="ctr">
+                      <a:solidFill>
+                        <a:schemeClr val="tx1"/>
+                      </a:solidFill>
+                      <a:prstDash val="solid"/>
+                      <a:round/>
+                      <a:headEnd type="none" w="med" len="med"/>
+                      <a:tailEnd type="none" w="med" len="med"/>
+                    </a:lnB>
+                    <a:solidFill>
+                      <a:schemeClr val="accent5">
+                        <a:lumMod val="20000"/>
+                        <a:lumOff val="80000"/>
+                      </a:schemeClr>
+                    </a:solidFill>
+                  </a:tcPr>
+                </a:tc>
+                <a:tc>
+                  <a:txBody>
+                    <a:bodyPr/>
+                    <a:lstStyle/>
+                    <a:p>
+                      <a:pPr marL="0" marR="0" indent="0" algn="just" defTabSz="1072866" rtl="0" eaLnBrk="1" fontAlgn="auto" latinLnBrk="0" hangingPunct="1">
+                        <a:lnSpc>
+                          <a:spcPct val="100000"/>
+                        </a:lnSpc>
+                        <a:spcBef>
+                          <a:spcPts val="0"/>
+                        </a:spcBef>
+                        <a:spcAft>
+                          <a:spcPts val="0"/>
+                        </a:spcAft>
+                        <a:buClrTx/>
+                        <a:buSzTx/>
+                        <a:buFontTx/>
+                        <a:buNone/>
+                        <a:tabLst/>
+                        <a:defRPr/>
+                      </a:pPr>
+                      <a:r>
+                        <a:rPr lang="es-ES" sz="1600" b="0" kern="1200" dirty="0" smtClean="0">
+                          <a:solidFill>
+                            <a:schemeClr val="dk1"/>
+                          </a:solidFill>
+                          <a:latin typeface="+mn-lt"/>
+                          <a:ea typeface="+mn-ea"/>
+                          <a:cs typeface="+mn-cs"/>
+                        </a:rPr>
+                        <a:t>Comunicación/G. conocimiento</a:t>
+                      </a:r>
+                    </a:p>
+                  </a:txBody>
+                  <a:tcPr>
+                    <a:lnL w="12700" cap="flat" cmpd="sng" algn="ctr">
+                      <a:solidFill>
+                        <a:schemeClr val="tx1"/>
+                      </a:solidFill>
+                      <a:prstDash val="solid"/>
+                      <a:round/>
+                      <a:headEnd type="none" w="med" len="med"/>
+                      <a:tailEnd type="none" w="med" len="med"/>
+                    </a:lnL>
+                    <a:lnR w="12700" cap="flat" cmpd="sng" algn="ctr">
+                      <a:solidFill>
+                        <a:schemeClr val="tx1"/>
+                      </a:solidFill>
+                      <a:prstDash val="solid"/>
+                      <a:round/>
+                      <a:headEnd type="none" w="med" len="med"/>
+                      <a:tailEnd type="none" w="med" len="med"/>
+                    </a:lnR>
+                    <a:lnT w="12700" cap="flat" cmpd="sng" algn="ctr">
+                      <a:solidFill>
+                        <a:schemeClr val="tx1"/>
+                      </a:solidFill>
+                      <a:prstDash val="solid"/>
+                      <a:round/>
+                      <a:headEnd type="none" w="med" len="med"/>
+                      <a:tailEnd type="none" w="med" len="med"/>
+                    </a:lnT>
+                    <a:lnB w="12700" cap="flat" cmpd="sng" algn="ctr">
+                      <a:solidFill>
+                        <a:schemeClr val="tx1"/>
+                      </a:solidFill>
+                      <a:prstDash val="solid"/>
+                      <a:round/>
+                      <a:headEnd type="none" w="med" len="med"/>
+                      <a:tailEnd type="none" w="med" len="med"/>
+                    </a:lnB>
+                    <a:solidFill>
+                      <a:schemeClr val="accent5">
+                        <a:lumMod val="20000"/>
+                        <a:lumOff val="80000"/>
+                      </a:schemeClr>
+                    </a:solidFill>
+                  </a:tcPr>
+                </a:tc>
+              </a:tr>
+              <a:tr h="497944">
+                <a:tc>
+                  <a:txBody>
+                    <a:bodyPr/>
+                    <a:lstStyle/>
+                    <a:p>
+                      <a:pPr marL="0" algn="ctr" defTabSz="1072866" rtl="0" eaLnBrk="1" latinLnBrk="0" hangingPunct="1"/>
+                      <a:r>
+                        <a:rPr lang="es-ES" sz="1800" b="1" kern="1200" dirty="0" smtClean="0">
+                          <a:solidFill>
+                            <a:schemeClr val="dk1"/>
+                          </a:solidFill>
+                          <a:latin typeface="+mn-lt"/>
+                          <a:ea typeface="+mn-ea"/>
+                          <a:cs typeface="+mn-cs"/>
+                        </a:rPr>
+                        <a:t>O4</a:t>
+                      </a:r>
+                      <a:endParaRPr lang="es-ES" sz="1800" b="1" kern="1200" dirty="0">
+                        <a:solidFill>
+                          <a:schemeClr val="dk1"/>
+                        </a:solidFill>
+                        <a:latin typeface="+mn-lt"/>
+                        <a:ea typeface="+mn-ea"/>
+                        <a:cs typeface="+mn-cs"/>
+                      </a:endParaRPr>
+                    </a:p>
+                  </a:txBody>
+                  <a:tcPr>
+                    <a:lnL w="12700" cap="flat" cmpd="sng" algn="ctr">
+                      <a:solidFill>
+                        <a:schemeClr val="tx1"/>
+                      </a:solidFill>
+                      <a:prstDash val="solid"/>
+                      <a:round/>
+                      <a:headEnd type="none" w="med" len="med"/>
+                      <a:tailEnd type="none" w="med" len="med"/>
+                    </a:lnL>
+                    <a:lnR w="12700" cap="flat" cmpd="sng" algn="ctr">
+                      <a:solidFill>
+                        <a:schemeClr val="tx1"/>
+                      </a:solidFill>
+                      <a:prstDash val="solid"/>
+                      <a:round/>
+                      <a:headEnd type="none" w="med" len="med"/>
+                      <a:tailEnd type="none" w="med" len="med"/>
+                    </a:lnR>
+                    <a:lnT w="12700" cap="flat" cmpd="sng" algn="ctr">
+                      <a:solidFill>
+                        <a:schemeClr val="tx1"/>
+                      </a:solidFill>
+                      <a:prstDash val="solid"/>
+                      <a:round/>
+                      <a:headEnd type="none" w="med" len="med"/>
+                      <a:tailEnd type="none" w="med" len="med"/>
+                    </a:lnT>
+                    <a:lnB w="12700" cap="flat" cmpd="sng" algn="ctr">
+                      <a:solidFill>
+                        <a:schemeClr val="tx1"/>
+                      </a:solidFill>
+                      <a:prstDash val="solid"/>
+                      <a:round/>
+                      <a:headEnd type="none" w="med" len="med"/>
+                      <a:tailEnd type="none" w="med" len="med"/>
+                    </a:lnB>
+                    <a:solidFill>
+                      <a:schemeClr val="accent5">
+                        <a:lumMod val="20000"/>
+                        <a:lumOff val="80000"/>
+                      </a:schemeClr>
+                    </a:solidFill>
+                  </a:tcPr>
+                </a:tc>
+                <a:tc>
+                  <a:txBody>
+                    <a:bodyPr/>
+                    <a:lstStyle/>
+                    <a:p>
+                      <a:pPr marL="0" algn="just" defTabSz="1072866" rtl="0" eaLnBrk="1" latinLnBrk="0" hangingPunct="1"/>
+                      <a:r>
+                        <a:rPr lang="es-ES" sz="1600" b="0" kern="1200" dirty="0" smtClean="0">
+                          <a:solidFill>
+                            <a:schemeClr val="dk1"/>
+                          </a:solidFill>
+                          <a:latin typeface="+mn-lt"/>
+                          <a:ea typeface="+mn-ea"/>
+                          <a:cs typeface="+mn-cs"/>
+                        </a:rPr>
+                        <a:t>Facilitar la comunicación entre equipos, notificando posibles cambios al instante</a:t>
+                      </a:r>
+                      <a:endParaRPr lang="es-ES" sz="1600" b="0" kern="1200" dirty="0">
+                        <a:solidFill>
+                          <a:schemeClr val="dk1"/>
+                        </a:solidFill>
+                        <a:latin typeface="+mn-lt"/>
+                        <a:ea typeface="+mn-ea"/>
+                        <a:cs typeface="+mn-cs"/>
+                      </a:endParaRPr>
+                    </a:p>
+                  </a:txBody>
+                  <a:tcPr>
+                    <a:lnL w="12700" cap="flat" cmpd="sng" algn="ctr">
+                      <a:solidFill>
+                        <a:schemeClr val="tx1"/>
+                      </a:solidFill>
+                      <a:prstDash val="solid"/>
+                      <a:round/>
+                      <a:headEnd type="none" w="med" len="med"/>
+                      <a:tailEnd type="none" w="med" len="med"/>
+                    </a:lnL>
+                    <a:lnR w="12700" cap="flat" cmpd="sng" algn="ctr">
+                      <a:solidFill>
+                        <a:schemeClr val="tx1"/>
+                      </a:solidFill>
+                      <a:prstDash val="solid"/>
+                      <a:round/>
+                      <a:headEnd type="none" w="med" len="med"/>
+                      <a:tailEnd type="none" w="med" len="med"/>
+                    </a:lnR>
+                    <a:lnT w="12700" cap="flat" cmpd="sng" algn="ctr">
+                      <a:solidFill>
+                        <a:schemeClr val="tx1"/>
+                      </a:solidFill>
+                      <a:prstDash val="solid"/>
+                      <a:round/>
+                      <a:headEnd type="none" w="med" len="med"/>
+                      <a:tailEnd type="none" w="med" len="med"/>
+                    </a:lnT>
+                    <a:lnB w="12700" cap="flat" cmpd="sng" algn="ctr">
+                      <a:solidFill>
+                        <a:schemeClr val="tx1"/>
+                      </a:solidFill>
+                      <a:prstDash val="solid"/>
+                      <a:round/>
+                      <a:headEnd type="none" w="med" len="med"/>
+                      <a:tailEnd type="none" w="med" len="med"/>
+                    </a:lnB>
+                    <a:solidFill>
+                      <a:schemeClr val="accent5">
+                        <a:lumMod val="20000"/>
+                        <a:lumOff val="80000"/>
+                      </a:schemeClr>
+                    </a:solidFill>
+                  </a:tcPr>
+                </a:tc>
+                <a:tc>
+                  <a:txBody>
+                    <a:bodyPr/>
+                    <a:lstStyle/>
+                    <a:p>
+                      <a:pPr marL="0" algn="just" defTabSz="1072866" rtl="0" eaLnBrk="1" latinLnBrk="0" hangingPunct="1"/>
+                      <a:r>
+                        <a:rPr lang="es-ES" sz="1600" b="0" kern="1200" dirty="0" smtClean="0">
+                          <a:solidFill>
+                            <a:schemeClr val="dk1"/>
+                          </a:solidFill>
+                          <a:latin typeface="+mn-lt"/>
+                          <a:ea typeface="+mn-ea"/>
+                          <a:cs typeface="+mn-cs"/>
+                        </a:rPr>
+                        <a:t>Comunicación</a:t>
+                      </a:r>
+                      <a:endParaRPr lang="es-ES" sz="1600" b="0" kern="1200" dirty="0">
+                        <a:solidFill>
+                          <a:schemeClr val="dk1"/>
+                        </a:solidFill>
+                        <a:latin typeface="+mn-lt"/>
+                        <a:ea typeface="+mn-ea"/>
+                        <a:cs typeface="+mn-cs"/>
+                      </a:endParaRPr>
+                    </a:p>
+                  </a:txBody>
+                  <a:tcPr>
+                    <a:lnL w="12700" cap="flat" cmpd="sng" algn="ctr">
+                      <a:solidFill>
+                        <a:schemeClr val="tx1"/>
+                      </a:solidFill>
+                      <a:prstDash val="solid"/>
+                      <a:round/>
+                      <a:headEnd type="none" w="med" len="med"/>
+                      <a:tailEnd type="none" w="med" len="med"/>
+                    </a:lnL>
+                    <a:lnR w="12700" cap="flat" cmpd="sng" algn="ctr">
+                      <a:solidFill>
+                        <a:schemeClr val="tx1"/>
+                      </a:solidFill>
+                      <a:prstDash val="solid"/>
+                      <a:round/>
+                      <a:headEnd type="none" w="med" len="med"/>
+                      <a:tailEnd type="none" w="med" len="med"/>
+                    </a:lnR>
+                    <a:lnT w="12700" cap="flat" cmpd="sng" algn="ctr">
+                      <a:solidFill>
+                        <a:schemeClr val="tx1"/>
+                      </a:solidFill>
+                      <a:prstDash val="solid"/>
+                      <a:round/>
+                      <a:headEnd type="none" w="med" len="med"/>
+                      <a:tailEnd type="none" w="med" len="med"/>
+                    </a:lnT>
+                    <a:lnB w="12700" cap="flat" cmpd="sng" algn="ctr">
+                      <a:solidFill>
+                        <a:schemeClr val="tx1"/>
+                      </a:solidFill>
+                      <a:prstDash val="solid"/>
+                      <a:round/>
+                      <a:headEnd type="none" w="med" len="med"/>
+                      <a:tailEnd type="none" w="med" len="med"/>
+                    </a:lnB>
+                    <a:solidFill>
+                      <a:schemeClr val="accent5">
+                        <a:lumMod val="20000"/>
+                        <a:lumOff val="80000"/>
+                      </a:schemeClr>
+                    </a:solidFill>
+                  </a:tcPr>
+                </a:tc>
+              </a:tr>
+              <a:tr h="339824">
+                <a:tc>
+                  <a:txBody>
+                    <a:bodyPr/>
+                    <a:lstStyle/>
+                    <a:p>
+                      <a:pPr marL="0" algn="ctr" defTabSz="1072866" rtl="0" eaLnBrk="1" latinLnBrk="0" hangingPunct="1"/>
+                      <a:r>
+                        <a:rPr lang="es-ES" sz="1800" b="1" kern="1200" dirty="0" smtClean="0">
+                          <a:solidFill>
+                            <a:schemeClr val="dk1"/>
+                          </a:solidFill>
+                          <a:latin typeface="+mn-lt"/>
+                          <a:ea typeface="+mn-ea"/>
+                          <a:cs typeface="+mn-cs"/>
+                        </a:rPr>
+                        <a:t>O5</a:t>
+                      </a:r>
+                      <a:endParaRPr lang="es-ES" sz="1800" b="1" kern="1200" dirty="0">
+                        <a:solidFill>
+                          <a:schemeClr val="dk1"/>
+                        </a:solidFill>
+                        <a:latin typeface="+mn-lt"/>
+                        <a:ea typeface="+mn-ea"/>
+                        <a:cs typeface="+mn-cs"/>
+                      </a:endParaRPr>
+                    </a:p>
+                  </a:txBody>
+                  <a:tcPr>
+                    <a:lnL w="12700" cap="flat" cmpd="sng" algn="ctr">
+                      <a:solidFill>
+                        <a:schemeClr val="tx1"/>
+                      </a:solidFill>
+                      <a:prstDash val="solid"/>
+                      <a:round/>
+                      <a:headEnd type="none" w="med" len="med"/>
+                      <a:tailEnd type="none" w="med" len="med"/>
+                    </a:lnL>
+                    <a:lnR w="12700" cap="flat" cmpd="sng" algn="ctr">
+                      <a:solidFill>
+                        <a:schemeClr val="tx1"/>
+                      </a:solidFill>
+                      <a:prstDash val="solid"/>
+                      <a:round/>
+                      <a:headEnd type="none" w="med" len="med"/>
+                      <a:tailEnd type="none" w="med" len="med"/>
+                    </a:lnR>
+                    <a:lnT w="12700" cap="flat" cmpd="sng" algn="ctr">
+                      <a:solidFill>
+                        <a:schemeClr val="tx1"/>
+                      </a:solidFill>
+                      <a:prstDash val="solid"/>
+                      <a:round/>
+                      <a:headEnd type="none" w="med" len="med"/>
+                      <a:tailEnd type="none" w="med" len="med"/>
+                    </a:lnT>
+                    <a:lnB w="12700" cap="flat" cmpd="sng" algn="ctr">
+                      <a:solidFill>
+                        <a:schemeClr val="tx1"/>
+                      </a:solidFill>
+                      <a:prstDash val="solid"/>
+                      <a:round/>
+                      <a:headEnd type="none" w="med" len="med"/>
+                      <a:tailEnd type="none" w="med" len="med"/>
+                    </a:lnB>
+                    <a:solidFill>
+                      <a:schemeClr val="accent5">
+                        <a:lumMod val="20000"/>
+                        <a:lumOff val="80000"/>
+                      </a:schemeClr>
+                    </a:solidFill>
+                  </a:tcPr>
+                </a:tc>
+                <a:tc>
+                  <a:txBody>
+                    <a:bodyPr/>
+                    <a:lstStyle/>
+                    <a:p>
+                      <a:pPr marL="0" algn="just" defTabSz="1072866" rtl="0" eaLnBrk="1" latinLnBrk="0" hangingPunct="1"/>
+                      <a:r>
+                        <a:rPr lang="es-ES" sz="1600" b="0" kern="1200" dirty="0" smtClean="0">
+                          <a:solidFill>
+                            <a:schemeClr val="dk1"/>
+                          </a:solidFill>
+                          <a:latin typeface="+mn-lt"/>
+                          <a:ea typeface="+mn-ea"/>
+                          <a:cs typeface="+mn-cs"/>
+                        </a:rPr>
+                        <a:t>Adaptación a diferentes idiomas</a:t>
+                      </a:r>
+                      <a:endParaRPr lang="es-ES" sz="1600" b="0" kern="1200" dirty="0">
+                        <a:solidFill>
+                          <a:schemeClr val="dk1"/>
+                        </a:solidFill>
+                        <a:latin typeface="+mn-lt"/>
+                        <a:ea typeface="+mn-ea"/>
+                        <a:cs typeface="+mn-cs"/>
+                      </a:endParaRPr>
+                    </a:p>
+                  </a:txBody>
+                  <a:tcPr>
+                    <a:lnL w="12700" cap="flat" cmpd="sng" algn="ctr">
+                      <a:solidFill>
+                        <a:schemeClr val="tx1"/>
+                      </a:solidFill>
+                      <a:prstDash val="solid"/>
+                      <a:round/>
+                      <a:headEnd type="none" w="med" len="med"/>
+                      <a:tailEnd type="none" w="med" len="med"/>
+                    </a:lnL>
+                    <a:lnR w="12700" cap="flat" cmpd="sng" algn="ctr">
+                      <a:solidFill>
+                        <a:schemeClr val="tx1"/>
+                      </a:solidFill>
+                      <a:prstDash val="solid"/>
+                      <a:round/>
+                      <a:headEnd type="none" w="med" len="med"/>
+                      <a:tailEnd type="none" w="med" len="med"/>
+                    </a:lnR>
+                    <a:lnT w="12700" cap="flat" cmpd="sng" algn="ctr">
+                      <a:solidFill>
+                        <a:schemeClr val="tx1"/>
+                      </a:solidFill>
+                      <a:prstDash val="solid"/>
+                      <a:round/>
+                      <a:headEnd type="none" w="med" len="med"/>
+                      <a:tailEnd type="none" w="med" len="med"/>
+                    </a:lnT>
+                    <a:lnB w="12700" cap="flat" cmpd="sng" algn="ctr">
+                      <a:solidFill>
+                        <a:schemeClr val="tx1"/>
+                      </a:solidFill>
+                      <a:prstDash val="solid"/>
+                      <a:round/>
+                      <a:headEnd type="none" w="med" len="med"/>
+                      <a:tailEnd type="none" w="med" len="med"/>
+                    </a:lnB>
+                    <a:solidFill>
+                      <a:schemeClr val="accent5">
+                        <a:lumMod val="20000"/>
+                        <a:lumOff val="80000"/>
+                      </a:schemeClr>
+                    </a:solidFill>
+                  </a:tcPr>
+                </a:tc>
+                <a:tc>
+                  <a:txBody>
+                    <a:bodyPr/>
+                    <a:lstStyle/>
+                    <a:p>
+                      <a:pPr marL="0" algn="just" defTabSz="1072866" rtl="0" eaLnBrk="1" latinLnBrk="0" hangingPunct="1"/>
+                      <a:r>
+                        <a:rPr lang="es-ES" sz="1600" b="0" kern="1200" dirty="0" smtClean="0">
+                          <a:solidFill>
+                            <a:schemeClr val="dk1"/>
+                          </a:solidFill>
+                          <a:latin typeface="+mn-lt"/>
+                          <a:ea typeface="+mn-ea"/>
+                          <a:cs typeface="+mn-cs"/>
+                        </a:rPr>
+                        <a:t>Comunicación</a:t>
+                      </a:r>
+                      <a:endParaRPr lang="es-ES" sz="1600" b="0" kern="1200" dirty="0">
+                        <a:solidFill>
+                          <a:schemeClr val="dk1"/>
+                        </a:solidFill>
+                        <a:latin typeface="+mn-lt"/>
+                        <a:ea typeface="+mn-ea"/>
+                        <a:cs typeface="+mn-cs"/>
+                      </a:endParaRPr>
+                    </a:p>
+                  </a:txBody>
+                  <a:tcPr>
+                    <a:lnL w="12700" cap="flat" cmpd="sng" algn="ctr">
+                      <a:solidFill>
+                        <a:schemeClr val="tx1"/>
+                      </a:solidFill>
+                      <a:prstDash val="solid"/>
+                      <a:round/>
+                      <a:headEnd type="none" w="med" len="med"/>
+                      <a:tailEnd type="none" w="med" len="med"/>
+                    </a:lnL>
+                    <a:lnR w="12700" cap="flat" cmpd="sng" algn="ctr">
+                      <a:solidFill>
+                        <a:schemeClr val="tx1"/>
+                      </a:solidFill>
+                      <a:prstDash val="solid"/>
+                      <a:round/>
+                      <a:headEnd type="none" w="med" len="med"/>
+                      <a:tailEnd type="none" w="med" len="med"/>
+                    </a:lnR>
+                    <a:lnT w="12700" cap="flat" cmpd="sng" algn="ctr">
+                      <a:solidFill>
+                        <a:schemeClr val="tx1"/>
+                      </a:solidFill>
+                      <a:prstDash val="solid"/>
+                      <a:round/>
+                      <a:headEnd type="none" w="med" len="med"/>
+                      <a:tailEnd type="none" w="med" len="med"/>
+                    </a:lnT>
+                    <a:lnB w="12700" cap="flat" cmpd="sng" algn="ctr">
+                      <a:solidFill>
+                        <a:schemeClr val="tx1"/>
+                      </a:solidFill>
+                      <a:prstDash val="solid"/>
+                      <a:round/>
+                      <a:headEnd type="none" w="med" len="med"/>
+                      <a:tailEnd type="none" w="med" len="med"/>
+                    </a:lnB>
+                    <a:solidFill>
+                      <a:schemeClr val="accent5">
+                        <a:lumMod val="20000"/>
+                        <a:lumOff val="80000"/>
+                      </a:schemeClr>
+                    </a:solidFill>
+                  </a:tcPr>
+                </a:tc>
+              </a:tr>
+              <a:tr h="550128">
+                <a:tc>
+                  <a:txBody>
+                    <a:bodyPr/>
+                    <a:lstStyle/>
+                    <a:p>
+                      <a:pPr marL="0" algn="ctr" defTabSz="1072866" rtl="0" eaLnBrk="1" latinLnBrk="0" hangingPunct="1"/>
+                      <a:r>
+                        <a:rPr lang="es-ES" sz="1800" b="1" kern="1200" dirty="0" smtClean="0">
+                          <a:solidFill>
+                            <a:schemeClr val="dk1"/>
+                          </a:solidFill>
+                          <a:latin typeface="+mn-lt"/>
+                          <a:ea typeface="+mn-ea"/>
+                          <a:cs typeface="+mn-cs"/>
+                        </a:rPr>
+                        <a:t>O6</a:t>
+                      </a:r>
+                      <a:endParaRPr lang="es-ES" sz="1800" b="1" kern="1200" dirty="0">
+                        <a:solidFill>
+                          <a:schemeClr val="dk1"/>
+                        </a:solidFill>
+                        <a:latin typeface="+mn-lt"/>
+                        <a:ea typeface="+mn-ea"/>
+                        <a:cs typeface="+mn-cs"/>
+                      </a:endParaRPr>
+                    </a:p>
+                  </a:txBody>
+                  <a:tcPr>
+                    <a:lnL w="12700" cap="flat" cmpd="sng" algn="ctr">
+                      <a:solidFill>
+                        <a:schemeClr val="tx1"/>
+                      </a:solidFill>
+                      <a:prstDash val="solid"/>
+                      <a:round/>
+                      <a:headEnd type="none" w="med" len="med"/>
+                      <a:tailEnd type="none" w="med" len="med"/>
+                    </a:lnL>
+                    <a:lnR w="12700" cap="flat" cmpd="sng" algn="ctr">
+                      <a:solidFill>
+                        <a:schemeClr val="tx1"/>
+                      </a:solidFill>
+                      <a:prstDash val="solid"/>
+                      <a:round/>
+                      <a:headEnd type="none" w="med" len="med"/>
+                      <a:tailEnd type="none" w="med" len="med"/>
+                    </a:lnR>
+                    <a:lnT w="12700" cap="flat" cmpd="sng" algn="ctr">
+                      <a:solidFill>
+                        <a:schemeClr val="tx1"/>
+                      </a:solidFill>
+                      <a:prstDash val="solid"/>
+                      <a:round/>
+                      <a:headEnd type="none" w="med" len="med"/>
+                      <a:tailEnd type="none" w="med" len="med"/>
+                    </a:lnT>
+                    <a:lnB w="12700" cap="flat" cmpd="sng" algn="ctr">
+                      <a:solidFill>
+                        <a:schemeClr val="tx1"/>
+                      </a:solidFill>
+                      <a:prstDash val="solid"/>
+                      <a:round/>
+                      <a:headEnd type="none" w="med" len="med"/>
+                      <a:tailEnd type="none" w="med" len="med"/>
+                    </a:lnB>
+                    <a:solidFill>
+                      <a:schemeClr val="accent5">
+                        <a:lumMod val="20000"/>
+                        <a:lumOff val="80000"/>
+                      </a:schemeClr>
+                    </a:solidFill>
+                  </a:tcPr>
+                </a:tc>
+                <a:tc>
+                  <a:txBody>
+                    <a:bodyPr/>
+                    <a:lstStyle/>
+                    <a:p>
+                      <a:pPr marL="0" algn="just" defTabSz="1072866" rtl="0" eaLnBrk="1" latinLnBrk="0" hangingPunct="1"/>
+                      <a:r>
+                        <a:rPr lang="es-ES" sz="1600" b="0" kern="1200" dirty="0" smtClean="0">
+                          <a:solidFill>
+                            <a:schemeClr val="dk1"/>
+                          </a:solidFill>
+                          <a:latin typeface="+mn-lt"/>
+                          <a:ea typeface="+mn-ea"/>
+                          <a:cs typeface="+mn-cs"/>
+                        </a:rPr>
+                        <a:t>Facilitar la gestión de proyectos software</a:t>
+                      </a:r>
+                      <a:endParaRPr lang="es-ES" sz="1600" b="0" kern="1200" dirty="0">
+                        <a:solidFill>
+                          <a:schemeClr val="dk1"/>
+                        </a:solidFill>
+                        <a:latin typeface="+mn-lt"/>
+                        <a:ea typeface="+mn-ea"/>
+                        <a:cs typeface="+mn-cs"/>
+                      </a:endParaRPr>
+                    </a:p>
+                  </a:txBody>
+                  <a:tcPr>
+                    <a:lnL w="12700" cap="flat" cmpd="sng" algn="ctr">
+                      <a:solidFill>
+                        <a:schemeClr val="tx1"/>
+                      </a:solidFill>
+                      <a:prstDash val="solid"/>
+                      <a:round/>
+                      <a:headEnd type="none" w="med" len="med"/>
+                      <a:tailEnd type="none" w="med" len="med"/>
+                    </a:lnL>
+                    <a:lnR w="12700" cap="flat" cmpd="sng" algn="ctr">
+                      <a:solidFill>
+                        <a:schemeClr val="tx1"/>
+                      </a:solidFill>
+                      <a:prstDash val="solid"/>
+                      <a:round/>
+                      <a:headEnd type="none" w="med" len="med"/>
+                      <a:tailEnd type="none" w="med" len="med"/>
+                    </a:lnR>
+                    <a:lnT w="12700" cap="flat" cmpd="sng" algn="ctr">
+                      <a:solidFill>
+                        <a:schemeClr val="tx1"/>
+                      </a:solidFill>
+                      <a:prstDash val="solid"/>
+                      <a:round/>
+                      <a:headEnd type="none" w="med" len="med"/>
+                      <a:tailEnd type="none" w="med" len="med"/>
+                    </a:lnT>
+                    <a:lnB w="12700" cap="flat" cmpd="sng" algn="ctr">
+                      <a:solidFill>
+                        <a:schemeClr val="tx1"/>
+                      </a:solidFill>
+                      <a:prstDash val="solid"/>
+                      <a:round/>
+                      <a:headEnd type="none" w="med" len="med"/>
+                      <a:tailEnd type="none" w="med" len="med"/>
+                    </a:lnB>
+                    <a:solidFill>
+                      <a:schemeClr val="accent5">
+                        <a:lumMod val="20000"/>
+                        <a:lumOff val="80000"/>
+                      </a:schemeClr>
+                    </a:solidFill>
+                  </a:tcPr>
+                </a:tc>
+                <a:tc>
+                  <a:txBody>
+                    <a:bodyPr/>
+                    <a:lstStyle/>
+                    <a:p>
+                      <a:pPr marL="0" marR="0" indent="0" algn="just" defTabSz="1072866" rtl="0" eaLnBrk="1" fontAlgn="auto" latinLnBrk="0" hangingPunct="1">
+                        <a:lnSpc>
+                          <a:spcPct val="100000"/>
+                        </a:lnSpc>
+                        <a:spcBef>
+                          <a:spcPts val="0"/>
+                        </a:spcBef>
+                        <a:spcAft>
+                          <a:spcPts val="0"/>
+                        </a:spcAft>
+                        <a:buClrTx/>
+                        <a:buSzTx/>
+                        <a:buFontTx/>
+                        <a:buNone/>
+                        <a:tabLst/>
+                        <a:defRPr/>
+                      </a:pPr>
+                      <a:r>
+                        <a:rPr lang="es-ES" sz="1600" b="0" kern="1200" dirty="0" smtClean="0">
+                          <a:solidFill>
+                            <a:schemeClr val="dk1"/>
+                          </a:solidFill>
+                          <a:latin typeface="+mn-lt"/>
+                          <a:ea typeface="+mn-ea"/>
+                          <a:cs typeface="+mn-cs"/>
+                        </a:rPr>
+                        <a:t>Comunicación/Control</a:t>
+                      </a:r>
+                    </a:p>
+                  </a:txBody>
+                  <a:tcPr>
+                    <a:lnL w="12700" cap="flat" cmpd="sng" algn="ctr">
+                      <a:solidFill>
+                        <a:schemeClr val="tx1"/>
+                      </a:solidFill>
+                      <a:prstDash val="solid"/>
+                      <a:round/>
+                      <a:headEnd type="none" w="med" len="med"/>
+                      <a:tailEnd type="none" w="med" len="med"/>
+                    </a:lnL>
+                    <a:lnR w="12700" cap="flat" cmpd="sng" algn="ctr">
+                      <a:solidFill>
+                        <a:schemeClr val="tx1"/>
+                      </a:solidFill>
+                      <a:prstDash val="solid"/>
+                      <a:round/>
+                      <a:headEnd type="none" w="med" len="med"/>
+                      <a:tailEnd type="none" w="med" len="med"/>
+                    </a:lnR>
+                    <a:lnT w="12700" cap="flat" cmpd="sng" algn="ctr">
+                      <a:solidFill>
+                        <a:schemeClr val="tx1"/>
+                      </a:solidFill>
+                      <a:prstDash val="solid"/>
+                      <a:round/>
+                      <a:headEnd type="none" w="med" len="med"/>
+                      <a:tailEnd type="none" w="med" len="med"/>
+                    </a:lnT>
+                    <a:lnB w="12700" cap="flat" cmpd="sng" algn="ctr">
+                      <a:solidFill>
+                        <a:schemeClr val="tx1"/>
+                      </a:solidFill>
+                      <a:prstDash val="solid"/>
+                      <a:round/>
+                      <a:headEnd type="none" w="med" len="med"/>
+                      <a:tailEnd type="none" w="med" len="med"/>
+                    </a:lnB>
+                    <a:solidFill>
+                      <a:schemeClr val="accent5">
+                        <a:lumMod val="20000"/>
+                        <a:lumOff val="80000"/>
+                      </a:schemeClr>
+                    </a:solidFill>
+                  </a:tcPr>
+                </a:tc>
+              </a:tr>
+              <a:tr h="331048">
+                <a:tc>
+                  <a:txBody>
+                    <a:bodyPr/>
+                    <a:lstStyle/>
+                    <a:p>
+                      <a:pPr marL="0" algn="ctr" defTabSz="1072866" rtl="0" eaLnBrk="1" latinLnBrk="0" hangingPunct="1"/>
+                      <a:r>
+                        <a:rPr lang="es-ES" sz="1800" b="1" kern="1200" dirty="0" smtClean="0">
+                          <a:solidFill>
+                            <a:schemeClr val="dk1"/>
+                          </a:solidFill>
+                          <a:latin typeface="+mn-lt"/>
+                          <a:ea typeface="+mn-ea"/>
+                          <a:cs typeface="+mn-cs"/>
+                        </a:rPr>
+                        <a:t>O7</a:t>
+                      </a:r>
+                      <a:endParaRPr lang="es-ES" sz="1800" b="1" kern="1200" dirty="0">
+                        <a:solidFill>
+                          <a:schemeClr val="dk1"/>
+                        </a:solidFill>
+                        <a:latin typeface="+mn-lt"/>
+                        <a:ea typeface="+mn-ea"/>
+                        <a:cs typeface="+mn-cs"/>
+                      </a:endParaRPr>
+                    </a:p>
+                  </a:txBody>
+                  <a:tcPr>
+                    <a:lnL w="12700" cap="flat" cmpd="sng" algn="ctr">
+                      <a:solidFill>
+                        <a:schemeClr val="tx1"/>
+                      </a:solidFill>
+                      <a:prstDash val="solid"/>
+                      <a:round/>
+                      <a:headEnd type="none" w="med" len="med"/>
+                      <a:tailEnd type="none" w="med" len="med"/>
+                    </a:lnL>
+                    <a:lnR w="12700" cap="flat" cmpd="sng" algn="ctr">
+                      <a:solidFill>
+                        <a:schemeClr val="tx1"/>
+                      </a:solidFill>
+                      <a:prstDash val="solid"/>
+                      <a:round/>
+                      <a:headEnd type="none" w="med" len="med"/>
+                      <a:tailEnd type="none" w="med" len="med"/>
+                    </a:lnR>
+                    <a:lnT w="12700" cap="flat" cmpd="sng" algn="ctr">
+                      <a:solidFill>
+                        <a:schemeClr val="tx1"/>
+                      </a:solidFill>
+                      <a:prstDash val="solid"/>
+                      <a:round/>
+                      <a:headEnd type="none" w="med" len="med"/>
+                      <a:tailEnd type="none" w="med" len="med"/>
+                    </a:lnT>
+                    <a:lnB w="12700" cap="flat" cmpd="sng" algn="ctr">
+                      <a:solidFill>
+                        <a:schemeClr val="tx1"/>
+                      </a:solidFill>
+                      <a:prstDash val="solid"/>
+                      <a:round/>
+                      <a:headEnd type="none" w="med" len="med"/>
+                      <a:tailEnd type="none" w="med" len="med"/>
+                    </a:lnB>
+                    <a:solidFill>
+                      <a:schemeClr val="accent5">
+                        <a:lumMod val="20000"/>
+                        <a:lumOff val="80000"/>
+                      </a:schemeClr>
+                    </a:solidFill>
+                  </a:tcPr>
+                </a:tc>
+                <a:tc>
+                  <a:txBody>
+                    <a:bodyPr/>
+                    <a:lstStyle/>
+                    <a:p>
+                      <a:pPr marL="0" algn="just" defTabSz="1072866" rtl="0" eaLnBrk="1" latinLnBrk="0" hangingPunct="1"/>
+                      <a:r>
+                        <a:rPr lang="es-ES" sz="1600" b="0" kern="1200" dirty="0" smtClean="0">
+                          <a:solidFill>
+                            <a:schemeClr val="dk1"/>
+                          </a:solidFill>
+                          <a:latin typeface="+mn-lt"/>
+                          <a:ea typeface="+mn-ea"/>
+                          <a:cs typeface="+mn-cs"/>
+                        </a:rPr>
+                        <a:t>Favorecer aspectos de control de proyectos</a:t>
+                      </a:r>
+                      <a:endParaRPr lang="es-ES" sz="1600" b="0" kern="1200" dirty="0">
+                        <a:solidFill>
+                          <a:schemeClr val="dk1"/>
+                        </a:solidFill>
+                        <a:latin typeface="+mn-lt"/>
+                        <a:ea typeface="+mn-ea"/>
+                        <a:cs typeface="+mn-cs"/>
+                      </a:endParaRPr>
+                    </a:p>
+                  </a:txBody>
+                  <a:tcPr>
+                    <a:lnL w="12700" cap="flat" cmpd="sng" algn="ctr">
+                      <a:solidFill>
+                        <a:schemeClr val="tx1"/>
+                      </a:solidFill>
+                      <a:prstDash val="solid"/>
+                      <a:round/>
+                      <a:headEnd type="none" w="med" len="med"/>
+                      <a:tailEnd type="none" w="med" len="med"/>
+                    </a:lnL>
+                    <a:lnR w="12700" cap="flat" cmpd="sng" algn="ctr">
+                      <a:solidFill>
+                        <a:schemeClr val="tx1"/>
+                      </a:solidFill>
+                      <a:prstDash val="solid"/>
+                      <a:round/>
+                      <a:headEnd type="none" w="med" len="med"/>
+                      <a:tailEnd type="none" w="med" len="med"/>
+                    </a:lnR>
+                    <a:lnT w="12700" cap="flat" cmpd="sng" algn="ctr">
+                      <a:solidFill>
+                        <a:schemeClr val="tx1"/>
+                      </a:solidFill>
+                      <a:prstDash val="solid"/>
+                      <a:round/>
+                      <a:headEnd type="none" w="med" len="med"/>
+                      <a:tailEnd type="none" w="med" len="med"/>
+                    </a:lnT>
+                    <a:lnB w="12700" cap="flat" cmpd="sng" algn="ctr">
+                      <a:solidFill>
+                        <a:schemeClr val="tx1"/>
+                      </a:solidFill>
+                      <a:prstDash val="solid"/>
+                      <a:round/>
+                      <a:headEnd type="none" w="med" len="med"/>
+                      <a:tailEnd type="none" w="med" len="med"/>
+                    </a:lnB>
+                    <a:solidFill>
+                      <a:schemeClr val="accent5">
+                        <a:lumMod val="20000"/>
+                        <a:lumOff val="80000"/>
+                      </a:schemeClr>
+                    </a:solidFill>
+                  </a:tcPr>
+                </a:tc>
+                <a:tc>
+                  <a:txBody>
+                    <a:bodyPr/>
+                    <a:lstStyle/>
+                    <a:p>
+                      <a:pPr marL="0" marR="0" indent="0" algn="just" defTabSz="1072866" rtl="0" eaLnBrk="1" fontAlgn="auto" latinLnBrk="0" hangingPunct="1">
+                        <a:lnSpc>
+                          <a:spcPct val="100000"/>
+                        </a:lnSpc>
+                        <a:spcBef>
+                          <a:spcPts val="0"/>
+                        </a:spcBef>
+                        <a:spcAft>
+                          <a:spcPts val="0"/>
+                        </a:spcAft>
+                        <a:buClrTx/>
+                        <a:buSzTx/>
+                        <a:buFontTx/>
+                        <a:buNone/>
+                        <a:tabLst/>
+                        <a:defRPr/>
+                      </a:pPr>
+                      <a:r>
+                        <a:rPr lang="es-ES" sz="1600" b="0" kern="1200" dirty="0" smtClean="0">
+                          <a:solidFill>
+                            <a:schemeClr val="dk1"/>
+                          </a:solidFill>
+                          <a:latin typeface="+mn-lt"/>
+                          <a:ea typeface="+mn-ea"/>
+                          <a:cs typeface="+mn-cs"/>
+                        </a:rPr>
+                        <a:t>Control</a:t>
+                      </a:r>
+                    </a:p>
+                  </a:txBody>
+                  <a:tcPr>
+                    <a:lnL w="12700" cap="flat" cmpd="sng" algn="ctr">
+                      <a:solidFill>
+                        <a:schemeClr val="tx1"/>
+                      </a:solidFill>
+                      <a:prstDash val="solid"/>
+                      <a:round/>
+                      <a:headEnd type="none" w="med" len="med"/>
+                      <a:tailEnd type="none" w="med" len="med"/>
+                    </a:lnL>
+                    <a:lnR w="12700" cap="flat" cmpd="sng" algn="ctr">
+                      <a:solidFill>
+                        <a:schemeClr val="tx1"/>
+                      </a:solidFill>
+                      <a:prstDash val="solid"/>
+                      <a:round/>
+                      <a:headEnd type="none" w="med" len="med"/>
+                      <a:tailEnd type="none" w="med" len="med"/>
+                    </a:lnR>
+                    <a:lnT w="12700" cap="flat" cmpd="sng" algn="ctr">
+                      <a:solidFill>
+                        <a:schemeClr val="tx1"/>
+                      </a:solidFill>
+                      <a:prstDash val="solid"/>
+                      <a:round/>
+                      <a:headEnd type="none" w="med" len="med"/>
+                      <a:tailEnd type="none" w="med" len="med"/>
+                    </a:lnT>
+                    <a:lnB w="12700" cap="flat" cmpd="sng" algn="ctr">
+                      <a:solidFill>
+                        <a:schemeClr val="tx1"/>
+                      </a:solidFill>
+                      <a:prstDash val="solid"/>
+                      <a:round/>
+                      <a:headEnd type="none" w="med" len="med"/>
+                      <a:tailEnd type="none" w="med" len="med"/>
+                    </a:lnB>
+                    <a:solidFill>
+                      <a:schemeClr val="accent5">
+                        <a:lumMod val="20000"/>
+                        <a:lumOff val="80000"/>
+                      </a:schemeClr>
+                    </a:solidFill>
+                  </a:tcPr>
+                </a:tc>
+              </a:tr>
+              <a:tr h="552400">
+                <a:tc>
+                  <a:txBody>
+                    <a:bodyPr/>
+                    <a:lstStyle/>
+                    <a:p>
+                      <a:pPr marL="0" algn="ctr" defTabSz="1072866" rtl="0" eaLnBrk="1" latinLnBrk="0" hangingPunct="1"/>
+                      <a:r>
+                        <a:rPr lang="es-ES" sz="1800" b="1" kern="1200" dirty="0" smtClean="0">
+                          <a:solidFill>
+                            <a:schemeClr val="dk1"/>
+                          </a:solidFill>
+                          <a:latin typeface="+mn-lt"/>
+                          <a:ea typeface="+mn-ea"/>
+                          <a:cs typeface="+mn-cs"/>
+                        </a:rPr>
+                        <a:t>O8</a:t>
+                      </a:r>
+                      <a:endParaRPr lang="es-ES" sz="1800" b="1" kern="1200" dirty="0">
+                        <a:solidFill>
+                          <a:schemeClr val="dk1"/>
+                        </a:solidFill>
+                        <a:latin typeface="+mn-lt"/>
+                        <a:ea typeface="+mn-ea"/>
+                        <a:cs typeface="+mn-cs"/>
+                      </a:endParaRPr>
+                    </a:p>
+                  </a:txBody>
+                  <a:tcPr>
+                    <a:lnL w="12700" cap="flat" cmpd="sng" algn="ctr">
+                      <a:solidFill>
+                        <a:schemeClr val="tx1"/>
+                      </a:solidFill>
+                      <a:prstDash val="solid"/>
+                      <a:round/>
+                      <a:headEnd type="none" w="med" len="med"/>
+                      <a:tailEnd type="none" w="med" len="med"/>
+                    </a:lnL>
+                    <a:lnR w="12700" cap="flat" cmpd="sng" algn="ctr">
+                      <a:solidFill>
+                        <a:schemeClr val="tx1"/>
+                      </a:solidFill>
+                      <a:prstDash val="solid"/>
+                      <a:round/>
+                      <a:headEnd type="none" w="med" len="med"/>
+                      <a:tailEnd type="none" w="med" len="med"/>
+                    </a:lnR>
+                    <a:lnT w="12700" cap="flat" cmpd="sng" algn="ctr">
+                      <a:solidFill>
+                        <a:schemeClr val="tx1"/>
+                      </a:solidFill>
+                      <a:prstDash val="solid"/>
+                      <a:round/>
+                      <a:headEnd type="none" w="med" len="med"/>
+                      <a:tailEnd type="none" w="med" len="med"/>
+                    </a:lnT>
+                    <a:lnB w="12700" cap="flat" cmpd="sng" algn="ctr">
+                      <a:solidFill>
+                        <a:schemeClr val="tx1"/>
+                      </a:solidFill>
+                      <a:prstDash val="solid"/>
+                      <a:round/>
+                      <a:headEnd type="none" w="med" len="med"/>
+                      <a:tailEnd type="none" w="med" len="med"/>
+                    </a:lnB>
+                    <a:solidFill>
+                      <a:schemeClr val="accent5">
+                        <a:lumMod val="20000"/>
+                        <a:lumOff val="80000"/>
+                      </a:schemeClr>
+                    </a:solidFill>
+                  </a:tcPr>
+                </a:tc>
+                <a:tc>
+                  <a:txBody>
+                    <a:bodyPr/>
+                    <a:lstStyle/>
+                    <a:p>
+                      <a:pPr marL="0" algn="just" defTabSz="1072866" rtl="0" eaLnBrk="1" latinLnBrk="0" hangingPunct="1"/>
+                      <a:r>
+                        <a:rPr lang="es-ES" sz="1600" b="0" kern="1200" dirty="0" smtClean="0">
+                          <a:solidFill>
+                            <a:schemeClr val="dk1"/>
+                          </a:solidFill>
+                          <a:latin typeface="+mn-lt"/>
+                          <a:ea typeface="+mn-ea"/>
+                          <a:cs typeface="+mn-cs"/>
+                        </a:rPr>
+                        <a:t>Facilitar la reutilización de información entre proyectos, aconsejando decisiones de proyectos similares</a:t>
+                      </a:r>
+                      <a:endParaRPr lang="es-ES" sz="1600" b="0" kern="1200" dirty="0">
+                        <a:solidFill>
+                          <a:schemeClr val="dk1"/>
+                        </a:solidFill>
+                        <a:latin typeface="+mn-lt"/>
+                        <a:ea typeface="+mn-ea"/>
+                        <a:cs typeface="+mn-cs"/>
+                      </a:endParaRPr>
+                    </a:p>
+                  </a:txBody>
+                  <a:tcPr>
+                    <a:lnL w="12700" cap="flat" cmpd="sng" algn="ctr">
+                      <a:solidFill>
+                        <a:schemeClr val="tx1"/>
+                      </a:solidFill>
+                      <a:prstDash val="solid"/>
+                      <a:round/>
+                      <a:headEnd type="none" w="med" len="med"/>
+                      <a:tailEnd type="none" w="med" len="med"/>
+                    </a:lnL>
+                    <a:lnR w="12700" cap="flat" cmpd="sng" algn="ctr">
+                      <a:solidFill>
+                        <a:schemeClr val="tx1"/>
+                      </a:solidFill>
+                      <a:prstDash val="solid"/>
+                      <a:round/>
+                      <a:headEnd type="none" w="med" len="med"/>
+                      <a:tailEnd type="none" w="med" len="med"/>
+                    </a:lnR>
+                    <a:lnT w="12700" cap="flat" cmpd="sng" algn="ctr">
+                      <a:solidFill>
+                        <a:schemeClr val="tx1"/>
+                      </a:solidFill>
+                      <a:prstDash val="solid"/>
+                      <a:round/>
+                      <a:headEnd type="none" w="med" len="med"/>
+                      <a:tailEnd type="none" w="med" len="med"/>
+                    </a:lnT>
+                    <a:lnB w="12700" cap="flat" cmpd="sng" algn="ctr">
+                      <a:solidFill>
+                        <a:schemeClr val="tx1"/>
+                      </a:solidFill>
+                      <a:prstDash val="solid"/>
+                      <a:round/>
+                      <a:headEnd type="none" w="med" len="med"/>
+                      <a:tailEnd type="none" w="med" len="med"/>
+                    </a:lnB>
+                    <a:solidFill>
+                      <a:schemeClr val="accent5">
+                        <a:lumMod val="20000"/>
+                        <a:lumOff val="80000"/>
+                      </a:schemeClr>
+                    </a:solidFill>
+                  </a:tcPr>
+                </a:tc>
+                <a:tc>
+                  <a:txBody>
+                    <a:bodyPr/>
+                    <a:lstStyle/>
+                    <a:p>
+                      <a:pPr marL="0" marR="0" indent="0" algn="just" defTabSz="1072866" rtl="0" eaLnBrk="1" fontAlgn="auto" latinLnBrk="0" hangingPunct="1">
+                        <a:lnSpc>
+                          <a:spcPct val="100000"/>
+                        </a:lnSpc>
+                        <a:spcBef>
+                          <a:spcPts val="0"/>
+                        </a:spcBef>
+                        <a:spcAft>
+                          <a:spcPts val="0"/>
+                        </a:spcAft>
+                        <a:buClrTx/>
+                        <a:buSzTx/>
+                        <a:buFontTx/>
+                        <a:buNone/>
+                        <a:tabLst/>
+                        <a:defRPr/>
+                      </a:pPr>
+                      <a:r>
+                        <a:rPr lang="es-ES" sz="1600" b="0" kern="1200" dirty="0" smtClean="0">
+                          <a:solidFill>
+                            <a:schemeClr val="dk1"/>
+                          </a:solidFill>
+                          <a:latin typeface="+mn-lt"/>
+                          <a:ea typeface="+mn-ea"/>
+                          <a:cs typeface="+mn-cs"/>
+                        </a:rPr>
+                        <a:t>Control/ </a:t>
+                      </a:r>
+                    </a:p>
+                    <a:p>
+                      <a:pPr marL="0" marR="0" indent="0" algn="just" defTabSz="1072866" rtl="0" eaLnBrk="1" fontAlgn="auto" latinLnBrk="0" hangingPunct="1">
+                        <a:lnSpc>
+                          <a:spcPct val="100000"/>
+                        </a:lnSpc>
+                        <a:spcBef>
+                          <a:spcPts val="0"/>
+                        </a:spcBef>
+                        <a:spcAft>
+                          <a:spcPts val="0"/>
+                        </a:spcAft>
+                        <a:buClrTx/>
+                        <a:buSzTx/>
+                        <a:buFontTx/>
+                        <a:buNone/>
+                        <a:tabLst/>
+                        <a:defRPr/>
+                      </a:pPr>
+                      <a:r>
+                        <a:rPr lang="es-ES" sz="1600" b="0" kern="1200" dirty="0" smtClean="0">
+                          <a:solidFill>
+                            <a:schemeClr val="dk1"/>
+                          </a:solidFill>
+                          <a:latin typeface="+mn-lt"/>
+                          <a:ea typeface="+mn-ea"/>
+                          <a:cs typeface="+mn-cs"/>
+                        </a:rPr>
+                        <a:t>G. conocimiento</a:t>
+                      </a:r>
+                    </a:p>
+                  </a:txBody>
+                  <a:tcPr>
+                    <a:lnL w="12700" cap="flat" cmpd="sng" algn="ctr">
+                      <a:solidFill>
+                        <a:schemeClr val="tx1"/>
+                      </a:solidFill>
+                      <a:prstDash val="solid"/>
+                      <a:round/>
+                      <a:headEnd type="none" w="med" len="med"/>
+                      <a:tailEnd type="none" w="med" len="med"/>
+                    </a:lnL>
+                    <a:lnR w="12700" cap="flat" cmpd="sng" algn="ctr">
+                      <a:solidFill>
+                        <a:schemeClr val="tx1"/>
+                      </a:solidFill>
+                      <a:prstDash val="solid"/>
+                      <a:round/>
+                      <a:headEnd type="none" w="med" len="med"/>
+                      <a:tailEnd type="none" w="med" len="med"/>
+                    </a:lnR>
+                    <a:lnT w="12700" cap="flat" cmpd="sng" algn="ctr">
+                      <a:solidFill>
+                        <a:schemeClr val="tx1"/>
+                      </a:solidFill>
+                      <a:prstDash val="solid"/>
+                      <a:round/>
+                      <a:headEnd type="none" w="med" len="med"/>
+                      <a:tailEnd type="none" w="med" len="med"/>
+                    </a:lnT>
+                    <a:lnB w="12700" cap="flat" cmpd="sng" algn="ctr">
+                      <a:solidFill>
+                        <a:schemeClr val="tx1"/>
+                      </a:solidFill>
+                      <a:prstDash val="solid"/>
+                      <a:round/>
+                      <a:headEnd type="none" w="med" len="med"/>
+                      <a:tailEnd type="none" w="med" len="med"/>
+                    </a:lnB>
+                    <a:solidFill>
+                      <a:schemeClr val="accent5">
+                        <a:lumMod val="20000"/>
+                        <a:lumOff val="80000"/>
+                      </a:schemeClr>
+                    </a:solidFill>
+                  </a:tcPr>
+                </a:tc>
+              </a:tr>
+            </a:tbl>
+          </a:graphicData>
+        </a:graphic>
+      </p:graphicFrame>
+      <p:pic>
+        <p:nvPicPr>
+          <p:cNvPr id="3" name="2 Imagen"/>
+          <p:cNvPicPr>
+            <a:picLocks noChangeAspect="1"/>
+          </p:cNvPicPr>
+          <p:nvPr/>
+        </p:nvPicPr>
+        <p:blipFill>
+          <a:blip r:embed="rId3" cstate="print">
+            <a:extLst>
+              <a:ext uri="{28A0092B-C50C-407E-A947-70E740481C1C}">
+                <a14:useLocalDpi xmlns:a14="http://schemas.microsoft.com/office/drawing/2010/main" val="0"/>
+              </a:ext>
+            </a:extLst>
+          </a:blip>
+          <a:stretch>
+            <a:fillRect/>
+          </a:stretch>
+        </p:blipFill>
+        <p:spPr>
+          <a:xfrm>
+            <a:off x="6307670" y="1415454"/>
+            <a:ext cx="577417" cy="606096"/>
+          </a:xfrm>
+          <a:prstGeom prst="rect">
+            <a:avLst/>
+          </a:prstGeom>
+        </p:spPr>
+      </p:pic>
+      <p:pic>
+        <p:nvPicPr>
+          <p:cNvPr id="27" name="26 Imagen"/>
+          <p:cNvPicPr>
+            <a:picLocks noChangeAspect="1"/>
+          </p:cNvPicPr>
+          <p:nvPr/>
+        </p:nvPicPr>
+        <p:blipFill>
+          <a:blip r:embed="rId3" cstate="print">
+            <a:extLst>
+              <a:ext uri="{28A0092B-C50C-407E-A947-70E740481C1C}">
+                <a14:useLocalDpi xmlns:a14="http://schemas.microsoft.com/office/drawing/2010/main" val="0"/>
+              </a:ext>
+            </a:extLst>
+          </a:blip>
+          <a:stretch>
+            <a:fillRect/>
+          </a:stretch>
+        </p:blipFill>
+        <p:spPr>
+          <a:xfrm>
+            <a:off x="6307670" y="1980537"/>
+            <a:ext cx="577417" cy="606096"/>
+          </a:xfrm>
+          <a:prstGeom prst="rect">
+            <a:avLst/>
+          </a:prstGeom>
+        </p:spPr>
+      </p:pic>
+      <p:pic>
+        <p:nvPicPr>
+          <p:cNvPr id="29" name="28 Imagen"/>
+          <p:cNvPicPr>
+            <a:picLocks noChangeAspect="1"/>
+          </p:cNvPicPr>
+          <p:nvPr/>
+        </p:nvPicPr>
+        <p:blipFill>
+          <a:blip r:embed="rId3" cstate="print">
+            <a:extLst>
+              <a:ext uri="{28A0092B-C50C-407E-A947-70E740481C1C}">
+                <a14:useLocalDpi xmlns:a14="http://schemas.microsoft.com/office/drawing/2010/main" val="0"/>
+              </a:ext>
+            </a:extLst>
+          </a:blip>
+          <a:stretch>
+            <a:fillRect/>
+          </a:stretch>
+        </p:blipFill>
+        <p:spPr>
+          <a:xfrm>
+            <a:off x="6324359" y="5085184"/>
+            <a:ext cx="577417" cy="606096"/>
+          </a:xfrm>
+          <a:prstGeom prst="rect">
+            <a:avLst/>
+          </a:prstGeom>
+        </p:spPr>
+      </p:pic>
+      <p:pic>
+        <p:nvPicPr>
+          <p:cNvPr id="30" name="29 Imagen"/>
+          <p:cNvPicPr>
+            <a:picLocks noChangeAspect="1"/>
+          </p:cNvPicPr>
+          <p:nvPr/>
+        </p:nvPicPr>
+        <p:blipFill>
+          <a:blip r:embed="rId3" cstate="print">
+            <a:extLst>
+              <a:ext uri="{28A0092B-C50C-407E-A947-70E740481C1C}">
+                <a14:useLocalDpi xmlns:a14="http://schemas.microsoft.com/office/drawing/2010/main" val="0"/>
+              </a:ext>
+            </a:extLst>
+          </a:blip>
+          <a:stretch>
+            <a:fillRect/>
+          </a:stretch>
+        </p:blipFill>
+        <p:spPr>
+          <a:xfrm>
+            <a:off x="6324359" y="4549864"/>
+            <a:ext cx="577417" cy="606096"/>
+          </a:xfrm>
+          <a:prstGeom prst="rect">
+            <a:avLst/>
+          </a:prstGeom>
+        </p:spPr>
+      </p:pic>
+      <p:pic>
+        <p:nvPicPr>
+          <p:cNvPr id="31" name="30 Imagen"/>
+          <p:cNvPicPr>
+            <a:picLocks noChangeAspect="1"/>
+          </p:cNvPicPr>
+          <p:nvPr/>
+        </p:nvPicPr>
+        <p:blipFill>
+          <a:blip r:embed="rId3" cstate="print">
+            <a:extLst>
+              <a:ext uri="{28A0092B-C50C-407E-A947-70E740481C1C}">
+                <a14:useLocalDpi xmlns:a14="http://schemas.microsoft.com/office/drawing/2010/main" val="0"/>
+              </a:ext>
+            </a:extLst>
+          </a:blip>
+          <a:stretch>
+            <a:fillRect/>
+          </a:stretch>
+        </p:blipFill>
+        <p:spPr>
+          <a:xfrm>
+            <a:off x="6307669" y="2606880"/>
+            <a:ext cx="577417" cy="606096"/>
+          </a:xfrm>
+          <a:prstGeom prst="rect">
+            <a:avLst/>
+          </a:prstGeom>
+        </p:spPr>
+      </p:pic>
+      <p:pic>
+        <p:nvPicPr>
+          <p:cNvPr id="32" name="31 Imagen"/>
+          <p:cNvPicPr>
+            <a:picLocks noChangeAspect="1"/>
+          </p:cNvPicPr>
+          <p:nvPr/>
+        </p:nvPicPr>
+        <p:blipFill>
+          <a:blip r:embed="rId3" cstate="print">
+            <a:extLst>
+              <a:ext uri="{28A0092B-C50C-407E-A947-70E740481C1C}">
+                <a14:useLocalDpi xmlns:a14="http://schemas.microsoft.com/office/drawing/2010/main" val="0"/>
+              </a:ext>
+            </a:extLst>
+          </a:blip>
+          <a:stretch>
+            <a:fillRect/>
+          </a:stretch>
+        </p:blipFill>
+        <p:spPr>
+          <a:xfrm>
+            <a:off x="6324359" y="4077072"/>
+            <a:ext cx="577417" cy="606096"/>
+          </a:xfrm>
+          <a:prstGeom prst="rect">
+            <a:avLst/>
+          </a:prstGeom>
+        </p:spPr>
+      </p:pic>
+      <p:pic>
+        <p:nvPicPr>
+          <p:cNvPr id="33" name="32 Imagen"/>
+          <p:cNvPicPr>
+            <a:picLocks noChangeAspect="1"/>
+          </p:cNvPicPr>
+          <p:nvPr/>
+        </p:nvPicPr>
+        <p:blipFill>
+          <a:blip r:embed="rId3" cstate="print">
+            <a:extLst>
+              <a:ext uri="{28A0092B-C50C-407E-A947-70E740481C1C}">
+                <a14:useLocalDpi xmlns:a14="http://schemas.microsoft.com/office/drawing/2010/main" val="0"/>
+              </a:ext>
+            </a:extLst>
+          </a:blip>
+          <a:stretch>
+            <a:fillRect/>
+          </a:stretch>
+        </p:blipFill>
+        <p:spPr>
+          <a:xfrm>
+            <a:off x="6324359" y="3573016"/>
+            <a:ext cx="577417" cy="606096"/>
+          </a:xfrm>
+          <a:prstGeom prst="rect">
+            <a:avLst/>
+          </a:prstGeom>
+        </p:spPr>
+      </p:pic>
+      <p:pic>
+        <p:nvPicPr>
+          <p:cNvPr id="34" name="33 Imagen"/>
+          <p:cNvPicPr>
+            <a:picLocks noChangeAspect="1"/>
+          </p:cNvPicPr>
+          <p:nvPr/>
+        </p:nvPicPr>
+        <p:blipFill>
+          <a:blip r:embed="rId3" cstate="print">
+            <a:extLst>
+              <a:ext uri="{28A0092B-C50C-407E-A947-70E740481C1C}">
+                <a14:useLocalDpi xmlns:a14="http://schemas.microsoft.com/office/drawing/2010/main" val="0"/>
+              </a:ext>
+            </a:extLst>
+          </a:blip>
+          <a:stretch>
+            <a:fillRect/>
+          </a:stretch>
+        </p:blipFill>
+        <p:spPr>
+          <a:xfrm>
+            <a:off x="6307668" y="3185160"/>
+            <a:ext cx="577417" cy="606096"/>
+          </a:xfrm>
+          <a:prstGeom prst="rect">
+            <a:avLst/>
+          </a:prstGeom>
+        </p:spPr>
+      </p:pic>
+    </p:spTree>
+    <p:extLst>
+      <p:ext uri="{BB962C8B-B14F-4D97-AF65-F5344CB8AC3E}">
+        <p14:creationId xmlns:p14="http://schemas.microsoft.com/office/powerpoint/2010/main" val="2068745970"/>
+      </p:ext>
+    </p:extLst>
+  </p:cSld>
+  <p:clrMapOvr>
+    <a:masterClrMapping/>
+  </p:clrMapOvr>
+  <p:timing>
+    <p:tnLst>
+      <p:par>
+        <p:cTn id="1" dur="indefinite" restart="never" nodeType="tmRoot"/>
+      </p:par>
+    </p:tnLst>
+  </p:timing>
+</p:sld>
+</file>
+
+<file path=ppt/slides/slide27.xml><?xml version="1.0" encoding="utf-8"?>
+<p:sld xmlns:a="http://schemas.openxmlformats.org/drawingml/2006/main" xmlns:r="http://schemas.openxmlformats.org/officeDocument/2006/relationships" xmlns:p="http://schemas.openxmlformats.org/presentationml/2006/main">
+  <p:cSld>
+    <p:spTree>
+      <p:nvGrpSpPr>
+        <p:cNvPr id="1" name=""/>
+        <p:cNvGrpSpPr/>
+        <p:nvPr/>
+      </p:nvGrpSpPr>
+      <p:grpSpPr>
+        <a:xfrm>
+          <a:off x="0" y="0"/>
+          <a:ext cx="0" cy="0"/>
+          <a:chOff x="0" y="0"/>
+          <a:chExt cx="0" cy="0"/>
+        </a:xfrm>
+      </p:grpSpPr>
+      <p:pic>
+        <p:nvPicPr>
+          <p:cNvPr id="5" name="4 Imagen"/>
+          <p:cNvPicPr>
+            <a:picLocks noChangeAspect="1"/>
+          </p:cNvPicPr>
+          <p:nvPr/>
+        </p:nvPicPr>
+        <p:blipFill>
+          <a:blip r:embed="rId3">
+            <a:extLst>
+              <a:ext uri="{28A0092B-C50C-407E-A947-70E740481C1C}">
+                <a14:useLocalDpi xmlns:a14="http://schemas.microsoft.com/office/drawing/2010/main" val="0"/>
+              </a:ext>
+            </a:extLst>
+          </a:blip>
+          <a:stretch>
+            <a:fillRect/>
+          </a:stretch>
+        </p:blipFill>
+        <p:spPr>
+          <a:xfrm>
+            <a:off x="5856219" y="3550562"/>
+            <a:ext cx="3031526" cy="2706406"/>
+          </a:xfrm>
+          <a:prstGeom prst="rect">
+            <a:avLst/>
+          </a:prstGeom>
+        </p:spPr>
+      </p:pic>
+      <p:sp>
+        <p:nvSpPr>
+          <p:cNvPr id="15" name="14 Redondear rectángulo de esquina sencilla"/>
+          <p:cNvSpPr/>
+          <p:nvPr/>
+        </p:nvSpPr>
+        <p:spPr>
+          <a:xfrm rot="16200000" flipH="1">
+            <a:off x="741498" y="5499664"/>
+            <a:ext cx="286723" cy="1296145"/>
+          </a:xfrm>
+          <a:prstGeom prst="round1Rect">
+            <a:avLst>
+              <a:gd name="adj" fmla="val 50000"/>
+            </a:avLst>
+          </a:prstGeom>
+          <a:solidFill>
+            <a:schemeClr val="bg1">
+              <a:alpha val="50000"/>
+            </a:schemeClr>
+          </a:solidFill>
+          <a:ln w="25400" cmpd="sng">
+            <a:solidFill>
+              <a:srgbClr val="274F5F"/>
+            </a:solidFill>
+          </a:ln>
+          <a:effectLst/>
+        </p:spPr>
+        <p:style>
+          <a:lnRef idx="2">
+            <a:schemeClr val="accent1"/>
+          </a:lnRef>
+          <a:fillRef idx="1">
+            <a:schemeClr val="lt1"/>
+          </a:fillRef>
+          <a:effectRef idx="0">
+            <a:schemeClr val="accent1"/>
+          </a:effectRef>
+          <a:fontRef idx="minor">
+            <a:schemeClr val="dk1"/>
+          </a:fontRef>
+        </p:style>
+        <p:txBody>
+          <a:bodyPr anchor="ctr"/>
+          <a:lstStyle/>
+          <a:p>
+            <a:pPr algn="ctr" fontAlgn="auto">
+              <a:spcBef>
+                <a:spcPts val="0"/>
+              </a:spcBef>
+              <a:spcAft>
+                <a:spcPts val="0"/>
+              </a:spcAft>
+              <a:defRPr/>
+            </a:pPr>
+            <a:endParaRPr lang="es-ES" dirty="0"/>
+          </a:p>
+        </p:txBody>
+      </p:sp>
+      <p:sp>
+        <p:nvSpPr>
+          <p:cNvPr id="2" name="1 Marcador de fecha"/>
+          <p:cNvSpPr>
+            <a:spLocks noGrp="1"/>
+          </p:cNvSpPr>
+          <p:nvPr>
+            <p:ph type="dt" sz="half" idx="10"/>
+          </p:nvPr>
+        </p:nvSpPr>
+        <p:spPr/>
+        <p:txBody>
+          <a:bodyPr/>
+          <a:lstStyle/>
+          <a:p>
+            <a:fld id="{273BB294-DEFA-4617-B3B3-CF6ACB1E4094}" type="datetime1">
+              <a:rPr lang="es-ES" smtClean="0"/>
+              <a:t>24/01/2012</a:t>
+            </a:fld>
+            <a:endParaRPr lang="es-ES" dirty="0"/>
+          </a:p>
+        </p:txBody>
+      </p:sp>
+      <p:sp>
+        <p:nvSpPr>
+          <p:cNvPr id="4" name="3 Marcador de número de diapositiva"/>
+          <p:cNvSpPr>
+            <a:spLocks noGrp="1"/>
+          </p:cNvSpPr>
+          <p:nvPr>
+            <p:ph type="sldNum" sz="quarter" idx="12"/>
+          </p:nvPr>
+        </p:nvSpPr>
+        <p:spPr/>
+        <p:txBody>
+          <a:bodyPr/>
+          <a:lstStyle/>
+          <a:p>
+            <a:fld id="{2E16987B-1223-45F3-900E-A014D2035EDD}" type="slidenum">
+              <a:rPr lang="es-ES" smtClean="0"/>
+              <a:t>27</a:t>
+            </a:fld>
+            <a:endParaRPr lang="es-ES"/>
+          </a:p>
+        </p:txBody>
+      </p:sp>
+      <p:sp>
+        <p:nvSpPr>
+          <p:cNvPr id="7" name="6 Redondear rectángulo de esquina sencilla"/>
+          <p:cNvSpPr/>
+          <p:nvPr/>
+        </p:nvSpPr>
+        <p:spPr>
+          <a:xfrm rot="16200000" flipH="1">
+            <a:off x="7228621" y="5502819"/>
+            <a:ext cx="286723" cy="1296145"/>
+          </a:xfrm>
+          <a:prstGeom prst="round1Rect">
+            <a:avLst>
+              <a:gd name="adj" fmla="val 50000"/>
+            </a:avLst>
+          </a:prstGeom>
+          <a:ln/>
+        </p:spPr>
+        <p:style>
+          <a:lnRef idx="1">
+            <a:schemeClr val="accent3"/>
+          </a:lnRef>
+          <a:fillRef idx="2">
+            <a:schemeClr val="accent3"/>
+          </a:fillRef>
+          <a:effectRef idx="1">
+            <a:schemeClr val="accent3"/>
+          </a:effectRef>
+          <a:fontRef idx="minor">
+            <a:schemeClr val="dk1"/>
+          </a:fontRef>
+        </p:style>
+        <p:txBody>
+          <a:bodyPr anchor="ctr"/>
+          <a:lstStyle/>
+          <a:p>
+            <a:pPr algn="ctr" fontAlgn="auto">
+              <a:spcBef>
+                <a:spcPts val="0"/>
+              </a:spcBef>
+              <a:spcAft>
+                <a:spcPts val="0"/>
+              </a:spcAft>
+              <a:defRPr/>
+            </a:pPr>
+            <a:endParaRPr lang="es-ES" dirty="0"/>
+          </a:p>
+        </p:txBody>
+      </p:sp>
+      <p:sp>
+        <p:nvSpPr>
+          <p:cNvPr id="6" name="5 CuadroTexto"/>
+          <p:cNvSpPr txBox="1"/>
+          <p:nvPr/>
+        </p:nvSpPr>
+        <p:spPr>
+          <a:xfrm>
+            <a:off x="348981" y="6013413"/>
+            <a:ext cx="1380629" cy="261610"/>
+          </a:xfrm>
+          <a:prstGeom prst="rect">
+            <a:avLst/>
+          </a:prstGeom>
+          <a:noFill/>
+          <a:effectLst>
+            <a:glow rad="101600">
+              <a:schemeClr val="accent5">
+                <a:satMod val="175000"/>
+                <a:alpha val="40000"/>
+              </a:schemeClr>
+            </a:glow>
+          </a:effectLst>
+        </p:spPr>
+        <p:txBody>
+          <a:bodyPr wrap="square" rtlCol="0">
+            <a:spAutoFit/>
+          </a:bodyPr>
+          <a:lstStyle>
+            <a:defPPr>
+              <a:defRPr lang="es-ES"/>
+            </a:defPPr>
+            <a:lvl1pPr>
+              <a:defRPr sz="1100">
+                <a:solidFill>
+                  <a:srgbClr val="274F5F"/>
+                </a:solidFill>
+              </a:defRPr>
+            </a:lvl1pPr>
+          </a:lstStyle>
+          <a:p>
+            <a:r>
+              <a:rPr lang="es-ES" dirty="0"/>
+              <a:t>Introducción</a:t>
+            </a:r>
+          </a:p>
+        </p:txBody>
+      </p:sp>
+      <p:sp>
+        <p:nvSpPr>
+          <p:cNvPr id="16" name="15 Redondear rectángulo de esquina sencilla"/>
+          <p:cNvSpPr/>
+          <p:nvPr/>
+        </p:nvSpPr>
+        <p:spPr>
+          <a:xfrm rot="16200000" flipH="1">
+            <a:off x="2046323" y="5500600"/>
+            <a:ext cx="286723" cy="1296145"/>
+          </a:xfrm>
+          <a:prstGeom prst="round1Rect">
+            <a:avLst>
+              <a:gd name="adj" fmla="val 50000"/>
+            </a:avLst>
+          </a:prstGeom>
+          <a:solidFill>
+            <a:schemeClr val="bg1">
+              <a:alpha val="50000"/>
+            </a:schemeClr>
+          </a:solidFill>
+          <a:ln w="25400" cmpd="sng">
+            <a:solidFill>
+              <a:srgbClr val="274F5F"/>
+            </a:solidFill>
+          </a:ln>
+          <a:effectLst/>
+        </p:spPr>
+        <p:style>
+          <a:lnRef idx="2">
+            <a:schemeClr val="accent1"/>
+          </a:lnRef>
+          <a:fillRef idx="1">
+            <a:schemeClr val="lt1"/>
+          </a:fillRef>
+          <a:effectRef idx="0">
+            <a:schemeClr val="accent1"/>
+          </a:effectRef>
+          <a:fontRef idx="minor">
+            <a:schemeClr val="dk1"/>
+          </a:fontRef>
+        </p:style>
+        <p:txBody>
+          <a:bodyPr anchor="ctr"/>
+          <a:lstStyle/>
+          <a:p>
+            <a:pPr algn="ctr" fontAlgn="auto">
+              <a:spcBef>
+                <a:spcPts val="0"/>
+              </a:spcBef>
+              <a:spcAft>
+                <a:spcPts val="0"/>
+              </a:spcAft>
+              <a:defRPr/>
+            </a:pPr>
+            <a:endParaRPr lang="es-ES" dirty="0"/>
+          </a:p>
+        </p:txBody>
+      </p:sp>
+      <p:sp>
+        <p:nvSpPr>
+          <p:cNvPr id="17" name="16 Redondear rectángulo de esquina sencilla"/>
+          <p:cNvSpPr/>
+          <p:nvPr/>
+        </p:nvSpPr>
+        <p:spPr>
+          <a:xfrm rot="16200000" flipH="1">
+            <a:off x="3342469" y="5501148"/>
+            <a:ext cx="286723" cy="1296145"/>
+          </a:xfrm>
+          <a:prstGeom prst="round1Rect">
+            <a:avLst>
+              <a:gd name="adj" fmla="val 50000"/>
+            </a:avLst>
+          </a:prstGeom>
+          <a:solidFill>
+            <a:schemeClr val="bg1">
+              <a:alpha val="50000"/>
+            </a:schemeClr>
+          </a:solidFill>
+          <a:ln w="25400" cmpd="sng">
+            <a:solidFill>
+              <a:srgbClr val="274F5F"/>
+            </a:solidFill>
+          </a:ln>
+          <a:effectLst/>
+        </p:spPr>
+        <p:style>
+          <a:lnRef idx="2">
+            <a:schemeClr val="accent1"/>
+          </a:lnRef>
+          <a:fillRef idx="1">
+            <a:schemeClr val="lt1"/>
+          </a:fillRef>
+          <a:effectRef idx="0">
+            <a:schemeClr val="accent1"/>
+          </a:effectRef>
+          <a:fontRef idx="minor">
+            <a:schemeClr val="dk1"/>
+          </a:fontRef>
+        </p:style>
+        <p:txBody>
+          <a:bodyPr anchor="ctr"/>
+          <a:lstStyle/>
+          <a:p>
+            <a:pPr algn="ctr" fontAlgn="auto">
+              <a:spcBef>
+                <a:spcPts val="0"/>
+              </a:spcBef>
+              <a:spcAft>
+                <a:spcPts val="0"/>
+              </a:spcAft>
+              <a:defRPr/>
+            </a:pPr>
+            <a:endParaRPr lang="es-ES" dirty="0"/>
+          </a:p>
+        </p:txBody>
+      </p:sp>
+      <p:sp>
+        <p:nvSpPr>
+          <p:cNvPr id="18" name="17 CuadroTexto"/>
+          <p:cNvSpPr txBox="1"/>
+          <p:nvPr/>
+        </p:nvSpPr>
+        <p:spPr>
+          <a:xfrm>
+            <a:off x="6758537" y="6011532"/>
+            <a:ext cx="1388842" cy="292388"/>
+          </a:xfrm>
+          <a:prstGeom prst="rect">
+            <a:avLst/>
+          </a:prstGeom>
+          <a:noFill/>
+          <a:effectLst>
+            <a:glow rad="101600">
+              <a:schemeClr val="accent5">
+                <a:satMod val="175000"/>
+                <a:alpha val="40000"/>
+              </a:schemeClr>
+            </a:glow>
+          </a:effectLst>
+        </p:spPr>
+        <p:txBody>
+          <a:bodyPr wrap="square" rtlCol="0">
+            <a:spAutoFit/>
+          </a:bodyPr>
+          <a:lstStyle/>
+          <a:p>
+            <a:r>
+              <a:rPr lang="es-ES" sz="1300" b="1" dirty="0" smtClean="0">
+                <a:solidFill>
+                  <a:schemeClr val="bg2">
+                    <a:lumMod val="25000"/>
+                  </a:schemeClr>
+                </a:solidFill>
+              </a:rPr>
+              <a:t>Conclusiones</a:t>
+            </a:r>
+            <a:endParaRPr lang="es-ES" sz="1300" b="1" dirty="0">
+              <a:solidFill>
+                <a:schemeClr val="bg2">
+                  <a:lumMod val="25000"/>
+                </a:schemeClr>
+              </a:solidFill>
+            </a:endParaRPr>
+          </a:p>
+        </p:txBody>
+      </p:sp>
+      <p:sp>
+        <p:nvSpPr>
+          <p:cNvPr id="20" name="19 CuadroTexto"/>
+          <p:cNvSpPr txBox="1"/>
+          <p:nvPr/>
+        </p:nvSpPr>
+        <p:spPr>
+          <a:xfrm>
+            <a:off x="1764312" y="6016401"/>
+            <a:ext cx="949272" cy="261610"/>
+          </a:xfrm>
+          <a:prstGeom prst="rect">
+            <a:avLst/>
+          </a:prstGeom>
+          <a:noFill/>
+          <a:effectLst>
+            <a:glow rad="101600">
+              <a:schemeClr val="accent5">
+                <a:satMod val="175000"/>
+                <a:alpha val="40000"/>
+              </a:schemeClr>
+            </a:glow>
+          </a:effectLst>
+        </p:spPr>
+        <p:txBody>
+          <a:bodyPr wrap="square" rtlCol="0">
+            <a:spAutoFit/>
+          </a:bodyPr>
+          <a:lstStyle/>
+          <a:p>
+            <a:r>
+              <a:rPr lang="es-ES" sz="1100" dirty="0" smtClean="0">
+                <a:solidFill>
+                  <a:srgbClr val="274F5F"/>
+                </a:solidFill>
+              </a:rPr>
+              <a:t>Objetivos</a:t>
+            </a:r>
+          </a:p>
+        </p:txBody>
+      </p:sp>
+      <p:sp>
+        <p:nvSpPr>
+          <p:cNvPr id="21" name="20 CuadroTexto"/>
+          <p:cNvSpPr txBox="1"/>
+          <p:nvPr/>
+        </p:nvSpPr>
+        <p:spPr>
+          <a:xfrm>
+            <a:off x="2992015" y="6018415"/>
+            <a:ext cx="1218087" cy="261610"/>
+          </a:xfrm>
+          <a:prstGeom prst="rect">
+            <a:avLst/>
+          </a:prstGeom>
+          <a:noFill/>
+          <a:effectLst>
+            <a:glow rad="101600">
+              <a:schemeClr val="accent5">
+                <a:satMod val="175000"/>
+                <a:alpha val="40000"/>
+              </a:schemeClr>
+            </a:glow>
+          </a:effectLst>
+        </p:spPr>
+        <p:txBody>
+          <a:bodyPr wrap="square" rtlCol="0">
+            <a:spAutoFit/>
+          </a:bodyPr>
+          <a:lstStyle/>
+          <a:p>
+            <a:r>
+              <a:rPr lang="es-ES" sz="1100" dirty="0" smtClean="0">
+                <a:solidFill>
+                  <a:srgbClr val="274F5F"/>
+                </a:solidFill>
+              </a:rPr>
+              <a:t>Estado Arte</a:t>
+            </a:r>
+          </a:p>
+        </p:txBody>
+      </p:sp>
+      <p:sp>
+        <p:nvSpPr>
+          <p:cNvPr id="22" name="21 Redondear rectángulo de esquina sencilla"/>
+          <p:cNvSpPr/>
+          <p:nvPr/>
+        </p:nvSpPr>
+        <p:spPr>
+          <a:xfrm rot="16200000" flipH="1">
+            <a:off x="4636331" y="5501148"/>
+            <a:ext cx="286723" cy="1296145"/>
+          </a:xfrm>
+          <a:prstGeom prst="round1Rect">
+            <a:avLst>
+              <a:gd name="adj" fmla="val 50000"/>
+            </a:avLst>
+          </a:prstGeom>
+          <a:solidFill>
+            <a:schemeClr val="bg1">
+              <a:alpha val="50000"/>
+            </a:schemeClr>
+          </a:solidFill>
+          <a:ln w="25400" cmpd="sng">
+            <a:solidFill>
+              <a:srgbClr val="274F5F"/>
+            </a:solidFill>
+          </a:ln>
+          <a:effectLst/>
+        </p:spPr>
+        <p:style>
+          <a:lnRef idx="2">
+            <a:schemeClr val="accent1"/>
+          </a:lnRef>
+          <a:fillRef idx="1">
+            <a:schemeClr val="lt1"/>
+          </a:fillRef>
+          <a:effectRef idx="0">
+            <a:schemeClr val="accent1"/>
+          </a:effectRef>
+          <a:fontRef idx="minor">
+            <a:schemeClr val="dk1"/>
+          </a:fontRef>
+        </p:style>
+        <p:txBody>
+          <a:bodyPr anchor="ctr"/>
+          <a:lstStyle/>
+          <a:p>
+            <a:pPr algn="ctr" fontAlgn="auto">
+              <a:spcBef>
+                <a:spcPts val="0"/>
+              </a:spcBef>
+              <a:spcAft>
+                <a:spcPts val="0"/>
+              </a:spcAft>
+              <a:defRPr/>
+            </a:pPr>
+            <a:endParaRPr lang="es-ES" dirty="0"/>
+          </a:p>
+        </p:txBody>
+      </p:sp>
+      <p:sp>
+        <p:nvSpPr>
+          <p:cNvPr id="23" name="22 CuadroTexto"/>
+          <p:cNvSpPr txBox="1"/>
+          <p:nvPr/>
+        </p:nvSpPr>
+        <p:spPr>
+          <a:xfrm>
+            <a:off x="4207423" y="6020144"/>
+            <a:ext cx="1214313" cy="261610"/>
+          </a:xfrm>
+          <a:prstGeom prst="rect">
+            <a:avLst/>
+          </a:prstGeom>
+          <a:noFill/>
+          <a:effectLst>
+            <a:glow rad="101600">
+              <a:schemeClr val="accent5">
+                <a:satMod val="175000"/>
+                <a:alpha val="40000"/>
+              </a:schemeClr>
+            </a:glow>
+          </a:effectLst>
+        </p:spPr>
+        <p:txBody>
+          <a:bodyPr wrap="square" rtlCol="0">
+            <a:spAutoFit/>
+          </a:bodyPr>
+          <a:lstStyle/>
+          <a:p>
+            <a:r>
+              <a:rPr lang="es-ES" sz="1100" dirty="0" smtClean="0">
+                <a:solidFill>
+                  <a:srgbClr val="274F5F"/>
+                </a:solidFill>
+              </a:rPr>
+              <a:t>Método trabajo</a:t>
+            </a:r>
+            <a:endParaRPr lang="es-ES" sz="1100" dirty="0" smtClean="0">
+              <a:solidFill>
+                <a:srgbClr val="274F5F"/>
+              </a:solidFill>
+            </a:endParaRPr>
+          </a:p>
+        </p:txBody>
+      </p:sp>
+      <p:sp>
+        <p:nvSpPr>
+          <p:cNvPr id="24" name="23 Redondear rectángulo de esquina sencilla"/>
+          <p:cNvSpPr/>
+          <p:nvPr/>
+        </p:nvSpPr>
+        <p:spPr>
+          <a:xfrm rot="16200000" flipH="1">
+            <a:off x="5932476" y="5511690"/>
+            <a:ext cx="286723" cy="1296145"/>
+          </a:xfrm>
+          <a:prstGeom prst="round1Rect">
+            <a:avLst>
+              <a:gd name="adj" fmla="val 50000"/>
+            </a:avLst>
+          </a:prstGeom>
+          <a:solidFill>
+            <a:schemeClr val="bg1">
+              <a:alpha val="50000"/>
+            </a:schemeClr>
+          </a:solidFill>
+          <a:ln w="25400" cmpd="sng">
+            <a:solidFill>
+              <a:srgbClr val="274F5F"/>
+            </a:solidFill>
+          </a:ln>
+          <a:effectLst/>
+        </p:spPr>
+        <p:style>
+          <a:lnRef idx="2">
+            <a:schemeClr val="accent1"/>
+          </a:lnRef>
+          <a:fillRef idx="1">
+            <a:schemeClr val="lt1"/>
+          </a:fillRef>
+          <a:effectRef idx="0">
+            <a:schemeClr val="accent1"/>
+          </a:effectRef>
+          <a:fontRef idx="minor">
+            <a:schemeClr val="dk1"/>
+          </a:fontRef>
+        </p:style>
+        <p:txBody>
+          <a:bodyPr anchor="ctr"/>
+          <a:lstStyle/>
+          <a:p>
+            <a:pPr algn="ctr" fontAlgn="auto">
+              <a:spcBef>
+                <a:spcPts val="0"/>
+              </a:spcBef>
+              <a:spcAft>
+                <a:spcPts val="0"/>
+              </a:spcAft>
+              <a:defRPr/>
+            </a:pPr>
+            <a:endParaRPr lang="es-ES" dirty="0"/>
+          </a:p>
+        </p:txBody>
+      </p:sp>
+      <p:sp>
+        <p:nvSpPr>
+          <p:cNvPr id="25" name="24 CuadroTexto"/>
+          <p:cNvSpPr txBox="1"/>
+          <p:nvPr/>
+        </p:nvSpPr>
+        <p:spPr>
+          <a:xfrm>
+            <a:off x="5609365" y="6026921"/>
+            <a:ext cx="1149172" cy="261610"/>
+          </a:xfrm>
+          <a:prstGeom prst="rect">
+            <a:avLst/>
+          </a:prstGeom>
+          <a:noFill/>
+          <a:effectLst>
+            <a:glow rad="101600">
+              <a:schemeClr val="accent5">
+                <a:satMod val="175000"/>
+                <a:alpha val="40000"/>
+              </a:schemeClr>
+            </a:glow>
+          </a:effectLst>
+        </p:spPr>
+        <p:txBody>
+          <a:bodyPr wrap="square" rtlCol="0">
+            <a:spAutoFit/>
+          </a:bodyPr>
+          <a:lstStyle/>
+          <a:p>
+            <a:r>
+              <a:rPr lang="es-ES" sz="1100" dirty="0" smtClean="0">
+                <a:solidFill>
+                  <a:srgbClr val="274F5F"/>
+                </a:solidFill>
+              </a:rPr>
+              <a:t>Resultados</a:t>
+            </a:r>
+            <a:endParaRPr lang="es-ES" sz="1100" dirty="0" smtClean="0">
+              <a:solidFill>
+                <a:srgbClr val="274F5F"/>
+              </a:solidFill>
+            </a:endParaRPr>
+          </a:p>
+        </p:txBody>
+      </p:sp>
+      <p:sp>
+        <p:nvSpPr>
+          <p:cNvPr id="28" name="4 Título"/>
+          <p:cNvSpPr txBox="1">
+            <a:spLocks/>
+          </p:cNvSpPr>
+          <p:nvPr/>
+        </p:nvSpPr>
+        <p:spPr>
+          <a:xfrm>
+            <a:off x="1115616" y="188640"/>
+            <a:ext cx="7920880" cy="461765"/>
+          </a:xfrm>
+          <a:prstGeom prst="rect">
+            <a:avLst/>
+          </a:prstGeom>
+          <a:solidFill>
+            <a:schemeClr val="accent5">
+              <a:alpha val="0"/>
+            </a:schemeClr>
+          </a:solidFill>
+          <a:ln w="3175" cap="flat" cmpd="sng" algn="ctr">
+            <a:noFill/>
+            <a:prstDash val="solid"/>
+          </a:ln>
+          <a:effectLst/>
+        </p:spPr>
+        <p:txBody>
+          <a:bodyPr anchor="t">
+            <a:normAutofit fontScale="97500" lnSpcReduction="10000"/>
+          </a:bodyPr>
+          <a:lstStyle>
+            <a:lvl1pPr algn="r" defTabSz="1072866" rtl="0" eaLnBrk="1" latinLnBrk="0" hangingPunct="1">
+              <a:spcBef>
+                <a:spcPct val="0"/>
+              </a:spcBef>
+              <a:buNone/>
+              <a:defRPr sz="3600" b="1" kern="1200" cap="all" spc="300">
+                <a:ln>
+                  <a:solidFill>
+                    <a:schemeClr val="tx2"/>
+                  </a:solidFill>
+                </a:ln>
+                <a:solidFill>
+                  <a:srgbClr val="274F5F"/>
+                </a:solidFill>
+                <a:latin typeface="+mj-lt"/>
+                <a:ea typeface="+mj-ea"/>
+                <a:cs typeface="+mj-cs"/>
+              </a:defRPr>
+            </a:lvl1pPr>
+            <a:lvl2pPr>
+              <a:defRPr/>
+            </a:lvl2pPr>
+            <a:lvl3pPr>
+              <a:defRPr/>
+            </a:lvl3pPr>
+            <a:lvl4pPr>
+              <a:defRPr/>
+            </a:lvl4pPr>
+            <a:lvl5pPr>
+              <a:defRPr/>
+            </a:lvl5pPr>
+            <a:lvl6pPr>
+              <a:defRPr/>
+            </a:lvl6pPr>
+            <a:lvl7pPr>
+              <a:defRPr/>
+            </a:lvl7pPr>
+            <a:lvl8pPr>
+              <a:defRPr/>
+            </a:lvl8pPr>
+            <a:lvl9pPr>
+              <a:defRPr/>
+            </a:lvl9pPr>
+          </a:lstStyle>
+          <a:p>
+            <a:r>
+              <a:rPr lang="es-ES" sz="2700" dirty="0" smtClean="0"/>
+              <a:t>conclusiones</a:t>
+            </a:r>
+            <a:endParaRPr lang="es-ES" sz="2700" dirty="0" smtClean="0"/>
+          </a:p>
+        </p:txBody>
+      </p:sp>
+      <p:sp>
+        <p:nvSpPr>
+          <p:cNvPr id="26" name="25 Rectángulo"/>
+          <p:cNvSpPr/>
+          <p:nvPr/>
+        </p:nvSpPr>
+        <p:spPr>
+          <a:xfrm>
+            <a:off x="884859" y="1484784"/>
+            <a:ext cx="7403161" cy="3611245"/>
+          </a:xfrm>
+          <a:prstGeom prst="rect">
+            <a:avLst/>
+          </a:prstGeom>
+        </p:spPr>
+        <p:txBody>
+          <a:bodyPr wrap="square">
+            <a:spAutoFit/>
+          </a:bodyPr>
+          <a:lstStyle/>
+          <a:p>
+            <a:pPr marL="457200" indent="-457200" algn="just" defTabSz="914400">
+              <a:spcBef>
+                <a:spcPts val="2000"/>
+              </a:spcBef>
+              <a:buClr>
+                <a:srgbClr val="274F5F"/>
+              </a:buClr>
+              <a:buSzPct val="90000"/>
+              <a:buFont typeface="Wingdings" pitchFamily="2" charset="2"/>
+              <a:buChar char="q"/>
+            </a:pPr>
+            <a:r>
+              <a:rPr lang="es-ES" sz="2400" dirty="0" smtClean="0">
+                <a:solidFill>
+                  <a:schemeClr val="tx2">
+                    <a:lumMod val="75000"/>
+                  </a:schemeClr>
+                </a:solidFill>
+              </a:rPr>
+              <a:t>Gracias al PUD, se facilita el desarrollo</a:t>
+            </a:r>
+          </a:p>
+          <a:p>
+            <a:pPr marL="1162050" lvl="1" indent="-439738" algn="just" defTabSz="914400">
+              <a:spcBef>
+                <a:spcPts val="2000"/>
+              </a:spcBef>
+              <a:buClr>
+                <a:srgbClr val="274F5F"/>
+              </a:buClr>
+              <a:buSzPct val="90000"/>
+              <a:buFont typeface="Arial" pitchFamily="34" charset="0"/>
+              <a:buChar char="•"/>
+              <a:tabLst>
+                <a:tab pos="1162050" algn="l"/>
+              </a:tabLst>
+            </a:pPr>
+            <a:r>
+              <a:rPr lang="es-ES" dirty="0" smtClean="0">
+                <a:solidFill>
+                  <a:schemeClr val="tx2">
+                    <a:lumMod val="75000"/>
+                  </a:schemeClr>
+                </a:solidFill>
+              </a:rPr>
+              <a:t>Inclusión de nuevos requisitos sin mayor impacto</a:t>
+            </a:r>
+          </a:p>
+          <a:p>
+            <a:pPr marL="457200" indent="-457200" algn="just" defTabSz="914400">
+              <a:spcBef>
+                <a:spcPts val="2000"/>
+              </a:spcBef>
+              <a:buClr>
+                <a:srgbClr val="274F5F"/>
+              </a:buClr>
+              <a:buSzPct val="90000"/>
+              <a:buFont typeface="Wingdings" pitchFamily="2" charset="2"/>
+              <a:buChar char="q"/>
+            </a:pPr>
+            <a:r>
+              <a:rPr lang="es-ES" sz="2400" dirty="0" smtClean="0">
+                <a:solidFill>
+                  <a:schemeClr val="tx2">
+                    <a:lumMod val="75000"/>
+                  </a:schemeClr>
+                </a:solidFill>
+              </a:rPr>
+              <a:t>Transparencia en la gestión de persistencia y comunicaciones</a:t>
+            </a:r>
+          </a:p>
+          <a:p>
+            <a:pPr marL="1160463" lvl="2" indent="-457200" algn="just" defTabSz="914400">
+              <a:spcBef>
+                <a:spcPts val="2000"/>
+              </a:spcBef>
+              <a:buClr>
+                <a:srgbClr val="274F5F"/>
+              </a:buClr>
+              <a:buSzPct val="90000"/>
+              <a:buFont typeface="Arial" pitchFamily="34" charset="0"/>
+              <a:buChar char="•"/>
+            </a:pPr>
+            <a:r>
+              <a:rPr lang="es-ES" dirty="0" smtClean="0">
+                <a:solidFill>
+                  <a:schemeClr val="tx2">
+                    <a:lumMod val="75000"/>
+                  </a:schemeClr>
+                </a:solidFill>
+              </a:rPr>
+              <a:t>Dificultades entre RMI e </a:t>
+            </a:r>
+            <a:r>
+              <a:rPr lang="es-ES" dirty="0" err="1" smtClean="0">
+                <a:solidFill>
+                  <a:schemeClr val="tx2">
+                    <a:lumMod val="75000"/>
+                  </a:schemeClr>
+                </a:solidFill>
+              </a:rPr>
+              <a:t>Hibernate</a:t>
+            </a:r>
+            <a:endParaRPr lang="es-ES" dirty="0">
+              <a:solidFill>
+                <a:schemeClr val="tx2">
+                  <a:lumMod val="75000"/>
+                </a:schemeClr>
+              </a:solidFill>
+            </a:endParaRPr>
+          </a:p>
+          <a:p>
+            <a:pPr marL="457200" indent="-457200" algn="just" defTabSz="914400">
+              <a:spcBef>
+                <a:spcPts val="2000"/>
+              </a:spcBef>
+              <a:buClr>
+                <a:srgbClr val="274F5F"/>
+              </a:buClr>
+              <a:buSzPct val="90000"/>
+              <a:buFont typeface="Wingdings" pitchFamily="2" charset="2"/>
+              <a:buChar char="q"/>
+            </a:pPr>
+            <a:r>
+              <a:rPr lang="es-ES" sz="2400" dirty="0" smtClean="0">
+                <a:solidFill>
+                  <a:schemeClr val="tx2">
+                    <a:lumMod val="75000"/>
+                  </a:schemeClr>
+                </a:solidFill>
+              </a:rPr>
+              <a:t>Adquisición de conocimientos, con aplicación en empresas y sistemas reales</a:t>
+            </a:r>
+            <a:endParaRPr lang="es-ES" dirty="0" smtClean="0">
+              <a:solidFill>
+                <a:schemeClr val="tx2">
+                  <a:lumMod val="75000"/>
+                </a:schemeClr>
+              </a:solidFill>
+            </a:endParaRPr>
+          </a:p>
+        </p:txBody>
+      </p:sp>
+    </p:spTree>
+    <p:extLst>
+      <p:ext uri="{BB962C8B-B14F-4D97-AF65-F5344CB8AC3E}">
+        <p14:creationId xmlns:p14="http://schemas.microsoft.com/office/powerpoint/2010/main" val="2122811731"/>
+      </p:ext>
+    </p:extLst>
+  </p:cSld>
+  <p:clrMapOvr>
+    <a:masterClrMapping/>
+  </p:clrMapOvr>
+  <p:timing>
+    <p:tnLst>
+      <p:par>
+        <p:cTn id="1" dur="indefinite" restart="never" nodeType="tmRoot"/>
+      </p:par>
+    </p:tnLst>
+  </p:timing>
+</p:sld>
+</file>
+
+<file path=ppt/slides/slide28.xml><?xml version="1.0" encoding="utf-8"?>
+<p:sld xmlns:a="http://schemas.openxmlformats.org/drawingml/2006/main" xmlns:r="http://schemas.openxmlformats.org/officeDocument/2006/relationships" xmlns:p="http://schemas.openxmlformats.org/presentationml/2006/main">
+  <p:cSld>
+    <p:spTree>
+      <p:nvGrpSpPr>
+        <p:cNvPr id="1" name=""/>
+        <p:cNvGrpSpPr/>
+        <p:nvPr/>
+      </p:nvGrpSpPr>
+      <p:grpSpPr>
+        <a:xfrm>
+          <a:off x="0" y="0"/>
+          <a:ext cx="0" cy="0"/>
+          <a:chOff x="0" y="0"/>
+          <a:chExt cx="0" cy="0"/>
+        </a:xfrm>
+      </p:grpSpPr>
+      <p:pic>
+        <p:nvPicPr>
+          <p:cNvPr id="3" name="2 Imagen"/>
+          <p:cNvPicPr>
+            <a:picLocks noChangeAspect="1"/>
+          </p:cNvPicPr>
+          <p:nvPr/>
+        </p:nvPicPr>
+        <p:blipFill>
+          <a:blip r:embed="rId3">
+            <a:extLst>
+              <a:ext uri="{28A0092B-C50C-407E-A947-70E740481C1C}">
+                <a14:useLocalDpi xmlns:a14="http://schemas.microsoft.com/office/drawing/2010/main" val="0"/>
+              </a:ext>
+            </a:extLst>
+          </a:blip>
+          <a:stretch>
+            <a:fillRect/>
+          </a:stretch>
+        </p:blipFill>
+        <p:spPr>
+          <a:xfrm>
+            <a:off x="5711509" y="2276872"/>
+            <a:ext cx="2094055" cy="3421849"/>
+          </a:xfrm>
+          <a:prstGeom prst="rect">
+            <a:avLst/>
+          </a:prstGeom>
+        </p:spPr>
+      </p:pic>
+      <p:sp>
+        <p:nvSpPr>
+          <p:cNvPr id="15" name="14 Redondear rectángulo de esquina sencilla"/>
+          <p:cNvSpPr/>
+          <p:nvPr/>
+        </p:nvSpPr>
+        <p:spPr>
+          <a:xfrm rot="16200000" flipH="1">
+            <a:off x="741498" y="5499664"/>
+            <a:ext cx="286723" cy="1296145"/>
+          </a:xfrm>
+          <a:prstGeom prst="round1Rect">
+            <a:avLst>
+              <a:gd name="adj" fmla="val 50000"/>
+            </a:avLst>
+          </a:prstGeom>
+          <a:solidFill>
+            <a:schemeClr val="bg1">
+              <a:alpha val="50000"/>
+            </a:schemeClr>
+          </a:solidFill>
+          <a:ln w="25400" cmpd="sng">
+            <a:solidFill>
+              <a:srgbClr val="274F5F"/>
+            </a:solidFill>
+          </a:ln>
+          <a:effectLst/>
+        </p:spPr>
+        <p:style>
+          <a:lnRef idx="2">
+            <a:schemeClr val="accent1"/>
+          </a:lnRef>
+          <a:fillRef idx="1">
+            <a:schemeClr val="lt1"/>
+          </a:fillRef>
+          <a:effectRef idx="0">
+            <a:schemeClr val="accent1"/>
+          </a:effectRef>
+          <a:fontRef idx="minor">
+            <a:schemeClr val="dk1"/>
+          </a:fontRef>
+        </p:style>
+        <p:txBody>
+          <a:bodyPr anchor="ctr"/>
+          <a:lstStyle/>
+          <a:p>
+            <a:pPr algn="ctr" fontAlgn="auto">
+              <a:spcBef>
+                <a:spcPts val="0"/>
+              </a:spcBef>
+              <a:spcAft>
+                <a:spcPts val="0"/>
+              </a:spcAft>
+              <a:defRPr/>
+            </a:pPr>
+            <a:endParaRPr lang="es-ES" dirty="0"/>
+          </a:p>
+        </p:txBody>
+      </p:sp>
+      <p:sp>
+        <p:nvSpPr>
+          <p:cNvPr id="2" name="1 Marcador de fecha"/>
+          <p:cNvSpPr>
+            <a:spLocks noGrp="1"/>
+          </p:cNvSpPr>
+          <p:nvPr>
+            <p:ph type="dt" sz="half" idx="10"/>
+          </p:nvPr>
+        </p:nvSpPr>
+        <p:spPr/>
+        <p:txBody>
+          <a:bodyPr/>
+          <a:lstStyle/>
+          <a:p>
+            <a:fld id="{273BB294-DEFA-4617-B3B3-CF6ACB1E4094}" type="datetime1">
+              <a:rPr lang="es-ES" smtClean="0"/>
+              <a:t>24/01/2012</a:t>
+            </a:fld>
+            <a:endParaRPr lang="es-ES" dirty="0"/>
+          </a:p>
+        </p:txBody>
+      </p:sp>
+      <p:sp>
+        <p:nvSpPr>
+          <p:cNvPr id="4" name="3 Marcador de número de diapositiva"/>
+          <p:cNvSpPr>
+            <a:spLocks noGrp="1"/>
+          </p:cNvSpPr>
+          <p:nvPr>
+            <p:ph type="sldNum" sz="quarter" idx="12"/>
+          </p:nvPr>
+        </p:nvSpPr>
+        <p:spPr/>
+        <p:txBody>
+          <a:bodyPr/>
+          <a:lstStyle/>
+          <a:p>
+            <a:fld id="{2E16987B-1223-45F3-900E-A014D2035EDD}" type="slidenum">
+              <a:rPr lang="es-ES" smtClean="0"/>
+              <a:t>28</a:t>
+            </a:fld>
+            <a:endParaRPr lang="es-ES"/>
+          </a:p>
+        </p:txBody>
+      </p:sp>
+      <p:sp>
+        <p:nvSpPr>
+          <p:cNvPr id="7" name="6 Redondear rectángulo de esquina sencilla"/>
+          <p:cNvSpPr/>
+          <p:nvPr/>
+        </p:nvSpPr>
+        <p:spPr>
+          <a:xfrm rot="16200000" flipH="1">
+            <a:off x="7228621" y="5502819"/>
+            <a:ext cx="286723" cy="1296145"/>
+          </a:xfrm>
+          <a:prstGeom prst="round1Rect">
+            <a:avLst>
+              <a:gd name="adj" fmla="val 50000"/>
+            </a:avLst>
+          </a:prstGeom>
+          <a:ln/>
+        </p:spPr>
+        <p:style>
+          <a:lnRef idx="1">
+            <a:schemeClr val="accent3"/>
+          </a:lnRef>
+          <a:fillRef idx="2">
+            <a:schemeClr val="accent3"/>
+          </a:fillRef>
+          <a:effectRef idx="1">
+            <a:schemeClr val="accent3"/>
+          </a:effectRef>
+          <a:fontRef idx="minor">
+            <a:schemeClr val="dk1"/>
+          </a:fontRef>
+        </p:style>
+        <p:txBody>
+          <a:bodyPr anchor="ctr"/>
+          <a:lstStyle/>
+          <a:p>
+            <a:pPr algn="ctr" fontAlgn="auto">
+              <a:spcBef>
+                <a:spcPts val="0"/>
+              </a:spcBef>
+              <a:spcAft>
+                <a:spcPts val="0"/>
+              </a:spcAft>
+              <a:defRPr/>
+            </a:pPr>
+            <a:endParaRPr lang="es-ES" dirty="0"/>
+          </a:p>
+        </p:txBody>
+      </p:sp>
+      <p:sp>
+        <p:nvSpPr>
+          <p:cNvPr id="6" name="5 CuadroTexto"/>
+          <p:cNvSpPr txBox="1"/>
+          <p:nvPr/>
+        </p:nvSpPr>
+        <p:spPr>
+          <a:xfrm>
+            <a:off x="348981" y="6013413"/>
+            <a:ext cx="1380629" cy="261610"/>
+          </a:xfrm>
+          <a:prstGeom prst="rect">
+            <a:avLst/>
+          </a:prstGeom>
+          <a:noFill/>
+          <a:effectLst>
+            <a:glow rad="101600">
+              <a:schemeClr val="accent5">
+                <a:satMod val="175000"/>
+                <a:alpha val="40000"/>
+              </a:schemeClr>
+            </a:glow>
+          </a:effectLst>
+        </p:spPr>
+        <p:txBody>
+          <a:bodyPr wrap="square" rtlCol="0">
+            <a:spAutoFit/>
+          </a:bodyPr>
+          <a:lstStyle>
+            <a:defPPr>
+              <a:defRPr lang="es-ES"/>
+            </a:defPPr>
+            <a:lvl1pPr>
+              <a:defRPr sz="1100">
+                <a:solidFill>
+                  <a:srgbClr val="274F5F"/>
+                </a:solidFill>
+              </a:defRPr>
+            </a:lvl1pPr>
+          </a:lstStyle>
+          <a:p>
+            <a:r>
+              <a:rPr lang="es-ES" dirty="0"/>
+              <a:t>Introducción</a:t>
+            </a:r>
+          </a:p>
+        </p:txBody>
+      </p:sp>
+      <p:sp>
+        <p:nvSpPr>
+          <p:cNvPr id="16" name="15 Redondear rectángulo de esquina sencilla"/>
+          <p:cNvSpPr/>
+          <p:nvPr/>
+        </p:nvSpPr>
+        <p:spPr>
+          <a:xfrm rot="16200000" flipH="1">
+            <a:off x="2046323" y="5500600"/>
+            <a:ext cx="286723" cy="1296145"/>
+          </a:xfrm>
+          <a:prstGeom prst="round1Rect">
+            <a:avLst>
+              <a:gd name="adj" fmla="val 50000"/>
+            </a:avLst>
+          </a:prstGeom>
+          <a:solidFill>
+            <a:schemeClr val="bg1">
+              <a:alpha val="50000"/>
+            </a:schemeClr>
+          </a:solidFill>
+          <a:ln w="25400" cmpd="sng">
+            <a:solidFill>
+              <a:srgbClr val="274F5F"/>
+            </a:solidFill>
+          </a:ln>
+          <a:effectLst/>
+        </p:spPr>
+        <p:style>
+          <a:lnRef idx="2">
+            <a:schemeClr val="accent1"/>
+          </a:lnRef>
+          <a:fillRef idx="1">
+            <a:schemeClr val="lt1"/>
+          </a:fillRef>
+          <a:effectRef idx="0">
+            <a:schemeClr val="accent1"/>
+          </a:effectRef>
+          <a:fontRef idx="minor">
+            <a:schemeClr val="dk1"/>
+          </a:fontRef>
+        </p:style>
+        <p:txBody>
+          <a:bodyPr anchor="ctr"/>
+          <a:lstStyle/>
+          <a:p>
+            <a:pPr algn="ctr" fontAlgn="auto">
+              <a:spcBef>
+                <a:spcPts val="0"/>
+              </a:spcBef>
+              <a:spcAft>
+                <a:spcPts val="0"/>
+              </a:spcAft>
+              <a:defRPr/>
+            </a:pPr>
+            <a:endParaRPr lang="es-ES" dirty="0"/>
+          </a:p>
+        </p:txBody>
+      </p:sp>
+      <p:sp>
+        <p:nvSpPr>
+          <p:cNvPr id="17" name="16 Redondear rectángulo de esquina sencilla"/>
+          <p:cNvSpPr/>
+          <p:nvPr/>
+        </p:nvSpPr>
+        <p:spPr>
+          <a:xfrm rot="16200000" flipH="1">
+            <a:off x="3342469" y="5501148"/>
+            <a:ext cx="286723" cy="1296145"/>
+          </a:xfrm>
+          <a:prstGeom prst="round1Rect">
+            <a:avLst>
+              <a:gd name="adj" fmla="val 50000"/>
+            </a:avLst>
+          </a:prstGeom>
+          <a:solidFill>
+            <a:schemeClr val="bg1">
+              <a:alpha val="50000"/>
+            </a:schemeClr>
+          </a:solidFill>
+          <a:ln w="25400" cmpd="sng">
+            <a:solidFill>
+              <a:srgbClr val="274F5F"/>
+            </a:solidFill>
+          </a:ln>
+          <a:effectLst/>
+        </p:spPr>
+        <p:style>
+          <a:lnRef idx="2">
+            <a:schemeClr val="accent1"/>
+          </a:lnRef>
+          <a:fillRef idx="1">
+            <a:schemeClr val="lt1"/>
+          </a:fillRef>
+          <a:effectRef idx="0">
+            <a:schemeClr val="accent1"/>
+          </a:effectRef>
+          <a:fontRef idx="minor">
+            <a:schemeClr val="dk1"/>
+          </a:fontRef>
+        </p:style>
+        <p:txBody>
+          <a:bodyPr anchor="ctr"/>
+          <a:lstStyle/>
+          <a:p>
+            <a:pPr algn="ctr" fontAlgn="auto">
+              <a:spcBef>
+                <a:spcPts val="0"/>
+              </a:spcBef>
+              <a:spcAft>
+                <a:spcPts val="0"/>
+              </a:spcAft>
+              <a:defRPr/>
+            </a:pPr>
+            <a:endParaRPr lang="es-ES" dirty="0"/>
+          </a:p>
+        </p:txBody>
+      </p:sp>
+      <p:sp>
+        <p:nvSpPr>
+          <p:cNvPr id="18" name="17 CuadroTexto"/>
+          <p:cNvSpPr txBox="1"/>
+          <p:nvPr/>
+        </p:nvSpPr>
+        <p:spPr>
+          <a:xfrm>
+            <a:off x="6758537" y="6011532"/>
+            <a:ext cx="1388842" cy="292388"/>
+          </a:xfrm>
+          <a:prstGeom prst="rect">
+            <a:avLst/>
+          </a:prstGeom>
+          <a:noFill/>
+          <a:effectLst>
+            <a:glow rad="101600">
+              <a:schemeClr val="accent5">
+                <a:satMod val="175000"/>
+                <a:alpha val="40000"/>
+              </a:schemeClr>
+            </a:glow>
+          </a:effectLst>
+        </p:spPr>
+        <p:txBody>
+          <a:bodyPr wrap="square" rtlCol="0">
+            <a:spAutoFit/>
+          </a:bodyPr>
+          <a:lstStyle/>
+          <a:p>
+            <a:r>
+              <a:rPr lang="es-ES" sz="1300" b="1" dirty="0" smtClean="0">
+                <a:solidFill>
+                  <a:schemeClr val="bg2">
+                    <a:lumMod val="25000"/>
+                  </a:schemeClr>
+                </a:solidFill>
+              </a:rPr>
+              <a:t>Conclusiones</a:t>
+            </a:r>
+            <a:endParaRPr lang="es-ES" sz="1300" b="1" dirty="0">
+              <a:solidFill>
+                <a:schemeClr val="bg2">
+                  <a:lumMod val="25000"/>
+                </a:schemeClr>
+              </a:solidFill>
+            </a:endParaRPr>
+          </a:p>
+        </p:txBody>
+      </p:sp>
+      <p:sp>
+        <p:nvSpPr>
+          <p:cNvPr id="20" name="19 CuadroTexto"/>
+          <p:cNvSpPr txBox="1"/>
+          <p:nvPr/>
+        </p:nvSpPr>
+        <p:spPr>
+          <a:xfrm>
+            <a:off x="1764312" y="6016401"/>
+            <a:ext cx="949272" cy="261610"/>
+          </a:xfrm>
+          <a:prstGeom prst="rect">
+            <a:avLst/>
+          </a:prstGeom>
+          <a:noFill/>
+          <a:effectLst>
+            <a:glow rad="101600">
+              <a:schemeClr val="accent5">
+                <a:satMod val="175000"/>
+                <a:alpha val="40000"/>
+              </a:schemeClr>
+            </a:glow>
+          </a:effectLst>
+        </p:spPr>
+        <p:txBody>
+          <a:bodyPr wrap="square" rtlCol="0">
+            <a:spAutoFit/>
+          </a:bodyPr>
+          <a:lstStyle/>
+          <a:p>
+            <a:r>
+              <a:rPr lang="es-ES" sz="1100" dirty="0" smtClean="0">
+                <a:solidFill>
+                  <a:srgbClr val="274F5F"/>
+                </a:solidFill>
+              </a:rPr>
+              <a:t>Objetivos</a:t>
+            </a:r>
+          </a:p>
+        </p:txBody>
+      </p:sp>
+      <p:sp>
+        <p:nvSpPr>
+          <p:cNvPr id="21" name="20 CuadroTexto"/>
+          <p:cNvSpPr txBox="1"/>
+          <p:nvPr/>
+        </p:nvSpPr>
+        <p:spPr>
+          <a:xfrm>
+            <a:off x="2992015" y="6018415"/>
+            <a:ext cx="1218087" cy="261610"/>
+          </a:xfrm>
+          <a:prstGeom prst="rect">
+            <a:avLst/>
+          </a:prstGeom>
+          <a:noFill/>
+          <a:effectLst>
+            <a:glow rad="101600">
+              <a:schemeClr val="accent5">
+                <a:satMod val="175000"/>
+                <a:alpha val="40000"/>
+              </a:schemeClr>
+            </a:glow>
+          </a:effectLst>
+        </p:spPr>
+        <p:txBody>
+          <a:bodyPr wrap="square" rtlCol="0">
+            <a:spAutoFit/>
+          </a:bodyPr>
+          <a:lstStyle/>
+          <a:p>
+            <a:r>
+              <a:rPr lang="es-ES" sz="1100" dirty="0" smtClean="0">
+                <a:solidFill>
+                  <a:srgbClr val="274F5F"/>
+                </a:solidFill>
+              </a:rPr>
+              <a:t>Estado Arte</a:t>
+            </a:r>
+          </a:p>
+        </p:txBody>
+      </p:sp>
+      <p:sp>
+        <p:nvSpPr>
+          <p:cNvPr id="22" name="21 Redondear rectángulo de esquina sencilla"/>
+          <p:cNvSpPr/>
+          <p:nvPr/>
+        </p:nvSpPr>
+        <p:spPr>
+          <a:xfrm rot="16200000" flipH="1">
+            <a:off x="4636331" y="5501148"/>
+            <a:ext cx="286723" cy="1296145"/>
+          </a:xfrm>
+          <a:prstGeom prst="round1Rect">
+            <a:avLst>
+              <a:gd name="adj" fmla="val 50000"/>
+            </a:avLst>
+          </a:prstGeom>
+          <a:solidFill>
+            <a:schemeClr val="bg1">
+              <a:alpha val="50000"/>
+            </a:schemeClr>
+          </a:solidFill>
+          <a:ln w="25400" cmpd="sng">
+            <a:solidFill>
+              <a:srgbClr val="274F5F"/>
+            </a:solidFill>
+          </a:ln>
+          <a:effectLst/>
+        </p:spPr>
+        <p:style>
+          <a:lnRef idx="2">
+            <a:schemeClr val="accent1"/>
+          </a:lnRef>
+          <a:fillRef idx="1">
+            <a:schemeClr val="lt1"/>
+          </a:fillRef>
+          <a:effectRef idx="0">
+            <a:schemeClr val="accent1"/>
+          </a:effectRef>
+          <a:fontRef idx="minor">
+            <a:schemeClr val="dk1"/>
+          </a:fontRef>
+        </p:style>
+        <p:txBody>
+          <a:bodyPr anchor="ctr"/>
+          <a:lstStyle/>
+          <a:p>
+            <a:pPr algn="ctr" fontAlgn="auto">
+              <a:spcBef>
+                <a:spcPts val="0"/>
+              </a:spcBef>
+              <a:spcAft>
+                <a:spcPts val="0"/>
+              </a:spcAft>
+              <a:defRPr/>
+            </a:pPr>
+            <a:endParaRPr lang="es-ES" dirty="0"/>
+          </a:p>
+        </p:txBody>
+      </p:sp>
+      <p:sp>
+        <p:nvSpPr>
+          <p:cNvPr id="23" name="22 CuadroTexto"/>
+          <p:cNvSpPr txBox="1"/>
+          <p:nvPr/>
+        </p:nvSpPr>
+        <p:spPr>
+          <a:xfrm>
+            <a:off x="4207423" y="6020144"/>
+            <a:ext cx="1214313" cy="261610"/>
+          </a:xfrm>
+          <a:prstGeom prst="rect">
+            <a:avLst/>
+          </a:prstGeom>
+          <a:noFill/>
+          <a:effectLst>
+            <a:glow rad="101600">
+              <a:schemeClr val="accent5">
+                <a:satMod val="175000"/>
+                <a:alpha val="40000"/>
+              </a:schemeClr>
+            </a:glow>
+          </a:effectLst>
+        </p:spPr>
+        <p:txBody>
+          <a:bodyPr wrap="square" rtlCol="0">
+            <a:spAutoFit/>
+          </a:bodyPr>
+          <a:lstStyle/>
+          <a:p>
+            <a:r>
+              <a:rPr lang="es-ES" sz="1100" dirty="0" smtClean="0">
+                <a:solidFill>
+                  <a:srgbClr val="274F5F"/>
+                </a:solidFill>
+              </a:rPr>
+              <a:t>Método trabajo</a:t>
+            </a:r>
+            <a:endParaRPr lang="es-ES" sz="1100" dirty="0" smtClean="0">
+              <a:solidFill>
+                <a:srgbClr val="274F5F"/>
+              </a:solidFill>
+            </a:endParaRPr>
+          </a:p>
+        </p:txBody>
+      </p:sp>
+      <p:sp>
+        <p:nvSpPr>
+          <p:cNvPr id="24" name="23 Redondear rectángulo de esquina sencilla"/>
+          <p:cNvSpPr/>
+          <p:nvPr/>
+        </p:nvSpPr>
+        <p:spPr>
+          <a:xfrm rot="16200000" flipH="1">
+            <a:off x="5932476" y="5511690"/>
+            <a:ext cx="286723" cy="1296145"/>
+          </a:xfrm>
+          <a:prstGeom prst="round1Rect">
+            <a:avLst>
+              <a:gd name="adj" fmla="val 50000"/>
+            </a:avLst>
+          </a:prstGeom>
+          <a:solidFill>
+            <a:schemeClr val="bg1">
+              <a:alpha val="50000"/>
+            </a:schemeClr>
+          </a:solidFill>
+          <a:ln w="25400" cmpd="sng">
+            <a:solidFill>
+              <a:srgbClr val="274F5F"/>
+            </a:solidFill>
+          </a:ln>
+          <a:effectLst/>
+        </p:spPr>
+        <p:style>
+          <a:lnRef idx="2">
+            <a:schemeClr val="accent1"/>
+          </a:lnRef>
+          <a:fillRef idx="1">
+            <a:schemeClr val="lt1"/>
+          </a:fillRef>
+          <a:effectRef idx="0">
+            <a:schemeClr val="accent1"/>
+          </a:effectRef>
+          <a:fontRef idx="minor">
+            <a:schemeClr val="dk1"/>
+          </a:fontRef>
+        </p:style>
+        <p:txBody>
+          <a:bodyPr anchor="ctr"/>
+          <a:lstStyle/>
+          <a:p>
+            <a:pPr algn="ctr" fontAlgn="auto">
+              <a:spcBef>
+                <a:spcPts val="0"/>
+              </a:spcBef>
+              <a:spcAft>
+                <a:spcPts val="0"/>
+              </a:spcAft>
+              <a:defRPr/>
+            </a:pPr>
+            <a:endParaRPr lang="es-ES" dirty="0"/>
+          </a:p>
+        </p:txBody>
+      </p:sp>
+      <p:sp>
+        <p:nvSpPr>
+          <p:cNvPr id="25" name="24 CuadroTexto"/>
+          <p:cNvSpPr txBox="1"/>
+          <p:nvPr/>
+        </p:nvSpPr>
+        <p:spPr>
+          <a:xfrm>
+            <a:off x="5609365" y="6026921"/>
+            <a:ext cx="1149172" cy="261610"/>
+          </a:xfrm>
+          <a:prstGeom prst="rect">
+            <a:avLst/>
+          </a:prstGeom>
+          <a:noFill/>
+          <a:effectLst>
+            <a:glow rad="101600">
+              <a:schemeClr val="accent5">
+                <a:satMod val="175000"/>
+                <a:alpha val="40000"/>
+              </a:schemeClr>
+            </a:glow>
+          </a:effectLst>
+        </p:spPr>
+        <p:txBody>
+          <a:bodyPr wrap="square" rtlCol="0">
+            <a:spAutoFit/>
+          </a:bodyPr>
+          <a:lstStyle/>
+          <a:p>
+            <a:r>
+              <a:rPr lang="es-ES" sz="1100" dirty="0" smtClean="0">
+                <a:solidFill>
+                  <a:srgbClr val="274F5F"/>
+                </a:solidFill>
+              </a:rPr>
+              <a:t>Resultados</a:t>
+            </a:r>
+            <a:endParaRPr lang="es-ES" sz="1100" dirty="0" smtClean="0">
+              <a:solidFill>
+                <a:srgbClr val="274F5F"/>
+              </a:solidFill>
+            </a:endParaRPr>
+          </a:p>
+        </p:txBody>
+      </p:sp>
+      <p:sp>
+        <p:nvSpPr>
+          <p:cNvPr id="26" name="25 Rectángulo"/>
+          <p:cNvSpPr/>
+          <p:nvPr/>
+        </p:nvSpPr>
+        <p:spPr>
+          <a:xfrm>
+            <a:off x="1015848" y="1968258"/>
+            <a:ext cx="7403161" cy="2918748"/>
+          </a:xfrm>
+          <a:prstGeom prst="rect">
+            <a:avLst/>
+          </a:prstGeom>
+        </p:spPr>
+        <p:txBody>
+          <a:bodyPr wrap="square">
+            <a:spAutoFit/>
+          </a:bodyPr>
+          <a:lstStyle/>
+          <a:p>
+            <a:pPr marL="457200" indent="-457200" algn="just" defTabSz="914400">
+              <a:spcBef>
+                <a:spcPts val="2000"/>
+              </a:spcBef>
+              <a:buClr>
+                <a:srgbClr val="274F5F"/>
+              </a:buClr>
+              <a:buSzPct val="90000"/>
+              <a:buFont typeface="Wingdings" pitchFamily="2" charset="2"/>
+              <a:buChar char="q"/>
+            </a:pPr>
+            <a:r>
+              <a:rPr lang="es-ES" sz="2400" dirty="0" smtClean="0">
+                <a:solidFill>
+                  <a:schemeClr val="tx2">
+                    <a:lumMod val="75000"/>
+                  </a:schemeClr>
+                </a:solidFill>
+              </a:rPr>
+              <a:t>Aplicación Web</a:t>
+            </a:r>
+          </a:p>
+          <a:p>
+            <a:pPr marL="457200" indent="-457200" algn="just" defTabSz="914400">
+              <a:spcBef>
+                <a:spcPts val="2000"/>
+              </a:spcBef>
+              <a:buClr>
+                <a:srgbClr val="274F5F"/>
+              </a:buClr>
+              <a:buSzPct val="90000"/>
+              <a:buFont typeface="Wingdings" pitchFamily="2" charset="2"/>
+              <a:buChar char="q"/>
+            </a:pPr>
+            <a:r>
+              <a:rPr lang="es-ES" sz="2400" dirty="0" smtClean="0">
+                <a:solidFill>
+                  <a:schemeClr val="tx2">
+                    <a:lumMod val="75000"/>
+                  </a:schemeClr>
+                </a:solidFill>
+              </a:rPr>
+              <a:t>Incorporar BIRT</a:t>
+            </a:r>
+          </a:p>
+          <a:p>
+            <a:pPr marL="457200" indent="-457200" algn="just" defTabSz="914400">
+              <a:spcBef>
+                <a:spcPts val="2000"/>
+              </a:spcBef>
+              <a:buClr>
+                <a:srgbClr val="274F5F"/>
+              </a:buClr>
+              <a:buSzPct val="90000"/>
+              <a:buFont typeface="Wingdings" pitchFamily="2" charset="2"/>
+              <a:buChar char="q"/>
+            </a:pPr>
+            <a:r>
+              <a:rPr lang="es-ES" sz="2400" dirty="0" smtClean="0">
+                <a:solidFill>
+                  <a:schemeClr val="tx2">
+                    <a:lumMod val="75000"/>
+                  </a:schemeClr>
+                </a:solidFill>
+              </a:rPr>
+              <a:t>Soporte colaborativo</a:t>
+            </a:r>
+          </a:p>
+          <a:p>
+            <a:pPr marL="457200" indent="-457200" algn="just" defTabSz="914400">
+              <a:spcBef>
+                <a:spcPts val="2000"/>
+              </a:spcBef>
+              <a:buClr>
+                <a:srgbClr val="274F5F"/>
+              </a:buClr>
+              <a:buSzPct val="90000"/>
+              <a:buFont typeface="Wingdings" pitchFamily="2" charset="2"/>
+              <a:buChar char="q"/>
+            </a:pPr>
+            <a:r>
+              <a:rPr lang="es-ES" sz="2400" dirty="0" smtClean="0">
+                <a:solidFill>
+                  <a:schemeClr val="tx2">
+                    <a:lumMod val="75000"/>
+                  </a:schemeClr>
+                </a:solidFill>
+              </a:rPr>
+              <a:t>Importar datos de Microsoft Project</a:t>
+            </a:r>
+          </a:p>
+          <a:p>
+            <a:pPr marL="457200" indent="-457200" algn="just" defTabSz="914400">
+              <a:spcBef>
+                <a:spcPts val="2000"/>
+              </a:spcBef>
+              <a:buClr>
+                <a:srgbClr val="274F5F"/>
+              </a:buClr>
+              <a:buSzPct val="90000"/>
+              <a:buFont typeface="Wingdings" pitchFamily="2" charset="2"/>
+              <a:buChar char="q"/>
+            </a:pPr>
+            <a:endParaRPr lang="es-ES" dirty="0" smtClean="0">
+              <a:solidFill>
+                <a:schemeClr val="tx2">
+                  <a:lumMod val="75000"/>
+                </a:schemeClr>
+              </a:solidFill>
+            </a:endParaRPr>
+          </a:p>
+        </p:txBody>
+      </p:sp>
+      <p:sp>
+        <p:nvSpPr>
+          <p:cNvPr id="19" name="4 Título"/>
+          <p:cNvSpPr txBox="1">
+            <a:spLocks/>
+          </p:cNvSpPr>
+          <p:nvPr/>
+        </p:nvSpPr>
+        <p:spPr>
+          <a:xfrm>
+            <a:off x="1115616" y="0"/>
+            <a:ext cx="7920880" cy="650405"/>
+          </a:xfrm>
+          <a:prstGeom prst="rect">
+            <a:avLst/>
+          </a:prstGeom>
+          <a:solidFill>
+            <a:schemeClr val="accent5">
+              <a:alpha val="0"/>
+            </a:schemeClr>
+          </a:solidFill>
+          <a:ln w="3175" cap="flat" cmpd="sng" algn="ctr">
+            <a:noFill/>
+            <a:prstDash val="solid"/>
+          </a:ln>
+          <a:effectLst/>
+        </p:spPr>
+        <p:txBody>
+          <a:bodyPr anchor="t">
+            <a:normAutofit fontScale="90000" lnSpcReduction="10000"/>
+          </a:bodyPr>
+          <a:lstStyle>
+            <a:lvl1pPr algn="r" defTabSz="1072866" rtl="0" eaLnBrk="1" latinLnBrk="0" hangingPunct="1">
+              <a:spcBef>
+                <a:spcPct val="0"/>
+              </a:spcBef>
+              <a:buNone/>
+              <a:defRPr sz="3600" b="1" kern="1200" cap="all" spc="300">
+                <a:ln>
+                  <a:solidFill>
+                    <a:schemeClr val="tx2"/>
+                  </a:solidFill>
+                </a:ln>
+                <a:solidFill>
+                  <a:srgbClr val="274F5F"/>
+                </a:solidFill>
+                <a:latin typeface="+mj-lt"/>
+                <a:ea typeface="+mj-ea"/>
+                <a:cs typeface="+mj-cs"/>
+              </a:defRPr>
+            </a:lvl1pPr>
+            <a:lvl2pPr>
+              <a:defRPr/>
+            </a:lvl2pPr>
+            <a:lvl3pPr>
+              <a:defRPr/>
+            </a:lvl3pPr>
+            <a:lvl4pPr>
+              <a:defRPr/>
+            </a:lvl4pPr>
+            <a:lvl5pPr>
+              <a:defRPr/>
+            </a:lvl5pPr>
+            <a:lvl6pPr>
+              <a:defRPr/>
+            </a:lvl6pPr>
+            <a:lvl7pPr>
+              <a:defRPr/>
+            </a:lvl7pPr>
+            <a:lvl8pPr>
+              <a:defRPr/>
+            </a:lvl8pPr>
+            <a:lvl9pPr>
+              <a:defRPr/>
+            </a:lvl9pPr>
+          </a:lstStyle>
+          <a:p>
+            <a:r>
+              <a:rPr lang="es-ES" sz="2700" dirty="0" smtClean="0"/>
+              <a:t>conclusiones</a:t>
+            </a:r>
+            <a:endParaRPr lang="es-ES" sz="2700" dirty="0" smtClean="0"/>
+          </a:p>
+          <a:p>
+            <a:r>
+              <a:rPr lang="es-ES" sz="1800" b="0" dirty="0" smtClean="0"/>
+              <a:t>Trabajo futuro</a:t>
+            </a:r>
+            <a:endParaRPr lang="es-ES" sz="1800" b="0" dirty="0"/>
+          </a:p>
+        </p:txBody>
+      </p:sp>
+    </p:spTree>
+    <p:extLst>
+      <p:ext uri="{BB962C8B-B14F-4D97-AF65-F5344CB8AC3E}">
+        <p14:creationId xmlns:p14="http://schemas.microsoft.com/office/powerpoint/2010/main" val="3261977637"/>
       </p:ext>
     </p:extLst>
   </p:cSld>
@@ -30370,24 +37655,20 @@
               <a:buChar char="q"/>
             </a:pPr>
             <a:r>
-              <a:rPr lang="es-ES" sz="2400" dirty="0" smtClean="0">
-                <a:solidFill>
-                  <a:schemeClr val="tx2">
-                    <a:lumMod val="75000"/>
-                  </a:schemeClr>
-                </a:solidFill>
-              </a:rPr>
+              <a:rPr lang="es-ES" sz="2400" dirty="0" smtClean="0"/>
               <a:t>Desafíos en </a:t>
             </a:r>
             <a:r>
-              <a:rPr lang="es-ES" sz="2400" b="1" dirty="0" smtClean="0">
-                <a:solidFill>
-                  <a:schemeClr val="tx2">
-                    <a:lumMod val="75000"/>
-                  </a:schemeClr>
-                </a:solidFill>
-              </a:rPr>
-              <a:t>Gestión de Conocimiento y Decisiones</a:t>
+              <a:rPr lang="es-ES" sz="2400" b="1" dirty="0" smtClean="0"/>
+              <a:t>Gestión de Conocimiento </a:t>
+            </a:r>
+            <a:r>
+              <a:rPr lang="es-ES" sz="2400" b="1" dirty="0" smtClean="0"/>
+              <a:t>y de  </a:t>
+            </a:r>
+            <a:r>
+              <a:rPr lang="es-ES" sz="2400" b="1" dirty="0" smtClean="0"/>
+              <a:t>Decisiones</a:t>
             </a:r>
           </a:p>
         </p:txBody>
@@ -31745,9 +39026,104 @@
   <p:timing>
     <p:tnLst>
       <p:par>
-        <p:cTn id="1" dur="indefinite" restart="never" nodeType="tmRoot"/>
+        <p:cTn id="1" dur="indefinite" restart="never" nodeType="tmRoot">
+          <p:childTnLst>
+            <p:seq concurrent="1" nextAc="seek">
+              <p:cTn id="2" dur="indefinite" nodeType="mainSeq">
+                <p:childTnLst>
+                  <p:par>
+                    <p:cTn id="3" fill="hold">
+                      <p:stCondLst>
+                        <p:cond delay="indefinite"/>
+                      </p:stCondLst>
+                      <p:childTnLst>
+                        <p:par>
+                          <p:cTn id="4" fill="hold">
+                            <p:stCondLst>
+                              <p:cond delay="0"/>
+                            </p:stCondLst>
+                            <p:childTnLst>
+                              <p:par>
+                                <p:cTn id="5" presetID="1" presetClass="emph" presetSubtype="2" fill="hold" grpId="0" nodeType="clickEffect">
+                                  <p:stCondLst>
+                                    <p:cond delay="0"/>
+                                  </p:stCondLst>
+                                  <p:childTnLst>
+                                    <p:animClr clrSpc="rgb" dir="cw">
+                                      <p:cBhvr>
+                                        <p:cTn id="6" dur="3000" fill="hold"/>
+                                        <p:tgtEl>
+                                          <p:spTgt spid="37"/>
+                                        </p:tgtEl>
+                                        <p:attrNameLst>
+                                          <p:attrName>fillcolor</p:attrName>
+                                        </p:attrNameLst>
+                                      </p:cBhvr>
+                                      <p:to>
+                                        <a:srgbClr val="FF7D7D"/>
+                                      </p:to>
+                                    </p:animClr>
+                                    <p:set>
+                                      <p:cBhvr>
+                                        <p:cTn id="7" dur="3000" fill="hold"/>
+                                        <p:tgtEl>
+                                          <p:spTgt spid="37"/>
+                                        </p:tgtEl>
+                                        <p:attrNameLst>
+                                          <p:attrName>fill.type</p:attrName>
+                                        </p:attrNameLst>
+                                      </p:cBhvr>
+                                      <p:to>
+                                        <p:strVal val="solid"/>
+                                      </p:to>
+                                    </p:set>
+                                    <p:set>
+                                      <p:cBhvr>
+                                        <p:cTn id="8" dur="3000" fill="hold"/>
+                                        <p:tgtEl>
+                                          <p:spTgt spid="37"/>
+                                        </p:tgtEl>
+                                        <p:attrNameLst>
+                                          <p:attrName>fill.on</p:attrName>
+                                        </p:attrNameLst>
+                                      </p:cBhvr>
+                                      <p:to>
+                                        <p:strVal val="true"/>
+                                      </p:to>
+                                    </p:set>
+                                  </p:childTnLst>
+                                </p:cTn>
+                              </p:par>
+                            </p:childTnLst>
+                          </p:cTn>
+                        </p:par>
+                      </p:childTnLst>
+                    </p:cTn>
+                  </p:par>
+                </p:childTnLst>
+              </p:cTn>
+              <p:prevCondLst>
+                <p:cond evt="onPrev" delay="0">
+                  <p:tgtEl>
+                    <p:sldTgt/>
+                  </p:tgtEl>
+                </p:cond>
+              </p:prevCondLst>
+              <p:nextCondLst>
+                <p:cond evt="onNext" delay="0">
+                  <p:tgtEl>
+                    <p:sldTgt/>
+                  </p:tgtEl>
+                </p:cond>
+              </p:nextCondLst>
+            </p:seq>
+          </p:childTnLst>
+        </p:cTn>
       </p:par>
     </p:tnLst>
+    <p:bldLst>
+      <p:bldP spid="37" grpId="0"/>
+    </p:bldLst>
   </p:timing>
 </p:sld>
 </file>
